--- a/JDK9/Java9.pptx
+++ b/JDK9/Java9.pptx
@@ -5,16 +5,26 @@
     <p:sldMasterId id="2147483648" r:id="rId1"/>
   </p:sldMasterIdLst>
   <p:notesMasterIdLst>
-    <p:notesMasterId r:id="rId8"/>
+    <p:notesMasterId r:id="rId19"/>
   </p:notesMasterIdLst>
   <p:sldIdLst>
-    <p:sldId id="256" r:id="rId3"/>
+    <p:sldId id="256" r:id="rId2"/>
+    <p:sldId id="266" r:id="rId3"/>
     <p:sldId id="258" r:id="rId4"/>
     <p:sldId id="259" r:id="rId5"/>
     <p:sldId id="260" r:id="rId6"/>
-    <p:sldId id="261" r:id="rId7"/>
-    <p:sldId id="262" r:id="rId9"/>
-    <p:sldId id="263" r:id="rId10"/>
+    <p:sldId id="270" r:id="rId7"/>
+    <p:sldId id="272" r:id="rId8"/>
+    <p:sldId id="273" r:id="rId9"/>
+    <p:sldId id="271" r:id="rId10"/>
+    <p:sldId id="269" r:id="rId11"/>
+    <p:sldId id="264" r:id="rId12"/>
+    <p:sldId id="262" r:id="rId13"/>
+    <p:sldId id="265" r:id="rId14"/>
+    <p:sldId id="263" r:id="rId15"/>
+    <p:sldId id="261" r:id="rId16"/>
+    <p:sldId id="267" r:id="rId17"/>
+    <p:sldId id="268" r:id="rId18"/>
   </p:sldIdLst>
   <p:sldSz cx="12192000" cy="6858000"/>
   <p:notesSz cx="6858000" cy="9144000"/>
@@ -113,7 +123,2599 @@
       </a:defRPr>
     </a:lvl9pPr>
   </p:defaultTextStyle>
+  <p:extLst>
+    <p:ext uri="{521415D9-36F7-43E2-AB2F-B90AF26B5E84}">
+      <p14:sectionLst xmlns:p14="http://schemas.microsoft.com/office/powerpoint/2010/main">
+        <p14:section name="Face" id="{38828646-172C-44CE-8375-EB0BF7609F7B}">
+          <p14:sldIdLst>
+            <p14:sldId id="256"/>
+            <p14:sldId id="266"/>
+          </p14:sldIdLst>
+        </p14:section>
+        <p14:section name="IDEA配置" id="{CF697121-9B0F-40B3-9D09-166B9ADB1DD1}">
+          <p14:sldIdLst>
+            <p14:sldId id="258"/>
+            <p14:sldId id="259"/>
+            <p14:sldId id="260"/>
+          </p14:sldIdLst>
+        </p14:section>
+        <p14:section name="New Feature" id="{D8DB8A77-C94A-4401-84A8-A2A8F156F113}">
+          <p14:sldIdLst>
+            <p14:sldId id="270"/>
+            <p14:sldId id="272"/>
+            <p14:sldId id="273"/>
+          </p14:sldIdLst>
+        </p14:section>
+        <p14:section name="Java Security of 9" id="{085C22F1-E34A-4FA3-A101-9C1AB7008490}">
+          <p14:sldIdLst>
+            <p14:sldId id="271"/>
+          </p14:sldIdLst>
+        </p14:section>
+        <p14:section name="Module定义" id="{9F30F53C-F01F-4D75-B509-EF4AF54160AB}">
+          <p14:sldIdLst>
+            <p14:sldId id="269"/>
+            <p14:sldId id="264"/>
+            <p14:sldId id="262"/>
+            <p14:sldId id="265"/>
+            <p14:sldId id="263"/>
+            <p14:sldId id="261"/>
+            <p14:sldId id="267"/>
+          </p14:sldIdLst>
+        </p14:section>
+        <p14:section name="标准" id="{398AA791-0F08-4A69-8466-9A2800C57BEB}">
+          <p14:sldIdLst>
+            <p14:sldId id="268"/>
+          </p14:sldIdLst>
+        </p14:section>
+      </p14:sectionLst>
+    </p:ext>
+    <p:ext uri="{EFAFB233-063F-42B5-8137-9DF3F51BA10A}">
+      <p15:sldGuideLst xmlns:p15="http://schemas.microsoft.com/office/powerpoint/2012/main"/>
+    </p:ext>
+  </p:extLst>
 </p:presentation>
+</file>
+
+<file path=ppt/diagrams/colors1.xml><?xml version="1.0" encoding="utf-8"?>
+<dgm:colorsDef xmlns:dgm="http://schemas.openxmlformats.org/drawingml/2006/diagram" xmlns:a="http://schemas.openxmlformats.org/drawingml/2006/main" uniqueId="urn:microsoft.com/office/officeart/2005/8/colors/accent1_2">
+  <dgm:title val=""/>
+  <dgm:desc val=""/>
+  <dgm:catLst>
+    <dgm:cat type="accent1" pri="11200"/>
+  </dgm:catLst>
+  <dgm:styleLbl name="node0">
+    <dgm:fillClrLst meth="repeat">
+      <a:schemeClr val="accent1"/>
+    </dgm:fillClrLst>
+    <dgm:linClrLst meth="repeat">
+      <a:schemeClr val="lt1"/>
+    </dgm:linClrLst>
+    <dgm:effectClrLst/>
+    <dgm:txLinClrLst/>
+    <dgm:txFillClrLst/>
+    <dgm:txEffectClrLst/>
+  </dgm:styleLbl>
+  <dgm:styleLbl name="alignNode1">
+    <dgm:fillClrLst meth="repeat">
+      <a:schemeClr val="accent1"/>
+    </dgm:fillClrLst>
+    <dgm:linClrLst meth="repeat">
+      <a:schemeClr val="accent1"/>
+    </dgm:linClrLst>
+    <dgm:effectClrLst/>
+    <dgm:txLinClrLst/>
+    <dgm:txFillClrLst/>
+    <dgm:txEffectClrLst/>
+  </dgm:styleLbl>
+  <dgm:styleLbl name="node1">
+    <dgm:fillClrLst meth="repeat">
+      <a:schemeClr val="accent1"/>
+    </dgm:fillClrLst>
+    <dgm:linClrLst meth="repeat">
+      <a:schemeClr val="lt1"/>
+    </dgm:linClrLst>
+    <dgm:effectClrLst/>
+    <dgm:txLinClrLst/>
+    <dgm:txFillClrLst/>
+    <dgm:txEffectClrLst/>
+  </dgm:styleLbl>
+  <dgm:styleLbl name="lnNode1">
+    <dgm:fillClrLst meth="repeat">
+      <a:schemeClr val="accent1"/>
+    </dgm:fillClrLst>
+    <dgm:linClrLst meth="repeat">
+      <a:schemeClr val="lt1"/>
+    </dgm:linClrLst>
+    <dgm:effectClrLst/>
+    <dgm:txLinClrLst/>
+    <dgm:txFillClrLst/>
+    <dgm:txEffectClrLst/>
+  </dgm:styleLbl>
+  <dgm:styleLbl name="vennNode1">
+    <dgm:fillClrLst meth="repeat">
+      <a:schemeClr val="accent1">
+        <a:alpha val="50000"/>
+      </a:schemeClr>
+    </dgm:fillClrLst>
+    <dgm:linClrLst meth="repeat">
+      <a:schemeClr val="lt1"/>
+    </dgm:linClrLst>
+    <dgm:effectClrLst/>
+    <dgm:txLinClrLst/>
+    <dgm:txFillClrLst/>
+    <dgm:txEffectClrLst/>
+  </dgm:styleLbl>
+  <dgm:styleLbl name="node2">
+    <dgm:fillClrLst meth="repeat">
+      <a:schemeClr val="accent1"/>
+    </dgm:fillClrLst>
+    <dgm:linClrLst meth="repeat">
+      <a:schemeClr val="lt1"/>
+    </dgm:linClrLst>
+    <dgm:effectClrLst/>
+    <dgm:txLinClrLst/>
+    <dgm:txFillClrLst/>
+    <dgm:txEffectClrLst/>
+  </dgm:styleLbl>
+  <dgm:styleLbl name="node3">
+    <dgm:fillClrLst meth="repeat">
+      <a:schemeClr val="accent1"/>
+    </dgm:fillClrLst>
+    <dgm:linClrLst meth="repeat">
+      <a:schemeClr val="lt1"/>
+    </dgm:linClrLst>
+    <dgm:effectClrLst/>
+    <dgm:txLinClrLst/>
+    <dgm:txFillClrLst/>
+    <dgm:txEffectClrLst/>
+  </dgm:styleLbl>
+  <dgm:styleLbl name="node4">
+    <dgm:fillClrLst meth="repeat">
+      <a:schemeClr val="accent1"/>
+    </dgm:fillClrLst>
+    <dgm:linClrLst meth="repeat">
+      <a:schemeClr val="lt1"/>
+    </dgm:linClrLst>
+    <dgm:effectClrLst/>
+    <dgm:txLinClrLst/>
+    <dgm:txFillClrLst/>
+    <dgm:txEffectClrLst/>
+  </dgm:styleLbl>
+  <dgm:styleLbl name="fgImgPlace1">
+    <dgm:fillClrLst meth="repeat">
+      <a:schemeClr val="accent1">
+        <a:tint val="50000"/>
+      </a:schemeClr>
+    </dgm:fillClrLst>
+    <dgm:linClrLst meth="repeat">
+      <a:schemeClr val="lt1"/>
+    </dgm:linClrLst>
+    <dgm:effectClrLst/>
+    <dgm:txLinClrLst/>
+    <dgm:txFillClrLst meth="repeat">
+      <a:schemeClr val="lt1"/>
+    </dgm:txFillClrLst>
+    <dgm:txEffectClrLst/>
+  </dgm:styleLbl>
+  <dgm:styleLbl name="alignImgPlace1">
+    <dgm:fillClrLst meth="repeat">
+      <a:schemeClr val="accent1">
+        <a:tint val="50000"/>
+      </a:schemeClr>
+    </dgm:fillClrLst>
+    <dgm:linClrLst meth="repeat">
+      <a:schemeClr val="lt1"/>
+    </dgm:linClrLst>
+    <dgm:effectClrLst/>
+    <dgm:txLinClrLst/>
+    <dgm:txFillClrLst meth="repeat">
+      <a:schemeClr val="lt1"/>
+    </dgm:txFillClrLst>
+    <dgm:txEffectClrLst/>
+  </dgm:styleLbl>
+  <dgm:styleLbl name="bgImgPlace1">
+    <dgm:fillClrLst meth="repeat">
+      <a:schemeClr val="accent1">
+        <a:tint val="50000"/>
+      </a:schemeClr>
+    </dgm:fillClrLst>
+    <dgm:linClrLst meth="repeat">
+      <a:schemeClr val="lt1"/>
+    </dgm:linClrLst>
+    <dgm:effectClrLst/>
+    <dgm:txLinClrLst/>
+    <dgm:txFillClrLst meth="repeat">
+      <a:schemeClr val="lt1"/>
+    </dgm:txFillClrLst>
+    <dgm:txEffectClrLst/>
+  </dgm:styleLbl>
+  <dgm:styleLbl name="sibTrans2D1">
+    <dgm:fillClrLst meth="repeat">
+      <a:schemeClr val="accent1">
+        <a:tint val="60000"/>
+      </a:schemeClr>
+    </dgm:fillClrLst>
+    <dgm:linClrLst meth="repeat">
+      <a:schemeClr val="accent1">
+        <a:tint val="60000"/>
+      </a:schemeClr>
+    </dgm:linClrLst>
+    <dgm:effectClrLst/>
+    <dgm:txLinClrLst/>
+    <dgm:txFillClrLst/>
+    <dgm:txEffectClrLst/>
+  </dgm:styleLbl>
+  <dgm:styleLbl name="fgSibTrans2D1">
+    <dgm:fillClrLst meth="repeat">
+      <a:schemeClr val="accent1">
+        <a:tint val="60000"/>
+      </a:schemeClr>
+    </dgm:fillClrLst>
+    <dgm:linClrLst meth="repeat">
+      <a:schemeClr val="accent1">
+        <a:tint val="60000"/>
+      </a:schemeClr>
+    </dgm:linClrLst>
+    <dgm:effectClrLst/>
+    <dgm:txLinClrLst/>
+    <dgm:txFillClrLst/>
+    <dgm:txEffectClrLst/>
+  </dgm:styleLbl>
+  <dgm:styleLbl name="bgSibTrans2D1">
+    <dgm:fillClrLst meth="repeat">
+      <a:schemeClr val="accent1">
+        <a:tint val="60000"/>
+      </a:schemeClr>
+    </dgm:fillClrLst>
+    <dgm:linClrLst meth="repeat">
+      <a:schemeClr val="accent1">
+        <a:tint val="60000"/>
+      </a:schemeClr>
+    </dgm:linClrLst>
+    <dgm:effectClrLst/>
+    <dgm:txLinClrLst/>
+    <dgm:txFillClrLst/>
+    <dgm:txEffectClrLst/>
+  </dgm:styleLbl>
+  <dgm:styleLbl name="sibTrans1D1">
+    <dgm:fillClrLst meth="repeat">
+      <a:schemeClr val="accent1"/>
+    </dgm:fillClrLst>
+    <dgm:linClrLst meth="repeat">
+      <a:schemeClr val="accent1"/>
+    </dgm:linClrLst>
+    <dgm:effectClrLst/>
+    <dgm:txLinClrLst/>
+    <dgm:txFillClrLst meth="repeat">
+      <a:schemeClr val="tx1"/>
+    </dgm:txFillClrLst>
+    <dgm:txEffectClrLst/>
+  </dgm:styleLbl>
+  <dgm:styleLbl name="callout">
+    <dgm:fillClrLst meth="repeat">
+      <a:schemeClr val="accent1"/>
+    </dgm:fillClrLst>
+    <dgm:linClrLst meth="repeat">
+      <a:schemeClr val="accent1">
+        <a:tint val="50000"/>
+      </a:schemeClr>
+    </dgm:linClrLst>
+    <dgm:effectClrLst/>
+    <dgm:txLinClrLst/>
+    <dgm:txFillClrLst meth="repeat">
+      <a:schemeClr val="tx1"/>
+    </dgm:txFillClrLst>
+    <dgm:txEffectClrLst/>
+  </dgm:styleLbl>
+  <dgm:styleLbl name="asst0">
+    <dgm:fillClrLst meth="repeat">
+      <a:schemeClr val="accent1"/>
+    </dgm:fillClrLst>
+    <dgm:linClrLst meth="repeat">
+      <a:schemeClr val="lt1"/>
+    </dgm:linClrLst>
+    <dgm:effectClrLst/>
+    <dgm:txLinClrLst/>
+    <dgm:txFillClrLst/>
+    <dgm:txEffectClrLst/>
+  </dgm:styleLbl>
+  <dgm:styleLbl name="asst1">
+    <dgm:fillClrLst meth="repeat">
+      <a:schemeClr val="accent1"/>
+    </dgm:fillClrLst>
+    <dgm:linClrLst meth="repeat">
+      <a:schemeClr val="lt1"/>
+    </dgm:linClrLst>
+    <dgm:effectClrLst/>
+    <dgm:txLinClrLst/>
+    <dgm:txFillClrLst/>
+    <dgm:txEffectClrLst/>
+  </dgm:styleLbl>
+  <dgm:styleLbl name="asst2">
+    <dgm:fillClrLst meth="repeat">
+      <a:schemeClr val="accent1"/>
+    </dgm:fillClrLst>
+    <dgm:linClrLst meth="repeat">
+      <a:schemeClr val="lt1"/>
+    </dgm:linClrLst>
+    <dgm:effectClrLst/>
+    <dgm:txLinClrLst/>
+    <dgm:txFillClrLst/>
+    <dgm:txEffectClrLst/>
+  </dgm:styleLbl>
+  <dgm:styleLbl name="asst3">
+    <dgm:fillClrLst meth="repeat">
+      <a:schemeClr val="accent1"/>
+    </dgm:fillClrLst>
+    <dgm:linClrLst meth="repeat">
+      <a:schemeClr val="lt1"/>
+    </dgm:linClrLst>
+    <dgm:effectClrLst/>
+    <dgm:txLinClrLst/>
+    <dgm:txFillClrLst/>
+    <dgm:txEffectClrLst/>
+  </dgm:styleLbl>
+  <dgm:styleLbl name="asst4">
+    <dgm:fillClrLst meth="repeat">
+      <a:schemeClr val="accent1"/>
+    </dgm:fillClrLst>
+    <dgm:linClrLst meth="repeat">
+      <a:schemeClr val="lt1"/>
+    </dgm:linClrLst>
+    <dgm:effectClrLst/>
+    <dgm:txLinClrLst/>
+    <dgm:txFillClrLst/>
+    <dgm:txEffectClrLst/>
+  </dgm:styleLbl>
+  <dgm:styleLbl name="parChTrans2D1">
+    <dgm:fillClrLst meth="repeat">
+      <a:schemeClr val="accent1">
+        <a:tint val="60000"/>
+      </a:schemeClr>
+    </dgm:fillClrLst>
+    <dgm:linClrLst meth="repeat">
+      <a:schemeClr val="accent1">
+        <a:tint val="60000"/>
+      </a:schemeClr>
+    </dgm:linClrLst>
+    <dgm:effectClrLst/>
+    <dgm:txLinClrLst/>
+    <dgm:txFillClrLst meth="repeat">
+      <a:schemeClr val="lt1"/>
+    </dgm:txFillClrLst>
+    <dgm:txEffectClrLst/>
+  </dgm:styleLbl>
+  <dgm:styleLbl name="parChTrans2D2">
+    <dgm:fillClrLst meth="repeat">
+      <a:schemeClr val="accent1"/>
+    </dgm:fillClrLst>
+    <dgm:linClrLst meth="repeat">
+      <a:schemeClr val="accent1"/>
+    </dgm:linClrLst>
+    <dgm:effectClrLst/>
+    <dgm:txLinClrLst/>
+    <dgm:txFillClrLst meth="repeat">
+      <a:schemeClr val="lt1"/>
+    </dgm:txFillClrLst>
+    <dgm:txEffectClrLst/>
+  </dgm:styleLbl>
+  <dgm:styleLbl name="parChTrans2D3">
+    <dgm:fillClrLst meth="repeat">
+      <a:schemeClr val="accent1"/>
+    </dgm:fillClrLst>
+    <dgm:linClrLst meth="repeat">
+      <a:schemeClr val="accent1"/>
+    </dgm:linClrLst>
+    <dgm:effectClrLst/>
+    <dgm:txLinClrLst/>
+    <dgm:txFillClrLst meth="repeat">
+      <a:schemeClr val="lt1"/>
+    </dgm:txFillClrLst>
+    <dgm:txEffectClrLst/>
+  </dgm:styleLbl>
+  <dgm:styleLbl name="parChTrans2D4">
+    <dgm:fillClrLst meth="repeat">
+      <a:schemeClr val="accent1"/>
+    </dgm:fillClrLst>
+    <dgm:linClrLst meth="repeat">
+      <a:schemeClr val="accent1"/>
+    </dgm:linClrLst>
+    <dgm:effectClrLst/>
+    <dgm:txLinClrLst/>
+    <dgm:txFillClrLst meth="repeat">
+      <a:schemeClr val="lt1"/>
+    </dgm:txFillClrLst>
+    <dgm:txEffectClrLst/>
+  </dgm:styleLbl>
+  <dgm:styleLbl name="parChTrans1D1">
+    <dgm:fillClrLst meth="repeat">
+      <a:schemeClr val="accent1"/>
+    </dgm:fillClrLst>
+    <dgm:linClrLst meth="repeat">
+      <a:schemeClr val="accent1">
+        <a:shade val="60000"/>
+      </a:schemeClr>
+    </dgm:linClrLst>
+    <dgm:effectClrLst/>
+    <dgm:txLinClrLst/>
+    <dgm:txFillClrLst meth="repeat">
+      <a:schemeClr val="tx1"/>
+    </dgm:txFillClrLst>
+    <dgm:txEffectClrLst/>
+  </dgm:styleLbl>
+  <dgm:styleLbl name="parChTrans1D2">
+    <dgm:fillClrLst meth="repeat">
+      <a:schemeClr val="accent1"/>
+    </dgm:fillClrLst>
+    <dgm:linClrLst meth="repeat">
+      <a:schemeClr val="accent1">
+        <a:shade val="60000"/>
+      </a:schemeClr>
+    </dgm:linClrLst>
+    <dgm:effectClrLst/>
+    <dgm:txLinClrLst/>
+    <dgm:txFillClrLst meth="repeat">
+      <a:schemeClr val="tx1"/>
+    </dgm:txFillClrLst>
+    <dgm:txEffectClrLst/>
+  </dgm:styleLbl>
+  <dgm:styleLbl name="parChTrans1D3">
+    <dgm:fillClrLst meth="repeat">
+      <a:schemeClr val="accent1"/>
+    </dgm:fillClrLst>
+    <dgm:linClrLst meth="repeat">
+      <a:schemeClr val="accent1">
+        <a:shade val="80000"/>
+      </a:schemeClr>
+    </dgm:linClrLst>
+    <dgm:effectClrLst/>
+    <dgm:txLinClrLst/>
+    <dgm:txFillClrLst meth="repeat">
+      <a:schemeClr val="tx1"/>
+    </dgm:txFillClrLst>
+    <dgm:txEffectClrLst/>
+  </dgm:styleLbl>
+  <dgm:styleLbl name="parChTrans1D4">
+    <dgm:fillClrLst meth="repeat">
+      <a:schemeClr val="accent1"/>
+    </dgm:fillClrLst>
+    <dgm:linClrLst meth="repeat">
+      <a:schemeClr val="accent1">
+        <a:shade val="80000"/>
+      </a:schemeClr>
+    </dgm:linClrLst>
+    <dgm:effectClrLst/>
+    <dgm:txLinClrLst/>
+    <dgm:txFillClrLst meth="repeat">
+      <a:schemeClr val="tx1"/>
+    </dgm:txFillClrLst>
+    <dgm:txEffectClrLst/>
+  </dgm:styleLbl>
+  <dgm:styleLbl name="fgAcc1">
+    <dgm:fillClrLst meth="repeat">
+      <a:schemeClr val="lt1">
+        <a:alpha val="90000"/>
+      </a:schemeClr>
+    </dgm:fillClrLst>
+    <dgm:linClrLst meth="repeat">
+      <a:schemeClr val="accent1"/>
+    </dgm:linClrLst>
+    <dgm:effectClrLst/>
+    <dgm:txLinClrLst/>
+    <dgm:txFillClrLst meth="repeat">
+      <a:schemeClr val="dk1"/>
+    </dgm:txFillClrLst>
+    <dgm:txEffectClrLst/>
+  </dgm:styleLbl>
+  <dgm:styleLbl name="conFgAcc1">
+    <dgm:fillClrLst meth="repeat">
+      <a:schemeClr val="lt1">
+        <a:alpha val="90000"/>
+      </a:schemeClr>
+    </dgm:fillClrLst>
+    <dgm:linClrLst meth="repeat">
+      <a:schemeClr val="accent1"/>
+    </dgm:linClrLst>
+    <dgm:effectClrLst/>
+    <dgm:txLinClrLst/>
+    <dgm:txFillClrLst meth="repeat">
+      <a:schemeClr val="dk1"/>
+    </dgm:txFillClrLst>
+    <dgm:txEffectClrLst/>
+  </dgm:styleLbl>
+  <dgm:styleLbl name="alignAcc1">
+    <dgm:fillClrLst meth="repeat">
+      <a:schemeClr val="lt1">
+        <a:alpha val="90000"/>
+      </a:schemeClr>
+    </dgm:fillClrLst>
+    <dgm:linClrLst meth="repeat">
+      <a:schemeClr val="accent1"/>
+    </dgm:linClrLst>
+    <dgm:effectClrLst/>
+    <dgm:txLinClrLst/>
+    <dgm:txFillClrLst meth="repeat">
+      <a:schemeClr val="dk1"/>
+    </dgm:txFillClrLst>
+    <dgm:txEffectClrLst/>
+  </dgm:styleLbl>
+  <dgm:styleLbl name="trAlignAcc1">
+    <dgm:fillClrLst meth="repeat">
+      <a:schemeClr val="lt1">
+        <a:alpha val="40000"/>
+      </a:schemeClr>
+    </dgm:fillClrLst>
+    <dgm:linClrLst meth="repeat">
+      <a:schemeClr val="accent1"/>
+    </dgm:linClrLst>
+    <dgm:effectClrLst/>
+    <dgm:txLinClrLst/>
+    <dgm:txFillClrLst meth="repeat">
+      <a:schemeClr val="dk1"/>
+    </dgm:txFillClrLst>
+    <dgm:txEffectClrLst/>
+  </dgm:styleLbl>
+  <dgm:styleLbl name="bgAcc1">
+    <dgm:fillClrLst meth="repeat">
+      <a:schemeClr val="lt1">
+        <a:alpha val="90000"/>
+      </a:schemeClr>
+    </dgm:fillClrLst>
+    <dgm:linClrLst meth="repeat">
+      <a:schemeClr val="accent1"/>
+    </dgm:linClrLst>
+    <dgm:effectClrLst/>
+    <dgm:txLinClrLst/>
+    <dgm:txFillClrLst meth="repeat">
+      <a:schemeClr val="dk1"/>
+    </dgm:txFillClrLst>
+    <dgm:txEffectClrLst/>
+  </dgm:styleLbl>
+  <dgm:styleLbl name="solidFgAcc1">
+    <dgm:fillClrLst meth="repeat">
+      <a:schemeClr val="lt1"/>
+    </dgm:fillClrLst>
+    <dgm:linClrLst meth="repeat">
+      <a:schemeClr val="accent1"/>
+    </dgm:linClrLst>
+    <dgm:effectClrLst/>
+    <dgm:txLinClrLst/>
+    <dgm:txFillClrLst meth="repeat">
+      <a:schemeClr val="dk1"/>
+    </dgm:txFillClrLst>
+    <dgm:txEffectClrLst/>
+  </dgm:styleLbl>
+  <dgm:styleLbl name="solidAlignAcc1">
+    <dgm:fillClrLst meth="repeat">
+      <a:schemeClr val="lt1"/>
+    </dgm:fillClrLst>
+    <dgm:linClrLst meth="repeat">
+      <a:schemeClr val="accent1"/>
+    </dgm:linClrLst>
+    <dgm:effectClrLst/>
+    <dgm:txLinClrLst/>
+    <dgm:txFillClrLst meth="repeat">
+      <a:schemeClr val="dk1"/>
+    </dgm:txFillClrLst>
+    <dgm:txEffectClrLst/>
+  </dgm:styleLbl>
+  <dgm:styleLbl name="solidBgAcc1">
+    <dgm:fillClrLst meth="repeat">
+      <a:schemeClr val="lt1"/>
+    </dgm:fillClrLst>
+    <dgm:linClrLst meth="repeat">
+      <a:schemeClr val="accent1"/>
+    </dgm:linClrLst>
+    <dgm:effectClrLst/>
+    <dgm:txLinClrLst/>
+    <dgm:txFillClrLst meth="repeat">
+      <a:schemeClr val="dk1"/>
+    </dgm:txFillClrLst>
+    <dgm:txEffectClrLst/>
+  </dgm:styleLbl>
+  <dgm:styleLbl name="fgAccFollowNode1">
+    <dgm:fillClrLst meth="repeat">
+      <a:schemeClr val="accent1">
+        <a:alpha val="90000"/>
+        <a:tint val="40000"/>
+      </a:schemeClr>
+    </dgm:fillClrLst>
+    <dgm:linClrLst meth="repeat">
+      <a:schemeClr val="accent1">
+        <a:alpha val="90000"/>
+        <a:tint val="40000"/>
+      </a:schemeClr>
+    </dgm:linClrLst>
+    <dgm:effectClrLst/>
+    <dgm:txLinClrLst/>
+    <dgm:txFillClrLst meth="repeat">
+      <a:schemeClr val="dk1"/>
+    </dgm:txFillClrLst>
+    <dgm:txEffectClrLst/>
+  </dgm:styleLbl>
+  <dgm:styleLbl name="alignAccFollowNode1">
+    <dgm:fillClrLst meth="repeat">
+      <a:schemeClr val="accent1">
+        <a:alpha val="90000"/>
+        <a:tint val="40000"/>
+      </a:schemeClr>
+    </dgm:fillClrLst>
+    <dgm:linClrLst meth="repeat">
+      <a:schemeClr val="accent1">
+        <a:alpha val="90000"/>
+        <a:tint val="40000"/>
+      </a:schemeClr>
+    </dgm:linClrLst>
+    <dgm:effectClrLst/>
+    <dgm:txLinClrLst/>
+    <dgm:txFillClrLst meth="repeat">
+      <a:schemeClr val="dk1"/>
+    </dgm:txFillClrLst>
+    <dgm:txEffectClrLst/>
+  </dgm:styleLbl>
+  <dgm:styleLbl name="bgAccFollowNode1">
+    <dgm:fillClrLst meth="repeat">
+      <a:schemeClr val="accent1">
+        <a:alpha val="90000"/>
+        <a:tint val="40000"/>
+      </a:schemeClr>
+    </dgm:fillClrLst>
+    <dgm:linClrLst meth="repeat">
+      <a:schemeClr val="accent1">
+        <a:alpha val="90000"/>
+        <a:tint val="40000"/>
+      </a:schemeClr>
+    </dgm:linClrLst>
+    <dgm:effectClrLst/>
+    <dgm:txLinClrLst/>
+    <dgm:txFillClrLst meth="repeat">
+      <a:schemeClr val="dk1"/>
+    </dgm:txFillClrLst>
+    <dgm:txEffectClrLst/>
+  </dgm:styleLbl>
+  <dgm:styleLbl name="fgAcc0">
+    <dgm:fillClrLst meth="repeat">
+      <a:schemeClr val="lt1">
+        <a:alpha val="90000"/>
+      </a:schemeClr>
+    </dgm:fillClrLst>
+    <dgm:linClrLst meth="repeat">
+      <a:schemeClr val="accent1"/>
+    </dgm:linClrLst>
+    <dgm:effectClrLst/>
+    <dgm:txLinClrLst/>
+    <dgm:txFillClrLst meth="repeat">
+      <a:schemeClr val="dk1"/>
+    </dgm:txFillClrLst>
+    <dgm:txEffectClrLst/>
+  </dgm:styleLbl>
+  <dgm:styleLbl name="fgAcc2">
+    <dgm:fillClrLst meth="repeat">
+      <a:schemeClr val="lt1">
+        <a:alpha val="90000"/>
+      </a:schemeClr>
+    </dgm:fillClrLst>
+    <dgm:linClrLst meth="repeat">
+      <a:schemeClr val="accent1"/>
+    </dgm:linClrLst>
+    <dgm:effectClrLst/>
+    <dgm:txLinClrLst/>
+    <dgm:txFillClrLst meth="repeat">
+      <a:schemeClr val="dk1"/>
+    </dgm:txFillClrLst>
+    <dgm:txEffectClrLst/>
+  </dgm:styleLbl>
+  <dgm:styleLbl name="fgAcc3">
+    <dgm:fillClrLst meth="repeat">
+      <a:schemeClr val="lt1">
+        <a:alpha val="90000"/>
+      </a:schemeClr>
+    </dgm:fillClrLst>
+    <dgm:linClrLst meth="repeat">
+      <a:schemeClr val="accent1"/>
+    </dgm:linClrLst>
+    <dgm:effectClrLst/>
+    <dgm:txLinClrLst/>
+    <dgm:txFillClrLst meth="repeat">
+      <a:schemeClr val="dk1"/>
+    </dgm:txFillClrLst>
+    <dgm:txEffectClrLst/>
+  </dgm:styleLbl>
+  <dgm:styleLbl name="fgAcc4">
+    <dgm:fillClrLst meth="repeat">
+      <a:schemeClr val="lt1">
+        <a:alpha val="90000"/>
+      </a:schemeClr>
+    </dgm:fillClrLst>
+    <dgm:linClrLst meth="repeat">
+      <a:schemeClr val="accent1"/>
+    </dgm:linClrLst>
+    <dgm:effectClrLst/>
+    <dgm:txLinClrLst/>
+    <dgm:txFillClrLst meth="repeat">
+      <a:schemeClr val="dk1"/>
+    </dgm:txFillClrLst>
+    <dgm:txEffectClrLst/>
+  </dgm:styleLbl>
+  <dgm:styleLbl name="bgShp">
+    <dgm:fillClrLst meth="repeat">
+      <a:schemeClr val="accent1">
+        <a:tint val="40000"/>
+      </a:schemeClr>
+    </dgm:fillClrLst>
+    <dgm:linClrLst meth="repeat">
+      <a:schemeClr val="accent1"/>
+    </dgm:linClrLst>
+    <dgm:effectClrLst/>
+    <dgm:txLinClrLst/>
+    <dgm:txFillClrLst meth="repeat">
+      <a:schemeClr val="dk1"/>
+    </dgm:txFillClrLst>
+    <dgm:txEffectClrLst/>
+  </dgm:styleLbl>
+  <dgm:styleLbl name="dkBgShp">
+    <dgm:fillClrLst meth="repeat">
+      <a:schemeClr val="accent1">
+        <a:shade val="80000"/>
+      </a:schemeClr>
+    </dgm:fillClrLst>
+    <dgm:linClrLst meth="repeat">
+      <a:schemeClr val="accent1"/>
+    </dgm:linClrLst>
+    <dgm:effectClrLst/>
+    <dgm:txLinClrLst/>
+    <dgm:txFillClrLst meth="repeat">
+      <a:schemeClr val="lt1"/>
+    </dgm:txFillClrLst>
+    <dgm:txEffectClrLst/>
+  </dgm:styleLbl>
+  <dgm:styleLbl name="trBgShp">
+    <dgm:fillClrLst meth="repeat">
+      <a:schemeClr val="accent1">
+        <a:tint val="50000"/>
+        <a:alpha val="40000"/>
+      </a:schemeClr>
+    </dgm:fillClrLst>
+    <dgm:linClrLst meth="repeat">
+      <a:schemeClr val="accent1"/>
+    </dgm:linClrLst>
+    <dgm:effectClrLst/>
+    <dgm:txLinClrLst/>
+    <dgm:txFillClrLst meth="repeat">
+      <a:schemeClr val="lt1"/>
+    </dgm:txFillClrLst>
+    <dgm:txEffectClrLst/>
+  </dgm:styleLbl>
+  <dgm:styleLbl name="fgShp">
+    <dgm:fillClrLst meth="repeat">
+      <a:schemeClr val="accent1">
+        <a:tint val="60000"/>
+      </a:schemeClr>
+    </dgm:fillClrLst>
+    <dgm:linClrLst meth="repeat">
+      <a:schemeClr val="lt1"/>
+    </dgm:linClrLst>
+    <dgm:effectClrLst/>
+    <dgm:txLinClrLst/>
+    <dgm:txFillClrLst meth="repeat">
+      <a:schemeClr val="dk1"/>
+    </dgm:txFillClrLst>
+    <dgm:txEffectClrLst/>
+  </dgm:styleLbl>
+  <dgm:styleLbl name="revTx">
+    <dgm:fillClrLst meth="repeat">
+      <a:schemeClr val="lt1">
+        <a:alpha val="0"/>
+      </a:schemeClr>
+    </dgm:fillClrLst>
+    <dgm:linClrLst meth="repeat">
+      <a:schemeClr val="dk1">
+        <a:alpha val="0"/>
+      </a:schemeClr>
+    </dgm:linClrLst>
+    <dgm:effectClrLst/>
+    <dgm:txLinClrLst/>
+    <dgm:txFillClrLst meth="repeat">
+      <a:schemeClr val="tx1"/>
+    </dgm:txFillClrLst>
+    <dgm:txEffectClrLst/>
+  </dgm:styleLbl>
+</dgm:colorsDef>
+</file>
+
+<file path=ppt/diagrams/data1.xml><?xml version="1.0" encoding="utf-8"?>
+<dgm:dataModel xmlns:dgm="http://schemas.openxmlformats.org/drawingml/2006/diagram" xmlns:a="http://schemas.openxmlformats.org/drawingml/2006/main">
+  <dgm:ptLst>
+    <dgm:pt modelId="{83D3C455-098D-48F8-AEAD-C7FDE67D5B62}" type="doc">
+      <dgm:prSet loTypeId="urn:microsoft.com/office/officeart/2005/8/layout/vList2" loCatId="list" qsTypeId="urn:microsoft.com/office/officeart/2005/8/quickstyle/simple1" qsCatId="simple" csTypeId="urn:microsoft.com/office/officeart/2005/8/colors/accent1_2" csCatId="accent1" phldr="1"/>
+      <dgm:spPr/>
+      <dgm:t>
+        <a:bodyPr/>
+        <a:lstStyle/>
+        <a:p>
+          <a:endParaRPr lang="zh-CN" altLang="en-US"/>
+        </a:p>
+      </dgm:t>
+    </dgm:pt>
+    <dgm:pt modelId="{62CE8BC4-A184-4A77-A4B8-B1A72DA3DDF1}">
+      <dgm:prSet phldrT="[文本]"/>
+      <dgm:spPr/>
+      <dgm:t>
+        <a:bodyPr/>
+        <a:lstStyle/>
+        <a:p>
+          <a:r>
+            <a:rPr lang="zh-CN" altLang="en-US" dirty="0" smtClean="0"/>
+            <a:t>模块化</a:t>
+          </a:r>
+          <a:endParaRPr lang="zh-CN" altLang="en-US" dirty="0"/>
+        </a:p>
+      </dgm:t>
+    </dgm:pt>
+    <dgm:pt modelId="{BF9971C5-5202-4CBA-98E0-D5D8D0B62A98}" type="parTrans" cxnId="{F7D42C13-F068-463C-BDA3-3D9B93A9F2A8}">
+      <dgm:prSet/>
+      <dgm:spPr/>
+      <dgm:t>
+        <a:bodyPr/>
+        <a:lstStyle/>
+        <a:p>
+          <a:endParaRPr lang="zh-CN" altLang="en-US"/>
+        </a:p>
+      </dgm:t>
+    </dgm:pt>
+    <dgm:pt modelId="{10C3EE1F-CEF8-4B31-BB29-82029CDAA2D1}" type="sibTrans" cxnId="{F7D42C13-F068-463C-BDA3-3D9B93A9F2A8}">
+      <dgm:prSet/>
+      <dgm:spPr/>
+      <dgm:t>
+        <a:bodyPr/>
+        <a:lstStyle/>
+        <a:p>
+          <a:endParaRPr lang="zh-CN" altLang="en-US"/>
+        </a:p>
+      </dgm:t>
+    </dgm:pt>
+    <dgm:pt modelId="{DB016792-AA42-4DEA-92B8-77E22429FED9}">
+      <dgm:prSet phldrT="[文本]"/>
+      <dgm:spPr/>
+      <dgm:t>
+        <a:bodyPr/>
+        <a:lstStyle/>
+        <a:p>
+          <a:r>
+            <a:rPr lang="zh-CN" altLang="en-US" dirty="0" smtClean="0"/>
+            <a:t>编程模块化</a:t>
+          </a:r>
+          <a:endParaRPr lang="zh-CN" altLang="en-US" dirty="0"/>
+        </a:p>
+      </dgm:t>
+    </dgm:pt>
+    <dgm:pt modelId="{AE4917A7-336B-448F-BCB0-4AD377ABF380}" type="parTrans" cxnId="{4E5C4E37-19D8-4208-B5B8-5D4EF6F8A036}">
+      <dgm:prSet/>
+      <dgm:spPr/>
+      <dgm:t>
+        <a:bodyPr/>
+        <a:lstStyle/>
+        <a:p>
+          <a:endParaRPr lang="zh-CN" altLang="en-US"/>
+        </a:p>
+      </dgm:t>
+    </dgm:pt>
+    <dgm:pt modelId="{3CFFA478-391D-43AA-A8F0-5A792ECFC54B}" type="sibTrans" cxnId="{4E5C4E37-19D8-4208-B5B8-5D4EF6F8A036}">
+      <dgm:prSet/>
+      <dgm:spPr/>
+      <dgm:t>
+        <a:bodyPr/>
+        <a:lstStyle/>
+        <a:p>
+          <a:endParaRPr lang="zh-CN" altLang="en-US"/>
+        </a:p>
+      </dgm:t>
+    </dgm:pt>
+    <dgm:pt modelId="{E352CCC4-F7D2-4E56-9F8C-ECEE37E79E23}">
+      <dgm:prSet phldrT="[文本]"/>
+      <dgm:spPr/>
+      <dgm:t>
+        <a:bodyPr/>
+        <a:lstStyle/>
+        <a:p>
+          <a:r>
+            <a:rPr lang="zh-CN" altLang="en-US" dirty="0" smtClean="0"/>
+            <a:t>版本号</a:t>
+          </a:r>
+          <a:endParaRPr lang="zh-CN" altLang="en-US" dirty="0"/>
+        </a:p>
+      </dgm:t>
+    </dgm:pt>
+    <dgm:pt modelId="{FE995F70-C43E-4013-8C67-9E237A59DB26}" type="parTrans" cxnId="{7B4C56F6-B62A-445C-BCFE-404F503C890F}">
+      <dgm:prSet/>
+      <dgm:spPr/>
+      <dgm:t>
+        <a:bodyPr/>
+        <a:lstStyle/>
+        <a:p>
+          <a:endParaRPr lang="zh-CN" altLang="en-US"/>
+        </a:p>
+      </dgm:t>
+    </dgm:pt>
+    <dgm:pt modelId="{D2B2D508-DD70-4766-BAB4-5D8DFDEE36A5}" type="sibTrans" cxnId="{7B4C56F6-B62A-445C-BCFE-404F503C890F}">
+      <dgm:prSet/>
+      <dgm:spPr/>
+      <dgm:t>
+        <a:bodyPr/>
+        <a:lstStyle/>
+        <a:p>
+          <a:endParaRPr lang="zh-CN" altLang="en-US"/>
+        </a:p>
+      </dgm:t>
+    </dgm:pt>
+    <dgm:pt modelId="{E18A3E35-DC69-41B5-B6BE-F499BC7DE6E9}">
+      <dgm:prSet phldrT="[文本]"/>
+      <dgm:spPr/>
+      <dgm:t>
+        <a:bodyPr/>
+        <a:lstStyle/>
+        <a:p>
+          <a:r>
+            <a:rPr lang="en-US" altLang="en-US" dirty="0" smtClean="0"/>
+            <a:t>$MAJOR.$MINOR.$SECURITY.$PATCH</a:t>
+          </a:r>
+          <a:endParaRPr lang="zh-CN" altLang="en-US" dirty="0"/>
+        </a:p>
+      </dgm:t>
+    </dgm:pt>
+    <dgm:pt modelId="{7DF126FD-6456-4254-8C89-7FA7FB512697}" type="parTrans" cxnId="{82627E6E-9A4E-4E0B-9081-26A8076621AA}">
+      <dgm:prSet/>
+      <dgm:spPr/>
+      <dgm:t>
+        <a:bodyPr/>
+        <a:lstStyle/>
+        <a:p>
+          <a:endParaRPr lang="zh-CN" altLang="en-US"/>
+        </a:p>
+      </dgm:t>
+    </dgm:pt>
+    <dgm:pt modelId="{49DFEB78-0E01-4485-824A-5DBB66D66165}" type="sibTrans" cxnId="{82627E6E-9A4E-4E0B-9081-26A8076621AA}">
+      <dgm:prSet/>
+      <dgm:spPr/>
+      <dgm:t>
+        <a:bodyPr/>
+        <a:lstStyle/>
+        <a:p>
+          <a:endParaRPr lang="zh-CN" altLang="en-US"/>
+        </a:p>
+      </dgm:t>
+    </dgm:pt>
+    <dgm:pt modelId="{D85EDC4B-294F-408E-A2C6-08AE1FB0EFCE}">
+      <dgm:prSet phldrT="[文本]"/>
+      <dgm:spPr/>
+      <dgm:t>
+        <a:bodyPr/>
+        <a:lstStyle/>
+        <a:p>
+          <a:r>
+            <a:rPr lang="en-US" altLang="zh-CN" dirty="0" smtClean="0"/>
+            <a:t>JDK</a:t>
+          </a:r>
+          <a:r>
+            <a:rPr lang="zh-CN" altLang="en-US" dirty="0" smtClean="0"/>
+            <a:t>模块化</a:t>
+          </a:r>
+          <a:endParaRPr lang="zh-CN" altLang="en-US" dirty="0"/>
+        </a:p>
+      </dgm:t>
+    </dgm:pt>
+    <dgm:pt modelId="{5D0AF1F5-4BAD-432D-B879-4863B71C8B58}" type="parTrans" cxnId="{75820A24-1439-49B9-B6FD-92928F15090A}">
+      <dgm:prSet/>
+      <dgm:spPr/>
+      <dgm:t>
+        <a:bodyPr/>
+        <a:lstStyle/>
+        <a:p>
+          <a:endParaRPr lang="zh-CN" altLang="en-US"/>
+        </a:p>
+      </dgm:t>
+    </dgm:pt>
+    <dgm:pt modelId="{509985E4-7625-4DA2-B78E-7815DEA7FB1C}" type="sibTrans" cxnId="{75820A24-1439-49B9-B6FD-92928F15090A}">
+      <dgm:prSet/>
+      <dgm:spPr/>
+      <dgm:t>
+        <a:bodyPr/>
+        <a:lstStyle/>
+        <a:p>
+          <a:endParaRPr lang="zh-CN" altLang="en-US"/>
+        </a:p>
+      </dgm:t>
+    </dgm:pt>
+    <dgm:pt modelId="{4484BB8A-BFA5-4F94-B297-F64B551B1DFE}" type="pres">
+      <dgm:prSet presAssocID="{83D3C455-098D-48F8-AEAD-C7FDE67D5B62}" presName="linear" presStyleCnt="0">
+        <dgm:presLayoutVars>
+          <dgm:animLvl val="lvl"/>
+          <dgm:resizeHandles val="exact"/>
+        </dgm:presLayoutVars>
+      </dgm:prSet>
+      <dgm:spPr/>
+    </dgm:pt>
+    <dgm:pt modelId="{B2489309-7E07-44C6-9F97-29A3F1BA843D}" type="pres">
+      <dgm:prSet presAssocID="{62CE8BC4-A184-4A77-A4B8-B1A72DA3DDF1}" presName="parentText" presStyleLbl="node1" presStyleIdx="0" presStyleCnt="2">
+        <dgm:presLayoutVars>
+          <dgm:chMax val="0"/>
+          <dgm:bulletEnabled val="1"/>
+        </dgm:presLayoutVars>
+      </dgm:prSet>
+      <dgm:spPr/>
+    </dgm:pt>
+    <dgm:pt modelId="{F0B76614-AB35-4B7E-8DB8-93E9DC580B57}" type="pres">
+      <dgm:prSet presAssocID="{62CE8BC4-A184-4A77-A4B8-B1A72DA3DDF1}" presName="childText" presStyleLbl="revTx" presStyleIdx="0" presStyleCnt="2">
+        <dgm:presLayoutVars>
+          <dgm:bulletEnabled val="1"/>
+        </dgm:presLayoutVars>
+      </dgm:prSet>
+      <dgm:spPr/>
+    </dgm:pt>
+    <dgm:pt modelId="{1D126082-EED5-4642-9D65-173B0F9CB808}" type="pres">
+      <dgm:prSet presAssocID="{E352CCC4-F7D2-4E56-9F8C-ECEE37E79E23}" presName="parentText" presStyleLbl="node1" presStyleIdx="1" presStyleCnt="2">
+        <dgm:presLayoutVars>
+          <dgm:chMax val="0"/>
+          <dgm:bulletEnabled val="1"/>
+        </dgm:presLayoutVars>
+      </dgm:prSet>
+      <dgm:spPr/>
+    </dgm:pt>
+    <dgm:pt modelId="{FD8FF196-C005-4303-9229-5FCD8B7DB750}" type="pres">
+      <dgm:prSet presAssocID="{E352CCC4-F7D2-4E56-9F8C-ECEE37E79E23}" presName="childText" presStyleLbl="revTx" presStyleIdx="1" presStyleCnt="2">
+        <dgm:presLayoutVars>
+          <dgm:bulletEnabled val="1"/>
+        </dgm:presLayoutVars>
+      </dgm:prSet>
+      <dgm:spPr/>
+      <dgm:t>
+        <a:bodyPr/>
+        <a:lstStyle/>
+        <a:p>
+          <a:endParaRPr lang="zh-CN" altLang="en-US"/>
+        </a:p>
+      </dgm:t>
+    </dgm:pt>
+  </dgm:ptLst>
+  <dgm:cxnLst>
+    <dgm:cxn modelId="{7B4C56F6-B62A-445C-BCFE-404F503C890F}" srcId="{83D3C455-098D-48F8-AEAD-C7FDE67D5B62}" destId="{E352CCC4-F7D2-4E56-9F8C-ECEE37E79E23}" srcOrd="1" destOrd="0" parTransId="{FE995F70-C43E-4013-8C67-9E237A59DB26}" sibTransId="{D2B2D508-DD70-4766-BAB4-5D8DFDEE36A5}"/>
+    <dgm:cxn modelId="{CEAC2765-2BCD-40DB-A66F-63E424D8F797}" type="presOf" srcId="{E352CCC4-F7D2-4E56-9F8C-ECEE37E79E23}" destId="{1D126082-EED5-4642-9D65-173B0F9CB808}" srcOrd="0" destOrd="0" presId="urn:microsoft.com/office/officeart/2005/8/layout/vList2"/>
+    <dgm:cxn modelId="{F7D42C13-F068-463C-BDA3-3D9B93A9F2A8}" srcId="{83D3C455-098D-48F8-AEAD-C7FDE67D5B62}" destId="{62CE8BC4-A184-4A77-A4B8-B1A72DA3DDF1}" srcOrd="0" destOrd="0" parTransId="{BF9971C5-5202-4CBA-98E0-D5D8D0B62A98}" sibTransId="{10C3EE1F-CEF8-4B31-BB29-82029CDAA2D1}"/>
+    <dgm:cxn modelId="{82627E6E-9A4E-4E0B-9081-26A8076621AA}" srcId="{E352CCC4-F7D2-4E56-9F8C-ECEE37E79E23}" destId="{E18A3E35-DC69-41B5-B6BE-F499BC7DE6E9}" srcOrd="0" destOrd="0" parTransId="{7DF126FD-6456-4254-8C89-7FA7FB512697}" sibTransId="{49DFEB78-0E01-4485-824A-5DBB66D66165}"/>
+    <dgm:cxn modelId="{75820A24-1439-49B9-B6FD-92928F15090A}" srcId="{62CE8BC4-A184-4A77-A4B8-B1A72DA3DDF1}" destId="{D85EDC4B-294F-408E-A2C6-08AE1FB0EFCE}" srcOrd="1" destOrd="0" parTransId="{5D0AF1F5-4BAD-432D-B879-4863B71C8B58}" sibTransId="{509985E4-7625-4DA2-B78E-7815DEA7FB1C}"/>
+    <dgm:cxn modelId="{D50C455A-AA9C-4E84-BAAE-B523904DE6FF}" type="presOf" srcId="{62CE8BC4-A184-4A77-A4B8-B1A72DA3DDF1}" destId="{B2489309-7E07-44C6-9F97-29A3F1BA843D}" srcOrd="0" destOrd="0" presId="urn:microsoft.com/office/officeart/2005/8/layout/vList2"/>
+    <dgm:cxn modelId="{D0BA8A49-0D87-4A06-82FA-7CA7B1B60040}" type="presOf" srcId="{DB016792-AA42-4DEA-92B8-77E22429FED9}" destId="{F0B76614-AB35-4B7E-8DB8-93E9DC580B57}" srcOrd="0" destOrd="0" presId="urn:microsoft.com/office/officeart/2005/8/layout/vList2"/>
+    <dgm:cxn modelId="{4E5C4E37-19D8-4208-B5B8-5D4EF6F8A036}" srcId="{62CE8BC4-A184-4A77-A4B8-B1A72DA3DDF1}" destId="{DB016792-AA42-4DEA-92B8-77E22429FED9}" srcOrd="0" destOrd="0" parTransId="{AE4917A7-336B-448F-BCB0-4AD377ABF380}" sibTransId="{3CFFA478-391D-43AA-A8F0-5A792ECFC54B}"/>
+    <dgm:cxn modelId="{13BE5975-BD88-4FAE-8209-92A59776B4F2}" type="presOf" srcId="{D85EDC4B-294F-408E-A2C6-08AE1FB0EFCE}" destId="{F0B76614-AB35-4B7E-8DB8-93E9DC580B57}" srcOrd="0" destOrd="1" presId="urn:microsoft.com/office/officeart/2005/8/layout/vList2"/>
+    <dgm:cxn modelId="{9794DDCC-3C21-4652-9441-E26C18D7A786}" type="presOf" srcId="{E18A3E35-DC69-41B5-B6BE-F499BC7DE6E9}" destId="{FD8FF196-C005-4303-9229-5FCD8B7DB750}" srcOrd="0" destOrd="0" presId="urn:microsoft.com/office/officeart/2005/8/layout/vList2"/>
+    <dgm:cxn modelId="{BD3242A7-A427-428A-9AF5-B56D6C5B478C}" type="presOf" srcId="{83D3C455-098D-48F8-AEAD-C7FDE67D5B62}" destId="{4484BB8A-BFA5-4F94-B297-F64B551B1DFE}" srcOrd="0" destOrd="0" presId="urn:microsoft.com/office/officeart/2005/8/layout/vList2"/>
+    <dgm:cxn modelId="{B3D69A18-8269-4C90-8773-8CBBA701D7E9}" type="presParOf" srcId="{4484BB8A-BFA5-4F94-B297-F64B551B1DFE}" destId="{B2489309-7E07-44C6-9F97-29A3F1BA843D}" srcOrd="0" destOrd="0" presId="urn:microsoft.com/office/officeart/2005/8/layout/vList2"/>
+    <dgm:cxn modelId="{145737E6-C320-4C0A-9939-670CB6EC06F2}" type="presParOf" srcId="{4484BB8A-BFA5-4F94-B297-F64B551B1DFE}" destId="{F0B76614-AB35-4B7E-8DB8-93E9DC580B57}" srcOrd="1" destOrd="0" presId="urn:microsoft.com/office/officeart/2005/8/layout/vList2"/>
+    <dgm:cxn modelId="{EA2AC123-4E75-456F-9E8B-C29766776A3B}" type="presParOf" srcId="{4484BB8A-BFA5-4F94-B297-F64B551B1DFE}" destId="{1D126082-EED5-4642-9D65-173B0F9CB808}" srcOrd="2" destOrd="0" presId="urn:microsoft.com/office/officeart/2005/8/layout/vList2"/>
+    <dgm:cxn modelId="{34CDDCB0-7CCA-4F3D-85C5-8286206E141E}" type="presParOf" srcId="{4484BB8A-BFA5-4F94-B297-F64B551B1DFE}" destId="{FD8FF196-C005-4303-9229-5FCD8B7DB750}" srcOrd="3" destOrd="0" presId="urn:microsoft.com/office/officeart/2005/8/layout/vList2"/>
+  </dgm:cxnLst>
+  <dgm:bg/>
+  <dgm:whole/>
+  <dgm:extLst>
+    <a:ext uri="http://schemas.microsoft.com/office/drawing/2008/diagram">
+      <dsp:dataModelExt xmlns:dsp="http://schemas.microsoft.com/office/drawing/2008/diagram" relId="rId7" minVer="http://schemas.openxmlformats.org/drawingml/2006/diagram"/>
+    </a:ext>
+  </dgm:extLst>
+</dgm:dataModel>
+</file>
+
+<file path=ppt/diagrams/drawing1.xml><?xml version="1.0" encoding="utf-8"?>
+<dsp:drawing xmlns:dgm="http://schemas.openxmlformats.org/drawingml/2006/diagram" xmlns:dsp="http://schemas.microsoft.com/office/drawing/2008/diagram" xmlns:a="http://schemas.openxmlformats.org/drawingml/2006/main">
+  <dsp:spTree>
+    <dsp:nvGrpSpPr>
+      <dsp:cNvPr id="0" name=""/>
+      <dsp:cNvGrpSpPr/>
+    </dsp:nvGrpSpPr>
+    <dsp:grpSpPr/>
+    <dsp:sp modelId="{B2489309-7E07-44C6-9F97-29A3F1BA843D}">
+      <dsp:nvSpPr>
+        <dsp:cNvPr id="0" name=""/>
+        <dsp:cNvSpPr/>
+      </dsp:nvSpPr>
+      <dsp:spPr>
+        <a:xfrm>
+          <a:off x="0" y="14812"/>
+          <a:ext cx="10439400" cy="1131975"/>
+        </a:xfrm>
+        <a:prstGeom prst="roundRect">
+          <a:avLst/>
+        </a:prstGeom>
+        <a:solidFill>
+          <a:schemeClr val="accent1">
+            <a:hueOff val="0"/>
+            <a:satOff val="0"/>
+            <a:lumOff val="0"/>
+            <a:alphaOff val="0"/>
+          </a:schemeClr>
+        </a:solidFill>
+        <a:ln w="12700" cap="flat" cmpd="sng" algn="ctr">
+          <a:solidFill>
+            <a:schemeClr val="lt1">
+              <a:hueOff val="0"/>
+              <a:satOff val="0"/>
+              <a:lumOff val="0"/>
+              <a:alphaOff val="0"/>
+            </a:schemeClr>
+          </a:solidFill>
+          <a:prstDash val="solid"/>
+          <a:miter lim="800000"/>
+        </a:ln>
+        <a:effectLst/>
+      </dsp:spPr>
+      <dsp:style>
+        <a:lnRef idx="2">
+          <a:scrgbClr r="0" g="0" b="0"/>
+        </a:lnRef>
+        <a:fillRef idx="1">
+          <a:scrgbClr r="0" g="0" b="0"/>
+        </a:fillRef>
+        <a:effectRef idx="0">
+          <a:scrgbClr r="0" g="0" b="0"/>
+        </a:effectRef>
+        <a:fontRef idx="minor">
+          <a:schemeClr val="lt1"/>
+        </a:fontRef>
+      </dsp:style>
+      <dsp:txBody>
+        <a:bodyPr spcFirstLastPara="0" vert="horz" wrap="square" lIns="171450" tIns="171450" rIns="171450" bIns="171450" numCol="1" spcCol="1270" anchor="ctr" anchorCtr="0">
+          <a:noAutofit/>
+        </a:bodyPr>
+        <a:lstStyle/>
+        <a:p>
+          <a:pPr lvl="0" algn="l" defTabSz="2000250">
+            <a:lnSpc>
+              <a:spcPct val="90000"/>
+            </a:lnSpc>
+            <a:spcBef>
+              <a:spcPct val="0"/>
+            </a:spcBef>
+            <a:spcAft>
+              <a:spcPct val="35000"/>
+            </a:spcAft>
+          </a:pPr>
+          <a:r>
+            <a:rPr lang="zh-CN" altLang="en-US" sz="4500" kern="1200" dirty="0" smtClean="0"/>
+            <a:t>模块化</a:t>
+          </a:r>
+          <a:endParaRPr lang="zh-CN" altLang="en-US" sz="4500" kern="1200" dirty="0"/>
+        </a:p>
+      </dsp:txBody>
+      <dsp:txXfrm>
+        <a:off x="55258" y="70070"/>
+        <a:ext cx="10328884" cy="1021459"/>
+      </dsp:txXfrm>
+    </dsp:sp>
+    <dsp:sp modelId="{F0B76614-AB35-4B7E-8DB8-93E9DC580B57}">
+      <dsp:nvSpPr>
+        <dsp:cNvPr id="0" name=""/>
+        <dsp:cNvSpPr/>
+      </dsp:nvSpPr>
+      <dsp:spPr>
+        <a:xfrm>
+          <a:off x="0" y="1146787"/>
+          <a:ext cx="10439400" cy="1280812"/>
+        </a:xfrm>
+        <a:prstGeom prst="rect">
+          <a:avLst/>
+        </a:prstGeom>
+        <a:noFill/>
+        <a:ln>
+          <a:noFill/>
+        </a:ln>
+        <a:effectLst/>
+      </dsp:spPr>
+      <dsp:style>
+        <a:lnRef idx="0">
+          <a:scrgbClr r="0" g="0" b="0"/>
+        </a:lnRef>
+        <a:fillRef idx="0">
+          <a:scrgbClr r="0" g="0" b="0"/>
+        </a:fillRef>
+        <a:effectRef idx="0">
+          <a:scrgbClr r="0" g="0" b="0"/>
+        </a:effectRef>
+        <a:fontRef idx="minor"/>
+      </dsp:style>
+      <dsp:txBody>
+        <a:bodyPr spcFirstLastPara="0" vert="horz" wrap="square" lIns="331451" tIns="57150" rIns="320040" bIns="57150" numCol="1" spcCol="1270" anchor="t" anchorCtr="0">
+          <a:noAutofit/>
+        </a:bodyPr>
+        <a:lstStyle/>
+        <a:p>
+          <a:pPr marL="285750" lvl="1" indent="-285750" algn="l" defTabSz="1555750">
+            <a:lnSpc>
+              <a:spcPct val="90000"/>
+            </a:lnSpc>
+            <a:spcBef>
+              <a:spcPct val="0"/>
+            </a:spcBef>
+            <a:spcAft>
+              <a:spcPct val="20000"/>
+            </a:spcAft>
+            <a:buChar char="••"/>
+          </a:pPr>
+          <a:r>
+            <a:rPr lang="zh-CN" altLang="en-US" sz="3500" kern="1200" dirty="0" smtClean="0"/>
+            <a:t>编程模块化</a:t>
+          </a:r>
+          <a:endParaRPr lang="zh-CN" altLang="en-US" sz="3500" kern="1200" dirty="0"/>
+        </a:p>
+        <a:p>
+          <a:pPr marL="285750" lvl="1" indent="-285750" algn="l" defTabSz="1555750">
+            <a:lnSpc>
+              <a:spcPct val="90000"/>
+            </a:lnSpc>
+            <a:spcBef>
+              <a:spcPct val="0"/>
+            </a:spcBef>
+            <a:spcAft>
+              <a:spcPct val="20000"/>
+            </a:spcAft>
+            <a:buChar char="••"/>
+          </a:pPr>
+          <a:r>
+            <a:rPr lang="en-US" altLang="zh-CN" sz="3500" kern="1200" dirty="0" smtClean="0"/>
+            <a:t>JDK</a:t>
+          </a:r>
+          <a:r>
+            <a:rPr lang="zh-CN" altLang="en-US" sz="3500" kern="1200" dirty="0" smtClean="0"/>
+            <a:t>模块化</a:t>
+          </a:r>
+          <a:endParaRPr lang="zh-CN" altLang="en-US" sz="3500" kern="1200" dirty="0"/>
+        </a:p>
+      </dsp:txBody>
+      <dsp:txXfrm>
+        <a:off x="0" y="1146787"/>
+        <a:ext cx="10439400" cy="1280812"/>
+      </dsp:txXfrm>
+    </dsp:sp>
+    <dsp:sp modelId="{1D126082-EED5-4642-9D65-173B0F9CB808}">
+      <dsp:nvSpPr>
+        <dsp:cNvPr id="0" name=""/>
+        <dsp:cNvSpPr/>
+      </dsp:nvSpPr>
+      <dsp:spPr>
+        <a:xfrm>
+          <a:off x="0" y="2427599"/>
+          <a:ext cx="10439400" cy="1131975"/>
+        </a:xfrm>
+        <a:prstGeom prst="roundRect">
+          <a:avLst/>
+        </a:prstGeom>
+        <a:solidFill>
+          <a:schemeClr val="accent1">
+            <a:hueOff val="0"/>
+            <a:satOff val="0"/>
+            <a:lumOff val="0"/>
+            <a:alphaOff val="0"/>
+          </a:schemeClr>
+        </a:solidFill>
+        <a:ln w="12700" cap="flat" cmpd="sng" algn="ctr">
+          <a:solidFill>
+            <a:schemeClr val="lt1">
+              <a:hueOff val="0"/>
+              <a:satOff val="0"/>
+              <a:lumOff val="0"/>
+              <a:alphaOff val="0"/>
+            </a:schemeClr>
+          </a:solidFill>
+          <a:prstDash val="solid"/>
+          <a:miter lim="800000"/>
+        </a:ln>
+        <a:effectLst/>
+      </dsp:spPr>
+      <dsp:style>
+        <a:lnRef idx="2">
+          <a:scrgbClr r="0" g="0" b="0"/>
+        </a:lnRef>
+        <a:fillRef idx="1">
+          <a:scrgbClr r="0" g="0" b="0"/>
+        </a:fillRef>
+        <a:effectRef idx="0">
+          <a:scrgbClr r="0" g="0" b="0"/>
+        </a:effectRef>
+        <a:fontRef idx="minor">
+          <a:schemeClr val="lt1"/>
+        </a:fontRef>
+      </dsp:style>
+      <dsp:txBody>
+        <a:bodyPr spcFirstLastPara="0" vert="horz" wrap="square" lIns="171450" tIns="171450" rIns="171450" bIns="171450" numCol="1" spcCol="1270" anchor="ctr" anchorCtr="0">
+          <a:noAutofit/>
+        </a:bodyPr>
+        <a:lstStyle/>
+        <a:p>
+          <a:pPr lvl="0" algn="l" defTabSz="2000250">
+            <a:lnSpc>
+              <a:spcPct val="90000"/>
+            </a:lnSpc>
+            <a:spcBef>
+              <a:spcPct val="0"/>
+            </a:spcBef>
+            <a:spcAft>
+              <a:spcPct val="35000"/>
+            </a:spcAft>
+          </a:pPr>
+          <a:r>
+            <a:rPr lang="zh-CN" altLang="en-US" sz="4500" kern="1200" dirty="0" smtClean="0"/>
+            <a:t>版本号</a:t>
+          </a:r>
+          <a:endParaRPr lang="zh-CN" altLang="en-US" sz="4500" kern="1200" dirty="0"/>
+        </a:p>
+      </dsp:txBody>
+      <dsp:txXfrm>
+        <a:off x="55258" y="2482857"/>
+        <a:ext cx="10328884" cy="1021459"/>
+      </dsp:txXfrm>
+    </dsp:sp>
+    <dsp:sp modelId="{FD8FF196-C005-4303-9229-5FCD8B7DB750}">
+      <dsp:nvSpPr>
+        <dsp:cNvPr id="0" name=""/>
+        <dsp:cNvSpPr/>
+      </dsp:nvSpPr>
+      <dsp:spPr>
+        <a:xfrm>
+          <a:off x="0" y="3559574"/>
+          <a:ext cx="10439400" cy="745200"/>
+        </a:xfrm>
+        <a:prstGeom prst="rect">
+          <a:avLst/>
+        </a:prstGeom>
+        <a:noFill/>
+        <a:ln>
+          <a:noFill/>
+        </a:ln>
+        <a:effectLst/>
+      </dsp:spPr>
+      <dsp:style>
+        <a:lnRef idx="0">
+          <a:scrgbClr r="0" g="0" b="0"/>
+        </a:lnRef>
+        <a:fillRef idx="0">
+          <a:scrgbClr r="0" g="0" b="0"/>
+        </a:fillRef>
+        <a:effectRef idx="0">
+          <a:scrgbClr r="0" g="0" b="0"/>
+        </a:effectRef>
+        <a:fontRef idx="minor"/>
+      </dsp:style>
+      <dsp:txBody>
+        <a:bodyPr spcFirstLastPara="0" vert="horz" wrap="square" lIns="331451" tIns="57150" rIns="320040" bIns="57150" numCol="1" spcCol="1270" anchor="t" anchorCtr="0">
+          <a:noAutofit/>
+        </a:bodyPr>
+        <a:lstStyle/>
+        <a:p>
+          <a:pPr marL="285750" lvl="1" indent="-285750" algn="l" defTabSz="1555750">
+            <a:lnSpc>
+              <a:spcPct val="90000"/>
+            </a:lnSpc>
+            <a:spcBef>
+              <a:spcPct val="0"/>
+            </a:spcBef>
+            <a:spcAft>
+              <a:spcPct val="20000"/>
+            </a:spcAft>
+            <a:buChar char="••"/>
+          </a:pPr>
+          <a:r>
+            <a:rPr lang="en-US" altLang="en-US" sz="3500" kern="1200" dirty="0" smtClean="0"/>
+            <a:t>$MAJOR.$MINOR.$SECURITY.$PATCH</a:t>
+          </a:r>
+          <a:endParaRPr lang="zh-CN" altLang="en-US" sz="3500" kern="1200" dirty="0"/>
+        </a:p>
+      </dsp:txBody>
+      <dsp:txXfrm>
+        <a:off x="0" y="3559574"/>
+        <a:ext cx="10439400" cy="745200"/>
+      </dsp:txXfrm>
+    </dsp:sp>
+  </dsp:spTree>
+</dsp:drawing>
+</file>
+
+<file path=ppt/diagrams/layout1.xml><?xml version="1.0" encoding="utf-8"?>
+<dgm:layoutDef xmlns:dgm="http://schemas.openxmlformats.org/drawingml/2006/diagram" xmlns:a="http://schemas.openxmlformats.org/drawingml/2006/main" uniqueId="urn:microsoft.com/office/officeart/2005/8/layout/vList2">
+  <dgm:title val=""/>
+  <dgm:desc val=""/>
+  <dgm:catLst>
+    <dgm:cat type="list" pri="3000"/>
+    <dgm:cat type="convert" pri="1000"/>
+  </dgm:catLst>
+  <dgm:sampData>
+    <dgm:dataModel>
+      <dgm:ptLst>
+        <dgm:pt modelId="0" type="doc"/>
+        <dgm:pt modelId="1">
+          <dgm:prSet phldr="1"/>
+        </dgm:pt>
+        <dgm:pt modelId="11">
+          <dgm:prSet phldr="1"/>
+        </dgm:pt>
+        <dgm:pt modelId="2">
+          <dgm:prSet phldr="1"/>
+        </dgm:pt>
+        <dgm:pt modelId="21">
+          <dgm:prSet phldr="1"/>
+        </dgm:pt>
+      </dgm:ptLst>
+      <dgm:cxnLst>
+        <dgm:cxn modelId="4" srcId="0" destId="1" srcOrd="0" destOrd="0"/>
+        <dgm:cxn modelId="5" srcId="0" destId="2" srcOrd="1" destOrd="0"/>
+        <dgm:cxn modelId="12" srcId="1" destId="11" srcOrd="0" destOrd="0"/>
+        <dgm:cxn modelId="23" srcId="2" destId="21" srcOrd="0" destOrd="0"/>
+      </dgm:cxnLst>
+      <dgm:bg/>
+      <dgm:whole/>
+    </dgm:dataModel>
+  </dgm:sampData>
+  <dgm:styleData>
+    <dgm:dataModel>
+      <dgm:ptLst>
+        <dgm:pt modelId="0" type="doc"/>
+        <dgm:pt modelId="1"/>
+        <dgm:pt modelId="2"/>
+      </dgm:ptLst>
+      <dgm:cxnLst>
+        <dgm:cxn modelId="3" srcId="0" destId="1" srcOrd="0" destOrd="0"/>
+        <dgm:cxn modelId="4" srcId="0" destId="2" srcOrd="1" destOrd="0"/>
+      </dgm:cxnLst>
+      <dgm:bg/>
+      <dgm:whole/>
+    </dgm:dataModel>
+  </dgm:styleData>
+  <dgm:clrData>
+    <dgm:dataModel>
+      <dgm:ptLst>
+        <dgm:pt modelId="0" type="doc"/>
+        <dgm:pt modelId="1"/>
+        <dgm:pt modelId="2"/>
+        <dgm:pt modelId="3"/>
+        <dgm:pt modelId="4"/>
+      </dgm:ptLst>
+      <dgm:cxnLst>
+        <dgm:cxn modelId="5" srcId="0" destId="1" srcOrd="0" destOrd="0"/>
+        <dgm:cxn modelId="6" srcId="0" destId="2" srcOrd="1" destOrd="0"/>
+        <dgm:cxn modelId="7" srcId="0" destId="3" srcOrd="2" destOrd="0"/>
+        <dgm:cxn modelId="8" srcId="0" destId="4" srcOrd="3" destOrd="0"/>
+      </dgm:cxnLst>
+      <dgm:bg/>
+      <dgm:whole/>
+    </dgm:dataModel>
+  </dgm:clrData>
+  <dgm:layoutNode name="linear">
+    <dgm:varLst>
+      <dgm:animLvl val="lvl"/>
+      <dgm:resizeHandles val="exact"/>
+    </dgm:varLst>
+    <dgm:alg type="lin">
+      <dgm:param type="linDir" val="fromT"/>
+      <dgm:param type="vertAlign" val="mid"/>
+    </dgm:alg>
+    <dgm:shape xmlns:r="http://schemas.openxmlformats.org/officeDocument/2006/relationships" r:blip="">
+      <dgm:adjLst/>
+    </dgm:shape>
+    <dgm:presOf/>
+    <dgm:constrLst>
+      <dgm:constr type="w" for="ch" forName="parentText" refType="w"/>
+      <dgm:constr type="h" for="ch" forName="parentText" refType="primFontSz" refFor="ch" refForName="parentText" fact="0.52"/>
+      <dgm:constr type="w" for="ch" forName="childText" refType="w"/>
+      <dgm:constr type="h" for="ch" forName="childText" refType="primFontSz" refFor="ch" refForName="parentText" fact="0.46"/>
+      <dgm:constr type="h" for="ch" forName="parentText" op="equ"/>
+      <dgm:constr type="primFontSz" for="ch" forName="parentText" op="equ" val="65"/>
+      <dgm:constr type="primFontSz" for="ch" forName="childText" refType="primFontSz" refFor="ch" refForName="parentText" op="equ"/>
+      <dgm:constr type="h" for="ch" forName="spacer" refType="primFontSz" refFor="ch" refForName="parentText" fact="0.08"/>
+    </dgm:constrLst>
+    <dgm:ruleLst>
+      <dgm:rule type="primFontSz" for="ch" forName="parentText" val="5" fact="NaN" max="NaN"/>
+    </dgm:ruleLst>
+    <dgm:forEach name="Name0" axis="ch" ptType="node">
+      <dgm:layoutNode name="parentText" styleLbl="node1">
+        <dgm:varLst>
+          <dgm:chMax val="0"/>
+          <dgm:bulletEnabled val="1"/>
+        </dgm:varLst>
+        <dgm:alg type="tx">
+          <dgm:param type="parTxLTRAlign" val="l"/>
+          <dgm:param type="parTxRTLAlign" val="r"/>
+        </dgm:alg>
+        <dgm:shape xmlns:r="http://schemas.openxmlformats.org/officeDocument/2006/relationships" type="roundRect" r:blip="">
+          <dgm:adjLst/>
+        </dgm:shape>
+        <dgm:presOf axis="self"/>
+        <dgm:constrLst>
+          <dgm:constr type="tMarg" refType="primFontSz" fact="0.3"/>
+          <dgm:constr type="bMarg" refType="primFontSz" fact="0.3"/>
+          <dgm:constr type="lMarg" refType="primFontSz" fact="0.3"/>
+          <dgm:constr type="rMarg" refType="primFontSz" fact="0.3"/>
+        </dgm:constrLst>
+        <dgm:ruleLst>
+          <dgm:rule type="h" val="INF" fact="NaN" max="NaN"/>
+        </dgm:ruleLst>
+      </dgm:layoutNode>
+      <dgm:choose name="Name1">
+        <dgm:if name="Name2" axis="ch" ptType="node" func="cnt" op="gte" val="1">
+          <dgm:layoutNode name="childText" styleLbl="revTx">
+            <dgm:varLst>
+              <dgm:bulletEnabled val="1"/>
+            </dgm:varLst>
+            <dgm:alg type="tx">
+              <dgm:param type="stBulletLvl" val="1"/>
+              <dgm:param type="lnSpAfChP" val="20"/>
+            </dgm:alg>
+            <dgm:shape xmlns:r="http://schemas.openxmlformats.org/officeDocument/2006/relationships" type="rect" r:blip="">
+              <dgm:adjLst/>
+            </dgm:shape>
+            <dgm:presOf axis="des" ptType="node"/>
+            <dgm:constrLst>
+              <dgm:constr type="tMarg" refType="primFontSz" fact="0.1"/>
+              <dgm:constr type="bMarg" refType="primFontSz" fact="0.1"/>
+              <dgm:constr type="lMarg" refType="w" fact="0.09"/>
+            </dgm:constrLst>
+            <dgm:ruleLst>
+              <dgm:rule type="h" val="INF" fact="NaN" max="NaN"/>
+            </dgm:ruleLst>
+          </dgm:layoutNode>
+        </dgm:if>
+        <dgm:else name="Name3">
+          <dgm:choose name="Name4">
+            <dgm:if name="Name5" axis="par ch" ptType="doc node" func="cnt" op="gte" val="2">
+              <dgm:forEach name="Name6" axis="followSib" ptType="sibTrans" cnt="1">
+                <dgm:layoutNode name="spacer">
+                  <dgm:alg type="sp"/>
+                  <dgm:shape xmlns:r="http://schemas.openxmlformats.org/officeDocument/2006/relationships" r:blip="">
+                    <dgm:adjLst/>
+                  </dgm:shape>
+                  <dgm:presOf/>
+                  <dgm:constrLst/>
+                  <dgm:ruleLst/>
+                </dgm:layoutNode>
+              </dgm:forEach>
+            </dgm:if>
+            <dgm:else name="Name7"/>
+          </dgm:choose>
+        </dgm:else>
+      </dgm:choose>
+    </dgm:forEach>
+  </dgm:layoutNode>
+</dgm:layoutDef>
+</file>
+
+<file path=ppt/diagrams/quickStyle1.xml><?xml version="1.0" encoding="utf-8"?>
+<dgm:styleDef xmlns:dgm="http://schemas.openxmlformats.org/drawingml/2006/diagram" xmlns:a="http://schemas.openxmlformats.org/drawingml/2006/main" uniqueId="urn:microsoft.com/office/officeart/2005/8/quickstyle/simple1">
+  <dgm:title val=""/>
+  <dgm:desc val=""/>
+  <dgm:catLst>
+    <dgm:cat type="simple" pri="10100"/>
+  </dgm:catLst>
+  <dgm:scene3d>
+    <a:camera prst="orthographicFront"/>
+    <a:lightRig rig="threePt" dir="t"/>
+  </dgm:scene3d>
+  <dgm:styleLbl name="node0">
+    <dgm:scene3d>
+      <a:camera prst="orthographicFront"/>
+      <a:lightRig rig="threePt" dir="t"/>
+    </dgm:scene3d>
+    <dgm:sp3d/>
+    <dgm:txPr/>
+    <dgm:style>
+      <a:lnRef idx="2">
+        <a:scrgbClr r="0" g="0" b="0"/>
+      </a:lnRef>
+      <a:fillRef idx="1">
+        <a:scrgbClr r="0" g="0" b="0"/>
+      </a:fillRef>
+      <a:effectRef idx="0">
+        <a:scrgbClr r="0" g="0" b="0"/>
+      </a:effectRef>
+      <a:fontRef idx="minor">
+        <a:schemeClr val="lt1"/>
+      </a:fontRef>
+    </dgm:style>
+  </dgm:styleLbl>
+  <dgm:styleLbl name="lnNode1">
+    <dgm:scene3d>
+      <a:camera prst="orthographicFront"/>
+      <a:lightRig rig="threePt" dir="t"/>
+    </dgm:scene3d>
+    <dgm:sp3d/>
+    <dgm:txPr/>
+    <dgm:style>
+      <a:lnRef idx="2">
+        <a:scrgbClr r="0" g="0" b="0"/>
+      </a:lnRef>
+      <a:fillRef idx="1">
+        <a:scrgbClr r="0" g="0" b="0"/>
+      </a:fillRef>
+      <a:effectRef idx="0">
+        <a:scrgbClr r="0" g="0" b="0"/>
+      </a:effectRef>
+      <a:fontRef idx="minor">
+        <a:schemeClr val="lt1"/>
+      </a:fontRef>
+    </dgm:style>
+  </dgm:styleLbl>
+  <dgm:styleLbl name="vennNode1">
+    <dgm:scene3d>
+      <a:camera prst="orthographicFront"/>
+      <a:lightRig rig="threePt" dir="t"/>
+    </dgm:scene3d>
+    <dgm:sp3d/>
+    <dgm:txPr/>
+    <dgm:style>
+      <a:lnRef idx="2">
+        <a:scrgbClr r="0" g="0" b="0"/>
+      </a:lnRef>
+      <a:fillRef idx="1">
+        <a:scrgbClr r="0" g="0" b="0"/>
+      </a:fillRef>
+      <a:effectRef idx="0">
+        <a:scrgbClr r="0" g="0" b="0"/>
+      </a:effectRef>
+      <a:fontRef idx="minor">
+        <a:schemeClr val="tx1"/>
+      </a:fontRef>
+    </dgm:style>
+  </dgm:styleLbl>
+  <dgm:styleLbl name="alignNode1">
+    <dgm:scene3d>
+      <a:camera prst="orthographicFront"/>
+      <a:lightRig rig="threePt" dir="t"/>
+    </dgm:scene3d>
+    <dgm:sp3d/>
+    <dgm:txPr/>
+    <dgm:style>
+      <a:lnRef idx="2">
+        <a:scrgbClr r="0" g="0" b="0"/>
+      </a:lnRef>
+      <a:fillRef idx="1">
+        <a:scrgbClr r="0" g="0" b="0"/>
+      </a:fillRef>
+      <a:effectRef idx="0">
+        <a:scrgbClr r="0" g="0" b="0"/>
+      </a:effectRef>
+      <a:fontRef idx="minor">
+        <a:schemeClr val="lt1"/>
+      </a:fontRef>
+    </dgm:style>
+  </dgm:styleLbl>
+  <dgm:styleLbl name="node1">
+    <dgm:scene3d>
+      <a:camera prst="orthographicFront"/>
+      <a:lightRig rig="threePt" dir="t"/>
+    </dgm:scene3d>
+    <dgm:sp3d/>
+    <dgm:txPr/>
+    <dgm:style>
+      <a:lnRef idx="2">
+        <a:scrgbClr r="0" g="0" b="0"/>
+      </a:lnRef>
+      <a:fillRef idx="1">
+        <a:scrgbClr r="0" g="0" b="0"/>
+      </a:fillRef>
+      <a:effectRef idx="0">
+        <a:scrgbClr r="0" g="0" b="0"/>
+      </a:effectRef>
+      <a:fontRef idx="minor">
+        <a:schemeClr val="lt1"/>
+      </a:fontRef>
+    </dgm:style>
+  </dgm:styleLbl>
+  <dgm:styleLbl name="node2">
+    <dgm:scene3d>
+      <a:camera prst="orthographicFront"/>
+      <a:lightRig rig="threePt" dir="t"/>
+    </dgm:scene3d>
+    <dgm:sp3d/>
+    <dgm:txPr/>
+    <dgm:style>
+      <a:lnRef idx="2">
+        <a:scrgbClr r="0" g="0" b="0"/>
+      </a:lnRef>
+      <a:fillRef idx="1">
+        <a:scrgbClr r="0" g="0" b="0"/>
+      </a:fillRef>
+      <a:effectRef idx="0">
+        <a:scrgbClr r="0" g="0" b="0"/>
+      </a:effectRef>
+      <a:fontRef idx="minor">
+        <a:schemeClr val="lt1"/>
+      </a:fontRef>
+    </dgm:style>
+  </dgm:styleLbl>
+  <dgm:styleLbl name="node3">
+    <dgm:scene3d>
+      <a:camera prst="orthographicFront"/>
+      <a:lightRig rig="threePt" dir="t"/>
+    </dgm:scene3d>
+    <dgm:sp3d/>
+    <dgm:txPr/>
+    <dgm:style>
+      <a:lnRef idx="2">
+        <a:scrgbClr r="0" g="0" b="0"/>
+      </a:lnRef>
+      <a:fillRef idx="1">
+        <a:scrgbClr r="0" g="0" b="0"/>
+      </a:fillRef>
+      <a:effectRef idx="0">
+        <a:scrgbClr r="0" g="0" b="0"/>
+      </a:effectRef>
+      <a:fontRef idx="minor">
+        <a:schemeClr val="lt1"/>
+      </a:fontRef>
+    </dgm:style>
+  </dgm:styleLbl>
+  <dgm:styleLbl name="node4">
+    <dgm:scene3d>
+      <a:camera prst="orthographicFront"/>
+      <a:lightRig rig="threePt" dir="t"/>
+    </dgm:scene3d>
+    <dgm:sp3d/>
+    <dgm:txPr/>
+    <dgm:style>
+      <a:lnRef idx="2">
+        <a:scrgbClr r="0" g="0" b="0"/>
+      </a:lnRef>
+      <a:fillRef idx="1">
+        <a:scrgbClr r="0" g="0" b="0"/>
+      </a:fillRef>
+      <a:effectRef idx="0">
+        <a:scrgbClr r="0" g="0" b="0"/>
+      </a:effectRef>
+      <a:fontRef idx="minor">
+        <a:schemeClr val="lt1"/>
+      </a:fontRef>
+    </dgm:style>
+  </dgm:styleLbl>
+  <dgm:styleLbl name="fgImgPlace1">
+    <dgm:scene3d>
+      <a:camera prst="orthographicFront"/>
+      <a:lightRig rig="threePt" dir="t"/>
+    </dgm:scene3d>
+    <dgm:sp3d/>
+    <dgm:txPr/>
+    <dgm:style>
+      <a:lnRef idx="2">
+        <a:scrgbClr r="0" g="0" b="0"/>
+      </a:lnRef>
+      <a:fillRef idx="1">
+        <a:scrgbClr r="0" g="0" b="0"/>
+      </a:fillRef>
+      <a:effectRef idx="0">
+        <a:scrgbClr r="0" g="0" b="0"/>
+      </a:effectRef>
+      <a:fontRef idx="minor"/>
+    </dgm:style>
+  </dgm:styleLbl>
+  <dgm:styleLbl name="alignImgPlace1">
+    <dgm:scene3d>
+      <a:camera prst="orthographicFront"/>
+      <a:lightRig rig="threePt" dir="t"/>
+    </dgm:scene3d>
+    <dgm:sp3d/>
+    <dgm:txPr/>
+    <dgm:style>
+      <a:lnRef idx="2">
+        <a:scrgbClr r="0" g="0" b="0"/>
+      </a:lnRef>
+      <a:fillRef idx="1">
+        <a:scrgbClr r="0" g="0" b="0"/>
+      </a:fillRef>
+      <a:effectRef idx="0">
+        <a:scrgbClr r="0" g="0" b="0"/>
+      </a:effectRef>
+      <a:fontRef idx="minor"/>
+    </dgm:style>
+  </dgm:styleLbl>
+  <dgm:styleLbl name="bgImgPlace1">
+    <dgm:scene3d>
+      <a:camera prst="orthographicFront"/>
+      <a:lightRig rig="threePt" dir="t"/>
+    </dgm:scene3d>
+    <dgm:sp3d/>
+    <dgm:txPr/>
+    <dgm:style>
+      <a:lnRef idx="2">
+        <a:scrgbClr r="0" g="0" b="0"/>
+      </a:lnRef>
+      <a:fillRef idx="1">
+        <a:scrgbClr r="0" g="0" b="0"/>
+      </a:fillRef>
+      <a:effectRef idx="0">
+        <a:scrgbClr r="0" g="0" b="0"/>
+      </a:effectRef>
+      <a:fontRef idx="minor"/>
+    </dgm:style>
+  </dgm:styleLbl>
+  <dgm:styleLbl name="sibTrans2D1">
+    <dgm:scene3d>
+      <a:camera prst="orthographicFront"/>
+      <a:lightRig rig="threePt" dir="t"/>
+    </dgm:scene3d>
+    <dgm:sp3d/>
+    <dgm:txPr/>
+    <dgm:style>
+      <a:lnRef idx="0">
+        <a:scrgbClr r="0" g="0" b="0"/>
+      </a:lnRef>
+      <a:fillRef idx="1">
+        <a:scrgbClr r="0" g="0" b="0"/>
+      </a:fillRef>
+      <a:effectRef idx="0">
+        <a:scrgbClr r="0" g="0" b="0"/>
+      </a:effectRef>
+      <a:fontRef idx="minor">
+        <a:schemeClr val="lt1"/>
+      </a:fontRef>
+    </dgm:style>
+  </dgm:styleLbl>
+  <dgm:styleLbl name="fgSibTrans2D1">
+    <dgm:scene3d>
+      <a:camera prst="orthographicFront"/>
+      <a:lightRig rig="threePt" dir="t"/>
+    </dgm:scene3d>
+    <dgm:sp3d/>
+    <dgm:txPr/>
+    <dgm:style>
+      <a:lnRef idx="0">
+        <a:scrgbClr r="0" g="0" b="0"/>
+      </a:lnRef>
+      <a:fillRef idx="1">
+        <a:scrgbClr r="0" g="0" b="0"/>
+      </a:fillRef>
+      <a:effectRef idx="0">
+        <a:scrgbClr r="0" g="0" b="0"/>
+      </a:effectRef>
+      <a:fontRef idx="minor">
+        <a:schemeClr val="lt1"/>
+      </a:fontRef>
+    </dgm:style>
+  </dgm:styleLbl>
+  <dgm:styleLbl name="bgSibTrans2D1">
+    <dgm:scene3d>
+      <a:camera prst="orthographicFront"/>
+      <a:lightRig rig="threePt" dir="t"/>
+    </dgm:scene3d>
+    <dgm:sp3d/>
+    <dgm:txPr/>
+    <dgm:style>
+      <a:lnRef idx="0">
+        <a:scrgbClr r="0" g="0" b="0"/>
+      </a:lnRef>
+      <a:fillRef idx="1">
+        <a:scrgbClr r="0" g="0" b="0"/>
+      </a:fillRef>
+      <a:effectRef idx="0">
+        <a:scrgbClr r="0" g="0" b="0"/>
+      </a:effectRef>
+      <a:fontRef idx="minor">
+        <a:schemeClr val="lt1"/>
+      </a:fontRef>
+    </dgm:style>
+  </dgm:styleLbl>
+  <dgm:styleLbl name="sibTrans1D1">
+    <dgm:scene3d>
+      <a:camera prst="orthographicFront"/>
+      <a:lightRig rig="threePt" dir="t"/>
+    </dgm:scene3d>
+    <dgm:sp3d/>
+    <dgm:txPr/>
+    <dgm:style>
+      <a:lnRef idx="1">
+        <a:scrgbClr r="0" g="0" b="0"/>
+      </a:lnRef>
+      <a:fillRef idx="0">
+        <a:scrgbClr r="0" g="0" b="0"/>
+      </a:fillRef>
+      <a:effectRef idx="0">
+        <a:scrgbClr r="0" g="0" b="0"/>
+      </a:effectRef>
+      <a:fontRef idx="minor"/>
+    </dgm:style>
+  </dgm:styleLbl>
+  <dgm:styleLbl name="callout">
+    <dgm:scene3d>
+      <a:camera prst="orthographicFront"/>
+      <a:lightRig rig="threePt" dir="t"/>
+    </dgm:scene3d>
+    <dgm:sp3d/>
+    <dgm:txPr/>
+    <dgm:style>
+      <a:lnRef idx="2">
+        <a:scrgbClr r="0" g="0" b="0"/>
+      </a:lnRef>
+      <a:fillRef idx="1">
+        <a:scrgbClr r="0" g="0" b="0"/>
+      </a:fillRef>
+      <a:effectRef idx="0">
+        <a:scrgbClr r="0" g="0" b="0"/>
+      </a:effectRef>
+      <a:fontRef idx="minor"/>
+    </dgm:style>
+  </dgm:styleLbl>
+  <dgm:styleLbl name="asst0">
+    <dgm:scene3d>
+      <a:camera prst="orthographicFront"/>
+      <a:lightRig rig="threePt" dir="t"/>
+    </dgm:scene3d>
+    <dgm:sp3d/>
+    <dgm:txPr/>
+    <dgm:style>
+      <a:lnRef idx="2">
+        <a:scrgbClr r="0" g="0" b="0"/>
+      </a:lnRef>
+      <a:fillRef idx="1">
+        <a:scrgbClr r="0" g="0" b="0"/>
+      </a:fillRef>
+      <a:effectRef idx="0">
+        <a:scrgbClr r="0" g="0" b="0"/>
+      </a:effectRef>
+      <a:fontRef idx="minor">
+        <a:schemeClr val="lt1"/>
+      </a:fontRef>
+    </dgm:style>
+  </dgm:styleLbl>
+  <dgm:styleLbl name="asst1">
+    <dgm:scene3d>
+      <a:camera prst="orthographicFront"/>
+      <a:lightRig rig="threePt" dir="t"/>
+    </dgm:scene3d>
+    <dgm:sp3d/>
+    <dgm:txPr/>
+    <dgm:style>
+      <a:lnRef idx="2">
+        <a:scrgbClr r="0" g="0" b="0"/>
+      </a:lnRef>
+      <a:fillRef idx="1">
+        <a:scrgbClr r="0" g="0" b="0"/>
+      </a:fillRef>
+      <a:effectRef idx="0">
+        <a:scrgbClr r="0" g="0" b="0"/>
+      </a:effectRef>
+      <a:fontRef idx="minor">
+        <a:schemeClr val="lt1"/>
+      </a:fontRef>
+    </dgm:style>
+  </dgm:styleLbl>
+  <dgm:styleLbl name="asst2">
+    <dgm:scene3d>
+      <a:camera prst="orthographicFront"/>
+      <a:lightRig rig="threePt" dir="t"/>
+    </dgm:scene3d>
+    <dgm:sp3d/>
+    <dgm:txPr/>
+    <dgm:style>
+      <a:lnRef idx="2">
+        <a:scrgbClr r="0" g="0" b="0"/>
+      </a:lnRef>
+      <a:fillRef idx="1">
+        <a:scrgbClr r="0" g="0" b="0"/>
+      </a:fillRef>
+      <a:effectRef idx="0">
+        <a:scrgbClr r="0" g="0" b="0"/>
+      </a:effectRef>
+      <a:fontRef idx="minor">
+        <a:schemeClr val="lt1"/>
+      </a:fontRef>
+    </dgm:style>
+  </dgm:styleLbl>
+  <dgm:styleLbl name="asst3">
+    <dgm:scene3d>
+      <a:camera prst="orthographicFront"/>
+      <a:lightRig rig="threePt" dir="t"/>
+    </dgm:scene3d>
+    <dgm:sp3d/>
+    <dgm:txPr/>
+    <dgm:style>
+      <a:lnRef idx="2">
+        <a:scrgbClr r="0" g="0" b="0"/>
+      </a:lnRef>
+      <a:fillRef idx="1">
+        <a:scrgbClr r="0" g="0" b="0"/>
+      </a:fillRef>
+      <a:effectRef idx="0">
+        <a:scrgbClr r="0" g="0" b="0"/>
+      </a:effectRef>
+      <a:fontRef idx="minor">
+        <a:schemeClr val="lt1"/>
+      </a:fontRef>
+    </dgm:style>
+  </dgm:styleLbl>
+  <dgm:styleLbl name="asst4">
+    <dgm:scene3d>
+      <a:camera prst="orthographicFront"/>
+      <a:lightRig rig="threePt" dir="t"/>
+    </dgm:scene3d>
+    <dgm:sp3d/>
+    <dgm:txPr/>
+    <dgm:style>
+      <a:lnRef idx="2">
+        <a:scrgbClr r="0" g="0" b="0"/>
+      </a:lnRef>
+      <a:fillRef idx="1">
+        <a:scrgbClr r="0" g="0" b="0"/>
+      </a:fillRef>
+      <a:effectRef idx="0">
+        <a:scrgbClr r="0" g="0" b="0"/>
+      </a:effectRef>
+      <a:fontRef idx="minor">
+        <a:schemeClr val="lt1"/>
+      </a:fontRef>
+    </dgm:style>
+  </dgm:styleLbl>
+  <dgm:styleLbl name="parChTrans2D1">
+    <dgm:scene3d>
+      <a:camera prst="orthographicFront"/>
+      <a:lightRig rig="threePt" dir="t"/>
+    </dgm:scene3d>
+    <dgm:sp3d/>
+    <dgm:txPr/>
+    <dgm:style>
+      <a:lnRef idx="2">
+        <a:scrgbClr r="0" g="0" b="0"/>
+      </a:lnRef>
+      <a:fillRef idx="1">
+        <a:scrgbClr r="0" g="0" b="0"/>
+      </a:fillRef>
+      <a:effectRef idx="0">
+        <a:scrgbClr r="0" g="0" b="0"/>
+      </a:effectRef>
+      <a:fontRef idx="minor">
+        <a:schemeClr val="lt1"/>
+      </a:fontRef>
+    </dgm:style>
+  </dgm:styleLbl>
+  <dgm:styleLbl name="parChTrans2D2">
+    <dgm:scene3d>
+      <a:camera prst="orthographicFront"/>
+      <a:lightRig rig="threePt" dir="t"/>
+    </dgm:scene3d>
+    <dgm:sp3d/>
+    <dgm:txPr/>
+    <dgm:style>
+      <a:lnRef idx="2">
+        <a:scrgbClr r="0" g="0" b="0"/>
+      </a:lnRef>
+      <a:fillRef idx="1">
+        <a:scrgbClr r="0" g="0" b="0"/>
+      </a:fillRef>
+      <a:effectRef idx="0">
+        <a:scrgbClr r="0" g="0" b="0"/>
+      </a:effectRef>
+      <a:fontRef idx="minor">
+        <a:schemeClr val="lt1"/>
+      </a:fontRef>
+    </dgm:style>
+  </dgm:styleLbl>
+  <dgm:styleLbl name="parChTrans2D3">
+    <dgm:scene3d>
+      <a:camera prst="orthographicFront"/>
+      <a:lightRig rig="threePt" dir="t"/>
+    </dgm:scene3d>
+    <dgm:sp3d/>
+    <dgm:txPr/>
+    <dgm:style>
+      <a:lnRef idx="2">
+        <a:scrgbClr r="0" g="0" b="0"/>
+      </a:lnRef>
+      <a:fillRef idx="1">
+        <a:scrgbClr r="0" g="0" b="0"/>
+      </a:fillRef>
+      <a:effectRef idx="0">
+        <a:scrgbClr r="0" g="0" b="0"/>
+      </a:effectRef>
+      <a:fontRef idx="minor">
+        <a:schemeClr val="lt1"/>
+      </a:fontRef>
+    </dgm:style>
+  </dgm:styleLbl>
+  <dgm:styleLbl name="parChTrans2D4">
+    <dgm:scene3d>
+      <a:camera prst="orthographicFront"/>
+      <a:lightRig rig="threePt" dir="t"/>
+    </dgm:scene3d>
+    <dgm:sp3d/>
+    <dgm:txPr/>
+    <dgm:style>
+      <a:lnRef idx="2">
+        <a:scrgbClr r="0" g="0" b="0"/>
+      </a:lnRef>
+      <a:fillRef idx="1">
+        <a:scrgbClr r="0" g="0" b="0"/>
+      </a:fillRef>
+      <a:effectRef idx="0">
+        <a:scrgbClr r="0" g="0" b="0"/>
+      </a:effectRef>
+      <a:fontRef idx="minor">
+        <a:schemeClr val="lt1"/>
+      </a:fontRef>
+    </dgm:style>
+  </dgm:styleLbl>
+  <dgm:styleLbl name="parChTrans1D1">
+    <dgm:scene3d>
+      <a:camera prst="orthographicFront"/>
+      <a:lightRig rig="threePt" dir="t"/>
+    </dgm:scene3d>
+    <dgm:sp3d/>
+    <dgm:txPr/>
+    <dgm:style>
+      <a:lnRef idx="2">
+        <a:scrgbClr r="0" g="0" b="0"/>
+      </a:lnRef>
+      <a:fillRef idx="0">
+        <a:scrgbClr r="0" g="0" b="0"/>
+      </a:fillRef>
+      <a:effectRef idx="0">
+        <a:scrgbClr r="0" g="0" b="0"/>
+      </a:effectRef>
+      <a:fontRef idx="minor"/>
+    </dgm:style>
+  </dgm:styleLbl>
+  <dgm:styleLbl name="parChTrans1D2">
+    <dgm:scene3d>
+      <a:camera prst="orthographicFront"/>
+      <a:lightRig rig="threePt" dir="t"/>
+    </dgm:scene3d>
+    <dgm:sp3d/>
+    <dgm:txPr/>
+    <dgm:style>
+      <a:lnRef idx="2">
+        <a:scrgbClr r="0" g="0" b="0"/>
+      </a:lnRef>
+      <a:fillRef idx="0">
+        <a:scrgbClr r="0" g="0" b="0"/>
+      </a:fillRef>
+      <a:effectRef idx="0">
+        <a:scrgbClr r="0" g="0" b="0"/>
+      </a:effectRef>
+      <a:fontRef idx="minor"/>
+    </dgm:style>
+  </dgm:styleLbl>
+  <dgm:styleLbl name="parChTrans1D3">
+    <dgm:scene3d>
+      <a:camera prst="orthographicFront"/>
+      <a:lightRig rig="threePt" dir="t"/>
+    </dgm:scene3d>
+    <dgm:sp3d/>
+    <dgm:txPr/>
+    <dgm:style>
+      <a:lnRef idx="2">
+        <a:scrgbClr r="0" g="0" b="0"/>
+      </a:lnRef>
+      <a:fillRef idx="0">
+        <a:scrgbClr r="0" g="0" b="0"/>
+      </a:fillRef>
+      <a:effectRef idx="0">
+        <a:scrgbClr r="0" g="0" b="0"/>
+      </a:effectRef>
+      <a:fontRef idx="minor"/>
+    </dgm:style>
+  </dgm:styleLbl>
+  <dgm:styleLbl name="parChTrans1D4">
+    <dgm:scene3d>
+      <a:camera prst="orthographicFront"/>
+      <a:lightRig rig="threePt" dir="t"/>
+    </dgm:scene3d>
+    <dgm:sp3d/>
+    <dgm:txPr/>
+    <dgm:style>
+      <a:lnRef idx="2">
+        <a:scrgbClr r="0" g="0" b="0"/>
+      </a:lnRef>
+      <a:fillRef idx="0">
+        <a:scrgbClr r="0" g="0" b="0"/>
+      </a:fillRef>
+      <a:effectRef idx="0">
+        <a:scrgbClr r="0" g="0" b="0"/>
+      </a:effectRef>
+      <a:fontRef idx="minor"/>
+    </dgm:style>
+  </dgm:styleLbl>
+  <dgm:styleLbl name="fgAcc1">
+    <dgm:scene3d>
+      <a:camera prst="orthographicFront"/>
+      <a:lightRig rig="threePt" dir="t"/>
+    </dgm:scene3d>
+    <dgm:sp3d/>
+    <dgm:txPr/>
+    <dgm:style>
+      <a:lnRef idx="2">
+        <a:scrgbClr r="0" g="0" b="0"/>
+      </a:lnRef>
+      <a:fillRef idx="1">
+        <a:scrgbClr r="0" g="0" b="0"/>
+      </a:fillRef>
+      <a:effectRef idx="0">
+        <a:scrgbClr r="0" g="0" b="0"/>
+      </a:effectRef>
+      <a:fontRef idx="minor"/>
+    </dgm:style>
+  </dgm:styleLbl>
+  <dgm:styleLbl name="conFgAcc1">
+    <dgm:scene3d>
+      <a:camera prst="orthographicFront"/>
+      <a:lightRig rig="threePt" dir="t"/>
+    </dgm:scene3d>
+    <dgm:sp3d/>
+    <dgm:txPr/>
+    <dgm:style>
+      <a:lnRef idx="2">
+        <a:scrgbClr r="0" g="0" b="0"/>
+      </a:lnRef>
+      <a:fillRef idx="1">
+        <a:scrgbClr r="0" g="0" b="0"/>
+      </a:fillRef>
+      <a:effectRef idx="0">
+        <a:scrgbClr r="0" g="0" b="0"/>
+      </a:effectRef>
+      <a:fontRef idx="minor"/>
+    </dgm:style>
+  </dgm:styleLbl>
+  <dgm:styleLbl name="alignAcc1">
+    <dgm:scene3d>
+      <a:camera prst="orthographicFront"/>
+      <a:lightRig rig="threePt" dir="t"/>
+    </dgm:scene3d>
+    <dgm:sp3d/>
+    <dgm:txPr/>
+    <dgm:style>
+      <a:lnRef idx="2">
+        <a:scrgbClr r="0" g="0" b="0"/>
+      </a:lnRef>
+      <a:fillRef idx="1">
+        <a:scrgbClr r="0" g="0" b="0"/>
+      </a:fillRef>
+      <a:effectRef idx="0">
+        <a:scrgbClr r="0" g="0" b="0"/>
+      </a:effectRef>
+      <a:fontRef idx="minor"/>
+    </dgm:style>
+  </dgm:styleLbl>
+  <dgm:styleLbl name="trAlignAcc1">
+    <dgm:scene3d>
+      <a:camera prst="orthographicFront"/>
+      <a:lightRig rig="threePt" dir="t"/>
+    </dgm:scene3d>
+    <dgm:sp3d/>
+    <dgm:txPr/>
+    <dgm:style>
+      <a:lnRef idx="1">
+        <a:scrgbClr r="0" g="0" b="0"/>
+      </a:lnRef>
+      <a:fillRef idx="1">
+        <a:scrgbClr r="0" g="0" b="0"/>
+      </a:fillRef>
+      <a:effectRef idx="0">
+        <a:scrgbClr r="0" g="0" b="0"/>
+      </a:effectRef>
+      <a:fontRef idx="minor"/>
+    </dgm:style>
+  </dgm:styleLbl>
+  <dgm:styleLbl name="bgAcc1">
+    <dgm:scene3d>
+      <a:camera prst="orthographicFront"/>
+      <a:lightRig rig="threePt" dir="t"/>
+    </dgm:scene3d>
+    <dgm:sp3d/>
+    <dgm:txPr/>
+    <dgm:style>
+      <a:lnRef idx="2">
+        <a:scrgbClr r="0" g="0" b="0"/>
+      </a:lnRef>
+      <a:fillRef idx="1">
+        <a:scrgbClr r="0" g="0" b="0"/>
+      </a:fillRef>
+      <a:effectRef idx="0">
+        <a:scrgbClr r="0" g="0" b="0"/>
+      </a:effectRef>
+      <a:fontRef idx="minor"/>
+    </dgm:style>
+  </dgm:styleLbl>
+  <dgm:styleLbl name="solidFgAcc1">
+    <dgm:scene3d>
+      <a:camera prst="orthographicFront"/>
+      <a:lightRig rig="threePt" dir="t"/>
+    </dgm:scene3d>
+    <dgm:sp3d/>
+    <dgm:txPr/>
+    <dgm:style>
+      <a:lnRef idx="2">
+        <a:scrgbClr r="0" g="0" b="0"/>
+      </a:lnRef>
+      <a:fillRef idx="1">
+        <a:scrgbClr r="0" g="0" b="0"/>
+      </a:fillRef>
+      <a:effectRef idx="0">
+        <a:scrgbClr r="0" g="0" b="0"/>
+      </a:effectRef>
+      <a:fontRef idx="minor"/>
+    </dgm:style>
+  </dgm:styleLbl>
+  <dgm:styleLbl name="solidAlignAcc1">
+    <dgm:scene3d>
+      <a:camera prst="orthographicFront"/>
+      <a:lightRig rig="threePt" dir="t"/>
+    </dgm:scene3d>
+    <dgm:sp3d/>
+    <dgm:txPr/>
+    <dgm:style>
+      <a:lnRef idx="2">
+        <a:scrgbClr r="0" g="0" b="0"/>
+      </a:lnRef>
+      <a:fillRef idx="1">
+        <a:scrgbClr r="0" g="0" b="0"/>
+      </a:fillRef>
+      <a:effectRef idx="0">
+        <a:scrgbClr r="0" g="0" b="0"/>
+      </a:effectRef>
+      <a:fontRef idx="minor"/>
+    </dgm:style>
+  </dgm:styleLbl>
+  <dgm:styleLbl name="solidBgAcc1">
+    <dgm:scene3d>
+      <a:camera prst="orthographicFront"/>
+      <a:lightRig rig="threePt" dir="t"/>
+    </dgm:scene3d>
+    <dgm:sp3d/>
+    <dgm:txPr/>
+    <dgm:style>
+      <a:lnRef idx="2">
+        <a:scrgbClr r="0" g="0" b="0"/>
+      </a:lnRef>
+      <a:fillRef idx="1">
+        <a:scrgbClr r="0" g="0" b="0"/>
+      </a:fillRef>
+      <a:effectRef idx="0">
+        <a:scrgbClr r="0" g="0" b="0"/>
+      </a:effectRef>
+      <a:fontRef idx="minor"/>
+    </dgm:style>
+  </dgm:styleLbl>
+  <dgm:styleLbl name="fgAccFollowNode1">
+    <dgm:scene3d>
+      <a:camera prst="orthographicFront"/>
+      <a:lightRig rig="threePt" dir="t"/>
+    </dgm:scene3d>
+    <dgm:sp3d/>
+    <dgm:txPr/>
+    <dgm:style>
+      <a:lnRef idx="2">
+        <a:scrgbClr r="0" g="0" b="0"/>
+      </a:lnRef>
+      <a:fillRef idx="1">
+        <a:scrgbClr r="0" g="0" b="0"/>
+      </a:fillRef>
+      <a:effectRef idx="0">
+        <a:scrgbClr r="0" g="0" b="0"/>
+      </a:effectRef>
+      <a:fontRef idx="minor"/>
+    </dgm:style>
+  </dgm:styleLbl>
+  <dgm:styleLbl name="alignAccFollowNode1">
+    <dgm:scene3d>
+      <a:camera prst="orthographicFront"/>
+      <a:lightRig rig="threePt" dir="t"/>
+    </dgm:scene3d>
+    <dgm:sp3d/>
+    <dgm:txPr/>
+    <dgm:style>
+      <a:lnRef idx="2">
+        <a:scrgbClr r="0" g="0" b="0"/>
+      </a:lnRef>
+      <a:fillRef idx="1">
+        <a:scrgbClr r="0" g="0" b="0"/>
+      </a:fillRef>
+      <a:effectRef idx="0">
+        <a:scrgbClr r="0" g="0" b="0"/>
+      </a:effectRef>
+      <a:fontRef idx="minor"/>
+    </dgm:style>
+  </dgm:styleLbl>
+  <dgm:styleLbl name="bgAccFollowNode1">
+    <dgm:scene3d>
+      <a:camera prst="orthographicFront"/>
+      <a:lightRig rig="threePt" dir="t"/>
+    </dgm:scene3d>
+    <dgm:sp3d/>
+    <dgm:txPr/>
+    <dgm:style>
+      <a:lnRef idx="2">
+        <a:scrgbClr r="0" g="0" b="0"/>
+      </a:lnRef>
+      <a:fillRef idx="1">
+        <a:scrgbClr r="0" g="0" b="0"/>
+      </a:fillRef>
+      <a:effectRef idx="0">
+        <a:scrgbClr r="0" g="0" b="0"/>
+      </a:effectRef>
+      <a:fontRef idx="minor"/>
+    </dgm:style>
+  </dgm:styleLbl>
+  <dgm:styleLbl name="fgAcc0">
+    <dgm:scene3d>
+      <a:camera prst="orthographicFront"/>
+      <a:lightRig rig="threePt" dir="t"/>
+    </dgm:scene3d>
+    <dgm:sp3d/>
+    <dgm:txPr/>
+    <dgm:style>
+      <a:lnRef idx="2">
+        <a:scrgbClr r="0" g="0" b="0"/>
+      </a:lnRef>
+      <a:fillRef idx="1">
+        <a:scrgbClr r="0" g="0" b="0"/>
+      </a:fillRef>
+      <a:effectRef idx="0">
+        <a:scrgbClr r="0" g="0" b="0"/>
+      </a:effectRef>
+      <a:fontRef idx="minor"/>
+    </dgm:style>
+  </dgm:styleLbl>
+  <dgm:styleLbl name="fgAcc2">
+    <dgm:scene3d>
+      <a:camera prst="orthographicFront"/>
+      <a:lightRig rig="threePt" dir="t"/>
+    </dgm:scene3d>
+    <dgm:sp3d/>
+    <dgm:txPr/>
+    <dgm:style>
+      <a:lnRef idx="2">
+        <a:scrgbClr r="0" g="0" b="0"/>
+      </a:lnRef>
+      <a:fillRef idx="1">
+        <a:scrgbClr r="0" g="0" b="0"/>
+      </a:fillRef>
+      <a:effectRef idx="0">
+        <a:scrgbClr r="0" g="0" b="0"/>
+      </a:effectRef>
+      <a:fontRef idx="minor"/>
+    </dgm:style>
+  </dgm:styleLbl>
+  <dgm:styleLbl name="fgAcc3">
+    <dgm:scene3d>
+      <a:camera prst="orthographicFront"/>
+      <a:lightRig rig="threePt" dir="t"/>
+    </dgm:scene3d>
+    <dgm:sp3d/>
+    <dgm:txPr/>
+    <dgm:style>
+      <a:lnRef idx="2">
+        <a:scrgbClr r="0" g="0" b="0"/>
+      </a:lnRef>
+      <a:fillRef idx="1">
+        <a:scrgbClr r="0" g="0" b="0"/>
+      </a:fillRef>
+      <a:effectRef idx="0">
+        <a:scrgbClr r="0" g="0" b="0"/>
+      </a:effectRef>
+      <a:fontRef idx="minor"/>
+    </dgm:style>
+  </dgm:styleLbl>
+  <dgm:styleLbl name="fgAcc4">
+    <dgm:scene3d>
+      <a:camera prst="orthographicFront"/>
+      <a:lightRig rig="threePt" dir="t"/>
+    </dgm:scene3d>
+    <dgm:sp3d/>
+    <dgm:txPr/>
+    <dgm:style>
+      <a:lnRef idx="2">
+        <a:scrgbClr r="0" g="0" b="0"/>
+      </a:lnRef>
+      <a:fillRef idx="1">
+        <a:scrgbClr r="0" g="0" b="0"/>
+      </a:fillRef>
+      <a:effectRef idx="0">
+        <a:scrgbClr r="0" g="0" b="0"/>
+      </a:effectRef>
+      <a:fontRef idx="minor"/>
+    </dgm:style>
+  </dgm:styleLbl>
+  <dgm:styleLbl name="bgShp">
+    <dgm:scene3d>
+      <a:camera prst="orthographicFront"/>
+      <a:lightRig rig="threePt" dir="t"/>
+    </dgm:scene3d>
+    <dgm:sp3d/>
+    <dgm:txPr/>
+    <dgm:style>
+      <a:lnRef idx="0">
+        <a:scrgbClr r="0" g="0" b="0"/>
+      </a:lnRef>
+      <a:fillRef idx="1">
+        <a:scrgbClr r="0" g="0" b="0"/>
+      </a:fillRef>
+      <a:effectRef idx="0">
+        <a:scrgbClr r="0" g="0" b="0"/>
+      </a:effectRef>
+      <a:fontRef idx="minor"/>
+    </dgm:style>
+  </dgm:styleLbl>
+  <dgm:styleLbl name="dkBgShp">
+    <dgm:scene3d>
+      <a:camera prst="orthographicFront"/>
+      <a:lightRig rig="threePt" dir="t"/>
+    </dgm:scene3d>
+    <dgm:sp3d/>
+    <dgm:txPr/>
+    <dgm:style>
+      <a:lnRef idx="0">
+        <a:scrgbClr r="0" g="0" b="0"/>
+      </a:lnRef>
+      <a:fillRef idx="1">
+        <a:scrgbClr r="0" g="0" b="0"/>
+      </a:fillRef>
+      <a:effectRef idx="0">
+        <a:scrgbClr r="0" g="0" b="0"/>
+      </a:effectRef>
+      <a:fontRef idx="minor"/>
+    </dgm:style>
+  </dgm:styleLbl>
+  <dgm:styleLbl name="trBgShp">
+    <dgm:scene3d>
+      <a:camera prst="orthographicFront"/>
+      <a:lightRig rig="threePt" dir="t"/>
+    </dgm:scene3d>
+    <dgm:sp3d/>
+    <dgm:txPr/>
+    <dgm:style>
+      <a:lnRef idx="0">
+        <a:scrgbClr r="0" g="0" b="0"/>
+      </a:lnRef>
+      <a:fillRef idx="1">
+        <a:scrgbClr r="0" g="0" b="0"/>
+      </a:fillRef>
+      <a:effectRef idx="0">
+        <a:scrgbClr r="0" g="0" b="0"/>
+      </a:effectRef>
+      <a:fontRef idx="minor"/>
+    </dgm:style>
+  </dgm:styleLbl>
+  <dgm:styleLbl name="fgShp">
+    <dgm:scene3d>
+      <a:camera prst="orthographicFront"/>
+      <a:lightRig rig="threePt" dir="t"/>
+    </dgm:scene3d>
+    <dgm:sp3d/>
+    <dgm:txPr/>
+    <dgm:style>
+      <a:lnRef idx="2">
+        <a:scrgbClr r="0" g="0" b="0"/>
+      </a:lnRef>
+      <a:fillRef idx="1">
+        <a:scrgbClr r="0" g="0" b="0"/>
+      </a:fillRef>
+      <a:effectRef idx="0">
+        <a:scrgbClr r="0" g="0" b="0"/>
+      </a:effectRef>
+      <a:fontRef idx="minor"/>
+    </dgm:style>
+  </dgm:styleLbl>
+  <dgm:styleLbl name="revTx">
+    <dgm:scene3d>
+      <a:camera prst="orthographicFront"/>
+      <a:lightRig rig="threePt" dir="t"/>
+    </dgm:scene3d>
+    <dgm:sp3d/>
+    <dgm:txPr/>
+    <dgm:style>
+      <a:lnRef idx="0">
+        <a:scrgbClr r="0" g="0" b="0"/>
+      </a:lnRef>
+      <a:fillRef idx="0">
+        <a:scrgbClr r="0" g="0" b="0"/>
+      </a:fillRef>
+      <a:effectRef idx="0">
+        <a:scrgbClr r="0" g="0" b="0"/>
+      </a:effectRef>
+      <a:fontRef idx="minor"/>
+    </dgm:style>
+  </dgm:styleLbl>
+</dgm:styleDef>
 </file>
 
 <file path=ppt/notesMasters/notesMaster1.xml><?xml version="1.0" encoding="utf-8"?>
@@ -198,6 +2800,7 @@
           <a:p>
             <a:fld id="{D2A48B96-639E-45A3-A0BA-2464DFDB1FAA}" type="datetimeFigureOut">
               <a:rPr lang="zh-CN" altLang="en-US" smtClean="0"/>
+              <a:t>2018/10/18</a:t>
             </a:fld>
             <a:endParaRPr lang="zh-CN" altLang="en-US"/>
           </a:p>
@@ -264,7 +2867,6 @@
               <a:rPr lang="zh-CN" altLang="en-US" smtClean="0"/>
               <a:t>单击此处编辑母版文本样式</a:t>
             </a:r>
-            <a:endParaRPr lang="zh-CN" altLang="en-US" smtClean="0"/>
           </a:p>
           <a:p>
             <a:pPr lvl="1"/>
@@ -272,7 +2874,6 @@
               <a:rPr lang="zh-CN" altLang="en-US" smtClean="0"/>
               <a:t>第二级</a:t>
             </a:r>
-            <a:endParaRPr lang="zh-CN" altLang="en-US" smtClean="0"/>
           </a:p>
           <a:p>
             <a:pPr lvl="2"/>
@@ -280,7 +2881,6 @@
               <a:rPr lang="zh-CN" altLang="en-US" smtClean="0"/>
               <a:t>第三级</a:t>
             </a:r>
-            <a:endParaRPr lang="zh-CN" altLang="en-US" smtClean="0"/>
           </a:p>
           <a:p>
             <a:pPr lvl="3"/>
@@ -288,7 +2888,6 @@
               <a:rPr lang="zh-CN" altLang="en-US" smtClean="0"/>
               <a:t>第四级</a:t>
             </a:r>
-            <a:endParaRPr lang="zh-CN" altLang="en-US" smtClean="0"/>
           </a:p>
           <a:p>
             <a:pPr lvl="4"/>
@@ -360,12 +2959,18 @@
           <a:p>
             <a:fld id="{A6837353-30EB-4A48-80EB-173D804AEFBD}" type="slidenum">
               <a:rPr lang="zh-CN" altLang="en-US" smtClean="0"/>
+              <a:t>‹#›</a:t>
             </a:fld>
             <a:endParaRPr lang="zh-CN" altLang="en-US"/>
           </a:p>
         </p:txBody>
       </p:sp>
     </p:spTree>
+    <p:extLst>
+      <p:ext uri="{BB962C8B-B14F-4D97-AF65-F5344CB8AC3E}">
+        <p14:creationId xmlns:p14="http://schemas.microsoft.com/office/powerpoint/2010/main" val="1267963977"/>
+      </p:ext>
+    </p:extLst>
   </p:cSld>
   <p:clrMap bg1="lt1" tx1="dk1" bg2="lt2" tx2="dk2" accent1="accent1" accent2="accent2" accent3="accent3" accent4="accent4" accent5="accent5" accent6="accent6" hlink="hlink" folHlink="folHlink"/>
   <p:notesStyle>
@@ -472,190 +3077,74 @@
         <p:cNvGrpSpPr/>
         <p:nvPr/>
       </p:nvGrpSpPr>
-      <p:grpSpPr/>
+      <p:grpSpPr>
+        <a:xfrm>
+          <a:off x="0" y="0"/>
+          <a:ext cx="0" cy="0"/>
+          <a:chOff x="0" y="0"/>
+          <a:chExt cx="0" cy="0"/>
+        </a:xfrm>
+      </p:grpSpPr>
       <p:sp>
         <p:nvSpPr>
           <p:cNvPr id="2" name="幻灯片图像占位符 1"/>
-          <p:cNvSpPr/>
-          <p:nvPr>
-            <p:ph type="sldImg" idx="2"/>
+          <p:cNvSpPr>
+            <a:spLocks noGrp="1" noRot="1" noChangeAspect="1"/>
+          </p:cNvSpPr>
+          <p:nvPr>
+            <p:ph type="sldImg"/>
           </p:nvPr>
         </p:nvSpPr>
         <p:spPr/>
       </p:sp>
       <p:sp>
         <p:nvSpPr>
-          <p:cNvPr id="3" name="文本占位符 2"/>
-          <p:cNvSpPr/>
-          <p:nvPr>
-            <p:ph type="body" idx="3"/>
+          <p:cNvPr id="3" name="备注占位符 2"/>
+          <p:cNvSpPr>
+            <a:spLocks noGrp="1"/>
+          </p:cNvSpPr>
+          <p:nvPr>
+            <p:ph type="body" idx="1"/>
           </p:nvPr>
         </p:nvSpPr>
         <p:spPr/>
         <p:txBody>
           <a:bodyPr/>
-          <a:p>
-            <a:r>
-              <a:rPr lang="en-US" altLang="zh-CN"/>
-              <a:t>1. Project Jigsaw</a:t>
-            </a:r>
-            <a:r>
-              <a:rPr lang="zh-CN" altLang="en-US"/>
-              <a:t>希望在</a:t>
-            </a:r>
-            <a:r>
-              <a:rPr lang="en-US" altLang="zh-CN"/>
-              <a:t>Java8</a:t>
-            </a:r>
-            <a:r>
-              <a:rPr lang="zh-CN" altLang="en-US"/>
-              <a:t>中添加模块化系统，但影响太大，没有完成。</a:t>
-            </a:r>
+          <a:lstStyle/>
+          <a:p>
+            <a:endParaRPr lang="zh-CN" altLang="en-US" dirty="0"/>
+          </a:p>
+        </p:txBody>
+      </p:sp>
+      <p:sp>
+        <p:nvSpPr>
+          <p:cNvPr id="4" name="灯片编号占位符 3"/>
+          <p:cNvSpPr>
+            <a:spLocks noGrp="1"/>
+          </p:cNvSpPr>
+          <p:nvPr>
+            <p:ph type="sldNum" sz="quarter" idx="10"/>
+          </p:nvPr>
+        </p:nvSpPr>
+        <p:spPr/>
+        <p:txBody>
+          <a:bodyPr/>
+          <a:lstStyle/>
+          <a:p>
+            <a:fld id="{A6837353-30EB-4A48-80EB-173D804AEFBD}" type="slidenum">
+              <a:rPr lang="zh-CN" altLang="en-US" smtClean="0"/>
+              <a:t>1</a:t>
+            </a:fld>
             <a:endParaRPr lang="zh-CN" altLang="en-US"/>
           </a:p>
-          <a:p>
-            <a:r>
-              <a:rPr lang="en-US" altLang="zh-CN">
-                <a:sym typeface="+mn-ea"/>
-              </a:rPr>
-              <a:t>Java9</a:t>
-            </a:r>
-            <a:r>
-              <a:rPr lang="zh-CN" altLang="en-US"/>
-              <a:t>模块化也推迟了几次</a:t>
-            </a:r>
-            <a:endParaRPr lang="zh-CN" altLang="en-US"/>
-          </a:p>
-          <a:p>
-            <a:r>
-              <a:rPr lang="en-US" altLang="zh-CN"/>
-              <a:t>2. </a:t>
-            </a:r>
-            <a:r>
-              <a:rPr lang="zh-CN" altLang="en-US"/>
-              <a:t>更小的运行时镜像。如：</a:t>
-            </a:r>
-            <a:r>
-              <a:rPr lang="en-US" altLang="zh-CN"/>
-              <a:t>Server</a:t>
-            </a:r>
-            <a:r>
-              <a:rPr lang="zh-CN" altLang="en-US"/>
-              <a:t>程序不需要</a:t>
-            </a:r>
-            <a:r>
-              <a:rPr lang="en-US" altLang="zh-CN"/>
-              <a:t>Swing</a:t>
-            </a:r>
-            <a:r>
-              <a:rPr lang="zh-CN" altLang="en-US"/>
-              <a:t>库；随着发展包含的内容肯定越来越多。</a:t>
-            </a:r>
-            <a:endParaRPr lang="zh-CN" altLang="en-US"/>
-          </a:p>
-          <a:p>
-            <a:r>
-              <a:rPr lang="en-US" altLang="zh-CN"/>
-              <a:t>3. Java9</a:t>
-            </a:r>
-            <a:r>
-              <a:rPr lang="zh-CN" altLang="en-US"/>
-              <a:t>把</a:t>
-            </a:r>
-            <a:r>
-              <a:rPr lang="en-US" altLang="zh-CN"/>
-              <a:t>JDK </a:t>
-            </a:r>
-            <a:r>
-              <a:rPr lang="zh-CN" altLang="en-US"/>
-              <a:t>模块化，</a:t>
-            </a:r>
-            <a:r>
-              <a:rPr lang="en-US" altLang="zh-CN"/>
-              <a:t>Java9</a:t>
-            </a:r>
-            <a:r>
-              <a:rPr lang="zh-CN" altLang="en-US"/>
-              <a:t>共有</a:t>
-            </a:r>
-            <a:r>
-              <a:rPr lang="en-US" altLang="zh-CN"/>
-              <a:t>94</a:t>
-            </a:r>
-            <a:r>
-              <a:rPr lang="zh-CN" altLang="en-US"/>
-              <a:t>个模块组成；通过</a:t>
-            </a:r>
-            <a:r>
-              <a:rPr lang="en-US" altLang="zh-CN"/>
-              <a:t>jlink</a:t>
-            </a:r>
-            <a:r>
-              <a:rPr lang="zh-CN" altLang="en-US"/>
-              <a:t>工具可创建出每个应用独有的运行时镜像，镜像中只包含应用中真正需要的模块，这样这极大的减少应用的空间</a:t>
-            </a:r>
-            <a:endParaRPr lang="zh-CN" altLang="en-US"/>
-          </a:p>
-          <a:p>
-            <a:r>
-              <a:rPr lang="en-US" altLang="zh-CN"/>
-              <a:t>4. Java9</a:t>
-            </a:r>
-            <a:r>
-              <a:rPr lang="zh-CN" altLang="en-US"/>
-              <a:t>之前，应用依赖</a:t>
-            </a:r>
-            <a:r>
-              <a:rPr lang="en-US" altLang="zh-CN"/>
-              <a:t>classpath,</a:t>
-            </a:r>
-            <a:r>
-              <a:rPr lang="zh-CN" altLang="en-US"/>
-              <a:t>把应用本身的</a:t>
-            </a:r>
-            <a:r>
-              <a:rPr lang="en-US" altLang="zh-CN"/>
-              <a:t>Jar</a:t>
-            </a:r>
-            <a:r>
-              <a:rPr lang="zh-CN" altLang="en-US"/>
-              <a:t>和第三方的</a:t>
-            </a:r>
-            <a:r>
-              <a:rPr lang="en-US" altLang="zh-CN"/>
-              <a:t>Jar</a:t>
-            </a:r>
-            <a:r>
-              <a:rPr lang="zh-CN" altLang="en-US"/>
-              <a:t>包都放在</a:t>
-            </a:r>
-            <a:r>
-              <a:rPr lang="en-US" altLang="zh-CN"/>
-              <a:t>classpath</a:t>
-            </a:r>
-            <a:r>
-              <a:rPr lang="zh-CN" altLang="en-US"/>
-              <a:t>上，</a:t>
-            </a:r>
-            <a:r>
-              <a:rPr lang="en-US" altLang="zh-CN"/>
-              <a:t>classpath</a:t>
-            </a:r>
-            <a:r>
-              <a:rPr lang="zh-CN" altLang="en-US"/>
-              <a:t>是单一的线性空间，</a:t>
-            </a:r>
-            <a:endParaRPr lang="zh-CN" altLang="en-US"/>
-          </a:p>
-          <a:p>
-            <a:endParaRPr lang="zh-CN" altLang="en-US"/>
-          </a:p>
-          <a:p>
-            <a:endParaRPr lang="zh-CN" altLang="en-US"/>
-          </a:p>
         </p:txBody>
       </p:sp>
     </p:spTree>
+    <p:extLst>
+      <p:ext uri="{BB962C8B-B14F-4D97-AF65-F5344CB8AC3E}">
+        <p14:creationId xmlns:p14="http://schemas.microsoft.com/office/powerpoint/2010/main" val="3789993352"/>
+      </p:ext>
+    </p:extLst>
   </p:cSld>
   <p:clrMapOvr>
     <a:masterClrMapping/>
@@ -672,11 +3161,500 @@
         <p:cNvGrpSpPr/>
         <p:nvPr/>
       </p:nvGrpSpPr>
-      <p:grpSpPr/>
+      <p:grpSpPr>
+        <a:xfrm>
+          <a:off x="0" y="0"/>
+          <a:ext cx="0" cy="0"/>
+          <a:chOff x="0" y="0"/>
+          <a:chExt cx="0" cy="0"/>
+        </a:xfrm>
+      </p:grpSpPr>
       <p:sp>
         <p:nvSpPr>
           <p:cNvPr id="2" name="幻灯片图像占位符 1"/>
-          <p:cNvSpPr/>
+          <p:cNvSpPr>
+            <a:spLocks noGrp="1" noRot="1" noChangeAspect="1"/>
+          </p:cNvSpPr>
+          <p:nvPr>
+            <p:ph type="sldImg"/>
+          </p:nvPr>
+        </p:nvSpPr>
+        <p:spPr/>
+      </p:sp>
+      <p:sp>
+        <p:nvSpPr>
+          <p:cNvPr id="3" name="备注占位符 2"/>
+          <p:cNvSpPr>
+            <a:spLocks noGrp="1"/>
+          </p:cNvSpPr>
+          <p:nvPr>
+            <p:ph type="body" idx="1"/>
+          </p:nvPr>
+        </p:nvSpPr>
+        <p:spPr/>
+        <p:txBody>
+          <a:bodyPr/>
+          <a:lstStyle/>
+          <a:p>
+            <a:r>
+              <a:rPr lang="en-US" altLang="zh-CN" smtClean="0"/>
+              <a:t>https://www.jianshu.com/p/38985b61ea83</a:t>
+            </a:r>
+            <a:endParaRPr lang="zh-CN" altLang="en-US" dirty="0"/>
+          </a:p>
+        </p:txBody>
+      </p:sp>
+      <p:sp>
+        <p:nvSpPr>
+          <p:cNvPr id="4" name="灯片编号占位符 3"/>
+          <p:cNvSpPr>
+            <a:spLocks noGrp="1"/>
+          </p:cNvSpPr>
+          <p:nvPr>
+            <p:ph type="sldNum" sz="quarter" idx="10"/>
+          </p:nvPr>
+        </p:nvSpPr>
+        <p:spPr/>
+        <p:txBody>
+          <a:bodyPr/>
+          <a:lstStyle/>
+          <a:p>
+            <a:fld id="{A6837353-30EB-4A48-80EB-173D804AEFBD}" type="slidenum">
+              <a:rPr lang="zh-CN" altLang="en-US" smtClean="0"/>
+              <a:t>6</a:t>
+            </a:fld>
+            <a:endParaRPr lang="zh-CN" altLang="en-US"/>
+          </a:p>
+        </p:txBody>
+      </p:sp>
+    </p:spTree>
+    <p:extLst>
+      <p:ext uri="{BB962C8B-B14F-4D97-AF65-F5344CB8AC3E}">
+        <p14:creationId xmlns:p14="http://schemas.microsoft.com/office/powerpoint/2010/main" val="1959942690"/>
+      </p:ext>
+    </p:extLst>
+  </p:cSld>
+  <p:clrMapOvr>
+    <a:masterClrMapping/>
+  </p:clrMapOvr>
+</p:notes>
+</file>
+
+<file path=ppt/notesSlides/notesSlide3.xml><?xml version="1.0" encoding="utf-8"?>
+<p:notes xmlns:a="http://schemas.openxmlformats.org/drawingml/2006/main" xmlns:r="http://schemas.openxmlformats.org/officeDocument/2006/relationships" xmlns:p="http://schemas.openxmlformats.org/presentationml/2006/main">
+  <p:cSld>
+    <p:spTree>
+      <p:nvGrpSpPr>
+        <p:cNvPr id="1" name=""/>
+        <p:cNvGrpSpPr/>
+        <p:nvPr/>
+      </p:nvGrpSpPr>
+      <p:grpSpPr>
+        <a:xfrm>
+          <a:off x="0" y="0"/>
+          <a:ext cx="0" cy="0"/>
+          <a:chOff x="0" y="0"/>
+          <a:chExt cx="0" cy="0"/>
+        </a:xfrm>
+      </p:grpSpPr>
+      <p:sp>
+        <p:nvSpPr>
+          <p:cNvPr id="2" name="幻灯片图像占位符 1"/>
+          <p:cNvSpPr>
+            <a:spLocks noGrp="1" noRot="1" noChangeAspect="1"/>
+          </p:cNvSpPr>
+          <p:nvPr>
+            <p:ph type="sldImg"/>
+          </p:nvPr>
+        </p:nvSpPr>
+        <p:spPr/>
+      </p:sp>
+      <p:sp>
+        <p:nvSpPr>
+          <p:cNvPr id="3" name="备注占位符 2"/>
+          <p:cNvSpPr>
+            <a:spLocks noGrp="1"/>
+          </p:cNvSpPr>
+          <p:nvPr>
+            <p:ph type="body" idx="1"/>
+          </p:nvPr>
+        </p:nvSpPr>
+        <p:spPr/>
+        <p:txBody>
+          <a:bodyPr/>
+          <a:lstStyle/>
+          <a:p>
+            <a:r>
+              <a:rPr lang="en-US" altLang="zh-CN" dirty="0" smtClean="0"/>
+              <a:t>https://docs.oracle.com/javase/9/whatsnew/toc.htm#JSNEW-GUID-71A09701-7412-4499-A88D-53FA8BFBD3D0</a:t>
+            </a:r>
+          </a:p>
+          <a:p>
+            <a:pPr marL="0" marR="0" indent="0" algn="l" defTabSz="914400" rtl="0" eaLnBrk="1" fontAlgn="auto" latinLnBrk="0" hangingPunct="1">
+              <a:lnSpc>
+                <a:spcPct val="100000"/>
+              </a:lnSpc>
+              <a:spcBef>
+                <a:spcPts val="0"/>
+              </a:spcBef>
+              <a:spcAft>
+                <a:spcPts val="0"/>
+              </a:spcAft>
+              <a:buClrTx/>
+              <a:buSzTx/>
+              <a:buFontTx/>
+              <a:buNone/>
+              <a:tabLst/>
+              <a:defRPr/>
+            </a:pPr>
+            <a:r>
+              <a:rPr lang="en-US" altLang="zh-CN" dirty="0" smtClean="0"/>
+              <a:t>https://docs.oracle.com/javase/9/security/toc.htm</a:t>
+            </a:r>
+            <a:endParaRPr lang="zh-CN" altLang="en-US" dirty="0" smtClean="0"/>
+          </a:p>
+          <a:p>
+            <a:endParaRPr lang="zh-CN" altLang="en-US" dirty="0"/>
+          </a:p>
+        </p:txBody>
+      </p:sp>
+      <p:sp>
+        <p:nvSpPr>
+          <p:cNvPr id="4" name="灯片编号占位符 3"/>
+          <p:cNvSpPr>
+            <a:spLocks noGrp="1"/>
+          </p:cNvSpPr>
+          <p:nvPr>
+            <p:ph type="sldNum" sz="quarter" idx="10"/>
+          </p:nvPr>
+        </p:nvSpPr>
+        <p:spPr/>
+        <p:txBody>
+          <a:bodyPr/>
+          <a:lstStyle/>
+          <a:p>
+            <a:fld id="{A6837353-30EB-4A48-80EB-173D804AEFBD}" type="slidenum">
+              <a:rPr lang="zh-CN" altLang="en-US" smtClean="0"/>
+              <a:t>9</a:t>
+            </a:fld>
+            <a:endParaRPr lang="zh-CN" altLang="en-US"/>
+          </a:p>
+        </p:txBody>
+      </p:sp>
+    </p:spTree>
+    <p:extLst>
+      <p:ext uri="{BB962C8B-B14F-4D97-AF65-F5344CB8AC3E}">
+        <p14:creationId xmlns:p14="http://schemas.microsoft.com/office/powerpoint/2010/main" val="861390651"/>
+      </p:ext>
+    </p:extLst>
+  </p:cSld>
+  <p:clrMapOvr>
+    <a:masterClrMapping/>
+  </p:clrMapOvr>
+</p:notes>
+</file>
+
+<file path=ppt/notesSlides/notesSlide4.xml><?xml version="1.0" encoding="utf-8"?>
+<p:notes xmlns:a="http://schemas.openxmlformats.org/drawingml/2006/main" xmlns:r="http://schemas.openxmlformats.org/officeDocument/2006/relationships" xmlns:p="http://schemas.openxmlformats.org/presentationml/2006/main">
+  <p:cSld>
+    <p:spTree>
+      <p:nvGrpSpPr>
+        <p:cNvPr id="1" name=""/>
+        <p:cNvGrpSpPr/>
+        <p:nvPr/>
+      </p:nvGrpSpPr>
+      <p:grpSpPr>
+        <a:xfrm>
+          <a:off x="0" y="0"/>
+          <a:ext cx="0" cy="0"/>
+          <a:chOff x="0" y="0"/>
+          <a:chExt cx="0" cy="0"/>
+        </a:xfrm>
+      </p:grpSpPr>
+      <p:sp>
+        <p:nvSpPr>
+          <p:cNvPr id="2" name="幻灯片图像占位符 1"/>
+          <p:cNvSpPr>
+            <a:spLocks noGrp="1" noRot="1" noChangeAspect="1"/>
+          </p:cNvSpPr>
+          <p:nvPr>
+            <p:ph type="sldImg"/>
+          </p:nvPr>
+        </p:nvSpPr>
+        <p:spPr/>
+      </p:sp>
+      <p:sp>
+        <p:nvSpPr>
+          <p:cNvPr id="3" name="备注占位符 2"/>
+          <p:cNvSpPr>
+            <a:spLocks noGrp="1"/>
+          </p:cNvSpPr>
+          <p:nvPr>
+            <p:ph type="body" idx="1"/>
+          </p:nvPr>
+        </p:nvSpPr>
+        <p:spPr/>
+        <p:txBody>
+          <a:bodyPr/>
+          <a:lstStyle/>
+          <a:p>
+            <a:r>
+              <a:rPr lang="en-US" altLang="zh-CN" dirty="0" smtClean="0"/>
+              <a:t>Spring-Shell:</a:t>
+            </a:r>
+          </a:p>
+          <a:p>
+            <a:r>
+              <a:rPr lang="en-US" altLang="zh-CN" dirty="0" smtClean="0"/>
+              <a:t>https://docs.spring.io/spring-shell/docs/2.0.0.RELEASE/reference/htmlsingle/#organizing-commands</a:t>
+            </a:r>
+          </a:p>
+          <a:p>
+            <a:endParaRPr lang="en-US" altLang="zh-CN" dirty="0" smtClean="0"/>
+          </a:p>
+          <a:p>
+            <a:r>
+              <a:rPr lang="en-US" altLang="zh-CN" dirty="0" smtClean="0"/>
+              <a:t>Reference:</a:t>
+            </a:r>
+          </a:p>
+          <a:p>
+            <a:r>
+              <a:rPr lang="en-US" altLang="zh-CN" dirty="0" smtClean="0"/>
+              <a:t>http://strong-life-126-com.iteye.com/blog/806246</a:t>
+            </a:r>
+            <a:endParaRPr lang="zh-CN" altLang="en-US" dirty="0"/>
+          </a:p>
+        </p:txBody>
+      </p:sp>
+      <p:sp>
+        <p:nvSpPr>
+          <p:cNvPr id="4" name="灯片编号占位符 3"/>
+          <p:cNvSpPr>
+            <a:spLocks noGrp="1"/>
+          </p:cNvSpPr>
+          <p:nvPr>
+            <p:ph type="sldNum" sz="quarter" idx="10"/>
+          </p:nvPr>
+        </p:nvSpPr>
+        <p:spPr/>
+        <p:txBody>
+          <a:bodyPr/>
+          <a:lstStyle/>
+          <a:p>
+            <a:fld id="{A6837353-30EB-4A48-80EB-173D804AEFBD}" type="slidenum">
+              <a:rPr lang="zh-CN" altLang="en-US" smtClean="0"/>
+              <a:t>10</a:t>
+            </a:fld>
+            <a:endParaRPr lang="zh-CN" altLang="en-US"/>
+          </a:p>
+        </p:txBody>
+      </p:sp>
+    </p:spTree>
+    <p:extLst>
+      <p:ext uri="{BB962C8B-B14F-4D97-AF65-F5344CB8AC3E}">
+        <p14:creationId xmlns:p14="http://schemas.microsoft.com/office/powerpoint/2010/main" val="3129455342"/>
+      </p:ext>
+    </p:extLst>
+  </p:cSld>
+  <p:clrMapOvr>
+    <a:masterClrMapping/>
+  </p:clrMapOvr>
+</p:notes>
+</file>
+
+<file path=ppt/notesSlides/notesSlide5.xml><?xml version="1.0" encoding="utf-8"?>
+<p:notes xmlns:a="http://schemas.openxmlformats.org/drawingml/2006/main" xmlns:r="http://schemas.openxmlformats.org/officeDocument/2006/relationships" xmlns:p="http://schemas.openxmlformats.org/presentationml/2006/main">
+  <p:cSld>
+    <p:spTree>
+      <p:nvGrpSpPr>
+        <p:cNvPr id="1" name=""/>
+        <p:cNvGrpSpPr/>
+        <p:nvPr/>
+      </p:nvGrpSpPr>
+      <p:grpSpPr>
+        <a:xfrm>
+          <a:off x="0" y="0"/>
+          <a:ext cx="0" cy="0"/>
+          <a:chOff x="0" y="0"/>
+          <a:chExt cx="0" cy="0"/>
+        </a:xfrm>
+      </p:grpSpPr>
+      <p:sp>
+        <p:nvSpPr>
+          <p:cNvPr id="2" name="幻灯片图像占位符 1"/>
+          <p:cNvSpPr>
+            <a:spLocks noGrp="1" noRot="1" noChangeAspect="1"/>
+          </p:cNvSpPr>
+          <p:nvPr>
+            <p:ph type="sldImg"/>
+          </p:nvPr>
+        </p:nvSpPr>
+        <p:spPr/>
+      </p:sp>
+      <p:sp>
+        <p:nvSpPr>
+          <p:cNvPr id="3" name="备注占位符 2"/>
+          <p:cNvSpPr>
+            <a:spLocks noGrp="1"/>
+          </p:cNvSpPr>
+          <p:nvPr>
+            <p:ph type="body" idx="1"/>
+          </p:nvPr>
+        </p:nvSpPr>
+        <p:spPr/>
+        <p:txBody>
+          <a:bodyPr/>
+          <a:lstStyle/>
+          <a:p>
+            <a:r>
+              <a:rPr lang="en-US" altLang="zh-CN" sz="1200" b="0" i="0" kern="1200" dirty="0" smtClean="0">
+                <a:solidFill>
+                  <a:schemeClr val="tx1"/>
+                </a:solidFill>
+                <a:effectLst/>
+                <a:latin typeface="+mn-lt"/>
+                <a:ea typeface="+mn-ea"/>
+                <a:cs typeface="+mn-cs"/>
+              </a:rPr>
+              <a:t>http://openjdk.java.net/projects/jigsaw/spec/sotms/#module-declarations</a:t>
+            </a:r>
+          </a:p>
+          <a:p>
+            <a:endParaRPr lang="en-US" altLang="zh-CN" sz="1200" b="0" i="0" kern="1200" dirty="0" smtClean="0">
+              <a:solidFill>
+                <a:schemeClr val="tx1"/>
+              </a:solidFill>
+              <a:effectLst/>
+              <a:latin typeface="+mn-lt"/>
+              <a:ea typeface="+mn-ea"/>
+              <a:cs typeface="+mn-cs"/>
+            </a:endParaRPr>
+          </a:p>
+          <a:p>
+            <a:r>
+              <a:rPr lang="en-US" altLang="zh-CN" sz="1200" b="0" i="0" kern="1200" dirty="0" smtClean="0">
+                <a:solidFill>
+                  <a:schemeClr val="tx1"/>
+                </a:solidFill>
+                <a:effectLst/>
+                <a:latin typeface="+mn-lt"/>
+                <a:ea typeface="+mn-ea"/>
+                <a:cs typeface="+mn-cs"/>
+              </a:rPr>
+              <a:t>In order to provide reliable configuration and strong encapsulation in a way that is both approachable to developers and supportable by existing tool chains we treat modules as a fundamental new kind of Java program component. A </a:t>
+            </a:r>
+            <a:r>
+              <a:rPr lang="en-US" altLang="zh-CN" sz="1200" b="0" i="1" kern="1200" dirty="0" smtClean="0">
+                <a:solidFill>
+                  <a:schemeClr val="tx1"/>
+                </a:solidFill>
+                <a:effectLst/>
+                <a:latin typeface="+mn-lt"/>
+                <a:ea typeface="+mn-ea"/>
+                <a:cs typeface="+mn-cs"/>
+              </a:rPr>
+              <a:t>module</a:t>
+            </a:r>
+            <a:r>
+              <a:rPr lang="en-US" altLang="zh-CN" sz="1200" b="0" i="0" kern="1200" dirty="0" smtClean="0">
+                <a:solidFill>
+                  <a:schemeClr val="tx1"/>
+                </a:solidFill>
+                <a:effectLst/>
+                <a:latin typeface="+mn-lt"/>
+                <a:ea typeface="+mn-ea"/>
+                <a:cs typeface="+mn-cs"/>
+              </a:rPr>
+              <a:t> is a named, self-describing collection of code and data. Its code is organized as a set of packages containing types, </a:t>
+            </a:r>
+            <a:r>
+              <a:rPr lang="en-US" altLang="zh-CN" sz="1200" b="0" i="1" kern="1200" dirty="0" smtClean="0">
+                <a:solidFill>
+                  <a:schemeClr val="tx1"/>
+                </a:solidFill>
+                <a:effectLst/>
+                <a:latin typeface="+mn-lt"/>
+                <a:ea typeface="+mn-ea"/>
+                <a:cs typeface="+mn-cs"/>
+              </a:rPr>
+              <a:t>i.e.</a:t>
+            </a:r>
+            <a:r>
+              <a:rPr lang="en-US" altLang="zh-CN" sz="1200" b="0" i="0" kern="1200" dirty="0" smtClean="0">
+                <a:solidFill>
+                  <a:schemeClr val="tx1"/>
+                </a:solidFill>
+                <a:effectLst/>
+                <a:latin typeface="+mn-lt"/>
+                <a:ea typeface="+mn-ea"/>
+                <a:cs typeface="+mn-cs"/>
+              </a:rPr>
+              <a:t>, Java classes and interfaces; its data includes resources and other kinds of static information.</a:t>
+            </a:r>
+            <a:endParaRPr lang="zh-CN" altLang="en-US" dirty="0"/>
+          </a:p>
+        </p:txBody>
+      </p:sp>
+      <p:sp>
+        <p:nvSpPr>
+          <p:cNvPr id="4" name="灯片编号占位符 3"/>
+          <p:cNvSpPr>
+            <a:spLocks noGrp="1"/>
+          </p:cNvSpPr>
+          <p:nvPr>
+            <p:ph type="sldNum" sz="quarter" idx="10"/>
+          </p:nvPr>
+        </p:nvSpPr>
+        <p:spPr/>
+        <p:txBody>
+          <a:bodyPr/>
+          <a:lstStyle/>
+          <a:p>
+            <a:fld id="{A6837353-30EB-4A48-80EB-173D804AEFBD}" type="slidenum">
+              <a:rPr lang="zh-CN" altLang="en-US" smtClean="0"/>
+              <a:t>11</a:t>
+            </a:fld>
+            <a:endParaRPr lang="zh-CN" altLang="en-US"/>
+          </a:p>
+        </p:txBody>
+      </p:sp>
+    </p:spTree>
+    <p:extLst>
+      <p:ext uri="{BB962C8B-B14F-4D97-AF65-F5344CB8AC3E}">
+        <p14:creationId xmlns:p14="http://schemas.microsoft.com/office/powerpoint/2010/main" val="317019118"/>
+      </p:ext>
+    </p:extLst>
+  </p:cSld>
+  <p:clrMapOvr>
+    <a:masterClrMapping/>
+  </p:clrMapOvr>
+</p:notes>
+</file>
+
+<file path=ppt/notesSlides/notesSlide6.xml><?xml version="1.0" encoding="utf-8"?>
+<p:notes xmlns:a="http://schemas.openxmlformats.org/drawingml/2006/main" xmlns:r="http://schemas.openxmlformats.org/officeDocument/2006/relationships" xmlns:p="http://schemas.openxmlformats.org/presentationml/2006/main">
+  <p:cSld>
+    <p:spTree>
+      <p:nvGrpSpPr>
+        <p:cNvPr id="1" name=""/>
+        <p:cNvGrpSpPr/>
+        <p:nvPr/>
+      </p:nvGrpSpPr>
+      <p:grpSpPr>
+        <a:xfrm>
+          <a:off x="0" y="0"/>
+          <a:ext cx="0" cy="0"/>
+          <a:chOff x="0" y="0"/>
+          <a:chExt cx="0" cy="0"/>
+        </a:xfrm>
+      </p:grpSpPr>
+      <p:sp>
+        <p:nvSpPr>
+          <p:cNvPr id="2" name="幻灯片图像占位符 1"/>
+          <p:cNvSpPr>
+            <a:spLocks noGrp="1" noRot="1" noChangeAspect="1"/>
+          </p:cNvSpPr>
           <p:nvPr>
             <p:ph type="sldImg" idx="2"/>
           </p:nvPr>
@@ -686,7 +3664,9 @@
       <p:sp>
         <p:nvSpPr>
           <p:cNvPr id="3" name="文本占位符 2"/>
-          <p:cNvSpPr/>
+          <p:cNvSpPr>
+            <a:spLocks noGrp="1"/>
+          </p:cNvSpPr>
           <p:nvPr>
             <p:ph type="body" idx="3"/>
           </p:nvPr>
@@ -694,12 +3674,318 @@
         <p:spPr/>
         <p:txBody>
           <a:bodyPr/>
+          <a:lstStyle/>
           <a:p>
             <a:endParaRPr lang="zh-CN" altLang="en-US"/>
           </a:p>
         </p:txBody>
       </p:sp>
     </p:spTree>
+    <p:extLst>
+      <p:ext uri="{BB962C8B-B14F-4D97-AF65-F5344CB8AC3E}">
+        <p14:creationId xmlns:p14="http://schemas.microsoft.com/office/powerpoint/2010/main" val="2047412097"/>
+      </p:ext>
+    </p:extLst>
+  </p:cSld>
+  <p:clrMapOvr>
+    <a:masterClrMapping/>
+  </p:clrMapOvr>
+</p:notes>
+</file>
+
+<file path=ppt/notesSlides/notesSlide7.xml><?xml version="1.0" encoding="utf-8"?>
+<p:notes xmlns:a="http://schemas.openxmlformats.org/drawingml/2006/main" xmlns:r="http://schemas.openxmlformats.org/officeDocument/2006/relationships" xmlns:p="http://schemas.openxmlformats.org/presentationml/2006/main">
+  <p:cSld>
+    <p:spTree>
+      <p:nvGrpSpPr>
+        <p:cNvPr id="1" name=""/>
+        <p:cNvGrpSpPr/>
+        <p:nvPr/>
+      </p:nvGrpSpPr>
+      <p:grpSpPr>
+        <a:xfrm>
+          <a:off x="0" y="0"/>
+          <a:ext cx="0" cy="0"/>
+          <a:chOff x="0" y="0"/>
+          <a:chExt cx="0" cy="0"/>
+        </a:xfrm>
+      </p:grpSpPr>
+      <p:sp>
+        <p:nvSpPr>
+          <p:cNvPr id="2" name="幻灯片图像占位符 1"/>
+          <p:cNvSpPr>
+            <a:spLocks noGrp="1" noRot="1" noChangeAspect="1"/>
+          </p:cNvSpPr>
+          <p:nvPr>
+            <p:ph type="sldImg" idx="2"/>
+          </p:nvPr>
+        </p:nvSpPr>
+        <p:spPr/>
+      </p:sp>
+      <p:sp>
+        <p:nvSpPr>
+          <p:cNvPr id="3" name="文本占位符 2"/>
+          <p:cNvSpPr>
+            <a:spLocks noGrp="1"/>
+          </p:cNvSpPr>
+          <p:nvPr>
+            <p:ph type="body" idx="3"/>
+          </p:nvPr>
+        </p:nvSpPr>
+        <p:spPr/>
+        <p:txBody>
+          <a:bodyPr/>
+          <a:lstStyle/>
+          <a:p>
+            <a:r>
+              <a:rPr lang="en-US" altLang="zh-CN" dirty="0"/>
+              <a:t>1. Project Jigsaw</a:t>
+            </a:r>
+            <a:r>
+              <a:rPr lang="zh-CN" altLang="en-US" dirty="0"/>
+              <a:t>希望在</a:t>
+            </a:r>
+            <a:r>
+              <a:rPr lang="en-US" altLang="zh-CN" dirty="0"/>
+              <a:t>Java8</a:t>
+            </a:r>
+            <a:r>
+              <a:rPr lang="zh-CN" altLang="en-US" dirty="0"/>
+              <a:t>中添加模块化系统，但影响太大，没有完成。</a:t>
+            </a:r>
+          </a:p>
+          <a:p>
+            <a:r>
+              <a:rPr lang="en-US" altLang="zh-CN" dirty="0">
+                <a:sym typeface="+mn-ea"/>
+              </a:rPr>
+              <a:t>Java9</a:t>
+            </a:r>
+            <a:r>
+              <a:rPr lang="zh-CN" altLang="en-US" dirty="0"/>
+              <a:t>模块化也推迟了几次</a:t>
+            </a:r>
+          </a:p>
+          <a:p>
+            <a:r>
+              <a:rPr lang="en-US" altLang="zh-CN" dirty="0"/>
+              <a:t>2. </a:t>
+            </a:r>
+            <a:r>
+              <a:rPr lang="zh-CN" altLang="en-US" dirty="0"/>
+              <a:t>更小的运行时镜像。如：</a:t>
+            </a:r>
+            <a:r>
+              <a:rPr lang="en-US" altLang="zh-CN" dirty="0"/>
+              <a:t>Server</a:t>
+            </a:r>
+            <a:r>
+              <a:rPr lang="zh-CN" altLang="en-US" dirty="0"/>
+              <a:t>程序不需要</a:t>
+            </a:r>
+            <a:r>
+              <a:rPr lang="en-US" altLang="zh-CN" dirty="0"/>
+              <a:t>Swing</a:t>
+            </a:r>
+            <a:r>
+              <a:rPr lang="zh-CN" altLang="en-US" dirty="0"/>
+              <a:t>库；随着发展包含的内容肯定越来越多。</a:t>
+            </a:r>
+          </a:p>
+          <a:p>
+            <a:r>
+              <a:rPr lang="en-US" altLang="zh-CN" dirty="0"/>
+              <a:t>3. Java9</a:t>
+            </a:r>
+            <a:r>
+              <a:rPr lang="zh-CN" altLang="en-US" dirty="0"/>
+              <a:t>把</a:t>
+            </a:r>
+            <a:r>
+              <a:rPr lang="en-US" altLang="zh-CN" dirty="0"/>
+              <a:t>JDK </a:t>
+            </a:r>
+            <a:r>
+              <a:rPr lang="zh-CN" altLang="en-US" dirty="0"/>
+              <a:t>模块化，</a:t>
+            </a:r>
+            <a:r>
+              <a:rPr lang="en-US" altLang="zh-CN" dirty="0"/>
+              <a:t>Java9</a:t>
+            </a:r>
+            <a:r>
+              <a:rPr lang="zh-CN" altLang="en-US" dirty="0"/>
+              <a:t>共有</a:t>
+            </a:r>
+            <a:r>
+              <a:rPr lang="en-US" altLang="zh-CN" dirty="0"/>
+              <a:t>94</a:t>
+            </a:r>
+            <a:r>
+              <a:rPr lang="zh-CN" altLang="en-US" dirty="0"/>
+              <a:t>个模块组成；通过</a:t>
+            </a:r>
+            <a:r>
+              <a:rPr lang="en-US" altLang="zh-CN" dirty="0" err="1"/>
+              <a:t>jlink</a:t>
+            </a:r>
+            <a:r>
+              <a:rPr lang="zh-CN" altLang="en-US" dirty="0"/>
+              <a:t>工具可创建出每个应用独有的运行时镜像，镜像中只包含应用中真正需要的模块，这样这极大的减少应用的空间</a:t>
+            </a:r>
+          </a:p>
+          <a:p>
+            <a:r>
+              <a:rPr lang="en-US" altLang="zh-CN" dirty="0"/>
+              <a:t>4. Java9</a:t>
+            </a:r>
+            <a:r>
+              <a:rPr lang="zh-CN" altLang="en-US" dirty="0"/>
+              <a:t>之前，应用依赖</a:t>
+            </a:r>
+            <a:r>
+              <a:rPr lang="en-US" altLang="zh-CN" dirty="0" err="1"/>
+              <a:t>classpath</a:t>
+            </a:r>
+            <a:r>
+              <a:rPr lang="en-US" altLang="zh-CN" dirty="0"/>
+              <a:t>,</a:t>
+            </a:r>
+            <a:r>
+              <a:rPr lang="zh-CN" altLang="en-US" dirty="0"/>
+              <a:t>把应用本身的</a:t>
+            </a:r>
+            <a:r>
+              <a:rPr lang="en-US" altLang="zh-CN" dirty="0"/>
+              <a:t>Jar</a:t>
+            </a:r>
+            <a:r>
+              <a:rPr lang="zh-CN" altLang="en-US" dirty="0"/>
+              <a:t>和第三方的</a:t>
+            </a:r>
+            <a:r>
+              <a:rPr lang="en-US" altLang="zh-CN" dirty="0"/>
+              <a:t>Jar</a:t>
+            </a:r>
+            <a:r>
+              <a:rPr lang="zh-CN" altLang="en-US" dirty="0"/>
+              <a:t>包都放在</a:t>
+            </a:r>
+            <a:r>
+              <a:rPr lang="en-US" altLang="zh-CN" dirty="0" err="1"/>
+              <a:t>classpath</a:t>
+            </a:r>
+            <a:r>
+              <a:rPr lang="zh-CN" altLang="en-US" dirty="0"/>
+              <a:t>上，</a:t>
+            </a:r>
+            <a:r>
+              <a:rPr lang="en-US" altLang="zh-CN" dirty="0" err="1"/>
+              <a:t>classpath</a:t>
+            </a:r>
+            <a:r>
+              <a:rPr lang="zh-CN" altLang="en-US" dirty="0"/>
+              <a:t>是单一的线性空间，</a:t>
+            </a:r>
+          </a:p>
+          <a:p>
+            <a:endParaRPr lang="zh-CN" altLang="en-US" dirty="0"/>
+          </a:p>
+          <a:p>
+            <a:endParaRPr lang="zh-CN" altLang="en-US" dirty="0"/>
+          </a:p>
+        </p:txBody>
+      </p:sp>
+    </p:spTree>
+    <p:extLst>
+      <p:ext uri="{BB962C8B-B14F-4D97-AF65-F5344CB8AC3E}">
+        <p14:creationId xmlns:p14="http://schemas.microsoft.com/office/powerpoint/2010/main" val="2392991042"/>
+      </p:ext>
+    </p:extLst>
+  </p:cSld>
+  <p:clrMapOvr>
+    <a:masterClrMapping/>
+  </p:clrMapOvr>
+</p:notes>
+</file>
+
+<file path=ppt/notesSlides/notesSlide8.xml><?xml version="1.0" encoding="utf-8"?>
+<p:notes xmlns:a="http://schemas.openxmlformats.org/drawingml/2006/main" xmlns:r="http://schemas.openxmlformats.org/officeDocument/2006/relationships" xmlns:p="http://schemas.openxmlformats.org/presentationml/2006/main">
+  <p:cSld>
+    <p:spTree>
+      <p:nvGrpSpPr>
+        <p:cNvPr id="1" name=""/>
+        <p:cNvGrpSpPr/>
+        <p:nvPr/>
+      </p:nvGrpSpPr>
+      <p:grpSpPr>
+        <a:xfrm>
+          <a:off x="0" y="0"/>
+          <a:ext cx="0" cy="0"/>
+          <a:chOff x="0" y="0"/>
+          <a:chExt cx="0" cy="0"/>
+        </a:xfrm>
+      </p:grpSpPr>
+      <p:sp>
+        <p:nvSpPr>
+          <p:cNvPr id="2" name="幻灯片图像占位符 1"/>
+          <p:cNvSpPr>
+            <a:spLocks noGrp="1" noRot="1" noChangeAspect="1"/>
+          </p:cNvSpPr>
+          <p:nvPr>
+            <p:ph type="sldImg"/>
+          </p:nvPr>
+        </p:nvSpPr>
+        <p:spPr/>
+      </p:sp>
+      <p:sp>
+        <p:nvSpPr>
+          <p:cNvPr id="3" name="备注占位符 2"/>
+          <p:cNvSpPr>
+            <a:spLocks noGrp="1"/>
+          </p:cNvSpPr>
+          <p:nvPr>
+            <p:ph type="body" idx="1"/>
+          </p:nvPr>
+        </p:nvSpPr>
+        <p:spPr/>
+        <p:txBody>
+          <a:bodyPr/>
+          <a:lstStyle/>
+          <a:p>
+            <a:endParaRPr lang="zh-CN" altLang="en-US" dirty="0"/>
+          </a:p>
+        </p:txBody>
+      </p:sp>
+      <p:sp>
+        <p:nvSpPr>
+          <p:cNvPr id="4" name="灯片编号占位符 3"/>
+          <p:cNvSpPr>
+            <a:spLocks noGrp="1"/>
+          </p:cNvSpPr>
+          <p:nvPr>
+            <p:ph type="sldNum" sz="quarter" idx="10"/>
+          </p:nvPr>
+        </p:nvSpPr>
+        <p:spPr/>
+        <p:txBody>
+          <a:bodyPr/>
+          <a:lstStyle/>
+          <a:p>
+            <a:fld id="{A6837353-30EB-4A48-80EB-173D804AEFBD}" type="slidenum">
+              <a:rPr lang="zh-CN" altLang="en-US" smtClean="0"/>
+              <a:t>17</a:t>
+            </a:fld>
+            <a:endParaRPr lang="zh-CN" altLang="en-US"/>
+          </a:p>
+        </p:txBody>
+      </p:sp>
+    </p:spTree>
+    <p:extLst>
+      <p:ext uri="{BB962C8B-B14F-4D97-AF65-F5344CB8AC3E}">
+        <p14:creationId xmlns:p14="http://schemas.microsoft.com/office/powerpoint/2010/main" val="2846966172"/>
+      </p:ext>
+    </p:extLst>
   </p:cSld>
   <p:clrMapOvr>
     <a:masterClrMapping/>
@@ -733,7 +4019,7 @@
           <p:nvPr/>
         </p:nvPicPr>
         <p:blipFill rotWithShape="1">
-          <a:blip r:embed="rId2">
+          <a:blip r:embed="rId3">
             <a:extLst>
               <a:ext uri="{28A0092B-C50C-407E-A947-70E740481C1C}">
                 <a14:useLocalDpi xmlns:a14="http://schemas.microsoft.com/office/drawing/2010/main" val="0"/>
@@ -764,7 +4050,7 @@
           <p:nvPr/>
         </p:nvPicPr>
         <p:blipFill rotWithShape="1">
-          <a:blip r:embed="rId3">
+          <a:blip r:embed="rId4">
             <a:extLst>
               <a:ext uri="{28A0092B-C50C-407E-A947-70E740481C1C}">
                 <a14:useLocalDpi xmlns:a14="http://schemas.microsoft.com/office/drawing/2010/main" val="0"/>
@@ -792,7 +4078,7 @@
           <p:cNvSpPr/>
           <p:nvPr>
             <p:custDataLst>
-              <p:tags r:id="rId4"/>
+              <p:tags r:id="rId1"/>
             </p:custDataLst>
           </p:nvPr>
         </p:nvSpPr>
@@ -866,7 +4152,6 @@
               <a:rPr lang="zh-CN" altLang="en-US" dirty="0"/>
               <a:t>单击此处编辑标题</a:t>
             </a:r>
-            <a:endParaRPr lang="zh-CN" altLang="en-US" dirty="0"/>
           </a:p>
         </p:txBody>
       </p:sp>
@@ -933,7 +4218,6 @@
               <a:rPr lang="zh-CN" altLang="en-US" dirty="0"/>
               <a:t>单击此处编辑母版副标题样式</a:t>
             </a:r>
-            <a:endParaRPr lang="zh-CN" altLang="en-US" dirty="0"/>
           </a:p>
         </p:txBody>
       </p:sp>
@@ -954,6 +4238,7 @@
           <a:p>
             <a:fld id="{760FBDFE-C587-4B4C-A407-44438C67B59E}" type="datetimeFigureOut">
               <a:rPr lang="zh-CN" altLang="en-US" smtClean="0"/>
+              <a:t>2018/10/18</a:t>
             </a:fld>
             <a:endParaRPr lang="zh-CN" altLang="en-US"/>
           </a:p>
@@ -995,6 +4280,7 @@
           <a:p>
             <a:fld id="{49AE70B2-8BF9-45C0-BB95-33D1B9D3A854}" type="slidenum">
               <a:rPr lang="zh-CN" altLang="en-US" smtClean="0"/>
+              <a:t>‹#›</a:t>
             </a:fld>
             <a:endParaRPr lang="zh-CN" altLang="en-US"/>
           </a:p>
@@ -1005,8 +4291,8 @@
   <p:clrMapOvr>
     <a:masterClrMapping/>
   </p:clrMapOvr>
-  <mc:AlternateContent xmlns:mc="http://schemas.openxmlformats.org/markup-compatibility/2006">
-    <mc:Choice xmlns:p14="http://schemas.microsoft.com/office/powerpoint/2010/main" Requires="p14">
+  <mc:AlternateContent xmlns:mc="http://schemas.openxmlformats.org/markup-compatibility/2006" xmlns:p14="http://schemas.microsoft.com/office/powerpoint/2010/main">
+    <mc:Choice Requires="p14">
       <p:timing>
         <p:tnLst>
           <p:par>
@@ -1135,7 +4421,7 @@
         </p:bldLst>
       </p:timing>
     </mc:Choice>
-    <mc:Fallback>
+    <mc:Fallback xmlns="">
       <p:timing>
         <p:tnLst>
           <p:par>
@@ -1302,6 +4588,7 @@
           <a:p>
             <a:fld id="{760FBDFE-C587-4B4C-A407-44438C67B59E}" type="datetimeFigureOut">
               <a:rPr lang="zh-CN" altLang="en-US" smtClean="0"/>
+              <a:t>2018/10/18</a:t>
             </a:fld>
             <a:endParaRPr lang="zh-CN" altLang="en-US"/>
           </a:p>
@@ -1343,6 +4630,7 @@
           <a:p>
             <a:fld id="{49AE70B2-8BF9-45C0-BB95-33D1B9D3A854}" type="slidenum">
               <a:rPr lang="zh-CN" altLang="en-US" smtClean="0"/>
+              <a:t>‹#›</a:t>
             </a:fld>
             <a:endParaRPr lang="zh-CN" altLang="en-US"/>
           </a:p>
@@ -1404,7 +4692,6 @@
               <a:rPr lang="zh-CN" altLang="en-US" dirty="0"/>
               <a:t>单击此处编辑母版文本样式</a:t>
             </a:r>
-            <a:endParaRPr lang="zh-CN" altLang="en-US" dirty="0"/>
           </a:p>
           <a:p>
             <a:pPr lvl="1"/>
@@ -1412,7 +4699,6 @@
               <a:rPr lang="zh-CN" altLang="en-US" dirty="0"/>
               <a:t>第二级</a:t>
             </a:r>
-            <a:endParaRPr lang="zh-CN" altLang="en-US" dirty="0"/>
           </a:p>
           <a:p>
             <a:pPr lvl="2"/>
@@ -1420,7 +4706,6 @@
               <a:rPr lang="zh-CN" altLang="en-US" dirty="0"/>
               <a:t>第三级</a:t>
             </a:r>
-            <a:endParaRPr lang="zh-CN" altLang="en-US" dirty="0"/>
           </a:p>
           <a:p>
             <a:pPr lvl="3"/>
@@ -1428,7 +4713,6 @@
               <a:rPr lang="zh-CN" altLang="en-US" dirty="0"/>
               <a:t>第四级</a:t>
             </a:r>
-            <a:endParaRPr lang="zh-CN" altLang="en-US" dirty="0"/>
           </a:p>
           <a:p>
             <a:pPr lvl="4"/>
@@ -1436,7 +4720,6 @@
               <a:rPr lang="zh-CN" altLang="en-US" dirty="0"/>
               <a:t>第五级</a:t>
             </a:r>
-            <a:endParaRPr lang="zh-CN" altLang="en-US" dirty="0"/>
           </a:p>
         </p:txBody>
       </p:sp>
@@ -1526,7 +4809,6 @@
               <a:rPr lang="zh-CN" altLang="en-US" dirty="0"/>
               <a:t>编辑标题</a:t>
             </a:r>
-            <a:endParaRPr lang="zh-CN" altLang="en-US" dirty="0"/>
           </a:p>
         </p:txBody>
       </p:sp>
@@ -1547,6 +4829,7 @@
           <a:p>
             <a:fld id="{760FBDFE-C587-4B4C-A407-44438C67B59E}" type="datetimeFigureOut">
               <a:rPr lang="zh-CN" altLang="en-US" smtClean="0"/>
+              <a:t>2018/10/18</a:t>
             </a:fld>
             <a:endParaRPr lang="zh-CN" altLang="en-US"/>
           </a:p>
@@ -1588,6 +4871,7 @@
           <a:p>
             <a:fld id="{49AE70B2-8BF9-45C0-BB95-33D1B9D3A854}" type="slidenum">
               <a:rPr lang="zh-CN" altLang="en-US" smtClean="0"/>
+              <a:t>‹#›</a:t>
             </a:fld>
             <a:endParaRPr lang="zh-CN" altLang="en-US"/>
           </a:p>
@@ -1648,7 +4932,6 @@
               <a:rPr lang="zh-CN" altLang="en-US" dirty="0"/>
               <a:t>单击此处编辑母版标题样式</a:t>
             </a:r>
-            <a:endParaRPr lang="zh-CN" altLang="en-US" dirty="0"/>
           </a:p>
         </p:txBody>
       </p:sp>
@@ -1708,7 +4991,6 @@
               <a:rPr lang="zh-CN" altLang="en-US" dirty="0"/>
               <a:t>单击此处编辑母版文本样式</a:t>
             </a:r>
-            <a:endParaRPr lang="zh-CN" altLang="en-US" dirty="0"/>
           </a:p>
           <a:p>
             <a:pPr lvl="1"/>
@@ -1716,7 +4998,6 @@
               <a:rPr lang="zh-CN" altLang="en-US" dirty="0"/>
               <a:t>第二级</a:t>
             </a:r>
-            <a:endParaRPr lang="zh-CN" altLang="en-US" dirty="0"/>
           </a:p>
           <a:p>
             <a:pPr lvl="2"/>
@@ -1724,7 +5005,6 @@
               <a:rPr lang="zh-CN" altLang="en-US" dirty="0"/>
               <a:t>第三级</a:t>
             </a:r>
-            <a:endParaRPr lang="zh-CN" altLang="en-US" dirty="0"/>
           </a:p>
           <a:p>
             <a:pPr lvl="3"/>
@@ -1732,7 +5012,6 @@
               <a:rPr lang="zh-CN" altLang="en-US" dirty="0"/>
               <a:t>第四级</a:t>
             </a:r>
-            <a:endParaRPr lang="zh-CN" altLang="en-US" dirty="0"/>
           </a:p>
           <a:p>
             <a:pPr lvl="4"/>
@@ -1740,7 +5019,6 @@
               <a:rPr lang="zh-CN" altLang="en-US" dirty="0"/>
               <a:t>第五级</a:t>
             </a:r>
-            <a:endParaRPr lang="zh-CN" altLang="en-US" dirty="0"/>
           </a:p>
         </p:txBody>
       </p:sp>
@@ -1761,6 +5039,7 @@
           <a:p>
             <a:fld id="{760FBDFE-C587-4B4C-A407-44438C67B59E}" type="datetimeFigureOut">
               <a:rPr lang="zh-CN" altLang="en-US" smtClean="0"/>
+              <a:t>2018/10/18</a:t>
             </a:fld>
             <a:endParaRPr lang="zh-CN" altLang="en-US"/>
           </a:p>
@@ -1802,6 +5081,7 @@
           <a:p>
             <a:fld id="{49AE70B2-8BF9-45C0-BB95-33D1B9D3A854}" type="slidenum">
               <a:rPr lang="zh-CN" altLang="en-US" smtClean="0"/>
+              <a:t>‹#›</a:t>
             </a:fld>
             <a:endParaRPr lang="zh-CN" altLang="en-US"/>
           </a:p>
@@ -2843,7 +6123,6 @@
               <a:rPr lang="zh-CN" altLang="en-US" dirty="0"/>
               <a:t>单击此处编辑母版标题样式</a:t>
             </a:r>
-            <a:endParaRPr lang="zh-CN" altLang="en-US" dirty="0"/>
           </a:p>
         </p:txBody>
       </p:sp>
@@ -2963,7 +6242,6 @@
               <a:rPr lang="zh-CN" altLang="en-US" dirty="0"/>
               <a:t>编辑文本</a:t>
             </a:r>
-            <a:endParaRPr lang="zh-CN" altLang="en-US" dirty="0"/>
           </a:p>
         </p:txBody>
       </p:sp>
@@ -2984,6 +6262,7 @@
           <a:p>
             <a:fld id="{760FBDFE-C587-4B4C-A407-44438C67B59E}" type="datetimeFigureOut">
               <a:rPr lang="zh-CN" altLang="en-US" smtClean="0"/>
+              <a:t>2018/10/18</a:t>
             </a:fld>
             <a:endParaRPr lang="zh-CN" altLang="en-US"/>
           </a:p>
@@ -3025,6 +6304,7 @@
           <a:p>
             <a:fld id="{49AE70B2-8BF9-45C0-BB95-33D1B9D3A854}" type="slidenum">
               <a:rPr lang="zh-CN" altLang="en-US" smtClean="0"/>
+              <a:t>‹#›</a:t>
             </a:fld>
             <a:endParaRPr lang="zh-CN" altLang="en-US"/>
           </a:p>
@@ -3083,7 +6363,6 @@
               <a:rPr lang="zh-CN" altLang="en-US" dirty="0"/>
               <a:t>单击此处编辑母版标题样式</a:t>
             </a:r>
-            <a:endParaRPr lang="zh-CN" altLang="en-US" dirty="0"/>
           </a:p>
         </p:txBody>
       </p:sp>
@@ -3143,7 +6422,6 @@
               <a:rPr lang="zh-CN" altLang="en-US" dirty="0"/>
               <a:t>单击此处编辑母版文本样式</a:t>
             </a:r>
-            <a:endParaRPr lang="zh-CN" altLang="en-US" dirty="0"/>
           </a:p>
           <a:p>
             <a:pPr lvl="1"/>
@@ -3151,7 +6429,6 @@
               <a:rPr lang="zh-CN" altLang="en-US" dirty="0"/>
               <a:t>第二级</a:t>
             </a:r>
-            <a:endParaRPr lang="zh-CN" altLang="en-US" dirty="0"/>
           </a:p>
           <a:p>
             <a:pPr lvl="2"/>
@@ -3159,7 +6436,6 @@
               <a:rPr lang="zh-CN" altLang="en-US" dirty="0"/>
               <a:t>第三级</a:t>
             </a:r>
-            <a:endParaRPr lang="zh-CN" altLang="en-US" dirty="0"/>
           </a:p>
           <a:p>
             <a:pPr lvl="3"/>
@@ -3167,7 +6443,6 @@
               <a:rPr lang="zh-CN" altLang="en-US" dirty="0"/>
               <a:t>第四级</a:t>
             </a:r>
-            <a:endParaRPr lang="zh-CN" altLang="en-US" dirty="0"/>
           </a:p>
           <a:p>
             <a:pPr lvl="4"/>
@@ -3175,7 +6450,6 @@
               <a:rPr lang="zh-CN" altLang="en-US" dirty="0"/>
               <a:t>第五级</a:t>
             </a:r>
-            <a:endParaRPr lang="zh-CN" altLang="en-US" dirty="0"/>
           </a:p>
         </p:txBody>
       </p:sp>
@@ -3235,7 +6509,6 @@
               <a:rPr lang="zh-CN" altLang="en-US" dirty="0"/>
               <a:t>单击此处编辑母版文本样式</a:t>
             </a:r>
-            <a:endParaRPr lang="zh-CN" altLang="en-US" dirty="0"/>
           </a:p>
           <a:p>
             <a:pPr lvl="1"/>
@@ -3243,7 +6516,6 @@
               <a:rPr lang="zh-CN" altLang="en-US" dirty="0"/>
               <a:t>第二级</a:t>
             </a:r>
-            <a:endParaRPr lang="zh-CN" altLang="en-US" dirty="0"/>
           </a:p>
           <a:p>
             <a:pPr lvl="2"/>
@@ -3251,7 +6523,6 @@
               <a:rPr lang="zh-CN" altLang="en-US" dirty="0"/>
               <a:t>第三级</a:t>
             </a:r>
-            <a:endParaRPr lang="zh-CN" altLang="en-US" dirty="0"/>
           </a:p>
           <a:p>
             <a:pPr lvl="3"/>
@@ -3259,7 +6530,6 @@
               <a:rPr lang="zh-CN" altLang="en-US" dirty="0"/>
               <a:t>第四级</a:t>
             </a:r>
-            <a:endParaRPr lang="zh-CN" altLang="en-US" dirty="0"/>
           </a:p>
           <a:p>
             <a:pPr lvl="4"/>
@@ -3267,7 +6537,6 @@
               <a:rPr lang="zh-CN" altLang="en-US" dirty="0"/>
               <a:t>第五级</a:t>
             </a:r>
-            <a:endParaRPr lang="zh-CN" altLang="en-US" dirty="0"/>
           </a:p>
         </p:txBody>
       </p:sp>
@@ -3288,6 +6557,7 @@
           <a:p>
             <a:fld id="{760FBDFE-C587-4B4C-A407-44438C67B59E}" type="datetimeFigureOut">
               <a:rPr lang="zh-CN" altLang="en-US" smtClean="0"/>
+              <a:t>2018/10/18</a:t>
             </a:fld>
             <a:endParaRPr lang="zh-CN" altLang="en-US"/>
           </a:p>
@@ -3329,6 +6599,7 @@
           <a:p>
             <a:fld id="{49AE70B2-8BF9-45C0-BB95-33D1B9D3A854}" type="slidenum">
               <a:rPr lang="zh-CN" altLang="en-US" smtClean="0"/>
+              <a:t>‹#›</a:t>
             </a:fld>
             <a:endParaRPr lang="zh-CN" altLang="en-US"/>
           </a:p>
@@ -3389,7 +6660,6 @@
               <a:rPr lang="zh-CN" altLang="en-US" dirty="0"/>
               <a:t>单击此处编辑母版标题样式</a:t>
             </a:r>
-            <a:endParaRPr lang="zh-CN" altLang="en-US" dirty="0"/>
           </a:p>
         </p:txBody>
       </p:sp>
@@ -3455,7 +6725,6 @@
               <a:rPr lang="zh-CN" altLang="en-US" dirty="0"/>
               <a:t>单击此处编辑母版文本样式</a:t>
             </a:r>
-            <a:endParaRPr lang="zh-CN" altLang="en-US" dirty="0"/>
           </a:p>
         </p:txBody>
       </p:sp>
@@ -3484,7 +6753,6 @@
               <a:rPr lang="zh-CN" altLang="en-US" dirty="0"/>
               <a:t>单击此处编辑母版文本样式</a:t>
             </a:r>
-            <a:endParaRPr lang="zh-CN" altLang="en-US" dirty="0"/>
           </a:p>
           <a:p>
             <a:pPr lvl="1"/>
@@ -3492,7 +6760,6 @@
               <a:rPr lang="zh-CN" altLang="en-US" dirty="0"/>
               <a:t>第二级</a:t>
             </a:r>
-            <a:endParaRPr lang="zh-CN" altLang="en-US" dirty="0"/>
           </a:p>
           <a:p>
             <a:pPr lvl="2"/>
@@ -3500,7 +6767,6 @@
               <a:rPr lang="zh-CN" altLang="en-US" dirty="0"/>
               <a:t>第三级</a:t>
             </a:r>
-            <a:endParaRPr lang="zh-CN" altLang="en-US" dirty="0"/>
           </a:p>
           <a:p>
             <a:pPr lvl="3"/>
@@ -3508,7 +6774,6 @@
               <a:rPr lang="zh-CN" altLang="en-US" dirty="0"/>
               <a:t>第四级</a:t>
             </a:r>
-            <a:endParaRPr lang="zh-CN" altLang="en-US" dirty="0"/>
           </a:p>
           <a:p>
             <a:pPr lvl="4"/>
@@ -3516,7 +6781,6 @@
               <a:rPr lang="zh-CN" altLang="en-US" dirty="0"/>
               <a:t>第五级</a:t>
             </a:r>
-            <a:endParaRPr lang="zh-CN" altLang="en-US" dirty="0"/>
           </a:p>
         </p:txBody>
       </p:sp>
@@ -3582,7 +6846,6 @@
               <a:rPr lang="zh-CN" altLang="en-US" dirty="0"/>
               <a:t>单击此处编辑母版文本样式</a:t>
             </a:r>
-            <a:endParaRPr lang="zh-CN" altLang="en-US" dirty="0"/>
           </a:p>
         </p:txBody>
       </p:sp>
@@ -3611,7 +6874,6 @@
               <a:rPr lang="zh-CN" altLang="en-US" dirty="0"/>
               <a:t>单击此处编辑母版文本样式</a:t>
             </a:r>
-            <a:endParaRPr lang="zh-CN" altLang="en-US" dirty="0"/>
           </a:p>
           <a:p>
             <a:pPr lvl="1"/>
@@ -3619,7 +6881,6 @@
               <a:rPr lang="zh-CN" altLang="en-US" dirty="0"/>
               <a:t>第二级</a:t>
             </a:r>
-            <a:endParaRPr lang="zh-CN" altLang="en-US" dirty="0"/>
           </a:p>
           <a:p>
             <a:pPr lvl="2"/>
@@ -3627,7 +6888,6 @@
               <a:rPr lang="zh-CN" altLang="en-US" dirty="0"/>
               <a:t>第三级</a:t>
             </a:r>
-            <a:endParaRPr lang="zh-CN" altLang="en-US" dirty="0"/>
           </a:p>
           <a:p>
             <a:pPr lvl="3"/>
@@ -3635,7 +6895,6 @@
               <a:rPr lang="zh-CN" altLang="en-US" dirty="0"/>
               <a:t>第四级</a:t>
             </a:r>
-            <a:endParaRPr lang="zh-CN" altLang="en-US" dirty="0"/>
           </a:p>
           <a:p>
             <a:pPr lvl="4"/>
@@ -3643,7 +6902,6 @@
               <a:rPr lang="zh-CN" altLang="en-US" dirty="0"/>
               <a:t>第五级</a:t>
             </a:r>
-            <a:endParaRPr lang="zh-CN" altLang="en-US" dirty="0"/>
           </a:p>
         </p:txBody>
       </p:sp>
@@ -3664,6 +6922,7 @@
           <a:p>
             <a:fld id="{760FBDFE-C587-4B4C-A407-44438C67B59E}" type="datetimeFigureOut">
               <a:rPr lang="zh-CN" altLang="en-US" smtClean="0"/>
+              <a:t>2018/10/18</a:t>
             </a:fld>
             <a:endParaRPr lang="zh-CN" altLang="en-US"/>
           </a:p>
@@ -3705,6 +6964,7 @@
           <a:p>
             <a:fld id="{49AE70B2-8BF9-45C0-BB95-33D1B9D3A854}" type="slidenum">
               <a:rPr lang="zh-CN" altLang="en-US" smtClean="0"/>
+              <a:t>‹#›</a:t>
             </a:fld>
             <a:endParaRPr lang="zh-CN" altLang="en-US"/>
           </a:p>
@@ -3760,7 +7020,6 @@
               <a:rPr lang="zh-CN" altLang="en-US" dirty="0"/>
               <a:t>单击此处编辑母版标题样式</a:t>
             </a:r>
-            <a:endParaRPr lang="zh-CN" altLang="en-US" dirty="0"/>
           </a:p>
         </p:txBody>
       </p:sp>
@@ -3781,6 +7040,7 @@
           <a:p>
             <a:fld id="{760FBDFE-C587-4B4C-A407-44438C67B59E}" type="datetimeFigureOut">
               <a:rPr lang="zh-CN" altLang="en-US" smtClean="0"/>
+              <a:t>2018/10/18</a:t>
             </a:fld>
             <a:endParaRPr lang="zh-CN" altLang="en-US"/>
           </a:p>
@@ -3822,6 +7082,7 @@
           <a:p>
             <a:fld id="{49AE70B2-8BF9-45C0-BB95-33D1B9D3A854}" type="slidenum">
               <a:rPr lang="zh-CN" altLang="en-US" smtClean="0"/>
+              <a:t>‹#›</a:t>
             </a:fld>
             <a:endParaRPr lang="zh-CN" altLang="en-US"/>
           </a:p>
@@ -3869,6 +7130,7 @@
           <a:p>
             <a:fld id="{760FBDFE-C587-4B4C-A407-44438C67B59E}" type="datetimeFigureOut">
               <a:rPr lang="zh-CN" altLang="en-US" smtClean="0"/>
+              <a:t>2018/10/18</a:t>
             </a:fld>
             <a:endParaRPr lang="zh-CN" altLang="en-US"/>
           </a:p>
@@ -3910,6 +7172,7 @@
           <a:p>
             <a:fld id="{49AE70B2-8BF9-45C0-BB95-33D1B9D3A854}" type="slidenum">
               <a:rPr lang="zh-CN" altLang="en-US" smtClean="0"/>
+              <a:t>‹#›</a:t>
             </a:fld>
             <a:endParaRPr lang="zh-CN" altLang="en-US"/>
           </a:p>
@@ -3970,7 +7233,6 @@
               <a:rPr lang="zh-CN" altLang="en-US" dirty="0"/>
               <a:t>单击此处编辑母版标题样式</a:t>
             </a:r>
-            <a:endParaRPr lang="zh-CN" altLang="en-US" dirty="0"/>
           </a:p>
         </p:txBody>
       </p:sp>
@@ -4108,7 +7370,6 @@
               <a:rPr lang="zh-CN" altLang="en-US" dirty="0"/>
               <a:t>单击此处编辑母版文本样式</a:t>
             </a:r>
-            <a:endParaRPr lang="zh-CN" altLang="en-US" dirty="0"/>
           </a:p>
         </p:txBody>
       </p:sp>
@@ -4129,6 +7390,7 @@
           <a:p>
             <a:fld id="{9EFD9D74-47D9-4702-A33C-335B63B48DBF}" type="datetimeFigureOut">
               <a:rPr lang="zh-CN" altLang="en-US" smtClean="0"/>
+              <a:t>2018/10/18</a:t>
             </a:fld>
             <a:endParaRPr lang="zh-CN" altLang="en-US" dirty="0"/>
           </a:p>
@@ -4170,6 +7432,7 @@
           <a:p>
             <a:fld id="{FABC47A4-756D-490B-A52F-7D9E2C9FC05F}" type="slidenum">
               <a:rPr lang="zh-CN" altLang="en-US" smtClean="0"/>
+              <a:t>‹#›</a:t>
             </a:fld>
             <a:endParaRPr lang="zh-CN" altLang="en-US"/>
           </a:p>
@@ -4230,7 +7493,6 @@
               <a:rPr lang="zh-CN" altLang="en-US" dirty="0"/>
               <a:t>单击此处编辑母版标题样式</a:t>
             </a:r>
-            <a:endParaRPr lang="zh-CN" altLang="en-US" dirty="0"/>
           </a:p>
         </p:txBody>
       </p:sp>
@@ -4259,7 +7521,6 @@
               <a:rPr lang="zh-CN" altLang="en-US" dirty="0"/>
               <a:t>单击此处编辑母版文本样式</a:t>
             </a:r>
-            <a:endParaRPr lang="zh-CN" altLang="en-US" dirty="0"/>
           </a:p>
           <a:p>
             <a:pPr lvl="1"/>
@@ -4267,7 +7528,6 @@
               <a:rPr lang="zh-CN" altLang="en-US" dirty="0"/>
               <a:t>第二级</a:t>
             </a:r>
-            <a:endParaRPr lang="zh-CN" altLang="en-US" dirty="0"/>
           </a:p>
           <a:p>
             <a:pPr lvl="2"/>
@@ -4275,7 +7535,6 @@
               <a:rPr lang="zh-CN" altLang="en-US" dirty="0"/>
               <a:t>第三级</a:t>
             </a:r>
-            <a:endParaRPr lang="zh-CN" altLang="en-US" dirty="0"/>
           </a:p>
           <a:p>
             <a:pPr lvl="3"/>
@@ -4283,7 +7542,6 @@
               <a:rPr lang="zh-CN" altLang="en-US" dirty="0"/>
               <a:t>第四级</a:t>
             </a:r>
-            <a:endParaRPr lang="zh-CN" altLang="en-US" dirty="0"/>
           </a:p>
           <a:p>
             <a:pPr lvl="4"/>
@@ -4291,7 +7549,6 @@
               <a:rPr lang="zh-CN" altLang="en-US" dirty="0"/>
               <a:t>第五级</a:t>
             </a:r>
-            <a:endParaRPr lang="zh-CN" altLang="en-US" dirty="0"/>
           </a:p>
         </p:txBody>
       </p:sp>
@@ -4312,6 +7569,7 @@
           <a:p>
             <a:fld id="{760FBDFE-C587-4B4C-A407-44438C67B59E}" type="datetimeFigureOut">
               <a:rPr lang="zh-CN" altLang="en-US" smtClean="0"/>
+              <a:t>2018/10/18</a:t>
             </a:fld>
             <a:endParaRPr lang="zh-CN" altLang="en-US"/>
           </a:p>
@@ -4353,6 +7611,7 @@
           <a:p>
             <a:fld id="{49AE70B2-8BF9-45C0-BB95-33D1B9D3A854}" type="slidenum">
               <a:rPr lang="zh-CN" altLang="en-US" smtClean="0"/>
+              <a:t>‹#›</a:t>
             </a:fld>
             <a:endParaRPr lang="zh-CN" altLang="en-US"/>
           </a:p>
@@ -4400,7 +7659,7 @@
           <p:nvPr>
             <p:ph type="title"/>
             <p:custDataLst>
-              <p:tags r:id="rId12"/>
+              <p:tags r:id="rId13"/>
             </p:custDataLst>
           </p:nvPr>
         </p:nvSpPr>
@@ -4423,7 +7682,6 @@
               <a:rPr lang="zh-CN" altLang="en-US" dirty="0"/>
               <a:t>单击此处编辑母版标题样式</a:t>
             </a:r>
-            <a:endParaRPr lang="zh-CN" altLang="en-US" dirty="0"/>
           </a:p>
         </p:txBody>
       </p:sp>
@@ -4436,7 +7694,7 @@
           <p:nvPr>
             <p:ph type="body" idx="1"/>
             <p:custDataLst>
-              <p:tags r:id="rId13"/>
+              <p:tags r:id="rId14"/>
             </p:custDataLst>
           </p:nvPr>
         </p:nvSpPr>
@@ -4460,7 +7718,6 @@
               <a:rPr lang="zh-CN" altLang="en-US" dirty="0"/>
               <a:t>单击此处编辑母版文本样式</a:t>
             </a:r>
-            <a:endParaRPr lang="zh-CN" altLang="en-US" dirty="0"/>
           </a:p>
           <a:p>
             <a:pPr lvl="1"/>
@@ -4468,7 +7725,6 @@
               <a:rPr lang="zh-CN" altLang="en-US" dirty="0"/>
               <a:t>第二级</a:t>
             </a:r>
-            <a:endParaRPr lang="zh-CN" altLang="en-US" dirty="0"/>
           </a:p>
           <a:p>
             <a:pPr lvl="2"/>
@@ -4476,7 +7732,6 @@
               <a:rPr lang="zh-CN" altLang="en-US" dirty="0"/>
               <a:t>第三级</a:t>
             </a:r>
-            <a:endParaRPr lang="zh-CN" altLang="en-US" dirty="0"/>
           </a:p>
           <a:p>
             <a:pPr lvl="3"/>
@@ -4484,7 +7739,6 @@
               <a:rPr lang="zh-CN" altLang="en-US" dirty="0"/>
               <a:t>第四级</a:t>
             </a:r>
-            <a:endParaRPr lang="zh-CN" altLang="en-US" dirty="0"/>
           </a:p>
           <a:p>
             <a:pPr lvl="4"/>
@@ -4492,7 +7746,6 @@
               <a:rPr lang="zh-CN" altLang="en-US" dirty="0"/>
               <a:t>第五级</a:t>
             </a:r>
-            <a:endParaRPr lang="zh-CN" altLang="en-US" dirty="0"/>
           </a:p>
         </p:txBody>
       </p:sp>
@@ -4533,6 +7786,7 @@
           <a:p>
             <a:fld id="{760FBDFE-C587-4B4C-A407-44438C67B59E}" type="datetimeFigureOut">
               <a:rPr lang="zh-CN" altLang="en-US" smtClean="0"/>
+              <a:t>2018/10/18</a:t>
             </a:fld>
             <a:endParaRPr lang="zh-CN" altLang="en-US"/>
           </a:p>
@@ -4614,6 +7868,7 @@
           <a:p>
             <a:fld id="{49AE70B2-8BF9-45C0-BB95-33D1B9D3A854}" type="slidenum">
               <a:rPr lang="zh-CN" altLang="en-US" smtClean="0"/>
+              <a:t>‹#›</a:t>
             </a:fld>
             <a:endParaRPr lang="zh-CN" altLang="en-US" dirty="0"/>
           </a:p>
@@ -4625,7 +7880,7 @@
           <p:cNvSpPr/>
           <p:nvPr>
             <p:custDataLst>
-              <p:tags r:id="rId14"/>
+              <p:tags r:id="rId15"/>
             </p:custDataLst>
           </p:nvPr>
         </p:nvSpPr>
@@ -4971,52 +8226,960 @@
         <p:cNvGrpSpPr/>
         <p:nvPr/>
       </p:nvGrpSpPr>
-      <p:grpSpPr/>
-      <p:sp>
-        <p:nvSpPr>
-          <p:cNvPr id="9" name="标题 8"/>
+      <p:grpSpPr>
+        <a:xfrm>
+          <a:off x="0" y="0"/>
+          <a:ext cx="0" cy="0"/>
+          <a:chOff x="0" y="0"/>
+          <a:chExt cx="0" cy="0"/>
+        </a:xfrm>
+      </p:grpSpPr>
+      <p:pic>
+        <p:nvPicPr>
+          <p:cNvPr id="3" name="图片 2"/>
+          <p:cNvPicPr>
+            <a:picLocks noChangeAspect="1"/>
+          </p:cNvPicPr>
+          <p:nvPr/>
+        </p:nvPicPr>
+        <p:blipFill>
+          <a:blip r:embed="rId4">
+            <a:extLst>
+              <a:ext uri="{28A0092B-C50C-407E-A947-70E740481C1C}">
+                <a14:useLocalDpi xmlns:a14="http://schemas.microsoft.com/office/drawing/2010/main" val="0"/>
+              </a:ext>
+            </a:extLst>
+          </a:blip>
+          <a:stretch>
+            <a:fillRect/>
+          </a:stretch>
+        </p:blipFill>
+        <p:spPr>
+          <a:xfrm>
+            <a:off x="1871663" y="1472654"/>
+            <a:ext cx="6867525" cy="3948827"/>
+          </a:xfrm>
+          <a:prstGeom prst="rect">
+            <a:avLst/>
+          </a:prstGeom>
+        </p:spPr>
+      </p:pic>
+      <p:sp>
+        <p:nvSpPr>
+          <p:cNvPr id="7" name="文本框 6"/>
+          <p:cNvSpPr txBox="1"/>
+          <p:nvPr/>
+        </p:nvSpPr>
+        <p:spPr>
+          <a:xfrm>
+            <a:off x="8629651" y="5800725"/>
+            <a:ext cx="4343400" cy="369332"/>
+          </a:xfrm>
+          <a:prstGeom prst="rect">
+            <a:avLst/>
+          </a:prstGeom>
+          <a:noFill/>
+        </p:spPr>
+        <p:txBody>
+          <a:bodyPr wrap="square" rtlCol="0">
+            <a:spAutoFit/>
+          </a:bodyPr>
+          <a:lstStyle/>
+          <a:p>
+            <a:r>
+              <a:rPr lang="zh-CN" altLang="en-US" dirty="0" smtClean="0"/>
+              <a:t>张景合</a:t>
+            </a:r>
+            <a:endParaRPr lang="zh-CN" altLang="en-US" dirty="0"/>
+          </a:p>
+        </p:txBody>
+      </p:sp>
+    </p:spTree>
+    <p:custDataLst>
+      <p:tags r:id="rId1"/>
+    </p:custDataLst>
+  </p:cSld>
+  <p:clrMapOvr>
+    <a:masterClrMapping/>
+  </p:clrMapOvr>
+</p:sld>
+</file>
+
+<file path=ppt/slides/slide10.xml><?xml version="1.0" encoding="utf-8"?>
+<p:sld xmlns:a="http://schemas.openxmlformats.org/drawingml/2006/main" xmlns:r="http://schemas.openxmlformats.org/officeDocument/2006/relationships" xmlns:p="http://schemas.openxmlformats.org/presentationml/2006/main">
+  <p:cSld>
+    <p:spTree>
+      <p:nvGrpSpPr>
+        <p:cNvPr id="1" name=""/>
+        <p:cNvGrpSpPr/>
+        <p:nvPr/>
+      </p:nvGrpSpPr>
+      <p:grpSpPr>
+        <a:xfrm>
+          <a:off x="0" y="0"/>
+          <a:ext cx="0" cy="0"/>
+          <a:chOff x="0" y="0"/>
+          <a:chExt cx="0" cy="0"/>
+        </a:xfrm>
+      </p:grpSpPr>
+      <p:sp>
+        <p:nvSpPr>
+          <p:cNvPr id="2" name="标题 1"/>
           <p:cNvSpPr>
             <a:spLocks noGrp="1"/>
           </p:cNvSpPr>
           <p:nvPr>
-            <p:ph type="ctrTitle"/>
-            <p:custDataLst>
-              <p:tags r:id="rId1"/>
-            </p:custDataLst>
+            <p:ph type="title"/>
           </p:nvPr>
         </p:nvSpPr>
         <p:spPr/>
         <p:txBody>
           <a:bodyPr/>
-          <a:p>
-            <a:pPr>
-              <a:lnSpc>
-                <a:spcPct val="120000"/>
-              </a:lnSpc>
+          <a:lstStyle/>
+          <a:p>
+            <a:r>
+              <a:rPr lang="en-US" altLang="zh-CN" dirty="0" smtClean="0"/>
+              <a:t>Package-info.java</a:t>
+            </a:r>
+            <a:endParaRPr lang="zh-CN" altLang="en-US" dirty="0"/>
+          </a:p>
+        </p:txBody>
+      </p:sp>
+      <p:sp>
+        <p:nvSpPr>
+          <p:cNvPr id="3" name="内容占位符 2"/>
+          <p:cNvSpPr>
+            <a:spLocks noGrp="1"/>
+          </p:cNvSpPr>
+          <p:nvPr>
+            <p:ph idx="1"/>
+          </p:nvPr>
+        </p:nvSpPr>
+        <p:spPr/>
+        <p:txBody>
+          <a:bodyPr/>
+          <a:lstStyle/>
+          <a:p>
+            <a:r>
+              <a:rPr lang="zh-CN" altLang="en-US" dirty="0"/>
+              <a:t>为标注在包上</a:t>
+            </a:r>
+            <a:r>
+              <a:rPr lang="en-US" altLang="zh-CN" b="1" dirty="0"/>
+              <a:t>Annotation</a:t>
+            </a:r>
+            <a:r>
+              <a:rPr lang="zh-CN" altLang="en-US" dirty="0"/>
+              <a:t>提供便利</a:t>
+            </a:r>
+            <a:r>
+              <a:rPr lang="zh-CN" altLang="en-US" dirty="0" smtClean="0"/>
+              <a:t>；</a:t>
+            </a:r>
+            <a:endParaRPr lang="en-US" altLang="zh-CN" dirty="0" smtClean="0"/>
+          </a:p>
+          <a:p>
+            <a:pPr marL="0" indent="0">
+              <a:buNone/>
             </a:pPr>
             <a:r>
-              <a:rPr lang="en-US" altLang="zh-CN">
-                <a:sym typeface="+mn-lt"/>
+              <a:rPr lang="en-US" altLang="zh-CN" dirty="0"/>
+              <a:t>	</a:t>
+            </a:r>
+            <a:r>
+              <a:rPr lang="zh-CN" altLang="en-US" dirty="0" smtClean="0"/>
+              <a:t>用于通用框架开发</a:t>
+            </a:r>
+            <a:endParaRPr lang="zh-CN" altLang="en-US" dirty="0"/>
+          </a:p>
+          <a:p>
+            <a:r>
+              <a:rPr lang="zh-CN" altLang="en-US" dirty="0"/>
+              <a:t>声明友好类和包常量</a:t>
+            </a:r>
+            <a:r>
+              <a:rPr lang="zh-CN" altLang="en-US" dirty="0" smtClean="0"/>
+              <a:t>；</a:t>
+            </a:r>
+            <a:endParaRPr lang="en-US" altLang="zh-CN" dirty="0" smtClean="0"/>
+          </a:p>
+          <a:p>
+            <a:pPr marL="0" indent="0">
+              <a:buNone/>
+            </a:pPr>
+            <a:r>
+              <a:rPr lang="en-US" altLang="zh-CN" dirty="0"/>
+              <a:t>	</a:t>
+            </a:r>
+            <a:r>
+              <a:rPr lang="zh-CN" altLang="en-US" dirty="0"/>
+              <a:t>如一个包中有很多的内部访问的类或常量，就可以统一的放</a:t>
+            </a:r>
+            <a:r>
+              <a:rPr lang="zh-CN" altLang="en-US" dirty="0" smtClean="0"/>
+              <a:t>到</a:t>
+            </a:r>
+            <a:r>
+              <a:rPr lang="en-US" altLang="zh-CN" dirty="0" smtClean="0"/>
+              <a:t>	package-info</a:t>
+            </a:r>
+            <a:r>
+              <a:rPr lang="zh-CN" altLang="en-US" dirty="0" smtClean="0"/>
+              <a:t>类中，这样就方便，而且集中管理，减少</a:t>
+            </a:r>
+            <a:r>
+              <a:rPr lang="en-US" altLang="zh-CN" dirty="0" smtClean="0"/>
+              <a:t>friendly</a:t>
+            </a:r>
+            <a:r>
+              <a:rPr lang="zh-CN" altLang="en-US" dirty="0" smtClean="0"/>
+              <a:t>类到处</a:t>
+            </a:r>
+            <a:r>
+              <a:rPr lang="en-US" altLang="zh-CN" dirty="0" smtClean="0"/>
+              <a:t>	</a:t>
+            </a:r>
+            <a:r>
+              <a:rPr lang="zh-CN" altLang="en-US" dirty="0" smtClean="0"/>
+              <a:t>游走的情况</a:t>
+            </a:r>
+            <a:endParaRPr lang="zh-CN" altLang="en-US" dirty="0"/>
+          </a:p>
+          <a:p>
+            <a:r>
+              <a:rPr lang="zh-CN" altLang="en-US" dirty="0"/>
+              <a:t>提供包的整体注释说明</a:t>
+            </a:r>
+            <a:r>
+              <a:rPr lang="zh-CN" altLang="en-US" dirty="0" smtClean="0"/>
+              <a:t>。</a:t>
+            </a:r>
+            <a:endParaRPr lang="en-US" altLang="zh-CN" dirty="0" smtClean="0"/>
+          </a:p>
+          <a:p>
+            <a:pPr marL="457200" lvl="1" indent="0">
+              <a:buNone/>
+            </a:pPr>
+            <a:r>
+              <a:rPr lang="en-US" altLang="zh-CN" dirty="0" smtClean="0"/>
+              <a:t>	DEMO:  https://docs.oracle.com/javase/9/docs/api/overview-summary.html</a:t>
+            </a:r>
+            <a:endParaRPr lang="zh-CN" altLang="en-US" dirty="0" smtClean="0"/>
+          </a:p>
+          <a:p>
+            <a:endParaRPr lang="en-US" altLang="zh-CN" dirty="0" smtClean="0">
+              <a:hlinkClick r:id="rId3"/>
+            </a:endParaRPr>
+          </a:p>
+          <a:p>
+            <a:r>
+              <a:rPr lang="en-US" altLang="zh-CN" dirty="0" smtClean="0">
+                <a:hlinkClick r:id="rId3"/>
               </a:rPr>
-              <a:t>Java 9</a:t>
-            </a:r>
-            <a:endParaRPr lang="en-US" altLang="zh-CN">
-              <a:sym typeface="+mn-lt"/>
-            </a:endParaRPr>
-          </a:p>
-        </p:txBody>
-      </p:sp>
-      <p:sp>
-        <p:nvSpPr>
-          <p:cNvPr id="15" name="副标题 14"/>
+              <a:t>DEMO</a:t>
+            </a:r>
+            <a:r>
+              <a:rPr lang="en-US" altLang="zh-CN" dirty="0" smtClean="0"/>
+              <a:t> for package-info.java from spring-shell</a:t>
+            </a:r>
+          </a:p>
+          <a:p>
+            <a:endParaRPr lang="zh-CN" altLang="en-US" dirty="0"/>
+          </a:p>
+        </p:txBody>
+      </p:sp>
+    </p:spTree>
+    <p:extLst>
+      <p:ext uri="{BB962C8B-B14F-4D97-AF65-F5344CB8AC3E}">
+        <p14:creationId xmlns:p14="http://schemas.microsoft.com/office/powerpoint/2010/main" val="2696806229"/>
+      </p:ext>
+    </p:extLst>
+  </p:cSld>
+  <p:clrMapOvr>
+    <a:masterClrMapping/>
+  </p:clrMapOvr>
+  <p:timing>
+    <p:tnLst>
+      <p:par>
+        <p:cTn id="1" dur="indefinite" restart="never" nodeType="tmRoot"/>
+      </p:par>
+    </p:tnLst>
+  </p:timing>
+</p:sld>
+</file>
+
+<file path=ppt/slides/slide11.xml><?xml version="1.0" encoding="utf-8"?>
+<p:sld xmlns:a="http://schemas.openxmlformats.org/drawingml/2006/main" xmlns:r="http://schemas.openxmlformats.org/officeDocument/2006/relationships" xmlns:p="http://schemas.openxmlformats.org/presentationml/2006/main">
+  <p:cSld>
+    <p:spTree>
+      <p:nvGrpSpPr>
+        <p:cNvPr id="1" name=""/>
+        <p:cNvGrpSpPr/>
+        <p:nvPr/>
+      </p:nvGrpSpPr>
+      <p:grpSpPr>
+        <a:xfrm>
+          <a:off x="0" y="0"/>
+          <a:ext cx="0" cy="0"/>
+          <a:chOff x="0" y="0"/>
+          <a:chExt cx="0" cy="0"/>
+        </a:xfrm>
+      </p:grpSpPr>
+      <p:sp>
+        <p:nvSpPr>
+          <p:cNvPr id="2" name="标题 1"/>
           <p:cNvSpPr>
             <a:spLocks noGrp="1"/>
           </p:cNvSpPr>
           <p:nvPr>
-            <p:ph type="subTitle" idx="1"/>
-            <p:custDataLst>
-              <p:tags r:id="rId2"/>
-            </p:custDataLst>
+            <p:ph type="title"/>
+          </p:nvPr>
+        </p:nvSpPr>
+        <p:spPr/>
+        <p:txBody>
+          <a:bodyPr/>
+          <a:lstStyle/>
+          <a:p>
+            <a:pPr fontAlgn="base"/>
+            <a:r>
+              <a:rPr lang="en-US" altLang="zh-CN" b="1" cap="all" dirty="0" smtClean="0"/>
+              <a:t>Defining modules</a:t>
+            </a:r>
+            <a:endParaRPr lang="en-US" altLang="zh-CN" b="1" cap="all" dirty="0"/>
+          </a:p>
+        </p:txBody>
+      </p:sp>
+      <p:sp>
+        <p:nvSpPr>
+          <p:cNvPr id="3" name="内容占位符 2"/>
+          <p:cNvSpPr>
+            <a:spLocks noGrp="1"/>
+          </p:cNvSpPr>
+          <p:nvPr>
+            <p:ph idx="1"/>
+          </p:nvPr>
+        </p:nvSpPr>
+        <p:spPr/>
+        <p:txBody>
+          <a:bodyPr/>
+          <a:lstStyle/>
+          <a:p>
+            <a:r>
+              <a:rPr lang="en-US" altLang="zh-CN" dirty="0"/>
+              <a:t>A </a:t>
+            </a:r>
+            <a:r>
+              <a:rPr lang="en-US" altLang="zh-CN" i="1" dirty="0"/>
+              <a:t>module</a:t>
+            </a:r>
+            <a:r>
+              <a:rPr lang="en-US" altLang="zh-CN" dirty="0"/>
+              <a:t> is a named, self-describing collection of code and data</a:t>
+            </a:r>
+            <a:r>
+              <a:rPr lang="en-US" altLang="zh-CN" dirty="0" smtClean="0"/>
+              <a:t>.</a:t>
+            </a:r>
+          </a:p>
+          <a:p>
+            <a:endParaRPr lang="en-US" altLang="zh-CN" dirty="0"/>
+          </a:p>
+          <a:p>
+            <a:r>
+              <a:rPr lang="en-US" altLang="zh-CN" dirty="0" smtClean="0"/>
+              <a:t>-- </a:t>
+            </a:r>
+            <a:r>
+              <a:rPr lang="en-US" altLang="zh-CN" dirty="0"/>
+              <a:t>Its code is organized as a set of packages containing types, </a:t>
+            </a:r>
+            <a:r>
+              <a:rPr lang="en-US" altLang="zh-CN" i="1" dirty="0"/>
+              <a:t>i.e.</a:t>
+            </a:r>
+            <a:r>
+              <a:rPr lang="en-US" altLang="zh-CN" dirty="0"/>
+              <a:t>, Java classes and interfaces; </a:t>
+            </a:r>
+            <a:endParaRPr lang="en-US" altLang="zh-CN" dirty="0" smtClean="0"/>
+          </a:p>
+          <a:p>
+            <a:endParaRPr lang="en-US" altLang="zh-CN" dirty="0"/>
+          </a:p>
+          <a:p>
+            <a:r>
+              <a:rPr lang="en-US" altLang="zh-CN" dirty="0" smtClean="0"/>
+              <a:t>-- </a:t>
+            </a:r>
+            <a:r>
+              <a:rPr lang="en-US" altLang="zh-CN" dirty="0"/>
+              <a:t>its data includes resources and other kinds of static information.</a:t>
+            </a:r>
+            <a:endParaRPr lang="zh-CN" altLang="en-US" dirty="0"/>
+          </a:p>
+        </p:txBody>
+      </p:sp>
+    </p:spTree>
+    <p:extLst>
+      <p:ext uri="{BB962C8B-B14F-4D97-AF65-F5344CB8AC3E}">
+        <p14:creationId xmlns:p14="http://schemas.microsoft.com/office/powerpoint/2010/main" val="766684797"/>
+      </p:ext>
+    </p:extLst>
+  </p:cSld>
+  <p:clrMapOvr>
+    <a:masterClrMapping/>
+  </p:clrMapOvr>
+  <p:timing>
+    <p:tnLst>
+      <p:par>
+        <p:cTn id="1" dur="indefinite" restart="never" nodeType="tmRoot"/>
+      </p:par>
+    </p:tnLst>
+  </p:timing>
+</p:sld>
+</file>
+
+<file path=ppt/slides/slide12.xml><?xml version="1.0" encoding="utf-8"?>
+<p:sld xmlns:a="http://schemas.openxmlformats.org/drawingml/2006/main" xmlns:r="http://schemas.openxmlformats.org/officeDocument/2006/relationships" xmlns:p="http://schemas.openxmlformats.org/presentationml/2006/main">
+  <p:cSld>
+    <p:spTree>
+      <p:nvGrpSpPr>
+        <p:cNvPr id="1" name=""/>
+        <p:cNvGrpSpPr/>
+        <p:nvPr/>
+      </p:nvGrpSpPr>
+      <p:grpSpPr>
+        <a:xfrm>
+          <a:off x="0" y="0"/>
+          <a:ext cx="0" cy="0"/>
+          <a:chOff x="0" y="0"/>
+          <a:chExt cx="0" cy="0"/>
+        </a:xfrm>
+      </p:grpSpPr>
+      <p:sp>
+        <p:nvSpPr>
+          <p:cNvPr id="2" name="标题 1"/>
+          <p:cNvSpPr>
+            <a:spLocks noGrp="1"/>
+          </p:cNvSpPr>
+          <p:nvPr>
+            <p:ph type="title"/>
+          </p:nvPr>
+        </p:nvSpPr>
+        <p:spPr/>
+        <p:txBody>
+          <a:bodyPr/>
+          <a:lstStyle/>
+          <a:p>
+            <a:r>
+              <a:rPr lang="zh-CN" altLang="en-US"/>
+              <a:t>模块的定义</a:t>
+            </a:r>
+          </a:p>
+        </p:txBody>
+      </p:sp>
+      <p:sp>
+        <p:nvSpPr>
+          <p:cNvPr id="3" name="内容占位符 2"/>
+          <p:cNvSpPr>
+            <a:spLocks noGrp="1"/>
+          </p:cNvSpPr>
+          <p:nvPr>
+            <p:ph idx="1"/>
+          </p:nvPr>
+        </p:nvSpPr>
+        <p:spPr/>
+        <p:txBody>
+          <a:bodyPr/>
+          <a:lstStyle/>
+          <a:p>
+            <a:r>
+              <a:rPr lang="zh-CN" altLang="en-US"/>
+              <a:t>模块一个命名的，自我描述的代码和数据的集合。</a:t>
+            </a:r>
+          </a:p>
+          <a:p>
+            <a:r>
+              <a:rPr lang="zh-CN" altLang="en-US"/>
+              <a:t>模块的代码被组织成多个包，每个包中包含</a:t>
+            </a:r>
+            <a:r>
+              <a:rPr lang="en-US" altLang="zh-CN"/>
+              <a:t>Java</a:t>
+            </a:r>
+            <a:r>
+              <a:rPr lang="zh-CN" altLang="en-US"/>
+              <a:t>类和接口。</a:t>
+            </a:r>
+          </a:p>
+          <a:p>
+            <a:r>
+              <a:rPr lang="zh-CN" altLang="en-US"/>
+              <a:t>模块的数据则包括资源文件和其他静态信息。</a:t>
+            </a:r>
+          </a:p>
+        </p:txBody>
+      </p:sp>
+    </p:spTree>
+    <p:custDataLst>
+      <p:tags r:id="rId1"/>
+    </p:custDataLst>
+  </p:cSld>
+  <p:clrMapOvr>
+    <a:masterClrMapping/>
+  </p:clrMapOvr>
+</p:sld>
+</file>
+
+<file path=ppt/slides/slide13.xml><?xml version="1.0" encoding="utf-8"?>
+<p:sld xmlns:a="http://schemas.openxmlformats.org/drawingml/2006/main" xmlns:r="http://schemas.openxmlformats.org/officeDocument/2006/relationships" xmlns:p="http://schemas.openxmlformats.org/presentationml/2006/main">
+  <p:cSld>
+    <p:spTree>
+      <p:nvGrpSpPr>
+        <p:cNvPr id="1" name=""/>
+        <p:cNvGrpSpPr/>
+        <p:nvPr/>
+      </p:nvGrpSpPr>
+      <p:grpSpPr>
+        <a:xfrm>
+          <a:off x="0" y="0"/>
+          <a:ext cx="0" cy="0"/>
+          <a:chOff x="0" y="0"/>
+          <a:chExt cx="0" cy="0"/>
+        </a:xfrm>
+      </p:grpSpPr>
+      <p:sp>
+        <p:nvSpPr>
+          <p:cNvPr id="2" name="标题 1"/>
+          <p:cNvSpPr>
+            <a:spLocks noGrp="1"/>
+          </p:cNvSpPr>
+          <p:nvPr>
+            <p:ph type="title"/>
+          </p:nvPr>
+        </p:nvSpPr>
+        <p:spPr/>
+        <p:txBody>
+          <a:bodyPr/>
+          <a:lstStyle/>
+          <a:p>
+            <a:r>
+              <a:rPr lang="zh-CN" altLang="en-US" dirty="0" smtClean="0"/>
+              <a:t>模块依赖结构</a:t>
+            </a:r>
+            <a:endParaRPr lang="zh-CN" altLang="en-US" dirty="0"/>
+          </a:p>
+        </p:txBody>
+      </p:sp>
+      <p:pic>
+        <p:nvPicPr>
+          <p:cNvPr id="6" name="内容占位符 5"/>
+          <p:cNvPicPr>
+            <a:picLocks noGrp="1" noChangeAspect="1"/>
+          </p:cNvPicPr>
+          <p:nvPr>
+            <p:ph idx="1"/>
+          </p:nvPr>
+        </p:nvPicPr>
+        <p:blipFill>
+          <a:blip r:embed="rId2">
+            <a:extLst>
+              <a:ext uri="{28A0092B-C50C-407E-A947-70E740481C1C}">
+                <a14:useLocalDpi xmlns:a14="http://schemas.microsoft.com/office/drawing/2010/main" val="0"/>
+              </a:ext>
+            </a:extLst>
+          </a:blip>
+          <a:stretch>
+            <a:fillRect/>
+          </a:stretch>
+        </p:blipFill>
+        <p:spPr>
+          <a:xfrm>
+            <a:off x="1657349" y="2231232"/>
+            <a:ext cx="7154395" cy="3498056"/>
+          </a:xfrm>
+        </p:spPr>
+      </p:pic>
+    </p:spTree>
+    <p:extLst>
+      <p:ext uri="{BB962C8B-B14F-4D97-AF65-F5344CB8AC3E}">
+        <p14:creationId xmlns:p14="http://schemas.microsoft.com/office/powerpoint/2010/main" val="2102251326"/>
+      </p:ext>
+    </p:extLst>
+  </p:cSld>
+  <p:clrMapOvr>
+    <a:masterClrMapping/>
+  </p:clrMapOvr>
+</p:sld>
+</file>
+
+<file path=ppt/slides/slide14.xml><?xml version="1.0" encoding="utf-8"?>
+<p:sld xmlns:a="http://schemas.openxmlformats.org/drawingml/2006/main" xmlns:r="http://schemas.openxmlformats.org/officeDocument/2006/relationships" xmlns:p="http://schemas.openxmlformats.org/presentationml/2006/main">
+  <p:cSld>
+    <p:spTree>
+      <p:nvGrpSpPr>
+        <p:cNvPr id="1" name=""/>
+        <p:cNvGrpSpPr/>
+        <p:nvPr/>
+      </p:nvGrpSpPr>
+      <p:grpSpPr>
+        <a:xfrm>
+          <a:off x="0" y="0"/>
+          <a:ext cx="0" cy="0"/>
+          <a:chOff x="0" y="0"/>
+          <a:chExt cx="0" cy="0"/>
+        </a:xfrm>
+      </p:grpSpPr>
+      <p:sp>
+        <p:nvSpPr>
+          <p:cNvPr id="2" name="标题 1"/>
+          <p:cNvSpPr>
+            <a:spLocks noGrp="1"/>
+          </p:cNvSpPr>
+          <p:nvPr>
+            <p:ph type="title"/>
+          </p:nvPr>
+        </p:nvSpPr>
+        <p:spPr/>
+        <p:txBody>
+          <a:bodyPr/>
+          <a:lstStyle/>
+          <a:p>
+            <a:r>
+              <a:rPr lang="zh-CN" altLang="en-US"/>
+              <a:t>模块声明文件</a:t>
+            </a:r>
+          </a:p>
+        </p:txBody>
+      </p:sp>
+      <p:sp>
+        <p:nvSpPr>
+          <p:cNvPr id="3" name="内容占位符 2"/>
+          <p:cNvSpPr>
+            <a:spLocks noGrp="1"/>
+          </p:cNvSpPr>
+          <p:nvPr>
+            <p:ph idx="1"/>
+          </p:nvPr>
+        </p:nvSpPr>
+        <p:spPr/>
+        <p:txBody>
+          <a:bodyPr/>
+          <a:lstStyle/>
+          <a:p>
+            <a:r>
+              <a:rPr lang="zh-CN" altLang="en-US"/>
+              <a:t>模块声明文件是一个模块的声明信息</a:t>
+            </a:r>
+          </a:p>
+          <a:p>
+            <a:r>
+              <a:rPr lang="en-US" altLang="zh-CN"/>
+              <a:t>module-info.java </a:t>
+            </a:r>
+          </a:p>
+          <a:p>
+            <a:r>
+              <a:rPr lang="zh-CN" altLang="en-US"/>
+              <a:t>位置在模块根上，编成为</a:t>
+            </a:r>
+            <a:r>
+              <a:rPr lang="en-US" altLang="zh-CN"/>
+              <a:t>module-java.class</a:t>
+            </a:r>
+          </a:p>
+          <a:p>
+            <a:r>
+              <a:rPr lang="zh-CN" altLang="en-US"/>
+              <a:t>新的</a:t>
+            </a:r>
+            <a:r>
+              <a:rPr lang="en-US" altLang="zh-CN"/>
+              <a:t>keyword: module</a:t>
+            </a:r>
+            <a:r>
+              <a:rPr lang="zh-CN" altLang="en-US"/>
+              <a:t>声明一个模块</a:t>
+            </a:r>
+          </a:p>
+          <a:p>
+            <a:r>
+              <a:rPr lang="zh-CN" altLang="en-US"/>
+              <a:t>模块名称的规则：与</a:t>
+            </a:r>
+            <a:r>
+              <a:rPr lang="en-US" altLang="zh-CN"/>
+              <a:t>java</a:t>
+            </a:r>
+            <a:r>
+              <a:rPr lang="zh-CN" altLang="en-US"/>
+              <a:t>包的命名规则相似</a:t>
+            </a:r>
+            <a:endParaRPr lang="en-US" altLang="zh-CN"/>
+          </a:p>
+          <a:p>
+            <a:endParaRPr lang="en-US" altLang="zh-CN"/>
+          </a:p>
+        </p:txBody>
+      </p:sp>
+    </p:spTree>
+    <p:custDataLst>
+      <p:tags r:id="rId1"/>
+    </p:custDataLst>
+  </p:cSld>
+  <p:clrMapOvr>
+    <a:masterClrMapping/>
+  </p:clrMapOvr>
+</p:sld>
+</file>
+
+<file path=ppt/slides/slide15.xml><?xml version="1.0" encoding="utf-8"?>
+<p:sld xmlns:a="http://schemas.openxmlformats.org/drawingml/2006/main" xmlns:r="http://schemas.openxmlformats.org/officeDocument/2006/relationships" xmlns:p="http://schemas.openxmlformats.org/presentationml/2006/main">
+  <p:cSld>
+    <p:spTree>
+      <p:nvGrpSpPr>
+        <p:cNvPr id="1" name=""/>
+        <p:cNvGrpSpPr/>
+        <p:nvPr/>
+      </p:nvGrpSpPr>
+      <p:grpSpPr>
+        <a:xfrm>
+          <a:off x="0" y="0"/>
+          <a:ext cx="0" cy="0"/>
+          <a:chOff x="0" y="0"/>
+          <a:chExt cx="0" cy="0"/>
+        </a:xfrm>
+      </p:grpSpPr>
+      <p:sp>
+        <p:nvSpPr>
+          <p:cNvPr id="2" name="标题 1"/>
+          <p:cNvSpPr>
+            <a:spLocks noGrp="1"/>
+          </p:cNvSpPr>
+          <p:nvPr>
+            <p:ph type="title"/>
+          </p:nvPr>
+        </p:nvSpPr>
+        <p:spPr/>
+        <p:txBody>
+          <a:bodyPr/>
+          <a:lstStyle/>
+          <a:p>
+            <a:r>
+              <a:rPr lang="zh-CN" altLang="en-US"/>
+              <a:t>模块化系统的好处（</a:t>
+            </a:r>
+            <a:r>
+              <a:rPr lang="zh-CN" altLang="en-US">
+                <a:solidFill>
+                  <a:srgbClr val="FF0000"/>
+                </a:solidFill>
+              </a:rPr>
+              <a:t>待重新理解</a:t>
+            </a:r>
+            <a:r>
+              <a:rPr lang="zh-CN" altLang="en-US"/>
+              <a:t>）</a:t>
+            </a:r>
+          </a:p>
+        </p:txBody>
+      </p:sp>
+      <p:sp>
+        <p:nvSpPr>
+          <p:cNvPr id="3" name="内容占位符 2"/>
+          <p:cNvSpPr>
+            <a:spLocks noGrp="1"/>
+          </p:cNvSpPr>
+          <p:nvPr>
+            <p:ph idx="1"/>
+          </p:nvPr>
+        </p:nvSpPr>
+        <p:spPr/>
+        <p:txBody>
+          <a:bodyPr/>
+          <a:lstStyle/>
+          <a:p>
+            <a:r>
+              <a:rPr lang="en-US" altLang="zh-CN" dirty="0"/>
+              <a:t>1 </a:t>
+            </a:r>
+            <a:r>
+              <a:rPr lang="zh-CN" altLang="en-US" dirty="0"/>
+              <a:t>可定制</a:t>
+            </a:r>
+            <a:r>
+              <a:rPr lang="en-US" altLang="zh-CN" dirty="0"/>
+              <a:t>JRE</a:t>
+            </a:r>
+            <a:r>
+              <a:rPr lang="zh-CN" altLang="en-US" dirty="0"/>
+              <a:t>： 更小的运行时镜像</a:t>
+            </a:r>
+          </a:p>
+          <a:p>
+            <a:r>
+              <a:rPr lang="en-US" altLang="zh-CN" dirty="0"/>
+              <a:t>2 </a:t>
+            </a:r>
+            <a:r>
+              <a:rPr lang="zh-CN" altLang="en-US" dirty="0"/>
+              <a:t>更确定的模块依赖关系，避免</a:t>
+            </a:r>
+            <a:r>
+              <a:rPr lang="en-US" altLang="zh-CN" dirty="0"/>
+              <a:t>JAR HELL</a:t>
+            </a:r>
+            <a:r>
+              <a:rPr lang="zh-CN" altLang="en-US" dirty="0"/>
+              <a:t>问题</a:t>
+            </a:r>
+          </a:p>
+          <a:p>
+            <a:r>
+              <a:rPr lang="en-US" altLang="zh-CN" dirty="0"/>
+              <a:t>3 </a:t>
+            </a:r>
+            <a:r>
+              <a:rPr lang="zh-CN" altLang="en-US" dirty="0"/>
+              <a:t>与</a:t>
+            </a:r>
+            <a:r>
+              <a:rPr lang="en-US" altLang="zh-CN" dirty="0" err="1"/>
+              <a:t>OSGi</a:t>
+            </a:r>
+            <a:r>
+              <a:rPr lang="zh-CN" altLang="en-US" dirty="0"/>
+              <a:t>的比较</a:t>
+            </a:r>
+          </a:p>
+        </p:txBody>
+      </p:sp>
+    </p:spTree>
+    <p:custDataLst>
+      <p:tags r:id="rId1"/>
+    </p:custDataLst>
+  </p:cSld>
+  <p:clrMapOvr>
+    <a:masterClrMapping/>
+  </p:clrMapOvr>
+</p:sld>
+</file>
+
+<file path=ppt/slides/slide16.xml><?xml version="1.0" encoding="utf-8"?>
+<p:sld xmlns:a="http://schemas.openxmlformats.org/drawingml/2006/main" xmlns:r="http://schemas.openxmlformats.org/officeDocument/2006/relationships" xmlns:p="http://schemas.openxmlformats.org/presentationml/2006/main">
+  <p:cSld>
+    <p:spTree>
+      <p:nvGrpSpPr>
+        <p:cNvPr id="1" name=""/>
+        <p:cNvGrpSpPr/>
+        <p:nvPr/>
+      </p:nvGrpSpPr>
+      <p:grpSpPr>
+        <a:xfrm>
+          <a:off x="0" y="0"/>
+          <a:ext cx="0" cy="0"/>
+          <a:chOff x="0" y="0"/>
+          <a:chExt cx="0" cy="0"/>
+        </a:xfrm>
+      </p:grpSpPr>
+      <p:sp>
+        <p:nvSpPr>
+          <p:cNvPr id="2" name="标题 1"/>
+          <p:cNvSpPr>
+            <a:spLocks noGrp="1"/>
+          </p:cNvSpPr>
+          <p:nvPr>
+            <p:ph type="title"/>
+          </p:nvPr>
+        </p:nvSpPr>
+        <p:spPr/>
+        <p:txBody>
+          <a:bodyPr/>
+          <a:lstStyle/>
+          <a:p>
+            <a:endParaRPr lang="zh-CN" altLang="en-US"/>
+          </a:p>
+        </p:txBody>
+      </p:sp>
+      <p:sp>
+        <p:nvSpPr>
+          <p:cNvPr id="3" name="内容占位符 2"/>
+          <p:cNvSpPr>
+            <a:spLocks noGrp="1"/>
+          </p:cNvSpPr>
+          <p:nvPr>
+            <p:ph idx="1"/>
+          </p:nvPr>
+        </p:nvSpPr>
+        <p:spPr/>
+        <p:txBody>
+          <a:bodyPr/>
+          <a:lstStyle/>
+          <a:p>
+            <a:endParaRPr lang="zh-CN" altLang="en-US"/>
+          </a:p>
+        </p:txBody>
+      </p:sp>
+    </p:spTree>
+    <p:extLst>
+      <p:ext uri="{BB962C8B-B14F-4D97-AF65-F5344CB8AC3E}">
+        <p14:creationId xmlns:p14="http://schemas.microsoft.com/office/powerpoint/2010/main" val="1118909655"/>
+      </p:ext>
+    </p:extLst>
+  </p:cSld>
+  <p:clrMapOvr>
+    <a:masterClrMapping/>
+  </p:clrMapOvr>
+</p:sld>
+</file>
+
+<file path=ppt/slides/slide17.xml><?xml version="1.0" encoding="utf-8"?>
+<p:sld xmlns:a="http://schemas.openxmlformats.org/drawingml/2006/main" xmlns:r="http://schemas.openxmlformats.org/officeDocument/2006/relationships" xmlns:p="http://schemas.openxmlformats.org/presentationml/2006/main">
+  <p:cSld>
+    <p:spTree>
+      <p:nvGrpSpPr>
+        <p:cNvPr id="1" name=""/>
+        <p:cNvGrpSpPr/>
+        <p:nvPr/>
+      </p:nvGrpSpPr>
+      <p:grpSpPr>
+        <a:xfrm>
+          <a:off x="0" y="0"/>
+          <a:ext cx="0" cy="0"/>
+          <a:chOff x="0" y="0"/>
+          <a:chExt cx="0" cy="0"/>
+        </a:xfrm>
+      </p:grpSpPr>
+      <p:sp>
+        <p:nvSpPr>
+          <p:cNvPr id="2" name="标题 1"/>
+          <p:cNvSpPr>
+            <a:spLocks noGrp="1"/>
+          </p:cNvSpPr>
+          <p:nvPr>
+            <p:ph type="title"/>
+          </p:nvPr>
+        </p:nvSpPr>
+        <p:spPr/>
+        <p:txBody>
+          <a:bodyPr/>
+          <a:lstStyle/>
+          <a:p>
+            <a:r>
+              <a:rPr lang="zh-CN" altLang="en-US" dirty="0"/>
+              <a:t>资料</a:t>
+            </a:r>
+          </a:p>
+        </p:txBody>
+      </p:sp>
+      <p:sp>
+        <p:nvSpPr>
+          <p:cNvPr id="3" name="内容占位符 2"/>
+          <p:cNvSpPr>
+            <a:spLocks noGrp="1"/>
+          </p:cNvSpPr>
+          <p:nvPr>
+            <p:ph idx="1"/>
           </p:nvPr>
         </p:nvSpPr>
         <p:spPr/>
@@ -5024,31 +9187,197 @@
           <a:bodyPr>
             <a:normAutofit/>
           </a:bodyPr>
-          <a:p>
-            <a:pPr>
-              <a:lnSpc>
-                <a:spcPct val="120000"/>
-              </a:lnSpc>
-              <a:spcBef>
-                <a:spcPts val="0"/>
-              </a:spcBef>
-            </a:pPr>
+          <a:lstStyle/>
+          <a:p>
             <a:r>
               <a:rPr lang="en-US" altLang="zh-CN" dirty="0">
-                <a:sym typeface="+mn-lt"/>
+                <a:hlinkClick r:id="rId3"/>
               </a:rPr>
-              <a:t>Module</a:t>
-            </a:r>
-            <a:endParaRPr lang="en-US" altLang="zh-CN" dirty="0">
-              <a:sym typeface="+mn-lt"/>
+              <a:t>http://</a:t>
+            </a:r>
+            <a:r>
+              <a:rPr lang="en-US" altLang="zh-CN" dirty="0" smtClean="0">
+                <a:hlinkClick r:id="rId3"/>
+              </a:rPr>
+              <a:t>openjdk.java.net/projects/jigsaw/</a:t>
+            </a:r>
+            <a:r>
+              <a:rPr lang="en-US" altLang="zh-CN" dirty="0" smtClean="0"/>
+              <a:t> </a:t>
+            </a:r>
+            <a:r>
+              <a:rPr lang="en-US" altLang="zh-CN" dirty="0"/>
+              <a:t>-- </a:t>
+            </a:r>
+            <a:r>
+              <a:rPr lang="en-US" altLang="zh-CN" dirty="0" smtClean="0"/>
+              <a:t>project jigsaw</a:t>
+            </a:r>
+            <a:endParaRPr lang="en-US" altLang="zh-CN" dirty="0"/>
+          </a:p>
+          <a:p>
+            <a:r>
+              <a:rPr lang="en-US" altLang="zh-CN" dirty="0">
+                <a:hlinkClick r:id="rId3"/>
+              </a:rPr>
+              <a:t>https://</a:t>
+            </a:r>
+            <a:r>
+              <a:rPr lang="en-US" altLang="zh-CN" dirty="0" smtClean="0">
+                <a:hlinkClick r:id="rId3"/>
+              </a:rPr>
+              <a:t>docs.oracle.com/javase/specs/jls/se9/html/jls-7.html#jls-7.7  </a:t>
+            </a:r>
+            <a:r>
+              <a:rPr lang="en-US" altLang="zh-CN" dirty="0" smtClean="0"/>
+              <a:t>-- Java language specification</a:t>
+            </a:r>
+            <a:endParaRPr lang="en-US" altLang="zh-CN" dirty="0" smtClean="0">
+              <a:hlinkClick r:id="rId3"/>
             </a:endParaRPr>
           </a:p>
+          <a:p>
+            <a:r>
+              <a:rPr lang="en-US" altLang="zh-CN" dirty="0" smtClean="0">
+                <a:hlinkClick r:id="rId3"/>
+              </a:rPr>
+              <a:t>http</a:t>
+            </a:r>
+            <a:r>
+              <a:rPr lang="en-US" altLang="zh-CN" dirty="0">
+                <a:hlinkClick r:id="rId3"/>
+              </a:rPr>
+              <a:t>://</a:t>
+            </a:r>
+            <a:r>
+              <a:rPr lang="en-US" altLang="zh-CN" dirty="0" smtClean="0">
+                <a:hlinkClick r:id="rId3"/>
+              </a:rPr>
+              <a:t>openjdk.java.net/jeps/261</a:t>
+            </a:r>
+            <a:r>
+              <a:rPr lang="en-US" altLang="zh-CN" dirty="0" smtClean="0"/>
+              <a:t> -- modular system</a:t>
+            </a:r>
+          </a:p>
+          <a:p>
+            <a:r>
+              <a:rPr lang="en-US" altLang="zh-CN" dirty="0">
+                <a:hlinkClick r:id="rId4"/>
+              </a:rPr>
+              <a:t>https://docs.oracle.com/javase/9</a:t>
+            </a:r>
+            <a:r>
+              <a:rPr lang="en-US" altLang="zh-CN" dirty="0" smtClean="0">
+                <a:hlinkClick r:id="rId4"/>
+              </a:rPr>
+              <a:t>/</a:t>
+            </a:r>
+            <a:r>
+              <a:rPr lang="en-US" altLang="zh-CN" dirty="0" smtClean="0"/>
+              <a:t> </a:t>
+            </a:r>
+          </a:p>
+          <a:p>
+            <a:r>
+              <a:rPr lang="en-US" altLang="zh-CN" dirty="0">
+                <a:hlinkClick r:id="rId5"/>
+              </a:rPr>
+              <a:t>http://</a:t>
+            </a:r>
+            <a:r>
+              <a:rPr lang="en-US" altLang="zh-CN" dirty="0" smtClean="0">
+                <a:hlinkClick r:id="rId5"/>
+              </a:rPr>
+              <a:t>openjdk.java.net/jeps/200</a:t>
+            </a:r>
+            <a:r>
+              <a:rPr lang="en-US" altLang="zh-CN" dirty="0" smtClean="0"/>
+              <a:t>  -- modular JDK</a:t>
+            </a:r>
+          </a:p>
+          <a:p>
+            <a:r>
+              <a:rPr lang="en-US" altLang="zh-CN" dirty="0">
+                <a:hlinkClick r:id="rId6"/>
+              </a:rPr>
+              <a:t>http://</a:t>
+            </a:r>
+            <a:r>
+              <a:rPr lang="en-US" altLang="zh-CN" dirty="0" smtClean="0">
+                <a:hlinkClick r:id="rId6"/>
+              </a:rPr>
+              <a:t>openjdk.java.net/jeps/282</a:t>
+            </a:r>
+            <a:r>
+              <a:rPr lang="en-US" altLang="zh-CN" dirty="0" smtClean="0"/>
+              <a:t> -- </a:t>
+            </a:r>
+            <a:r>
+              <a:rPr lang="en-US" altLang="zh-CN" dirty="0" err="1" smtClean="0"/>
+              <a:t>jlink</a:t>
+            </a:r>
+            <a:r>
+              <a:rPr lang="en-US" altLang="zh-CN" dirty="0" smtClean="0"/>
+              <a:t> - The Java linker</a:t>
+            </a:r>
+          </a:p>
+          <a:p>
+            <a:r>
+              <a:rPr lang="en-US" altLang="zh-CN" dirty="0">
+                <a:hlinkClick r:id="rId7"/>
+              </a:rPr>
+              <a:t>http://openjdk.java.net/projects/jigsaw/spec</a:t>
+            </a:r>
+            <a:r>
+              <a:rPr lang="en-US" altLang="zh-CN" dirty="0" smtClean="0">
+                <a:hlinkClick r:id="rId7"/>
+              </a:rPr>
+              <a:t>/</a:t>
+            </a:r>
+            <a:r>
+              <a:rPr lang="en-US" altLang="zh-CN" dirty="0" smtClean="0"/>
+              <a:t> -- JSR 376</a:t>
+            </a:r>
+          </a:p>
+          <a:p>
+            <a:r>
+              <a:rPr lang="en-US" altLang="zh-CN" dirty="0">
+                <a:hlinkClick r:id="rId8"/>
+              </a:rPr>
+              <a:t>http://openjdk.java.net/projects/jigsaw/spec/sotms</a:t>
+            </a:r>
+            <a:r>
+              <a:rPr lang="en-US" altLang="zh-CN" dirty="0" smtClean="0">
+                <a:hlinkClick r:id="rId8"/>
+              </a:rPr>
+              <a:t>/</a:t>
+            </a:r>
+            <a:r>
+              <a:rPr lang="en-US" altLang="zh-CN" dirty="0" smtClean="0"/>
+              <a:t> -- the state of the module system</a:t>
+            </a:r>
+          </a:p>
+          <a:p>
+            <a:endParaRPr lang="en-US" altLang="zh-CN" dirty="0" smtClean="0"/>
+          </a:p>
+          <a:p>
+            <a:endParaRPr lang="en-US" altLang="zh-CN" dirty="0" smtClean="0"/>
+          </a:p>
+          <a:p>
+            <a:endParaRPr lang="en-US" altLang="zh-CN" dirty="0" smtClean="0"/>
+          </a:p>
+          <a:p>
+            <a:endParaRPr lang="zh-CN" altLang="en-US" dirty="0"/>
+          </a:p>
         </p:txBody>
       </p:sp>
     </p:spTree>
-    <p:custDataLst>
-      <p:tags r:id="rId3"/>
-    </p:custDataLst>
+    <p:extLst>
+      <p:ext uri="{BB962C8B-B14F-4D97-AF65-F5344CB8AC3E}">
+        <p14:creationId xmlns:p14="http://schemas.microsoft.com/office/powerpoint/2010/main" val="3254143758"/>
+      </p:ext>
+    </p:extLst>
   </p:cSld>
   <p:clrMapOvr>
     <a:masterClrMapping/>
@@ -5065,7 +9394,14 @@
         <p:cNvGrpSpPr/>
         <p:nvPr/>
       </p:nvGrpSpPr>
-      <p:grpSpPr/>
+      <p:grpSpPr>
+        <a:xfrm>
+          <a:off x="0" y="0"/>
+          <a:ext cx="0" cy="0"/>
+          <a:chOff x="0" y="0"/>
+          <a:chExt cx="0" cy="0"/>
+        </a:xfrm>
+      </p:grpSpPr>
       <p:sp>
         <p:nvSpPr>
           <p:cNvPr id="2" name="标题 1"/>
@@ -5079,6 +9415,122 @@
         <p:spPr/>
         <p:txBody>
           <a:bodyPr/>
+          <a:lstStyle/>
+          <a:p>
+            <a:r>
+              <a:rPr lang="zh-CN" altLang="en-US" dirty="0"/>
+              <a:t>目录</a:t>
+            </a:r>
+          </a:p>
+        </p:txBody>
+      </p:sp>
+      <p:sp>
+        <p:nvSpPr>
+          <p:cNvPr id="3" name="内容占位符 2"/>
+          <p:cNvSpPr>
+            <a:spLocks noGrp="1"/>
+          </p:cNvSpPr>
+          <p:nvPr>
+            <p:ph idx="1"/>
+          </p:nvPr>
+        </p:nvSpPr>
+        <p:spPr/>
+        <p:txBody>
+          <a:bodyPr/>
+          <a:lstStyle/>
+          <a:p>
+            <a:r>
+              <a:rPr lang="en-US" altLang="zh-CN" dirty="0" smtClean="0"/>
+              <a:t>IDE</a:t>
+            </a:r>
+            <a:r>
+              <a:rPr lang="zh-CN" altLang="en-US" dirty="0" smtClean="0"/>
+              <a:t>配置</a:t>
+            </a:r>
+            <a:endParaRPr lang="en-US" altLang="zh-CN" dirty="0" smtClean="0"/>
+          </a:p>
+          <a:p>
+            <a:r>
+              <a:rPr lang="en-US" altLang="zh-CN" dirty="0" smtClean="0"/>
+              <a:t>Java 9 10 11 </a:t>
+            </a:r>
+            <a:r>
+              <a:rPr lang="zh-CN" altLang="en-US" dirty="0" smtClean="0"/>
+              <a:t>新功能</a:t>
+            </a:r>
+            <a:endParaRPr lang="en-US" altLang="zh-CN" dirty="0" smtClean="0"/>
+          </a:p>
+          <a:p>
+            <a:r>
+              <a:rPr lang="en-US" altLang="zh-CN" dirty="0" smtClean="0"/>
+              <a:t>Module</a:t>
+            </a:r>
+            <a:r>
+              <a:rPr lang="zh-CN" altLang="en-US" dirty="0" smtClean="0"/>
+              <a:t>定义</a:t>
+            </a:r>
+            <a:endParaRPr lang="en-US" altLang="zh-CN" dirty="0" smtClean="0"/>
+          </a:p>
+          <a:p>
+            <a:r>
+              <a:rPr lang="zh-CN" altLang="en-US" dirty="0"/>
+              <a:t>实例</a:t>
+            </a:r>
+            <a:endParaRPr lang="en-US" altLang="zh-CN" dirty="0" smtClean="0"/>
+          </a:p>
+          <a:p>
+            <a:r>
+              <a:rPr lang="en-US" altLang="zh-CN" dirty="0" smtClean="0"/>
+              <a:t>Q&amp;A</a:t>
+            </a:r>
+            <a:endParaRPr lang="zh-CN" altLang="en-US" dirty="0"/>
+          </a:p>
+        </p:txBody>
+      </p:sp>
+    </p:spTree>
+    <p:extLst>
+      <p:ext uri="{BB962C8B-B14F-4D97-AF65-F5344CB8AC3E}">
+        <p14:creationId xmlns:p14="http://schemas.microsoft.com/office/powerpoint/2010/main" val="4019698952"/>
+      </p:ext>
+    </p:extLst>
+  </p:cSld>
+  <p:clrMapOvr>
+    <a:masterClrMapping/>
+  </p:clrMapOvr>
+</p:sld>
+</file>
+
+<file path=ppt/slides/slide3.xml><?xml version="1.0" encoding="utf-8"?>
+<p:sld xmlns:a="http://schemas.openxmlformats.org/drawingml/2006/main" xmlns:r="http://schemas.openxmlformats.org/officeDocument/2006/relationships" xmlns:p="http://schemas.openxmlformats.org/presentationml/2006/main">
+  <p:cSld>
+    <p:spTree>
+      <p:nvGrpSpPr>
+        <p:cNvPr id="1" name=""/>
+        <p:cNvGrpSpPr/>
+        <p:nvPr/>
+      </p:nvGrpSpPr>
+      <p:grpSpPr>
+        <a:xfrm>
+          <a:off x="0" y="0"/>
+          <a:ext cx="0" cy="0"/>
+          <a:chOff x="0" y="0"/>
+          <a:chExt cx="0" cy="0"/>
+        </a:xfrm>
+      </p:grpSpPr>
+      <p:sp>
+        <p:nvSpPr>
+          <p:cNvPr id="2" name="标题 1"/>
+          <p:cNvSpPr>
+            <a:spLocks noGrp="1"/>
+          </p:cNvSpPr>
+          <p:nvPr>
+            <p:ph type="title"/>
+          </p:nvPr>
+        </p:nvSpPr>
+        <p:spPr/>
+        <p:txBody>
+          <a:bodyPr/>
+          <a:lstStyle/>
           <a:p>
             <a:r>
               <a:rPr lang="en-US" altLang="zh-CN"/>
@@ -5088,7 +9540,6 @@
               <a:rPr lang="zh-CN" altLang="en-US"/>
               <a:t>版本设置</a:t>
             </a:r>
-            <a:endParaRPr lang="zh-CN" altLang="en-US"/>
           </a:p>
         </p:txBody>
       </p:sp>
@@ -5105,12 +9556,12 @@
         <p:spPr/>
         <p:txBody>
           <a:bodyPr/>
+          <a:lstStyle/>
           <a:p>
             <a:r>
               <a:rPr lang="en-US" altLang="zh-CN"/>
               <a:t>Step 1 File-Setting</a:t>
             </a:r>
-            <a:endParaRPr lang="en-US" altLang="zh-CN"/>
           </a:p>
         </p:txBody>
       </p:sp>
@@ -5123,7 +9574,7 @@
           <p:nvPr/>
         </p:nvPicPr>
         <p:blipFill>
-          <a:blip r:embed="rId1"/>
+          <a:blip r:embed="rId3"/>
           <a:stretch>
             <a:fillRect/>
           </a:stretch>
@@ -5140,115 +9591,7 @@
       </p:pic>
     </p:spTree>
     <p:custDataLst>
-      <p:tags r:id="rId2"/>
-    </p:custDataLst>
-  </p:cSld>
-  <p:clrMapOvr>
-    <a:masterClrMapping/>
-  </p:clrMapOvr>
-</p:sld>
-</file>
-
-<file path=ppt/slides/slide3.xml><?xml version="1.0" encoding="utf-8"?>
-<p:sld xmlns:a="http://schemas.openxmlformats.org/drawingml/2006/main" xmlns:r="http://schemas.openxmlformats.org/officeDocument/2006/relationships" xmlns:p="http://schemas.openxmlformats.org/presentationml/2006/main">
-  <p:cSld>
-    <p:spTree>
-      <p:nvGrpSpPr>
-        <p:cNvPr id="1" name=""/>
-        <p:cNvGrpSpPr/>
-        <p:nvPr/>
-      </p:nvGrpSpPr>
-      <p:grpSpPr/>
-      <p:sp>
-        <p:nvSpPr>
-          <p:cNvPr id="2" name="标题 1"/>
-          <p:cNvSpPr>
-            <a:spLocks noGrp="1"/>
-          </p:cNvSpPr>
-          <p:nvPr>
-            <p:ph type="title"/>
-          </p:nvPr>
-        </p:nvSpPr>
-        <p:spPr/>
-        <p:txBody>
-          <a:bodyPr>
-            <a:normAutofit fontScale="90000"/>
-          </a:bodyPr>
-          <a:p>
-            <a:r>
-              <a:rPr lang="en-US" altLang="zh-CN">
-                <a:sym typeface="+mn-ea"/>
-              </a:rPr>
-              <a:t>IDEA JDK</a:t>
-            </a:r>
-            <a:r>
-              <a:rPr lang="zh-CN" altLang="en-US">
-                <a:sym typeface="+mn-ea"/>
-              </a:rPr>
-              <a:t>版本设置</a:t>
-            </a:r>
-            <a:br>
-              <a:rPr lang="zh-CN" altLang="en-US"/>
-            </a:br>
-            <a:endParaRPr lang="zh-CN" altLang="en-US"/>
-          </a:p>
-        </p:txBody>
-      </p:sp>
-      <p:sp>
-        <p:nvSpPr>
-          <p:cNvPr id="3" name="内容占位符 2"/>
-          <p:cNvSpPr>
-            <a:spLocks noGrp="1"/>
-          </p:cNvSpPr>
-          <p:nvPr>
-            <p:ph idx="1"/>
-          </p:nvPr>
-        </p:nvSpPr>
-        <p:spPr/>
-        <p:txBody>
-          <a:bodyPr/>
-          <a:p>
-            <a:r>
-              <a:rPr lang="en-US" altLang="zh-CN">
-                <a:sym typeface="+mn-ea"/>
-              </a:rPr>
-              <a:t>Step 2 File-Project Structure</a:t>
-            </a:r>
-            <a:endParaRPr lang="en-US" altLang="zh-CN"/>
-          </a:p>
-          <a:p>
-            <a:pPr lvl="1"/>
-            <a:endParaRPr lang="zh-CN" altLang="en-US"/>
-          </a:p>
-        </p:txBody>
-      </p:sp>
-      <p:pic>
-        <p:nvPicPr>
-          <p:cNvPr id="4" name="图片 3"/>
-          <p:cNvPicPr>
-            <a:picLocks noChangeAspect="1"/>
-          </p:cNvPicPr>
-          <p:nvPr/>
-        </p:nvPicPr>
-        <p:blipFill>
-          <a:blip r:embed="rId1"/>
-          <a:stretch>
-            <a:fillRect/>
-          </a:stretch>
-        </p:blipFill>
-        <p:spPr>
-          <a:xfrm>
-            <a:off x="2174240" y="2374265"/>
-            <a:ext cx="7150100" cy="4064635"/>
-          </a:xfrm>
-          <a:prstGeom prst="rect">
-            <a:avLst/>
-          </a:prstGeom>
-        </p:spPr>
-      </p:pic>
-    </p:spTree>
-    <p:custDataLst>
-      <p:tags r:id="rId2"/>
+      <p:tags r:id="rId1"/>
     </p:custDataLst>
   </p:cSld>
   <p:clrMapOvr>
@@ -5266,7 +9609,14 @@
         <p:cNvGrpSpPr/>
         <p:nvPr/>
       </p:nvGrpSpPr>
-      <p:grpSpPr/>
+      <p:grpSpPr>
+        <a:xfrm>
+          <a:off x="0" y="0"/>
+          <a:ext cx="0" cy="0"/>
+          <a:chOff x="0" y="0"/>
+          <a:chExt cx="0" cy="0"/>
+        </a:xfrm>
+      </p:grpSpPr>
       <p:sp>
         <p:nvSpPr>
           <p:cNvPr id="2" name="标题 1"/>
@@ -5282,6 +9632,7 @@
           <a:bodyPr>
             <a:normAutofit fontScale="90000"/>
           </a:bodyPr>
+          <a:lstStyle/>
           <a:p>
             <a:r>
               <a:rPr lang="en-US" altLang="zh-CN">
@@ -5295,6 +9646,10 @@
               </a:rPr>
               <a:t>版本设置</a:t>
             </a:r>
+            <a:r>
+              <a:rPr lang="zh-CN" altLang="en-US"/>
+              <a:t/>
+            </a:r>
             <a:br>
               <a:rPr lang="zh-CN" altLang="en-US"/>
             </a:br>
@@ -5315,12 +9670,19 @@
         <p:spPr/>
         <p:txBody>
           <a:bodyPr/>
-          <a:p>
-            <a:r>
-              <a:rPr lang="en-US" altLang="zh-CN"/>
-              <a:t>Step 3 File- Project Structure</a:t>
+          <a:lstStyle/>
+          <a:p>
+            <a:r>
+              <a:rPr lang="en-US" altLang="zh-CN">
+                <a:sym typeface="+mn-ea"/>
+              </a:rPr>
+              <a:t>Step 2 File-Project Structure</a:t>
             </a:r>
             <a:endParaRPr lang="en-US" altLang="zh-CN"/>
+          </a:p>
+          <a:p>
+            <a:pPr lvl="1"/>
+            <a:endParaRPr lang="zh-CN" altLang="en-US"/>
           </a:p>
         </p:txBody>
       </p:sp>
@@ -5333,15 +9695,15 @@
           <p:nvPr/>
         </p:nvPicPr>
         <p:blipFill>
-          <a:blip r:embed="rId1"/>
+          <a:blip r:embed="rId3"/>
           <a:stretch>
             <a:fillRect/>
           </a:stretch>
         </p:blipFill>
         <p:spPr>
           <a:xfrm>
-            <a:off x="1487170" y="2551430"/>
-            <a:ext cx="8228330" cy="3237865"/>
+            <a:off x="2174240" y="2374265"/>
+            <a:ext cx="7150100" cy="4064635"/>
           </a:xfrm>
           <a:prstGeom prst="rect">
             <a:avLst/>
@@ -5350,7 +9712,7 @@
       </p:pic>
     </p:spTree>
     <p:custDataLst>
-      <p:tags r:id="rId2"/>
+      <p:tags r:id="rId1"/>
     </p:custDataLst>
   </p:cSld>
   <p:clrMapOvr>
@@ -5368,7 +9730,14 @@
         <p:cNvGrpSpPr/>
         <p:nvPr/>
       </p:nvGrpSpPr>
-      <p:grpSpPr/>
+      <p:grpSpPr>
+        <a:xfrm>
+          <a:off x="0" y="0"/>
+          <a:ext cx="0" cy="0"/>
+          <a:chOff x="0" y="0"/>
+          <a:chExt cx="0" cy="0"/>
+        </a:xfrm>
+      </p:grpSpPr>
       <p:sp>
         <p:nvSpPr>
           <p:cNvPr id="2" name="标题 1"/>
@@ -5381,100 +9750,80 @@
         </p:nvSpPr>
         <p:spPr/>
         <p:txBody>
+          <a:bodyPr>
+            <a:normAutofit fontScale="90000"/>
+          </a:bodyPr>
+          <a:lstStyle/>
+          <a:p>
+            <a:r>
+              <a:rPr lang="en-US" altLang="zh-CN">
+                <a:sym typeface="+mn-ea"/>
+              </a:rPr>
+              <a:t>IDEA JDK</a:t>
+            </a:r>
+            <a:r>
+              <a:rPr lang="zh-CN" altLang="en-US">
+                <a:sym typeface="+mn-ea"/>
+              </a:rPr>
+              <a:t>版本设置</a:t>
+            </a:r>
+            <a:r>
+              <a:rPr lang="zh-CN" altLang="en-US"/>
+              <a:t/>
+            </a:r>
+            <a:br>
+              <a:rPr lang="zh-CN" altLang="en-US"/>
+            </a:br>
+            <a:endParaRPr lang="zh-CN" altLang="en-US"/>
+          </a:p>
+        </p:txBody>
+      </p:sp>
+      <p:sp>
+        <p:nvSpPr>
+          <p:cNvPr id="3" name="内容占位符 2"/>
+          <p:cNvSpPr>
+            <a:spLocks noGrp="1"/>
+          </p:cNvSpPr>
+          <p:nvPr>
+            <p:ph idx="1"/>
+          </p:nvPr>
+        </p:nvSpPr>
+        <p:spPr/>
+        <p:txBody>
           <a:bodyPr/>
-          <a:p>
-            <a:r>
-              <a:rPr lang="zh-CN" altLang="en-US"/>
-              <a:t>模块化系统的好处（</a:t>
-            </a:r>
-            <a:r>
-              <a:rPr lang="zh-CN" altLang="en-US">
-                <a:solidFill>
-                  <a:srgbClr val="FF0000"/>
-                </a:solidFill>
-              </a:rPr>
-              <a:t>待重新理解</a:t>
-            </a:r>
-            <a:r>
-              <a:rPr lang="zh-CN" altLang="en-US"/>
-              <a:t>）</a:t>
-            </a:r>
-            <a:endParaRPr lang="zh-CN" altLang="en-US"/>
-          </a:p>
-        </p:txBody>
-      </p:sp>
-      <p:sp>
-        <p:nvSpPr>
-          <p:cNvPr id="3" name="内容占位符 2"/>
-          <p:cNvSpPr>
-            <a:spLocks noGrp="1"/>
-          </p:cNvSpPr>
-          <p:nvPr>
-            <p:ph idx="1"/>
-          </p:nvPr>
-        </p:nvSpPr>
-        <p:spPr/>
-        <p:txBody>
-          <a:bodyPr/>
+          <a:lstStyle/>
           <a:p>
             <a:r>
               <a:rPr lang="en-US" altLang="zh-CN"/>
-              <a:t>1 </a:t>
-            </a:r>
-            <a:r>
-              <a:rPr lang="zh-CN" altLang="en-US"/>
-              <a:t>可定制</a:t>
-            </a:r>
-            <a:r>
-              <a:rPr lang="en-US" altLang="zh-CN"/>
-              <a:t>JRE</a:t>
-            </a:r>
-            <a:r>
-              <a:rPr lang="zh-CN" altLang="en-US"/>
-              <a:t>： 更小的运行时镜像</a:t>
-            </a:r>
-            <a:endParaRPr lang="zh-CN" altLang="en-US"/>
-          </a:p>
-          <a:p>
-            <a:r>
-              <a:rPr lang="en-US" altLang="zh-CN"/>
-              <a:t>2 </a:t>
-            </a:r>
-            <a:r>
-              <a:rPr lang="zh-CN" altLang="en-US"/>
-              <a:t>更确定的模块依赖关系，避免</a:t>
-            </a:r>
-            <a:r>
-              <a:rPr lang="en-US" altLang="zh-CN"/>
-              <a:t>JAR HELL</a:t>
-            </a:r>
-            <a:r>
-              <a:rPr lang="zh-CN" altLang="en-US"/>
-              <a:t>问题</a:t>
-            </a:r>
-            <a:endParaRPr lang="zh-CN" altLang="en-US"/>
-          </a:p>
-          <a:p>
-            <a:r>
-              <a:rPr lang="en-US" altLang="zh-CN"/>
-              <a:t>3 </a:t>
-            </a:r>
-            <a:r>
-              <a:rPr lang="zh-CN" altLang="en-US"/>
-              <a:t>与</a:t>
-            </a:r>
-            <a:r>
-              <a:rPr lang="en-US" altLang="zh-CN"/>
-              <a:t>OSGi</a:t>
-            </a:r>
-            <a:r>
-              <a:rPr lang="zh-CN" altLang="en-US"/>
-              <a:t>的比较</a:t>
-            </a:r>
-            <a:endParaRPr lang="zh-CN" altLang="en-US"/>
-          </a:p>
-        </p:txBody>
-      </p:sp>
+              <a:t>Step 3 File- Project Structure</a:t>
+            </a:r>
+          </a:p>
+        </p:txBody>
+      </p:sp>
+      <p:pic>
+        <p:nvPicPr>
+          <p:cNvPr id="4" name="图片 3"/>
+          <p:cNvPicPr>
+            <a:picLocks noChangeAspect="1"/>
+          </p:cNvPicPr>
+          <p:nvPr/>
+        </p:nvPicPr>
+        <p:blipFill>
+          <a:blip r:embed="rId3"/>
+          <a:stretch>
+            <a:fillRect/>
+          </a:stretch>
+        </p:blipFill>
+        <p:spPr>
+          <a:xfrm>
+            <a:off x="1487170" y="2551430"/>
+            <a:ext cx="8228330" cy="3237865"/>
+          </a:xfrm>
+          <a:prstGeom prst="rect">
+            <a:avLst/>
+          </a:prstGeom>
+        </p:spPr>
+      </p:pic>
     </p:spTree>
     <p:custDataLst>
       <p:tags r:id="rId1"/>
@@ -5483,6 +9832,13 @@
   <p:clrMapOvr>
     <a:masterClrMapping/>
   </p:clrMapOvr>
+  <p:timing>
+    <p:tnLst>
+      <p:par>
+        <p:cTn id="1" dur="indefinite" restart="never" nodeType="tmRoot"/>
+      </p:par>
+    </p:tnLst>
+  </p:timing>
 </p:sld>
 </file>
 
@@ -5495,7 +9851,14 @@
         <p:cNvGrpSpPr/>
         <p:nvPr/>
       </p:nvGrpSpPr>
-      <p:grpSpPr/>
+      <p:grpSpPr>
+        <a:xfrm>
+          <a:off x="0" y="0"/>
+          <a:ext cx="0" cy="0"/>
+          <a:chOff x="0" y="0"/>
+          <a:chExt cx="0" cy="0"/>
+        </a:xfrm>
+      </p:grpSpPr>
       <p:sp>
         <p:nvSpPr>
           <p:cNvPr id="2" name="标题 1"/>
@@ -5509,63 +9872,51 @@
         <p:spPr/>
         <p:txBody>
           <a:bodyPr/>
-          <a:p>
-            <a:r>
-              <a:rPr lang="zh-CN" altLang="en-US"/>
-              <a:t>模块的定义</a:t>
-            </a:r>
-            <a:endParaRPr lang="zh-CN" altLang="en-US"/>
-          </a:p>
-        </p:txBody>
-      </p:sp>
-      <p:sp>
-        <p:nvSpPr>
-          <p:cNvPr id="3" name="内容占位符 2"/>
-          <p:cNvSpPr>
-            <a:spLocks noGrp="1"/>
-          </p:cNvSpPr>
+          <a:lstStyle/>
+          <a:p>
+            <a:r>
+              <a:rPr lang="en-US" altLang="zh-CN" dirty="0" smtClean="0"/>
+              <a:t>Java 9 </a:t>
+            </a:r>
+            <a:r>
+              <a:rPr lang="zh-CN" altLang="en-US" dirty="0" smtClean="0"/>
+              <a:t>主要的两种新功能</a:t>
+            </a:r>
+            <a:endParaRPr lang="zh-CN" altLang="en-US" dirty="0"/>
+          </a:p>
+        </p:txBody>
+      </p:sp>
+      <p:graphicFrame>
+        <p:nvGraphicFramePr>
+          <p:cNvPr id="4" name="内容占位符 3"/>
+          <p:cNvGraphicFramePr>
+            <a:graphicFrameLocks noGrp="1"/>
+          </p:cNvGraphicFramePr>
           <p:nvPr>
             <p:ph idx="1"/>
-          </p:nvPr>
-        </p:nvSpPr>
-        <p:spPr/>
-        <p:txBody>
-          <a:bodyPr/>
-          <a:p>
-            <a:r>
-              <a:rPr lang="zh-CN" altLang="en-US"/>
-              <a:t>模块一个命名的，自我描述的代码和数据的集合。</a:t>
-            </a:r>
-            <a:endParaRPr lang="zh-CN" altLang="en-US"/>
-          </a:p>
-          <a:p>
-            <a:r>
-              <a:rPr lang="zh-CN" altLang="en-US"/>
-              <a:t>模块的代码被组织成多个包，每个包中包含</a:t>
-            </a:r>
-            <a:r>
-              <a:rPr lang="en-US" altLang="zh-CN"/>
-              <a:t>Java</a:t>
-            </a:r>
-            <a:r>
-              <a:rPr lang="zh-CN" altLang="en-US"/>
-              <a:t>类和接口。</a:t>
-            </a:r>
-            <a:endParaRPr lang="zh-CN" altLang="en-US"/>
-          </a:p>
-          <a:p>
-            <a:r>
-              <a:rPr lang="zh-CN" altLang="en-US"/>
-              <a:t>模块的数据则包括资源文件和其他静态信息。</a:t>
-            </a:r>
-            <a:endParaRPr lang="zh-CN" altLang="en-US"/>
-          </a:p>
-        </p:txBody>
-      </p:sp>
+            <p:extLst>
+              <p:ext uri="{D42A27DB-BD31-4B8C-83A1-F6EECF244321}">
+                <p14:modId xmlns:p14="http://schemas.microsoft.com/office/powerpoint/2010/main" val="352806240"/>
+              </p:ext>
+            </p:extLst>
+          </p:nvPr>
+        </p:nvGraphicFramePr>
+        <p:xfrm>
+          <a:off x="876300" y="1852613"/>
+          <a:ext cx="10439400" cy="4319587"/>
+        </p:xfrm>
+        <a:graphic>
+          <a:graphicData uri="http://schemas.openxmlformats.org/drawingml/2006/diagram">
+            <dgm:relIds xmlns:dgm="http://schemas.openxmlformats.org/drawingml/2006/diagram" xmlns:r="http://schemas.openxmlformats.org/officeDocument/2006/relationships" r:dm="rId3" r:lo="rId4" r:qs="rId5" r:cs="rId6"/>
+          </a:graphicData>
+        </a:graphic>
+      </p:graphicFrame>
     </p:spTree>
-    <p:custDataLst>
-      <p:tags r:id="rId1"/>
-    </p:custDataLst>
+    <p:extLst>
+      <p:ext uri="{BB962C8B-B14F-4D97-AF65-F5344CB8AC3E}">
+        <p14:creationId xmlns:p14="http://schemas.microsoft.com/office/powerpoint/2010/main" val="3554635994"/>
+      </p:ext>
+    </p:extLst>
   </p:cSld>
   <p:clrMapOvr>
     <a:masterClrMapping/>
@@ -5582,7 +9933,14 @@
         <p:cNvGrpSpPr/>
         <p:nvPr/>
       </p:nvGrpSpPr>
-      <p:grpSpPr/>
+      <p:grpSpPr>
+        <a:xfrm>
+          <a:off x="0" y="0"/>
+          <a:ext cx="0" cy="0"/>
+          <a:chOff x="0" y="0"/>
+          <a:chExt cx="0" cy="0"/>
+        </a:xfrm>
+      </p:grpSpPr>
       <p:sp>
         <p:nvSpPr>
           <p:cNvPr id="2" name="标题 1"/>
@@ -5596,12 +9954,17 @@
         <p:spPr/>
         <p:txBody>
           <a:bodyPr/>
-          <a:p>
-            <a:r>
-              <a:rPr lang="zh-CN" altLang="en-US"/>
-              <a:t>模块声明文件</a:t>
-            </a:r>
-            <a:endParaRPr lang="zh-CN" altLang="en-US"/>
+          <a:lstStyle/>
+          <a:p>
+            <a:r>
+              <a:rPr lang="en-US" altLang="zh-CN" dirty="0" smtClean="0"/>
+              <a:t>Java 9 </a:t>
+            </a:r>
+            <a:r>
+              <a:rPr lang="zh-CN" altLang="en-US" dirty="0" smtClean="0"/>
+              <a:t>语言新功能</a:t>
+            </a:r>
+            <a:endParaRPr lang="zh-CN" altLang="en-US" dirty="0"/>
           </a:p>
         </p:txBody>
       </p:sp>
@@ -5618,70 +9981,433 @@
         <p:spPr/>
         <p:txBody>
           <a:bodyPr/>
-          <a:p>
-            <a:r>
-              <a:rPr lang="zh-CN" altLang="en-US"/>
-              <a:t>模块声明文件是一个模块的声明信息</a:t>
-            </a:r>
-            <a:endParaRPr lang="zh-CN" altLang="en-US"/>
-          </a:p>
-          <a:p>
-            <a:r>
-              <a:rPr lang="en-US" altLang="zh-CN"/>
-              <a:t>module-info.java </a:t>
-            </a:r>
-            <a:endParaRPr lang="en-US" altLang="zh-CN"/>
-          </a:p>
-          <a:p>
-            <a:r>
-              <a:rPr lang="zh-CN" altLang="en-US"/>
-              <a:t>位置在模块根上，编成为</a:t>
-            </a:r>
-            <a:r>
-              <a:rPr lang="en-US" altLang="zh-CN"/>
-              <a:t>module-java.class</a:t>
-            </a:r>
-            <a:endParaRPr lang="en-US" altLang="zh-CN"/>
-          </a:p>
-          <a:p>
-            <a:r>
-              <a:rPr lang="zh-CN" altLang="en-US"/>
-              <a:t>新的</a:t>
-            </a:r>
-            <a:r>
-              <a:rPr lang="en-US" altLang="zh-CN"/>
-              <a:t>keyword: module</a:t>
-            </a:r>
-            <a:r>
-              <a:rPr lang="zh-CN" altLang="en-US"/>
-              <a:t>声明一个模块</a:t>
-            </a:r>
-            <a:endParaRPr lang="zh-CN" altLang="en-US"/>
-          </a:p>
-          <a:p>
-            <a:r>
-              <a:rPr lang="zh-CN" altLang="en-US"/>
-              <a:t>模块名称的规则：与</a:t>
-            </a:r>
-            <a:r>
-              <a:rPr lang="en-US" altLang="zh-CN"/>
-              <a:t>java</a:t>
-            </a:r>
-            <a:r>
-              <a:rPr lang="zh-CN" altLang="en-US"/>
-              <a:t>包的命名规则相似</a:t>
-            </a:r>
-            <a:endParaRPr lang="en-US" altLang="zh-CN"/>
-          </a:p>
-          <a:p>
-            <a:endParaRPr lang="en-US" altLang="zh-CN"/>
+          <a:lstStyle/>
+          <a:p>
+            <a:r>
+              <a:rPr lang="zh-CN" altLang="en-US" dirty="0" smtClean="0"/>
+              <a:t>允许接口私有方法</a:t>
+            </a:r>
+            <a:endParaRPr lang="en-US" altLang="zh-CN" dirty="0" smtClean="0"/>
+          </a:p>
+          <a:p>
+            <a:r>
+              <a:rPr lang="zh-CN" altLang="en-US" dirty="0" smtClean="0"/>
+              <a:t>下划线不再是全法的命名字符</a:t>
+            </a:r>
+            <a:endParaRPr lang="en-US" altLang="zh-CN" dirty="0" smtClean="0"/>
+          </a:p>
+          <a:p>
+            <a:r>
+              <a:rPr lang="zh-CN" altLang="en-US" dirty="0" smtClean="0"/>
+              <a:t>钻石操作符（</a:t>
+            </a:r>
+            <a:r>
+              <a:rPr lang="en-US" altLang="zh-CN" dirty="0" smtClean="0"/>
+              <a:t>&lt;&gt;</a:t>
+            </a:r>
+            <a:r>
+              <a:rPr lang="zh-CN" altLang="en-US" dirty="0" smtClean="0"/>
+              <a:t>）支持匿名内部类</a:t>
+            </a:r>
+            <a:endParaRPr lang="en-US" altLang="zh-CN" dirty="0" smtClean="0"/>
+          </a:p>
+          <a:p>
+            <a:r>
+              <a:rPr lang="en-US" altLang="zh-CN" dirty="0" smtClean="0"/>
+              <a:t>@</a:t>
+            </a:r>
+            <a:r>
+              <a:rPr lang="en-US" altLang="zh-CN" dirty="0" err="1" smtClean="0"/>
+              <a:t>SafeVarargs</a:t>
+            </a:r>
+            <a:endParaRPr lang="zh-CN" altLang="en-US" dirty="0"/>
           </a:p>
         </p:txBody>
       </p:sp>
     </p:spTree>
-    <p:custDataLst>
-      <p:tags r:id="rId1"/>
-    </p:custDataLst>
+    <p:extLst>
+      <p:ext uri="{BB962C8B-B14F-4D97-AF65-F5344CB8AC3E}">
+        <p14:creationId xmlns:p14="http://schemas.microsoft.com/office/powerpoint/2010/main" val="2316763263"/>
+      </p:ext>
+    </p:extLst>
+  </p:cSld>
+  <p:clrMapOvr>
+    <a:masterClrMapping/>
+  </p:clrMapOvr>
+</p:sld>
+</file>
+
+<file path=ppt/slides/slide8.xml><?xml version="1.0" encoding="utf-8"?>
+<p:sld xmlns:a="http://schemas.openxmlformats.org/drawingml/2006/main" xmlns:r="http://schemas.openxmlformats.org/officeDocument/2006/relationships" xmlns:p="http://schemas.openxmlformats.org/presentationml/2006/main">
+  <p:cSld>
+    <p:spTree>
+      <p:nvGrpSpPr>
+        <p:cNvPr id="1" name=""/>
+        <p:cNvGrpSpPr/>
+        <p:nvPr/>
+      </p:nvGrpSpPr>
+      <p:grpSpPr>
+        <a:xfrm>
+          <a:off x="0" y="0"/>
+          <a:ext cx="0" cy="0"/>
+          <a:chOff x="0" y="0"/>
+          <a:chExt cx="0" cy="0"/>
+        </a:xfrm>
+      </p:grpSpPr>
+      <p:sp>
+        <p:nvSpPr>
+          <p:cNvPr id="2" name="标题 1"/>
+          <p:cNvSpPr>
+            <a:spLocks noGrp="1"/>
+          </p:cNvSpPr>
+          <p:nvPr>
+            <p:ph type="title"/>
+          </p:nvPr>
+        </p:nvSpPr>
+        <p:spPr/>
+        <p:txBody>
+          <a:bodyPr/>
+          <a:lstStyle/>
+          <a:p>
+            <a:r>
+              <a:rPr lang="en-US" altLang="zh-CN" dirty="0" smtClean="0"/>
+              <a:t>Java 10 </a:t>
+            </a:r>
+            <a:r>
+              <a:rPr lang="zh-CN" altLang="en-US" dirty="0" smtClean="0"/>
+              <a:t>语言新功能</a:t>
+            </a:r>
+            <a:endParaRPr lang="zh-CN" altLang="en-US" dirty="0"/>
+          </a:p>
+        </p:txBody>
+      </p:sp>
+      <p:sp>
+        <p:nvSpPr>
+          <p:cNvPr id="3" name="内容占位符 2"/>
+          <p:cNvSpPr>
+            <a:spLocks noGrp="1"/>
+          </p:cNvSpPr>
+          <p:nvPr>
+            <p:ph idx="1"/>
+          </p:nvPr>
+        </p:nvSpPr>
+        <p:spPr/>
+        <p:txBody>
+          <a:bodyPr/>
+          <a:lstStyle/>
+          <a:p>
+            <a:r>
+              <a:rPr lang="en-US" altLang="zh-CN" dirty="0" smtClean="0"/>
+              <a:t>1. </a:t>
+            </a:r>
+            <a:r>
+              <a:rPr lang="zh-CN" altLang="en-US" dirty="0" smtClean="0"/>
+              <a:t>本地变量推断</a:t>
+            </a:r>
+            <a:endParaRPr lang="en-US" altLang="zh-CN" dirty="0" smtClean="0"/>
+          </a:p>
+          <a:p>
+            <a:r>
+              <a:rPr lang="zh-CN" altLang="en-US" dirty="0" smtClean="0"/>
+              <a:t>不适用</a:t>
+            </a:r>
+            <a:r>
+              <a:rPr lang="en-US" altLang="zh-CN" dirty="0" smtClean="0"/>
+              <a:t>--</a:t>
+            </a:r>
+          </a:p>
+          <a:p>
+            <a:pPr lvl="1"/>
+            <a:r>
+              <a:rPr lang="zh-CN" altLang="en-US" dirty="0"/>
+              <a:t>方法的参数</a:t>
+            </a:r>
+          </a:p>
+          <a:p>
+            <a:pPr lvl="1"/>
+            <a:r>
+              <a:rPr lang="zh-CN" altLang="en-US" dirty="0"/>
+              <a:t>构造函数的参数</a:t>
+            </a:r>
+          </a:p>
+          <a:p>
+            <a:pPr lvl="1"/>
+            <a:r>
+              <a:rPr lang="zh-CN" altLang="en-US" dirty="0"/>
+              <a:t>方法的返回值类型</a:t>
+            </a:r>
+          </a:p>
+          <a:p>
+            <a:pPr lvl="1"/>
+            <a:r>
+              <a:rPr lang="zh-CN" altLang="en-US" dirty="0"/>
+              <a:t>对象的成员变量</a:t>
+            </a:r>
+          </a:p>
+          <a:p>
+            <a:pPr lvl="1"/>
+            <a:r>
+              <a:rPr lang="zh-CN" altLang="en-US" dirty="0"/>
+              <a:t>只是定义定义而不初始化</a:t>
+            </a:r>
+          </a:p>
+          <a:p>
+            <a:endParaRPr lang="zh-CN" altLang="en-US" dirty="0"/>
+          </a:p>
+        </p:txBody>
+      </p:sp>
+    </p:spTree>
+    <p:extLst>
+      <p:ext uri="{BB962C8B-B14F-4D97-AF65-F5344CB8AC3E}">
+        <p14:creationId xmlns:p14="http://schemas.microsoft.com/office/powerpoint/2010/main" val="474972903"/>
+      </p:ext>
+    </p:extLst>
+  </p:cSld>
+  <p:clrMapOvr>
+    <a:masterClrMapping/>
+  </p:clrMapOvr>
+</p:sld>
+</file>
+
+<file path=ppt/slides/slide9.xml><?xml version="1.0" encoding="utf-8"?>
+<p:sld xmlns:a="http://schemas.openxmlformats.org/drawingml/2006/main" xmlns:r="http://schemas.openxmlformats.org/officeDocument/2006/relationships" xmlns:p="http://schemas.openxmlformats.org/presentationml/2006/main">
+  <p:cSld>
+    <p:spTree>
+      <p:nvGrpSpPr>
+        <p:cNvPr id="1" name=""/>
+        <p:cNvGrpSpPr/>
+        <p:nvPr/>
+      </p:nvGrpSpPr>
+      <p:grpSpPr>
+        <a:xfrm>
+          <a:off x="0" y="0"/>
+          <a:ext cx="0" cy="0"/>
+          <a:chOff x="0" y="0"/>
+          <a:chExt cx="0" cy="0"/>
+        </a:xfrm>
+      </p:grpSpPr>
+      <p:sp>
+        <p:nvSpPr>
+          <p:cNvPr id="2" name="标题 1"/>
+          <p:cNvSpPr>
+            <a:spLocks noGrp="1"/>
+          </p:cNvSpPr>
+          <p:nvPr>
+            <p:ph type="title"/>
+          </p:nvPr>
+        </p:nvSpPr>
+        <p:spPr/>
+        <p:txBody>
+          <a:bodyPr/>
+          <a:lstStyle/>
+          <a:p>
+            <a:r>
+              <a:rPr lang="en-US" altLang="zh-CN" dirty="0" smtClean="0"/>
+              <a:t>JDK9 Java Security</a:t>
+            </a:r>
+            <a:r>
+              <a:rPr lang="zh-CN" altLang="en-US" dirty="0" smtClean="0"/>
+              <a:t>新功能</a:t>
+            </a:r>
+            <a:endParaRPr lang="zh-CN" altLang="en-US" dirty="0"/>
+          </a:p>
+        </p:txBody>
+      </p:sp>
+      <p:sp>
+        <p:nvSpPr>
+          <p:cNvPr id="3" name="内容占位符 2"/>
+          <p:cNvSpPr>
+            <a:spLocks noGrp="1"/>
+          </p:cNvSpPr>
+          <p:nvPr>
+            <p:ph idx="1"/>
+          </p:nvPr>
+        </p:nvSpPr>
+        <p:spPr/>
+        <p:txBody>
+          <a:bodyPr/>
+          <a:lstStyle/>
+          <a:p>
+            <a:r>
+              <a:rPr lang="en-US" altLang="zh-CN" dirty="0" smtClean="0"/>
+              <a:t>JSSE </a:t>
+            </a:r>
+            <a:r>
+              <a:rPr lang="zh-CN" altLang="en-US" dirty="0" smtClean="0"/>
+              <a:t>及 </a:t>
+            </a:r>
+            <a:r>
+              <a:rPr lang="en-US" altLang="zh-CN" dirty="0" err="1" smtClean="0"/>
+              <a:t>SunJSSE</a:t>
+            </a:r>
+            <a:r>
+              <a:rPr lang="en-US" altLang="zh-CN" dirty="0" smtClean="0"/>
+              <a:t> provider</a:t>
+            </a:r>
+            <a:r>
+              <a:rPr lang="zh-CN" altLang="en-US" dirty="0" smtClean="0"/>
+              <a:t>支持</a:t>
+            </a:r>
+            <a:r>
+              <a:rPr lang="en-US" altLang="zh-CN" dirty="0" smtClean="0"/>
+              <a:t>TLS 1.0 &amp; </a:t>
+            </a:r>
+            <a:r>
+              <a:rPr lang="en-US" altLang="zh-CN" dirty="0" smtClean="0"/>
+              <a:t>1.2</a:t>
+            </a:r>
+          </a:p>
+          <a:p>
+            <a:r>
+              <a:rPr lang="en-US" altLang="zh-CN" dirty="0">
+                <a:hlinkClick r:id="rId3"/>
+              </a:rPr>
+              <a:t>TLS Application-Layer Protocol Negotiation </a:t>
+            </a:r>
+            <a:r>
+              <a:rPr lang="en-US" altLang="zh-CN" dirty="0" smtClean="0">
+                <a:hlinkClick r:id="rId3"/>
+              </a:rPr>
+              <a:t>Extension</a:t>
+            </a:r>
+            <a:endParaRPr lang="en-US" altLang="zh-CN" dirty="0" smtClean="0"/>
+          </a:p>
+          <a:p>
+            <a:r>
+              <a:rPr lang="en-US" altLang="zh-CN" dirty="0">
+                <a:hlinkClick r:id="rId4"/>
+              </a:rPr>
+              <a:t>OCSP Stapling for </a:t>
+            </a:r>
+            <a:r>
+              <a:rPr lang="en-US" altLang="zh-CN" dirty="0" smtClean="0">
+                <a:hlinkClick r:id="rId4"/>
+              </a:rPr>
+              <a:t>TLS</a:t>
+            </a:r>
+            <a:endParaRPr lang="en-US" altLang="zh-CN" dirty="0" smtClean="0"/>
+          </a:p>
+          <a:p>
+            <a:r>
+              <a:rPr lang="zh-CN" altLang="en-US" dirty="0"/>
+              <a:t>优化</a:t>
+            </a:r>
+            <a:r>
+              <a:rPr lang="en-US" altLang="zh-CN" dirty="0"/>
+              <a:t>GHASH</a:t>
+            </a:r>
+            <a:r>
+              <a:rPr lang="zh-CN" altLang="en-US" dirty="0"/>
+              <a:t>和</a:t>
+            </a:r>
+            <a:r>
+              <a:rPr lang="en-US" altLang="zh-CN" dirty="0"/>
+              <a:t>RSA</a:t>
+            </a:r>
+            <a:r>
+              <a:rPr lang="zh-CN" altLang="en-US" dirty="0"/>
+              <a:t>的</a:t>
+            </a:r>
+            <a:r>
+              <a:rPr lang="en-US" altLang="zh-CN" dirty="0"/>
+              <a:t>CPU</a:t>
+            </a:r>
+            <a:r>
+              <a:rPr lang="zh-CN" altLang="en-US" dirty="0" smtClean="0"/>
+              <a:t>指令</a:t>
+            </a:r>
+            <a:endParaRPr lang="en-US" altLang="zh-CN" dirty="0" smtClean="0"/>
+          </a:p>
+          <a:p>
+            <a:r>
+              <a:rPr lang="zh-CN" altLang="en-US" dirty="0"/>
+              <a:t>提供</a:t>
+            </a:r>
+            <a:r>
+              <a:rPr lang="sv-SE" altLang="zh-CN" dirty="0"/>
+              <a:t>Deterministic Random Bit Generator (DRBG)</a:t>
+            </a:r>
+            <a:r>
+              <a:rPr lang="zh-CN" altLang="en-US" dirty="0"/>
+              <a:t>的</a:t>
+            </a:r>
+            <a:r>
+              <a:rPr lang="en-US" altLang="zh-CN" dirty="0" err="1"/>
+              <a:t>SecureRandom</a:t>
+            </a:r>
+            <a:r>
+              <a:rPr lang="zh-CN" altLang="en-US" dirty="0" smtClean="0"/>
+              <a:t>实现</a:t>
+            </a:r>
+            <a:endParaRPr lang="en-US" altLang="zh-CN" dirty="0" smtClean="0"/>
+          </a:p>
+          <a:p>
+            <a:r>
+              <a:rPr lang="zh-CN" altLang="en-US" dirty="0" smtClean="0"/>
+              <a:t>默认</a:t>
+            </a:r>
+            <a:r>
+              <a:rPr lang="en-US" altLang="zh-CN" dirty="0" err="1" smtClean="0"/>
+              <a:t>keystore</a:t>
+            </a:r>
+            <a:r>
+              <a:rPr lang="en-US" altLang="zh-CN" dirty="0" smtClean="0"/>
+              <a:t> </a:t>
+            </a:r>
+            <a:r>
+              <a:rPr lang="zh-CN" altLang="en-US" dirty="0" smtClean="0"/>
+              <a:t>类型从原来的</a:t>
+            </a:r>
+            <a:r>
+              <a:rPr lang="en-US" altLang="zh-CN" dirty="0" smtClean="0"/>
+              <a:t>JKS </a:t>
+            </a:r>
+            <a:r>
+              <a:rPr lang="zh-CN" altLang="en-US" dirty="0" smtClean="0"/>
+              <a:t>修改为</a:t>
+            </a:r>
+            <a:r>
+              <a:rPr lang="en-US" altLang="zh-CN" dirty="0" smtClean="0"/>
+              <a:t> </a:t>
+            </a:r>
+            <a:r>
+              <a:rPr lang="en-US" altLang="zh-CN" dirty="0" smtClean="0"/>
+              <a:t>PKCS#12</a:t>
+            </a:r>
+          </a:p>
+          <a:p>
+            <a:r>
+              <a:rPr lang="zh-CN" altLang="en-US" dirty="0" smtClean="0"/>
+              <a:t>废弃</a:t>
+            </a:r>
+            <a:r>
+              <a:rPr lang="en-US" altLang="zh-CN" dirty="0" smtClean="0"/>
+              <a:t>SHA-1</a:t>
+            </a:r>
+            <a:r>
+              <a:rPr lang="zh-CN" altLang="en-US" dirty="0" smtClean="0"/>
+              <a:t>证书签名</a:t>
+            </a:r>
+            <a:endParaRPr lang="en-US" altLang="zh-CN" dirty="0" smtClean="0"/>
+          </a:p>
+          <a:p>
+            <a:r>
+              <a:rPr lang="zh-CN" altLang="en-US" dirty="0" smtClean="0"/>
+              <a:t>支持</a:t>
+            </a:r>
+            <a:r>
+              <a:rPr lang="en-US" altLang="zh-CN" dirty="0" smtClean="0"/>
+              <a:t>SHA-3</a:t>
+            </a:r>
+          </a:p>
+        </p:txBody>
+      </p:sp>
+    </p:spTree>
+    <p:extLst>
+      <p:ext uri="{BB962C8B-B14F-4D97-AF65-F5344CB8AC3E}">
+        <p14:creationId xmlns:p14="http://schemas.microsoft.com/office/powerpoint/2010/main" val="1013853533"/>
+      </p:ext>
+    </p:extLst>
   </p:cSld>
   <p:clrMapOvr>
     <a:masterClrMapping/>
@@ -5690,13 +10416,15 @@
 </file>
 
 <file path=ppt/tags/tag1.xml><?xml version="1.0" encoding="utf-8"?>
-<p:tagLst xmlns:p="http://schemas.openxmlformats.org/presentationml/2006/main">
-  <p:tag name="PA" val="v3.0.1"/>
+<p:tagLst xmlns:a="http://schemas.openxmlformats.org/drawingml/2006/main" xmlns:r="http://schemas.openxmlformats.org/officeDocument/2006/relationships" xmlns:p="http://schemas.openxmlformats.org/presentationml/2006/main">
+  <p:tag name="KSO_WM_TAG_VERSION" val="1.0"/>
+  <p:tag name="KSO_WM_TEMPLATE_CATEGORY" val="custom"/>
+  <p:tag name="KSO_WM_TEMPLATE_INDEX" val="20184545"/>
 </p:tagLst>
 </file>
 
 <file path=ppt/tags/tag10.xml><?xml version="1.0" encoding="utf-8"?>
-<p:tagLst xmlns:p="http://schemas.openxmlformats.org/presentationml/2006/main">
+<p:tagLst xmlns:a="http://schemas.openxmlformats.org/drawingml/2006/main" xmlns:r="http://schemas.openxmlformats.org/officeDocument/2006/relationships" xmlns:p="http://schemas.openxmlformats.org/presentationml/2006/main">
   <p:tag name="KSO_WM_BEAUTIFY_FLAG" val="#wm#"/>
   <p:tag name="KSO_WM_TEMPLATE_CATEGORY" val="custom"/>
   <p:tag name="KSO_WM_TEMPLATE_INDEX" val="20184545"/>
@@ -5704,23 +10432,7 @@
 </file>
 
 <file path=ppt/tags/tag11.xml><?xml version="1.0" encoding="utf-8"?>
-<p:tagLst xmlns:p="http://schemas.openxmlformats.org/presentationml/2006/main">
-  <p:tag name="KSO_WM_BEAUTIFY_FLAG" val="#wm#"/>
-  <p:tag name="KSO_WM_TEMPLATE_CATEGORY" val="custom"/>
-  <p:tag name="KSO_WM_TEMPLATE_INDEX" val="20184545"/>
-</p:tagLst>
-</file>
-
-<file path=ppt/tags/tag12.xml><?xml version="1.0" encoding="utf-8"?>
-<p:tagLst xmlns:p="http://schemas.openxmlformats.org/presentationml/2006/main">
-  <p:tag name="KSO_WM_BEAUTIFY_FLAG" val="#wm#"/>
-  <p:tag name="KSO_WM_TEMPLATE_CATEGORY" val="custom"/>
-  <p:tag name="KSO_WM_TEMPLATE_INDEX" val="20184545"/>
-</p:tagLst>
-</file>
-
-<file path=ppt/tags/tag13.xml><?xml version="1.0" encoding="utf-8"?>
-<p:tagLst xmlns:p="http://schemas.openxmlformats.org/presentationml/2006/main">
+<p:tagLst xmlns:a="http://schemas.openxmlformats.org/drawingml/2006/main" xmlns:r="http://schemas.openxmlformats.org/officeDocument/2006/relationships" xmlns:p="http://schemas.openxmlformats.org/presentationml/2006/main">
   <p:tag name="KSO_WM_BEAUTIFY_FLAG" val="#wm#"/>
   <p:tag name="KSO_WM_TEMPLATE_CATEGORY" val="custom"/>
   <p:tag name="KSO_WM_TEMPLATE_INDEX" val="20184545"/>
@@ -5728,7 +10440,7 @@
 </file>
 
 <file path=ppt/tags/tag2.xml><?xml version="1.0" encoding="utf-8"?>
-<p:tagLst xmlns:p="http://schemas.openxmlformats.org/presentationml/2006/main">
+<p:tagLst xmlns:a="http://schemas.openxmlformats.org/drawingml/2006/main" xmlns:r="http://schemas.openxmlformats.org/officeDocument/2006/relationships" xmlns:p="http://schemas.openxmlformats.org/presentationml/2006/main">
   <p:tag name="KSO_WM_TAG_VERSION" val="1.0"/>
   <p:tag name="KSO_WM_TEMPLATE_CATEGORY" val="custom"/>
   <p:tag name="KSO_WM_TEMPLATE_INDEX" val="20184545"/>
@@ -5736,15 +10448,7 @@
 </file>
 
 <file path=ppt/tags/tag3.xml><?xml version="1.0" encoding="utf-8"?>
-<p:tagLst xmlns:p="http://schemas.openxmlformats.org/presentationml/2006/main">
-  <p:tag name="KSO_WM_TAG_VERSION" val="1.0"/>
-  <p:tag name="KSO_WM_TEMPLATE_CATEGORY" val="custom"/>
-  <p:tag name="KSO_WM_TEMPLATE_INDEX" val="20184545"/>
-</p:tagLst>
-</file>
-
-<file path=ppt/tags/tag4.xml><?xml version="1.0" encoding="utf-8"?>
-<p:tagLst xmlns:p="http://schemas.openxmlformats.org/presentationml/2006/main">
+<p:tagLst xmlns:a="http://schemas.openxmlformats.org/drawingml/2006/main" xmlns:r="http://schemas.openxmlformats.org/officeDocument/2006/relationships" xmlns:p="http://schemas.openxmlformats.org/presentationml/2006/main">
   <p:tag name="KSO_WM_BEAUTIFY_FLAG" val="#wm#"/>
   <p:tag name="KSO_WM_TAG_VERSION" val="1.0"/>
   <p:tag name="KSO_WM_TEMPLATE_INDEX" val="20184545"/>
@@ -5758,45 +10462,14 @@
 </p:tagLst>
 </file>
 
-<file path=ppt/tags/tag5.xml><?xml version="1.0" encoding="utf-8"?>
-<p:tagLst xmlns:p="http://schemas.openxmlformats.org/presentationml/2006/main">
-  <p:tag name="KSO_WM_TAG_VERSION" val="1.0"/>
-  <p:tag name="KSO_WM_TEMPLATE_CATEGORY" val="custom"/>
-  <p:tag name="KSO_WM_TEMPLATE_INDEX" val="20184545"/>
-  <p:tag name="KSO_WM_UNIT_TYPE" val="a"/>
-  <p:tag name="KSO_WM_UNIT_INDEX" val="1"/>
-  <p:tag name="KSO_WM_UNIT_ID" val="custom20184545_1*a*1"/>
-  <p:tag name="KSO_WM_UNIT_LAYERLEVEL" val="1"/>
-  <p:tag name="KSO_WM_UNIT_VALUE" val="20"/>
-  <p:tag name="KSO_WM_UNIT_ISCONTENTSTITLE" val="0"/>
-  <p:tag name="KSO_WM_UNIT_HIGHLIGHT" val="0"/>
-  <p:tag name="KSO_WM_UNIT_COMPATIBLE" val="0"/>
-  <p:tag name="KSO_WM_BEAUTIFY_FLAG" val="#wm#"/>
-  <p:tag name="KSO_WM_UNIT_PRESET_TEXT" val="PRESENTATIONTEMPLATE"/>
+<file path=ppt/tags/tag4.xml><?xml version="1.0" encoding="utf-8"?>
+<p:tagLst xmlns:a="http://schemas.openxmlformats.org/drawingml/2006/main" xmlns:r="http://schemas.openxmlformats.org/officeDocument/2006/relationships" xmlns:p="http://schemas.openxmlformats.org/presentationml/2006/main">
+  <p:tag name="PA" val="v3.0.1"/>
 </p:tagLst>
 </file>
 
-<file path=ppt/tags/tag6.xml><?xml version="1.0" encoding="utf-8"?>
-<p:tagLst xmlns:p="http://schemas.openxmlformats.org/presentationml/2006/main">
-  <p:tag name="KSO_WM_TEMPLATE_CATEGORY" val="custom"/>
-  <p:tag name="KSO_WM_TEMPLATE_INDEX" val="20184545"/>
-  <p:tag name="KSO_WM_UNIT_TYPE" val="b"/>
-  <p:tag name="KSO_WM_UNIT_INDEX" val="1"/>
-  <p:tag name="KSO_WM_UNIT_ID" val="custom20184545_1*b*1"/>
-  <p:tag name="KSO_WM_UNIT_LAYERLEVEL" val="1"/>
-  <p:tag name="KSO_WM_UNIT_VALUE" val="50"/>
-  <p:tag name="KSO_WM_UNIT_ISCONTENTSTITLE" val="0"/>
-  <p:tag name="KSO_WM_UNIT_HIGHLIGHT" val="0"/>
-  <p:tag name="KSO_WM_UNIT_COMPATIBLE" val="0"/>
-  <p:tag name="KSO_WM_UNIT_PRESET_TEXT_INDEX" val="4"/>
-  <p:tag name="KSO_WM_UNIT_PRESET_TEXT_LEN" val="57"/>
-  <p:tag name="KSO_WM_BEAUTIFY_FLAG" val="#wm#"/>
-  <p:tag name="KSO_WM_TAG_VERSION" val="1.0"/>
-</p:tagLst>
-</file>
-
-<file path=ppt/tags/tag7.xml><?xml version="1.0" encoding="utf-8"?>
-<p:tagLst xmlns:p="http://schemas.openxmlformats.org/presentationml/2006/main">
+<file path=ppt/tags/tag5.xml><?xml version="1.0" encoding="utf-8"?>
+<p:tagLst xmlns:a="http://schemas.openxmlformats.org/drawingml/2006/main" xmlns:r="http://schemas.openxmlformats.org/officeDocument/2006/relationships" xmlns:p="http://schemas.openxmlformats.org/presentationml/2006/main">
   <p:tag name="KSO_WM_TEMPLATE_THUMBS_INDEX" val="1、2、12、14、10、11、13、20"/>
   <p:tag name="KSO_WM_TEMPLATE_TOPIC_ID" val="2869567"/>
   <p:tag name="KSO_WM_TEMPLATE_OUTLINE_ID" val="6"/>
@@ -5817,8 +10490,24 @@
 </p:tagLst>
 </file>
 
+<file path=ppt/tags/tag6.xml><?xml version="1.0" encoding="utf-8"?>
+<p:tagLst xmlns:a="http://schemas.openxmlformats.org/drawingml/2006/main" xmlns:r="http://schemas.openxmlformats.org/officeDocument/2006/relationships" xmlns:p="http://schemas.openxmlformats.org/presentationml/2006/main">
+  <p:tag name="KSO_WM_BEAUTIFY_FLAG" val="#wm#"/>
+  <p:tag name="KSO_WM_TEMPLATE_CATEGORY" val="custom"/>
+  <p:tag name="KSO_WM_TEMPLATE_INDEX" val="20184545"/>
+</p:tagLst>
+</file>
+
+<file path=ppt/tags/tag7.xml><?xml version="1.0" encoding="utf-8"?>
+<p:tagLst xmlns:a="http://schemas.openxmlformats.org/drawingml/2006/main" xmlns:r="http://schemas.openxmlformats.org/officeDocument/2006/relationships" xmlns:p="http://schemas.openxmlformats.org/presentationml/2006/main">
+  <p:tag name="KSO_WM_BEAUTIFY_FLAG" val="#wm#"/>
+  <p:tag name="KSO_WM_TEMPLATE_CATEGORY" val="custom"/>
+  <p:tag name="KSO_WM_TEMPLATE_INDEX" val="20184545"/>
+</p:tagLst>
+</file>
+
 <file path=ppt/tags/tag8.xml><?xml version="1.0" encoding="utf-8"?>
-<p:tagLst xmlns:p="http://schemas.openxmlformats.org/presentationml/2006/main">
+<p:tagLst xmlns:a="http://schemas.openxmlformats.org/drawingml/2006/main" xmlns:r="http://schemas.openxmlformats.org/officeDocument/2006/relationships" xmlns:p="http://schemas.openxmlformats.org/presentationml/2006/main">
   <p:tag name="KSO_WM_BEAUTIFY_FLAG" val="#wm#"/>
   <p:tag name="KSO_WM_TEMPLATE_CATEGORY" val="custom"/>
   <p:tag name="KSO_WM_TEMPLATE_INDEX" val="20184545"/>
@@ -5826,7 +10515,7 @@
 </file>
 
 <file path=ppt/tags/tag9.xml><?xml version="1.0" encoding="utf-8"?>
-<p:tagLst xmlns:p="http://schemas.openxmlformats.org/presentationml/2006/main">
+<p:tagLst xmlns:a="http://schemas.openxmlformats.org/drawingml/2006/main" xmlns:r="http://schemas.openxmlformats.org/officeDocument/2006/relationships" xmlns:p="http://schemas.openxmlformats.org/presentationml/2006/main">
   <p:tag name="KSO_WM_BEAUTIFY_FLAG" val="#wm#"/>
   <p:tag name="KSO_WM_TEMPLATE_CATEGORY" val="custom"/>
   <p:tag name="KSO_WM_TEMPLATE_INDEX" val="20184545"/>
@@ -6084,6 +10773,8 @@
       </a:bgFillStyleLst>
     </a:fmtScheme>
   </a:themeElements>
+  <a:objectDefaults/>
+  <a:extraClrSchemeLst/>
   <a:extLst>
     <a:ext uri="{05A4C25C-085E-4340-85A3-A5531E510DB2}">
       <thm15:themeFamily xmlns:thm15="http://schemas.microsoft.com/office/thememl/2012/main" name="Office Theme" id="{62F939B6-93AF-4DB8-9C6B-D6C7DFDC589F}" vid="{4A3C46E8-61CC-4603-A589-7422A47A8E4A}"/>
@@ -6343,6 +11034,8 @@
       </a:bgFillStyleLst>
     </a:fmtScheme>
   </a:themeElements>
+  <a:objectDefaults/>
+  <a:extraClrSchemeLst/>
   <a:extLst>
     <a:ext uri="{05A4C25C-085E-4340-85A3-A5531E510DB2}">
       <thm15:themeFamily xmlns:thm15="http://schemas.microsoft.com/office/thememl/2012/main" name="Office Theme" id="{62F939B6-93AF-4DB8-9C6B-D6C7DFDC589F}" vid="{4A3C46E8-61CC-4603-A589-7422A47A8E4A}"/>

--- a/JDK9/Java9.pptx
+++ b/JDK9/Java9.pptx
@@ -5,26 +5,28 @@
     <p:sldMasterId id="2147483648" r:id="rId1"/>
   </p:sldMasterIdLst>
   <p:notesMasterIdLst>
-    <p:notesMasterId r:id="rId19"/>
+    <p:notesMasterId r:id="rId21"/>
   </p:notesMasterIdLst>
   <p:sldIdLst>
     <p:sldId id="256" r:id="rId2"/>
     <p:sldId id="266" r:id="rId3"/>
-    <p:sldId id="258" r:id="rId4"/>
-    <p:sldId id="259" r:id="rId5"/>
-    <p:sldId id="260" r:id="rId6"/>
-    <p:sldId id="270" r:id="rId7"/>
-    <p:sldId id="272" r:id="rId8"/>
-    <p:sldId id="273" r:id="rId9"/>
-    <p:sldId id="271" r:id="rId10"/>
-    <p:sldId id="269" r:id="rId11"/>
-    <p:sldId id="264" r:id="rId12"/>
-    <p:sldId id="262" r:id="rId13"/>
-    <p:sldId id="265" r:id="rId14"/>
-    <p:sldId id="263" r:id="rId15"/>
-    <p:sldId id="261" r:id="rId16"/>
-    <p:sldId id="267" r:id="rId17"/>
-    <p:sldId id="268" r:id="rId18"/>
+    <p:sldId id="274" r:id="rId4"/>
+    <p:sldId id="275" r:id="rId5"/>
+    <p:sldId id="258" r:id="rId6"/>
+    <p:sldId id="259" r:id="rId7"/>
+    <p:sldId id="260" r:id="rId8"/>
+    <p:sldId id="270" r:id="rId9"/>
+    <p:sldId id="272" r:id="rId10"/>
+    <p:sldId id="273" r:id="rId11"/>
+    <p:sldId id="271" r:id="rId12"/>
+    <p:sldId id="269" r:id="rId13"/>
+    <p:sldId id="264" r:id="rId14"/>
+    <p:sldId id="262" r:id="rId15"/>
+    <p:sldId id="265" r:id="rId16"/>
+    <p:sldId id="263" r:id="rId17"/>
+    <p:sldId id="261" r:id="rId18"/>
+    <p:sldId id="267" r:id="rId19"/>
+    <p:sldId id="268" r:id="rId20"/>
   </p:sldIdLst>
   <p:sldSz cx="12192000" cy="6858000"/>
   <p:notesSz cx="6858000" cy="9144000"/>
@@ -130,6 +132,12 @@
           <p14:sldIdLst>
             <p14:sldId id="256"/>
             <p14:sldId id="266"/>
+          </p14:sldIdLst>
+        </p14:section>
+        <p14:section name="Java8" id="{840704E1-E7D7-4972-B09A-4FA9C808EE0E}">
+          <p14:sldIdLst>
+            <p14:sldId id="274"/>
+            <p14:sldId id="275"/>
           </p14:sldIdLst>
         </p14:section>
         <p14:section name="IDEA配置" id="{CF697121-9B0F-40B3-9D09-166B9ADB1DD1}">
@@ -1134,6 +1142,13 @@
         </dgm:presLayoutVars>
       </dgm:prSet>
       <dgm:spPr/>
+      <dgm:t>
+        <a:bodyPr/>
+        <a:lstStyle/>
+        <a:p>
+          <a:endParaRPr lang="zh-CN" altLang="en-US"/>
+        </a:p>
+      </dgm:t>
     </dgm:pt>
     <dgm:pt modelId="{B2489309-7E07-44C6-9F97-29A3F1BA843D}" type="pres">
       <dgm:prSet presAssocID="{62CE8BC4-A184-4A77-A4B8-B1A72DA3DDF1}" presName="parentText" presStyleLbl="node1" presStyleIdx="0" presStyleCnt="2">
@@ -1143,6 +1158,13 @@
         </dgm:presLayoutVars>
       </dgm:prSet>
       <dgm:spPr/>
+      <dgm:t>
+        <a:bodyPr/>
+        <a:lstStyle/>
+        <a:p>
+          <a:endParaRPr lang="zh-CN" altLang="en-US"/>
+        </a:p>
+      </dgm:t>
     </dgm:pt>
     <dgm:pt modelId="{F0B76614-AB35-4B7E-8DB8-93E9DC580B57}" type="pres">
       <dgm:prSet presAssocID="{62CE8BC4-A184-4A77-A4B8-B1A72DA3DDF1}" presName="childText" presStyleLbl="revTx" presStyleIdx="0" presStyleCnt="2">
@@ -1151,6 +1173,13 @@
         </dgm:presLayoutVars>
       </dgm:prSet>
       <dgm:spPr/>
+      <dgm:t>
+        <a:bodyPr/>
+        <a:lstStyle/>
+        <a:p>
+          <a:endParaRPr lang="zh-CN" altLang="en-US"/>
+        </a:p>
+      </dgm:t>
     </dgm:pt>
     <dgm:pt modelId="{1D126082-EED5-4642-9D65-173B0F9CB808}" type="pres">
       <dgm:prSet presAssocID="{E352CCC4-F7D2-4E56-9F8C-ECEE37E79E23}" presName="parentText" presStyleLbl="node1" presStyleIdx="1" presStyleCnt="2">
@@ -1160,6 +1189,13 @@
         </dgm:presLayoutVars>
       </dgm:prSet>
       <dgm:spPr/>
+      <dgm:t>
+        <a:bodyPr/>
+        <a:lstStyle/>
+        <a:p>
+          <a:endParaRPr lang="zh-CN" altLang="en-US"/>
+        </a:p>
+      </dgm:t>
     </dgm:pt>
     <dgm:pt modelId="{FD8FF196-C005-4303-9229-5FCD8B7DB750}" type="pres">
       <dgm:prSet presAssocID="{E352CCC4-F7D2-4E56-9F8C-ECEE37E79E23}" presName="childText" presStyleLbl="revTx" presStyleIdx="1" presStyleCnt="2">
@@ -2800,7 +2836,7 @@
           <a:p>
             <a:fld id="{D2A48B96-639E-45A3-A0BA-2464DFDB1FAA}" type="datetimeFigureOut">
               <a:rPr lang="zh-CN" altLang="en-US" smtClean="0"/>
-              <a:t>2018/10/18</a:t>
+              <a:t>2018/12/11</a:t>
             </a:fld>
             <a:endParaRPr lang="zh-CN" altLang="en-US"/>
           </a:p>
@@ -3152,6 +3188,306 @@
 </p:notes>
 </file>
 
+<file path=ppt/notesSlides/notesSlide10.xml><?xml version="1.0" encoding="utf-8"?>
+<p:notes xmlns:a="http://schemas.openxmlformats.org/drawingml/2006/main" xmlns:r="http://schemas.openxmlformats.org/officeDocument/2006/relationships" xmlns:p="http://schemas.openxmlformats.org/presentationml/2006/main">
+  <p:cSld>
+    <p:spTree>
+      <p:nvGrpSpPr>
+        <p:cNvPr id="1" name=""/>
+        <p:cNvGrpSpPr/>
+        <p:nvPr/>
+      </p:nvGrpSpPr>
+      <p:grpSpPr>
+        <a:xfrm>
+          <a:off x="0" y="0"/>
+          <a:ext cx="0" cy="0"/>
+          <a:chOff x="0" y="0"/>
+          <a:chExt cx="0" cy="0"/>
+        </a:xfrm>
+      </p:grpSpPr>
+      <p:sp>
+        <p:nvSpPr>
+          <p:cNvPr id="2" name="幻灯片图像占位符 1"/>
+          <p:cNvSpPr>
+            <a:spLocks noGrp="1" noRot="1" noChangeAspect="1"/>
+          </p:cNvSpPr>
+          <p:nvPr>
+            <p:ph type="sldImg" idx="2"/>
+          </p:nvPr>
+        </p:nvSpPr>
+        <p:spPr/>
+      </p:sp>
+      <p:sp>
+        <p:nvSpPr>
+          <p:cNvPr id="3" name="文本占位符 2"/>
+          <p:cNvSpPr>
+            <a:spLocks noGrp="1"/>
+          </p:cNvSpPr>
+          <p:nvPr>
+            <p:ph type="body" idx="3"/>
+          </p:nvPr>
+        </p:nvSpPr>
+        <p:spPr/>
+        <p:txBody>
+          <a:bodyPr/>
+          <a:lstStyle/>
+          <a:p>
+            <a:r>
+              <a:rPr lang="en-US" altLang="zh-CN" dirty="0"/>
+              <a:t>1. Project Jigsaw</a:t>
+            </a:r>
+            <a:r>
+              <a:rPr lang="zh-CN" altLang="en-US" dirty="0"/>
+              <a:t>希望在</a:t>
+            </a:r>
+            <a:r>
+              <a:rPr lang="en-US" altLang="zh-CN" dirty="0"/>
+              <a:t>Java8</a:t>
+            </a:r>
+            <a:r>
+              <a:rPr lang="zh-CN" altLang="en-US" dirty="0"/>
+              <a:t>中添加模块化系统，但影响太大，没有完成。</a:t>
+            </a:r>
+          </a:p>
+          <a:p>
+            <a:r>
+              <a:rPr lang="en-US" altLang="zh-CN" dirty="0">
+                <a:sym typeface="+mn-ea"/>
+              </a:rPr>
+              <a:t>Java9</a:t>
+            </a:r>
+            <a:r>
+              <a:rPr lang="zh-CN" altLang="en-US" dirty="0"/>
+              <a:t>模块化也推迟了几次</a:t>
+            </a:r>
+          </a:p>
+          <a:p>
+            <a:r>
+              <a:rPr lang="en-US" altLang="zh-CN" dirty="0"/>
+              <a:t>2. </a:t>
+            </a:r>
+            <a:r>
+              <a:rPr lang="zh-CN" altLang="en-US" dirty="0"/>
+              <a:t>更小的运行时镜像。如：</a:t>
+            </a:r>
+            <a:r>
+              <a:rPr lang="en-US" altLang="zh-CN" dirty="0"/>
+              <a:t>Server</a:t>
+            </a:r>
+            <a:r>
+              <a:rPr lang="zh-CN" altLang="en-US" dirty="0"/>
+              <a:t>程序不需要</a:t>
+            </a:r>
+            <a:r>
+              <a:rPr lang="en-US" altLang="zh-CN" dirty="0"/>
+              <a:t>Swing</a:t>
+            </a:r>
+            <a:r>
+              <a:rPr lang="zh-CN" altLang="en-US" dirty="0"/>
+              <a:t>库；随着发展包含的内容肯定越来越多。</a:t>
+            </a:r>
+          </a:p>
+          <a:p>
+            <a:r>
+              <a:rPr lang="en-US" altLang="zh-CN" dirty="0"/>
+              <a:t>3. Java9</a:t>
+            </a:r>
+            <a:r>
+              <a:rPr lang="zh-CN" altLang="en-US" dirty="0"/>
+              <a:t>把</a:t>
+            </a:r>
+            <a:r>
+              <a:rPr lang="en-US" altLang="zh-CN" dirty="0"/>
+              <a:t>JDK </a:t>
+            </a:r>
+            <a:r>
+              <a:rPr lang="zh-CN" altLang="en-US" dirty="0"/>
+              <a:t>模块化，</a:t>
+            </a:r>
+            <a:r>
+              <a:rPr lang="en-US" altLang="zh-CN" dirty="0"/>
+              <a:t>Java9</a:t>
+            </a:r>
+            <a:r>
+              <a:rPr lang="zh-CN" altLang="en-US" dirty="0"/>
+              <a:t>共有</a:t>
+            </a:r>
+            <a:r>
+              <a:rPr lang="en-US" altLang="zh-CN" dirty="0"/>
+              <a:t>94</a:t>
+            </a:r>
+            <a:r>
+              <a:rPr lang="zh-CN" altLang="en-US" dirty="0"/>
+              <a:t>个模块组成；通过</a:t>
+            </a:r>
+            <a:r>
+              <a:rPr lang="en-US" altLang="zh-CN" dirty="0" err="1"/>
+              <a:t>jlink</a:t>
+            </a:r>
+            <a:r>
+              <a:rPr lang="zh-CN" altLang="en-US" dirty="0"/>
+              <a:t>工具可创建出每个应用独有的运行时镜像，镜像中只包含应用中真正需要的模块，这样这极大的减少应用的空间</a:t>
+            </a:r>
+          </a:p>
+          <a:p>
+            <a:r>
+              <a:rPr lang="en-US" altLang="zh-CN" dirty="0"/>
+              <a:t>4. Java9</a:t>
+            </a:r>
+            <a:r>
+              <a:rPr lang="zh-CN" altLang="en-US" dirty="0"/>
+              <a:t>之前，应用依赖</a:t>
+            </a:r>
+            <a:r>
+              <a:rPr lang="en-US" altLang="zh-CN" dirty="0" err="1"/>
+              <a:t>classpath</a:t>
+            </a:r>
+            <a:r>
+              <a:rPr lang="en-US" altLang="zh-CN" dirty="0"/>
+              <a:t>,</a:t>
+            </a:r>
+            <a:r>
+              <a:rPr lang="zh-CN" altLang="en-US" dirty="0"/>
+              <a:t>把应用本身的</a:t>
+            </a:r>
+            <a:r>
+              <a:rPr lang="en-US" altLang="zh-CN" dirty="0"/>
+              <a:t>Jar</a:t>
+            </a:r>
+            <a:r>
+              <a:rPr lang="zh-CN" altLang="en-US" dirty="0"/>
+              <a:t>和第三方的</a:t>
+            </a:r>
+            <a:r>
+              <a:rPr lang="en-US" altLang="zh-CN" dirty="0"/>
+              <a:t>Jar</a:t>
+            </a:r>
+            <a:r>
+              <a:rPr lang="zh-CN" altLang="en-US" dirty="0"/>
+              <a:t>包都放在</a:t>
+            </a:r>
+            <a:r>
+              <a:rPr lang="en-US" altLang="zh-CN" dirty="0" err="1"/>
+              <a:t>classpath</a:t>
+            </a:r>
+            <a:r>
+              <a:rPr lang="zh-CN" altLang="en-US" dirty="0"/>
+              <a:t>上，</a:t>
+            </a:r>
+            <a:r>
+              <a:rPr lang="en-US" altLang="zh-CN" dirty="0" err="1"/>
+              <a:t>classpath</a:t>
+            </a:r>
+            <a:r>
+              <a:rPr lang="zh-CN" altLang="en-US" dirty="0"/>
+              <a:t>是单一的线性空间，</a:t>
+            </a:r>
+          </a:p>
+          <a:p>
+            <a:endParaRPr lang="zh-CN" altLang="en-US" dirty="0"/>
+          </a:p>
+          <a:p>
+            <a:endParaRPr lang="zh-CN" altLang="en-US" dirty="0"/>
+          </a:p>
+        </p:txBody>
+      </p:sp>
+    </p:spTree>
+    <p:extLst>
+      <p:ext uri="{BB962C8B-B14F-4D97-AF65-F5344CB8AC3E}">
+        <p14:creationId xmlns:p14="http://schemas.microsoft.com/office/powerpoint/2010/main" val="2392991042"/>
+      </p:ext>
+    </p:extLst>
+  </p:cSld>
+  <p:clrMapOvr>
+    <a:masterClrMapping/>
+  </p:clrMapOvr>
+</p:notes>
+</file>
+
+<file path=ppt/notesSlides/notesSlide11.xml><?xml version="1.0" encoding="utf-8"?>
+<p:notes xmlns:a="http://schemas.openxmlformats.org/drawingml/2006/main" xmlns:r="http://schemas.openxmlformats.org/officeDocument/2006/relationships" xmlns:p="http://schemas.openxmlformats.org/presentationml/2006/main">
+  <p:cSld>
+    <p:spTree>
+      <p:nvGrpSpPr>
+        <p:cNvPr id="1" name=""/>
+        <p:cNvGrpSpPr/>
+        <p:nvPr/>
+      </p:nvGrpSpPr>
+      <p:grpSpPr>
+        <a:xfrm>
+          <a:off x="0" y="0"/>
+          <a:ext cx="0" cy="0"/>
+          <a:chOff x="0" y="0"/>
+          <a:chExt cx="0" cy="0"/>
+        </a:xfrm>
+      </p:grpSpPr>
+      <p:sp>
+        <p:nvSpPr>
+          <p:cNvPr id="2" name="幻灯片图像占位符 1"/>
+          <p:cNvSpPr>
+            <a:spLocks noGrp="1" noRot="1" noChangeAspect="1"/>
+          </p:cNvSpPr>
+          <p:nvPr>
+            <p:ph type="sldImg"/>
+          </p:nvPr>
+        </p:nvSpPr>
+        <p:spPr/>
+      </p:sp>
+      <p:sp>
+        <p:nvSpPr>
+          <p:cNvPr id="3" name="备注占位符 2"/>
+          <p:cNvSpPr>
+            <a:spLocks noGrp="1"/>
+          </p:cNvSpPr>
+          <p:nvPr>
+            <p:ph type="body" idx="1"/>
+          </p:nvPr>
+        </p:nvSpPr>
+        <p:spPr/>
+        <p:txBody>
+          <a:bodyPr/>
+          <a:lstStyle/>
+          <a:p>
+            <a:endParaRPr lang="zh-CN" altLang="en-US" dirty="0"/>
+          </a:p>
+        </p:txBody>
+      </p:sp>
+      <p:sp>
+        <p:nvSpPr>
+          <p:cNvPr id="4" name="灯片编号占位符 3"/>
+          <p:cNvSpPr>
+            <a:spLocks noGrp="1"/>
+          </p:cNvSpPr>
+          <p:nvPr>
+            <p:ph type="sldNum" sz="quarter" idx="10"/>
+          </p:nvPr>
+        </p:nvSpPr>
+        <p:spPr/>
+        <p:txBody>
+          <a:bodyPr/>
+          <a:lstStyle/>
+          <a:p>
+            <a:fld id="{A6837353-30EB-4A48-80EB-173D804AEFBD}" type="slidenum">
+              <a:rPr lang="zh-CN" altLang="en-US" smtClean="0"/>
+              <a:t>19</a:t>
+            </a:fld>
+            <a:endParaRPr lang="zh-CN" altLang="en-US"/>
+          </a:p>
+        </p:txBody>
+      </p:sp>
+    </p:spTree>
+    <p:extLst>
+      <p:ext uri="{BB962C8B-B14F-4D97-AF65-F5344CB8AC3E}">
+        <p14:creationId xmlns:p14="http://schemas.microsoft.com/office/powerpoint/2010/main" val="2846966172"/>
+      </p:ext>
+    </p:extLst>
+  </p:cSld>
+  <p:clrMapOvr>
+    <a:masterClrMapping/>
+  </p:clrMapOvr>
+</p:notes>
+</file>
+
 <file path=ppt/notesSlides/notesSlide2.xml><?xml version="1.0" encoding="utf-8"?>
 <p:notes xmlns:a="http://schemas.openxmlformats.org/drawingml/2006/main" xmlns:r="http://schemas.openxmlformats.org/officeDocument/2006/relationships" xmlns:p="http://schemas.openxmlformats.org/presentationml/2006/main">
   <p:cSld>
@@ -3197,8 +3533,8 @@
           <a:lstStyle/>
           <a:p>
             <a:r>
-              <a:rPr lang="en-US" altLang="zh-CN" smtClean="0"/>
-              <a:t>https://www.jianshu.com/p/38985b61ea83</a:t>
+              <a:rPr lang="en-US" altLang="zh-CN" dirty="0" smtClean="0"/>
+              <a:t>https://www.oracle.com/technetwork/java/javase/overview/index.html</a:t>
             </a:r>
             <a:endParaRPr lang="zh-CN" altLang="en-US" dirty="0"/>
           </a:p>
@@ -3221,7 +3557,7 @@
           <a:p>
             <a:fld id="{A6837353-30EB-4A48-80EB-173D804AEFBD}" type="slidenum">
               <a:rPr lang="zh-CN" altLang="en-US" smtClean="0"/>
-              <a:t>6</a:t>
+              <a:t>3</a:t>
             </a:fld>
             <a:endParaRPr lang="zh-CN" altLang="en-US"/>
           </a:p>
@@ -3230,7 +3566,7 @@
     </p:spTree>
     <p:extLst>
       <p:ext uri="{BB962C8B-B14F-4D97-AF65-F5344CB8AC3E}">
-        <p14:creationId xmlns:p14="http://schemas.microsoft.com/office/powerpoint/2010/main" val="1959942690"/>
+        <p14:creationId xmlns:p14="http://schemas.microsoft.com/office/powerpoint/2010/main" val="959970420"/>
       </p:ext>
     </p:extLst>
   </p:cSld>
@@ -3284,36 +3620,6 @@
           <a:bodyPr/>
           <a:lstStyle/>
           <a:p>
-            <a:r>
-              <a:rPr lang="en-US" altLang="zh-CN" dirty="0" smtClean="0"/>
-              <a:t>https://docs.oracle.com/javase/9/whatsnew/toc.htm#JSNEW-GUID-71A09701-7412-4499-A88D-53FA8BFBD3D0</a:t>
-            </a:r>
-          </a:p>
-          <a:p>
-            <a:pPr marL="0" marR="0" indent="0" algn="l" defTabSz="914400" rtl="0" eaLnBrk="1" fontAlgn="auto" latinLnBrk="0" hangingPunct="1">
-              <a:lnSpc>
-                <a:spcPct val="100000"/>
-              </a:lnSpc>
-              <a:spcBef>
-                <a:spcPts val="0"/>
-              </a:spcBef>
-              <a:spcAft>
-                <a:spcPts val="0"/>
-              </a:spcAft>
-              <a:buClrTx/>
-              <a:buSzTx/>
-              <a:buFontTx/>
-              <a:buNone/>
-              <a:tabLst/>
-              <a:defRPr/>
-            </a:pPr>
-            <a:r>
-              <a:rPr lang="en-US" altLang="zh-CN" dirty="0" smtClean="0"/>
-              <a:t>https://docs.oracle.com/javase/9/security/toc.htm</a:t>
-            </a:r>
-            <a:endParaRPr lang="zh-CN" altLang="en-US" dirty="0" smtClean="0"/>
-          </a:p>
-          <a:p>
             <a:endParaRPr lang="zh-CN" altLang="en-US" dirty="0"/>
           </a:p>
         </p:txBody>
@@ -3335,7 +3641,7 @@
           <a:p>
             <a:fld id="{A6837353-30EB-4A48-80EB-173D804AEFBD}" type="slidenum">
               <a:rPr lang="zh-CN" altLang="en-US" smtClean="0"/>
-              <a:t>9</a:t>
+              <a:t>4</a:t>
             </a:fld>
             <a:endParaRPr lang="zh-CN" altLang="en-US"/>
           </a:p>
@@ -3344,7 +3650,7 @@
     </p:spTree>
     <p:extLst>
       <p:ext uri="{BB962C8B-B14F-4D97-AF65-F5344CB8AC3E}">
-        <p14:creationId xmlns:p14="http://schemas.microsoft.com/office/powerpoint/2010/main" val="861390651"/>
+        <p14:creationId xmlns:p14="http://schemas.microsoft.com/office/powerpoint/2010/main" val="1239658958"/>
       </p:ext>
     </p:extLst>
   </p:cSld>
@@ -3399,29 +3705,8 @@
           <a:lstStyle/>
           <a:p>
             <a:r>
-              <a:rPr lang="en-US" altLang="zh-CN" dirty="0" smtClean="0"/>
-              <a:t>Spring-Shell:</a:t>
-            </a:r>
-          </a:p>
-          <a:p>
-            <a:r>
-              <a:rPr lang="en-US" altLang="zh-CN" dirty="0" smtClean="0"/>
-              <a:t>https://docs.spring.io/spring-shell/docs/2.0.0.RELEASE/reference/htmlsingle/#organizing-commands</a:t>
-            </a:r>
-          </a:p>
-          <a:p>
-            <a:endParaRPr lang="en-US" altLang="zh-CN" dirty="0" smtClean="0"/>
-          </a:p>
-          <a:p>
-            <a:r>
-              <a:rPr lang="en-US" altLang="zh-CN" dirty="0" smtClean="0"/>
-              <a:t>Reference:</a:t>
-            </a:r>
-          </a:p>
-          <a:p>
-            <a:r>
-              <a:rPr lang="en-US" altLang="zh-CN" dirty="0" smtClean="0"/>
-              <a:t>http://strong-life-126-com.iteye.com/blog/806246</a:t>
+              <a:rPr lang="en-US" altLang="zh-CN" smtClean="0"/>
+              <a:t>https://www.jianshu.com/p/38985b61ea83</a:t>
             </a:r>
             <a:endParaRPr lang="zh-CN" altLang="en-US" dirty="0"/>
           </a:p>
@@ -3444,7 +3729,7 @@
           <a:p>
             <a:fld id="{A6837353-30EB-4A48-80EB-173D804AEFBD}" type="slidenum">
               <a:rPr lang="zh-CN" altLang="en-US" smtClean="0"/>
-              <a:t>10</a:t>
+              <a:t>8</a:t>
             </a:fld>
             <a:endParaRPr lang="zh-CN" altLang="en-US"/>
           </a:p>
@@ -3453,7 +3738,7 @@
     </p:spTree>
     <p:extLst>
       <p:ext uri="{BB962C8B-B14F-4D97-AF65-F5344CB8AC3E}">
-        <p14:creationId xmlns:p14="http://schemas.microsoft.com/office/powerpoint/2010/main" val="3129455342"/>
+        <p14:creationId xmlns:p14="http://schemas.microsoft.com/office/powerpoint/2010/main" val="1959942690"/>
       </p:ext>
     </p:extLst>
   </p:cSld>
@@ -3508,89 +3793,8 @@
           <a:lstStyle/>
           <a:p>
             <a:r>
-              <a:rPr lang="en-US" altLang="zh-CN" sz="1200" b="0" i="0" kern="1200" dirty="0" smtClean="0">
-                <a:solidFill>
-                  <a:schemeClr val="tx1"/>
-                </a:solidFill>
-                <a:effectLst/>
-                <a:latin typeface="+mn-lt"/>
-                <a:ea typeface="+mn-ea"/>
-                <a:cs typeface="+mn-cs"/>
-              </a:rPr>
-              <a:t>http://openjdk.java.net/projects/jigsaw/spec/sotms/#module-declarations</a:t>
-            </a:r>
-          </a:p>
-          <a:p>
-            <a:endParaRPr lang="en-US" altLang="zh-CN" sz="1200" b="0" i="0" kern="1200" dirty="0" smtClean="0">
-              <a:solidFill>
-                <a:schemeClr val="tx1"/>
-              </a:solidFill>
-              <a:effectLst/>
-              <a:latin typeface="+mn-lt"/>
-              <a:ea typeface="+mn-ea"/>
-              <a:cs typeface="+mn-cs"/>
-            </a:endParaRPr>
-          </a:p>
-          <a:p>
-            <a:r>
-              <a:rPr lang="en-US" altLang="zh-CN" sz="1200" b="0" i="0" kern="1200" dirty="0" smtClean="0">
-                <a:solidFill>
-                  <a:schemeClr val="tx1"/>
-                </a:solidFill>
-                <a:effectLst/>
-                <a:latin typeface="+mn-lt"/>
-                <a:ea typeface="+mn-ea"/>
-                <a:cs typeface="+mn-cs"/>
-              </a:rPr>
-              <a:t>In order to provide reliable configuration and strong encapsulation in a way that is both approachable to developers and supportable by existing tool chains we treat modules as a fundamental new kind of Java program component. A </a:t>
-            </a:r>
-            <a:r>
-              <a:rPr lang="en-US" altLang="zh-CN" sz="1200" b="0" i="1" kern="1200" dirty="0" smtClean="0">
-                <a:solidFill>
-                  <a:schemeClr val="tx1"/>
-                </a:solidFill>
-                <a:effectLst/>
-                <a:latin typeface="+mn-lt"/>
-                <a:ea typeface="+mn-ea"/>
-                <a:cs typeface="+mn-cs"/>
-              </a:rPr>
-              <a:t>module</a:t>
-            </a:r>
-            <a:r>
-              <a:rPr lang="en-US" altLang="zh-CN" sz="1200" b="0" i="0" kern="1200" dirty="0" smtClean="0">
-                <a:solidFill>
-                  <a:schemeClr val="tx1"/>
-                </a:solidFill>
-                <a:effectLst/>
-                <a:latin typeface="+mn-lt"/>
-                <a:ea typeface="+mn-ea"/>
-                <a:cs typeface="+mn-cs"/>
-              </a:rPr>
-              <a:t> is a named, self-describing collection of code and data. Its code is organized as a set of packages containing types, </a:t>
-            </a:r>
-            <a:r>
-              <a:rPr lang="en-US" altLang="zh-CN" sz="1200" b="0" i="1" kern="1200" dirty="0" smtClean="0">
-                <a:solidFill>
-                  <a:schemeClr val="tx1"/>
-                </a:solidFill>
-                <a:effectLst/>
-                <a:latin typeface="+mn-lt"/>
-                <a:ea typeface="+mn-ea"/>
-                <a:cs typeface="+mn-cs"/>
-              </a:rPr>
-              <a:t>i.e.</a:t>
-            </a:r>
-            <a:r>
-              <a:rPr lang="en-US" altLang="zh-CN" sz="1200" b="0" i="0" kern="1200" dirty="0" smtClean="0">
-                <a:solidFill>
-                  <a:schemeClr val="tx1"/>
-                </a:solidFill>
-                <a:effectLst/>
-                <a:latin typeface="+mn-lt"/>
-                <a:ea typeface="+mn-ea"/>
-                <a:cs typeface="+mn-cs"/>
-              </a:rPr>
-              <a:t>, Java classes and interfaces; its data includes resources and other kinds of static information.</a:t>
+              <a:rPr lang="en-US" altLang="zh-CN" dirty="0" smtClean="0"/>
+              <a:t>https://docs.oracle.com/javase/9/language/toc.htm#JSLAN-GUID-16A5183A-DC0D-4A96-B9D8-AAC9671222DD</a:t>
             </a:r>
             <a:endParaRPr lang="zh-CN" altLang="en-US" dirty="0"/>
           </a:p>
@@ -3613,7 +3817,7 @@
           <a:p>
             <a:fld id="{A6837353-30EB-4A48-80EB-173D804AEFBD}" type="slidenum">
               <a:rPr lang="zh-CN" altLang="en-US" smtClean="0"/>
-              <a:t>11</a:t>
+              <a:t>9</a:t>
             </a:fld>
             <a:endParaRPr lang="zh-CN" altLang="en-US"/>
           </a:p>
@@ -3622,7 +3826,7 @@
     </p:spTree>
     <p:extLst>
       <p:ext uri="{BB962C8B-B14F-4D97-AF65-F5344CB8AC3E}">
-        <p14:creationId xmlns:p14="http://schemas.microsoft.com/office/powerpoint/2010/main" val="317019118"/>
+        <p14:creationId xmlns:p14="http://schemas.microsoft.com/office/powerpoint/2010/main" val="633145255"/>
       </p:ext>
     </p:extLst>
   </p:cSld>
@@ -3656,19 +3860,19 @@
             <a:spLocks noGrp="1" noRot="1" noChangeAspect="1"/>
           </p:cNvSpPr>
           <p:nvPr>
-            <p:ph type="sldImg" idx="2"/>
+            <p:ph type="sldImg"/>
           </p:nvPr>
         </p:nvSpPr>
         <p:spPr/>
       </p:sp>
       <p:sp>
         <p:nvSpPr>
-          <p:cNvPr id="3" name="文本占位符 2"/>
+          <p:cNvPr id="3" name="备注占位符 2"/>
           <p:cNvSpPr>
             <a:spLocks noGrp="1"/>
           </p:cNvSpPr>
           <p:nvPr>
-            <p:ph type="body" idx="3"/>
+            <p:ph type="body" idx="1"/>
           </p:nvPr>
         </p:nvSpPr>
         <p:spPr/>
@@ -3676,6 +3880,63 @@
           <a:bodyPr/>
           <a:lstStyle/>
           <a:p>
+            <a:r>
+              <a:rPr lang="en-US" altLang="zh-CN" smtClean="0"/>
+              <a:t>https</a:t>
+            </a:r>
+            <a:r>
+              <a:rPr lang="en-US" altLang="zh-CN" dirty="0" smtClean="0"/>
+              <a:t>://docs.oracle.com/javase/9/whatsnew/toc.htm#JSNEW-GUID-71A09701-7412-4499-A88D-53FA8BFBD3D0</a:t>
+            </a:r>
+          </a:p>
+          <a:p>
+            <a:pPr marL="0" marR="0" indent="0" algn="l" defTabSz="914400" rtl="0" eaLnBrk="1" fontAlgn="auto" latinLnBrk="0" hangingPunct="1">
+              <a:lnSpc>
+                <a:spcPct val="100000"/>
+              </a:lnSpc>
+              <a:spcBef>
+                <a:spcPts val="0"/>
+              </a:spcBef>
+              <a:spcAft>
+                <a:spcPts val="0"/>
+              </a:spcAft>
+              <a:buClrTx/>
+              <a:buSzTx/>
+              <a:buFontTx/>
+              <a:buNone/>
+              <a:tabLst/>
+              <a:defRPr/>
+            </a:pPr>
+            <a:r>
+              <a:rPr lang="en-US" altLang="zh-CN" dirty="0" smtClean="0"/>
+              <a:t>https://docs.oracle.com/javase/9/security/toc.htm</a:t>
+            </a:r>
+            <a:endParaRPr lang="zh-CN" altLang="en-US" dirty="0" smtClean="0"/>
+          </a:p>
+          <a:p>
+            <a:endParaRPr lang="zh-CN" altLang="en-US" dirty="0"/>
+          </a:p>
+        </p:txBody>
+      </p:sp>
+      <p:sp>
+        <p:nvSpPr>
+          <p:cNvPr id="4" name="灯片编号占位符 3"/>
+          <p:cNvSpPr>
+            <a:spLocks noGrp="1"/>
+          </p:cNvSpPr>
+          <p:nvPr>
+            <p:ph type="sldNum" sz="quarter" idx="10"/>
+          </p:nvPr>
+        </p:nvSpPr>
+        <p:spPr/>
+        <p:txBody>
+          <a:bodyPr/>
+          <a:lstStyle/>
+          <a:p>
+            <a:fld id="{A6837353-30EB-4A48-80EB-173D804AEFBD}" type="slidenum">
+              <a:rPr lang="zh-CN" altLang="en-US" smtClean="0"/>
+              <a:t>11</a:t>
+            </a:fld>
             <a:endParaRPr lang="zh-CN" altLang="en-US"/>
           </a:p>
         </p:txBody>
@@ -3683,7 +3944,7 @@
     </p:spTree>
     <p:extLst>
       <p:ext uri="{BB962C8B-B14F-4D97-AF65-F5344CB8AC3E}">
-        <p14:creationId xmlns:p14="http://schemas.microsoft.com/office/powerpoint/2010/main" val="2047412097"/>
+        <p14:creationId xmlns:p14="http://schemas.microsoft.com/office/powerpoint/2010/main" val="861390651"/>
       </p:ext>
     </p:extLst>
   </p:cSld>
@@ -3717,19 +3978,19 @@
             <a:spLocks noGrp="1" noRot="1" noChangeAspect="1"/>
           </p:cNvSpPr>
           <p:nvPr>
-            <p:ph type="sldImg" idx="2"/>
+            <p:ph type="sldImg"/>
           </p:nvPr>
         </p:nvSpPr>
         <p:spPr/>
       </p:sp>
       <p:sp>
         <p:nvSpPr>
-          <p:cNvPr id="3" name="文本占位符 2"/>
+          <p:cNvPr id="3" name="备注占位符 2"/>
           <p:cNvSpPr>
             <a:spLocks noGrp="1"/>
           </p:cNvSpPr>
           <p:nvPr>
-            <p:ph type="body" idx="3"/>
+            <p:ph type="body" idx="1"/>
           </p:nvPr>
         </p:nvSpPr>
         <p:spPr/>
@@ -3738,168 +3999,61 @@
           <a:lstStyle/>
           <a:p>
             <a:r>
-              <a:rPr lang="en-US" altLang="zh-CN" dirty="0"/>
-              <a:t>1. Project Jigsaw</a:t>
-            </a:r>
-            <a:r>
-              <a:rPr lang="zh-CN" altLang="en-US" dirty="0"/>
-              <a:t>希望在</a:t>
-            </a:r>
-            <a:r>
-              <a:rPr lang="en-US" altLang="zh-CN" dirty="0"/>
-              <a:t>Java8</a:t>
-            </a:r>
-            <a:r>
-              <a:rPr lang="zh-CN" altLang="en-US" dirty="0"/>
-              <a:t>中添加模块化系统，但影响太大，没有完成。</a:t>
-            </a:r>
-          </a:p>
-          <a:p>
-            <a:r>
-              <a:rPr lang="en-US" altLang="zh-CN" dirty="0">
-                <a:sym typeface="+mn-ea"/>
-              </a:rPr>
-              <a:t>Java9</a:t>
-            </a:r>
-            <a:r>
-              <a:rPr lang="zh-CN" altLang="en-US" dirty="0"/>
-              <a:t>模块化也推迟了几次</a:t>
-            </a:r>
-          </a:p>
-          <a:p>
-            <a:r>
-              <a:rPr lang="en-US" altLang="zh-CN" dirty="0"/>
-              <a:t>2. </a:t>
-            </a:r>
-            <a:r>
-              <a:rPr lang="zh-CN" altLang="en-US" dirty="0"/>
-              <a:t>更小的运行时镜像。如：</a:t>
-            </a:r>
-            <a:r>
-              <a:rPr lang="en-US" altLang="zh-CN" dirty="0"/>
-              <a:t>Server</a:t>
-            </a:r>
-            <a:r>
-              <a:rPr lang="zh-CN" altLang="en-US" dirty="0"/>
-              <a:t>程序不需要</a:t>
-            </a:r>
-            <a:r>
-              <a:rPr lang="en-US" altLang="zh-CN" dirty="0"/>
-              <a:t>Swing</a:t>
-            </a:r>
-            <a:r>
-              <a:rPr lang="zh-CN" altLang="en-US" dirty="0"/>
-              <a:t>库；随着发展包含的内容肯定越来越多。</a:t>
-            </a:r>
-          </a:p>
-          <a:p>
-            <a:r>
-              <a:rPr lang="en-US" altLang="zh-CN" dirty="0"/>
-              <a:t>3. Java9</a:t>
-            </a:r>
-            <a:r>
-              <a:rPr lang="zh-CN" altLang="en-US" dirty="0"/>
-              <a:t>把</a:t>
-            </a:r>
-            <a:r>
-              <a:rPr lang="en-US" altLang="zh-CN" dirty="0"/>
-              <a:t>JDK </a:t>
-            </a:r>
-            <a:r>
-              <a:rPr lang="zh-CN" altLang="en-US" dirty="0"/>
-              <a:t>模块化，</a:t>
-            </a:r>
-            <a:r>
-              <a:rPr lang="en-US" altLang="zh-CN" dirty="0"/>
-              <a:t>Java9</a:t>
-            </a:r>
-            <a:r>
-              <a:rPr lang="zh-CN" altLang="en-US" dirty="0"/>
-              <a:t>共有</a:t>
-            </a:r>
-            <a:r>
-              <a:rPr lang="en-US" altLang="zh-CN" dirty="0"/>
-              <a:t>94</a:t>
-            </a:r>
-            <a:r>
-              <a:rPr lang="zh-CN" altLang="en-US" dirty="0"/>
-              <a:t>个模块组成；通过</a:t>
-            </a:r>
-            <a:r>
-              <a:rPr lang="en-US" altLang="zh-CN" dirty="0" err="1"/>
-              <a:t>jlink</a:t>
-            </a:r>
-            <a:r>
-              <a:rPr lang="zh-CN" altLang="en-US" dirty="0"/>
-              <a:t>工具可创建出每个应用独有的运行时镜像，镜像中只包含应用中真正需要的模块，这样这极大的减少应用的空间</a:t>
-            </a:r>
-          </a:p>
-          <a:p>
-            <a:r>
-              <a:rPr lang="en-US" altLang="zh-CN" dirty="0"/>
-              <a:t>4. Java9</a:t>
-            </a:r>
-            <a:r>
-              <a:rPr lang="zh-CN" altLang="en-US" dirty="0"/>
-              <a:t>之前，应用依赖</a:t>
-            </a:r>
-            <a:r>
-              <a:rPr lang="en-US" altLang="zh-CN" dirty="0" err="1"/>
-              <a:t>classpath</a:t>
-            </a:r>
-            <a:r>
-              <a:rPr lang="en-US" altLang="zh-CN" dirty="0"/>
-              <a:t>,</a:t>
-            </a:r>
-            <a:r>
-              <a:rPr lang="zh-CN" altLang="en-US" dirty="0"/>
-              <a:t>把应用本身的</a:t>
-            </a:r>
-            <a:r>
-              <a:rPr lang="en-US" altLang="zh-CN" dirty="0"/>
-              <a:t>Jar</a:t>
-            </a:r>
-            <a:r>
-              <a:rPr lang="zh-CN" altLang="en-US" dirty="0"/>
-              <a:t>和第三方的</a:t>
-            </a:r>
-            <a:r>
-              <a:rPr lang="en-US" altLang="zh-CN" dirty="0"/>
-              <a:t>Jar</a:t>
-            </a:r>
-            <a:r>
-              <a:rPr lang="zh-CN" altLang="en-US" dirty="0"/>
-              <a:t>包都放在</a:t>
-            </a:r>
-            <a:r>
-              <a:rPr lang="en-US" altLang="zh-CN" dirty="0" err="1"/>
-              <a:t>classpath</a:t>
-            </a:r>
-            <a:r>
-              <a:rPr lang="zh-CN" altLang="en-US" dirty="0"/>
-              <a:t>上，</a:t>
-            </a:r>
-            <a:r>
-              <a:rPr lang="en-US" altLang="zh-CN" dirty="0" err="1"/>
-              <a:t>classpath</a:t>
-            </a:r>
-            <a:r>
-              <a:rPr lang="zh-CN" altLang="en-US" dirty="0"/>
-              <a:t>是单一的线性空间，</a:t>
-            </a:r>
-          </a:p>
-          <a:p>
+              <a:rPr lang="en-US" altLang="zh-CN" dirty="0" smtClean="0"/>
+              <a:t>Spring-Shell:</a:t>
+            </a:r>
+          </a:p>
+          <a:p>
+            <a:r>
+              <a:rPr lang="en-US" altLang="zh-CN" dirty="0" smtClean="0"/>
+              <a:t>https://docs.spring.io/spring-shell/docs/2.0.0.RELEASE/reference/htmlsingle/#organizing-commands</a:t>
+            </a:r>
+          </a:p>
+          <a:p>
+            <a:endParaRPr lang="en-US" altLang="zh-CN" dirty="0" smtClean="0"/>
+          </a:p>
+          <a:p>
+            <a:r>
+              <a:rPr lang="en-US" altLang="zh-CN" dirty="0" smtClean="0"/>
+              <a:t>Reference:</a:t>
+            </a:r>
+          </a:p>
+          <a:p>
+            <a:r>
+              <a:rPr lang="en-US" altLang="zh-CN" dirty="0" smtClean="0"/>
+              <a:t>http://strong-life-126-com.iteye.com/blog/806246</a:t>
+            </a:r>
             <a:endParaRPr lang="zh-CN" altLang="en-US" dirty="0"/>
           </a:p>
-          <a:p>
-            <a:endParaRPr lang="zh-CN" altLang="en-US" dirty="0"/>
+        </p:txBody>
+      </p:sp>
+      <p:sp>
+        <p:nvSpPr>
+          <p:cNvPr id="4" name="灯片编号占位符 3"/>
+          <p:cNvSpPr>
+            <a:spLocks noGrp="1"/>
+          </p:cNvSpPr>
+          <p:nvPr>
+            <p:ph type="sldNum" sz="quarter" idx="10"/>
+          </p:nvPr>
+        </p:nvSpPr>
+        <p:spPr/>
+        <p:txBody>
+          <a:bodyPr/>
+          <a:lstStyle/>
+          <a:p>
+            <a:fld id="{A6837353-30EB-4A48-80EB-173D804AEFBD}" type="slidenum">
+              <a:rPr lang="zh-CN" altLang="en-US" smtClean="0"/>
+              <a:t>12</a:t>
+            </a:fld>
+            <a:endParaRPr lang="zh-CN" altLang="en-US"/>
           </a:p>
         </p:txBody>
       </p:sp>
     </p:spTree>
     <p:extLst>
       <p:ext uri="{BB962C8B-B14F-4D97-AF65-F5344CB8AC3E}">
-        <p14:creationId xmlns:p14="http://schemas.microsoft.com/office/powerpoint/2010/main" val="2392991042"/>
+        <p14:creationId xmlns:p14="http://schemas.microsoft.com/office/powerpoint/2010/main" val="3129455342"/>
       </p:ext>
     </p:extLst>
   </p:cSld>
@@ -3953,6 +4107,91 @@
           <a:bodyPr/>
           <a:lstStyle/>
           <a:p>
+            <a:r>
+              <a:rPr lang="en-US" altLang="zh-CN" sz="1200" b="0" i="0" kern="1200" dirty="0" smtClean="0">
+                <a:solidFill>
+                  <a:schemeClr val="tx1"/>
+                </a:solidFill>
+                <a:effectLst/>
+                <a:latin typeface="+mn-lt"/>
+                <a:ea typeface="+mn-ea"/>
+                <a:cs typeface="+mn-cs"/>
+              </a:rPr>
+              <a:t>http://openjdk.java.net/projects/jigsaw/spec/sotms/#module-declarations</a:t>
+            </a:r>
+          </a:p>
+          <a:p>
+            <a:endParaRPr lang="en-US" altLang="zh-CN" sz="1200" b="0" i="0" kern="1200" dirty="0" smtClean="0">
+              <a:solidFill>
+                <a:schemeClr val="tx1"/>
+              </a:solidFill>
+              <a:effectLst/>
+              <a:latin typeface="+mn-lt"/>
+              <a:ea typeface="+mn-ea"/>
+              <a:cs typeface="+mn-cs"/>
+            </a:endParaRPr>
+          </a:p>
+          <a:p>
+            <a:r>
+              <a:rPr lang="en-US" altLang="zh-CN" sz="1200" b="0" i="0" kern="1200" dirty="0" smtClean="0">
+                <a:solidFill>
+                  <a:schemeClr val="tx1"/>
+                </a:solidFill>
+                <a:effectLst/>
+                <a:latin typeface="+mn-lt"/>
+                <a:ea typeface="+mn-ea"/>
+                <a:cs typeface="+mn-cs"/>
+              </a:rPr>
+              <a:t>In order to provide reliable configuration and strong encapsulation in a way that is both approachable to developers and supportable by existing tool chains we treat modules as a fundamental new kind of Java program component. A </a:t>
+            </a:r>
+            <a:r>
+              <a:rPr lang="en-US" altLang="zh-CN" sz="1200" b="0" i="1" kern="1200" dirty="0" smtClean="0">
+                <a:solidFill>
+                  <a:schemeClr val="tx1"/>
+                </a:solidFill>
+                <a:effectLst/>
+                <a:latin typeface="+mn-lt"/>
+                <a:ea typeface="+mn-ea"/>
+                <a:cs typeface="+mn-cs"/>
+              </a:rPr>
+              <a:t>module</a:t>
+            </a:r>
+            <a:r>
+              <a:rPr lang="en-US" altLang="zh-CN" sz="1200" b="0" i="0" kern="1200" dirty="0" smtClean="0">
+                <a:solidFill>
+                  <a:schemeClr val="tx1"/>
+                </a:solidFill>
+                <a:effectLst/>
+                <a:latin typeface="+mn-lt"/>
+                <a:ea typeface="+mn-ea"/>
+                <a:cs typeface="+mn-cs"/>
+              </a:rPr>
+              <a:t> is a named, self-describing collection of code and data. Its code is organized as a set of packages containing types, </a:t>
+            </a:r>
+            <a:r>
+              <a:rPr lang="en-US" altLang="zh-CN" sz="1200" b="0" i="1" kern="1200" dirty="0" smtClean="0">
+                <a:solidFill>
+                  <a:schemeClr val="tx1"/>
+                </a:solidFill>
+                <a:effectLst/>
+                <a:latin typeface="+mn-lt"/>
+                <a:ea typeface="+mn-ea"/>
+                <a:cs typeface="+mn-cs"/>
+              </a:rPr>
+              <a:t>i.e.</a:t>
+            </a:r>
+            <a:r>
+              <a:rPr lang="en-US" altLang="zh-CN" sz="1200" b="0" i="0" kern="1200" dirty="0" smtClean="0">
+                <a:solidFill>
+                  <a:schemeClr val="tx1"/>
+                </a:solidFill>
+                <a:effectLst/>
+                <a:latin typeface="+mn-lt"/>
+                <a:ea typeface="+mn-ea"/>
+                <a:cs typeface="+mn-cs"/>
+              </a:rPr>
+              <a:t>, Java classes and interfaces; its data includes resources and other kinds of static information.</a:t>
+            </a:r>
             <a:endParaRPr lang="zh-CN" altLang="en-US" dirty="0"/>
           </a:p>
         </p:txBody>
@@ -3974,7 +4213,7 @@
           <a:p>
             <a:fld id="{A6837353-30EB-4A48-80EB-173D804AEFBD}" type="slidenum">
               <a:rPr lang="zh-CN" altLang="en-US" smtClean="0"/>
-              <a:t>17</a:t>
+              <a:t>13</a:t>
             </a:fld>
             <a:endParaRPr lang="zh-CN" altLang="en-US"/>
           </a:p>
@@ -3983,7 +4222,68 @@
     </p:spTree>
     <p:extLst>
       <p:ext uri="{BB962C8B-B14F-4D97-AF65-F5344CB8AC3E}">
-        <p14:creationId xmlns:p14="http://schemas.microsoft.com/office/powerpoint/2010/main" val="2846966172"/>
+        <p14:creationId xmlns:p14="http://schemas.microsoft.com/office/powerpoint/2010/main" val="317019118"/>
+      </p:ext>
+    </p:extLst>
+  </p:cSld>
+  <p:clrMapOvr>
+    <a:masterClrMapping/>
+  </p:clrMapOvr>
+</p:notes>
+</file>
+
+<file path=ppt/notesSlides/notesSlide9.xml><?xml version="1.0" encoding="utf-8"?>
+<p:notes xmlns:a="http://schemas.openxmlformats.org/drawingml/2006/main" xmlns:r="http://schemas.openxmlformats.org/officeDocument/2006/relationships" xmlns:p="http://schemas.openxmlformats.org/presentationml/2006/main">
+  <p:cSld>
+    <p:spTree>
+      <p:nvGrpSpPr>
+        <p:cNvPr id="1" name=""/>
+        <p:cNvGrpSpPr/>
+        <p:nvPr/>
+      </p:nvGrpSpPr>
+      <p:grpSpPr>
+        <a:xfrm>
+          <a:off x="0" y="0"/>
+          <a:ext cx="0" cy="0"/>
+          <a:chOff x="0" y="0"/>
+          <a:chExt cx="0" cy="0"/>
+        </a:xfrm>
+      </p:grpSpPr>
+      <p:sp>
+        <p:nvSpPr>
+          <p:cNvPr id="2" name="幻灯片图像占位符 1"/>
+          <p:cNvSpPr>
+            <a:spLocks noGrp="1" noRot="1" noChangeAspect="1"/>
+          </p:cNvSpPr>
+          <p:nvPr>
+            <p:ph type="sldImg" idx="2"/>
+          </p:nvPr>
+        </p:nvSpPr>
+        <p:spPr/>
+      </p:sp>
+      <p:sp>
+        <p:nvSpPr>
+          <p:cNvPr id="3" name="文本占位符 2"/>
+          <p:cNvSpPr>
+            <a:spLocks noGrp="1"/>
+          </p:cNvSpPr>
+          <p:nvPr>
+            <p:ph type="body" idx="3"/>
+          </p:nvPr>
+        </p:nvSpPr>
+        <p:spPr/>
+        <p:txBody>
+          <a:bodyPr/>
+          <a:lstStyle/>
+          <a:p>
+            <a:endParaRPr lang="zh-CN" altLang="en-US"/>
+          </a:p>
+        </p:txBody>
+      </p:sp>
+    </p:spTree>
+    <p:extLst>
+      <p:ext uri="{BB962C8B-B14F-4D97-AF65-F5344CB8AC3E}">
+        <p14:creationId xmlns:p14="http://schemas.microsoft.com/office/powerpoint/2010/main" val="2047412097"/>
       </p:ext>
     </p:extLst>
   </p:cSld>
@@ -4238,7 +4538,7 @@
           <a:p>
             <a:fld id="{760FBDFE-C587-4B4C-A407-44438C67B59E}" type="datetimeFigureOut">
               <a:rPr lang="zh-CN" altLang="en-US" smtClean="0"/>
-              <a:t>2018/10/18</a:t>
+              <a:t>2018/12/11</a:t>
             </a:fld>
             <a:endParaRPr lang="zh-CN" altLang="en-US"/>
           </a:p>
@@ -4588,7 +4888,7 @@
           <a:p>
             <a:fld id="{760FBDFE-C587-4B4C-A407-44438C67B59E}" type="datetimeFigureOut">
               <a:rPr lang="zh-CN" altLang="en-US" smtClean="0"/>
-              <a:t>2018/10/18</a:t>
+              <a:t>2018/12/11</a:t>
             </a:fld>
             <a:endParaRPr lang="zh-CN" altLang="en-US"/>
           </a:p>
@@ -4829,7 +5129,7 @@
           <a:p>
             <a:fld id="{760FBDFE-C587-4B4C-A407-44438C67B59E}" type="datetimeFigureOut">
               <a:rPr lang="zh-CN" altLang="en-US" smtClean="0"/>
-              <a:t>2018/10/18</a:t>
+              <a:t>2018/12/11</a:t>
             </a:fld>
             <a:endParaRPr lang="zh-CN" altLang="en-US"/>
           </a:p>
@@ -5039,7 +5339,7 @@
           <a:p>
             <a:fld id="{760FBDFE-C587-4B4C-A407-44438C67B59E}" type="datetimeFigureOut">
               <a:rPr lang="zh-CN" altLang="en-US" smtClean="0"/>
-              <a:t>2018/10/18</a:t>
+              <a:t>2018/12/11</a:t>
             </a:fld>
             <a:endParaRPr lang="zh-CN" altLang="en-US"/>
           </a:p>
@@ -6262,7 +6562,7 @@
           <a:p>
             <a:fld id="{760FBDFE-C587-4B4C-A407-44438C67B59E}" type="datetimeFigureOut">
               <a:rPr lang="zh-CN" altLang="en-US" smtClean="0"/>
-              <a:t>2018/10/18</a:t>
+              <a:t>2018/12/11</a:t>
             </a:fld>
             <a:endParaRPr lang="zh-CN" altLang="en-US"/>
           </a:p>
@@ -6557,7 +6857,7 @@
           <a:p>
             <a:fld id="{760FBDFE-C587-4B4C-A407-44438C67B59E}" type="datetimeFigureOut">
               <a:rPr lang="zh-CN" altLang="en-US" smtClean="0"/>
-              <a:t>2018/10/18</a:t>
+              <a:t>2018/12/11</a:t>
             </a:fld>
             <a:endParaRPr lang="zh-CN" altLang="en-US"/>
           </a:p>
@@ -6922,7 +7222,7 @@
           <a:p>
             <a:fld id="{760FBDFE-C587-4B4C-A407-44438C67B59E}" type="datetimeFigureOut">
               <a:rPr lang="zh-CN" altLang="en-US" smtClean="0"/>
-              <a:t>2018/10/18</a:t>
+              <a:t>2018/12/11</a:t>
             </a:fld>
             <a:endParaRPr lang="zh-CN" altLang="en-US"/>
           </a:p>
@@ -7040,7 +7340,7 @@
           <a:p>
             <a:fld id="{760FBDFE-C587-4B4C-A407-44438C67B59E}" type="datetimeFigureOut">
               <a:rPr lang="zh-CN" altLang="en-US" smtClean="0"/>
-              <a:t>2018/10/18</a:t>
+              <a:t>2018/12/11</a:t>
             </a:fld>
             <a:endParaRPr lang="zh-CN" altLang="en-US"/>
           </a:p>
@@ -7130,7 +7430,7 @@
           <a:p>
             <a:fld id="{760FBDFE-C587-4B4C-A407-44438C67B59E}" type="datetimeFigureOut">
               <a:rPr lang="zh-CN" altLang="en-US" smtClean="0"/>
-              <a:t>2018/10/18</a:t>
+              <a:t>2018/12/11</a:t>
             </a:fld>
             <a:endParaRPr lang="zh-CN" altLang="en-US"/>
           </a:p>
@@ -7390,7 +7690,7 @@
           <a:p>
             <a:fld id="{9EFD9D74-47D9-4702-A33C-335B63B48DBF}" type="datetimeFigureOut">
               <a:rPr lang="zh-CN" altLang="en-US" smtClean="0"/>
-              <a:t>2018/10/18</a:t>
+              <a:t>2018/12/11</a:t>
             </a:fld>
             <a:endParaRPr lang="zh-CN" altLang="en-US" dirty="0"/>
           </a:p>
@@ -7569,7 +7869,7 @@
           <a:p>
             <a:fld id="{760FBDFE-C587-4B4C-A407-44438C67B59E}" type="datetimeFigureOut">
               <a:rPr lang="zh-CN" altLang="en-US" smtClean="0"/>
-              <a:t>2018/10/18</a:t>
+              <a:t>2018/12/11</a:t>
             </a:fld>
             <a:endParaRPr lang="zh-CN" altLang="en-US"/>
           </a:p>
@@ -7786,7 +8086,7 @@
           <a:p>
             <a:fld id="{760FBDFE-C587-4B4C-A407-44438C67B59E}" type="datetimeFigureOut">
               <a:rPr lang="zh-CN" altLang="en-US" smtClean="0"/>
-              <a:t>2018/10/18</a:t>
+              <a:t>2018/12/11</a:t>
             </a:fld>
             <a:endParaRPr lang="zh-CN" altLang="en-US"/>
           </a:p>
@@ -8302,6 +8602,13 @@
   <p:clrMapOvr>
     <a:masterClrMapping/>
   </p:clrMapOvr>
+  <p:timing>
+    <p:tnLst>
+      <p:par>
+        <p:cTn id="1" dur="indefinite" restart="never" nodeType="tmRoot"/>
+      </p:par>
+    </p:tnLst>
+  </p:timing>
 </p:sld>
 </file>
 
@@ -8339,6 +8646,376 @@
           <a:p>
             <a:r>
               <a:rPr lang="en-US" altLang="zh-CN" dirty="0" smtClean="0"/>
+              <a:t>Java 10 </a:t>
+            </a:r>
+            <a:r>
+              <a:rPr lang="zh-CN" altLang="en-US" dirty="0" smtClean="0"/>
+              <a:t>语言新功能</a:t>
+            </a:r>
+            <a:endParaRPr lang="zh-CN" altLang="en-US" dirty="0"/>
+          </a:p>
+        </p:txBody>
+      </p:sp>
+      <p:sp>
+        <p:nvSpPr>
+          <p:cNvPr id="3" name="内容占位符 2"/>
+          <p:cNvSpPr>
+            <a:spLocks noGrp="1"/>
+          </p:cNvSpPr>
+          <p:nvPr>
+            <p:ph idx="1"/>
+          </p:nvPr>
+        </p:nvSpPr>
+        <p:spPr/>
+        <p:txBody>
+          <a:bodyPr/>
+          <a:lstStyle/>
+          <a:p>
+            <a:r>
+              <a:rPr lang="en-US" altLang="zh-CN" dirty="0" smtClean="0"/>
+              <a:t>1. </a:t>
+            </a:r>
+            <a:r>
+              <a:rPr lang="zh-CN" altLang="en-US" dirty="0" smtClean="0"/>
+              <a:t>本地变量推断</a:t>
+            </a:r>
+            <a:endParaRPr lang="en-US" altLang="zh-CN" dirty="0" smtClean="0"/>
+          </a:p>
+          <a:p>
+            <a:r>
+              <a:rPr lang="zh-CN" altLang="en-US" dirty="0" smtClean="0"/>
+              <a:t>不适用</a:t>
+            </a:r>
+            <a:r>
+              <a:rPr lang="en-US" altLang="zh-CN" dirty="0" smtClean="0"/>
+              <a:t>--</a:t>
+            </a:r>
+          </a:p>
+          <a:p>
+            <a:pPr lvl="1"/>
+            <a:r>
+              <a:rPr lang="zh-CN" altLang="en-US" dirty="0"/>
+              <a:t>方法的参数</a:t>
+            </a:r>
+          </a:p>
+          <a:p>
+            <a:pPr lvl="1"/>
+            <a:r>
+              <a:rPr lang="zh-CN" altLang="en-US" dirty="0"/>
+              <a:t>构造函数的参数</a:t>
+            </a:r>
+          </a:p>
+          <a:p>
+            <a:pPr lvl="1"/>
+            <a:r>
+              <a:rPr lang="zh-CN" altLang="en-US" dirty="0"/>
+              <a:t>方法的返回值类型</a:t>
+            </a:r>
+          </a:p>
+          <a:p>
+            <a:pPr lvl="1"/>
+            <a:r>
+              <a:rPr lang="zh-CN" altLang="en-US" dirty="0"/>
+              <a:t>对象的成员变量</a:t>
+            </a:r>
+          </a:p>
+          <a:p>
+            <a:pPr lvl="1"/>
+            <a:r>
+              <a:rPr lang="zh-CN" altLang="en-US" dirty="0"/>
+              <a:t>只是定义定义而不初始化</a:t>
+            </a:r>
+          </a:p>
+          <a:p>
+            <a:endParaRPr lang="zh-CN" altLang="en-US" dirty="0"/>
+          </a:p>
+        </p:txBody>
+      </p:sp>
+    </p:spTree>
+    <p:extLst>
+      <p:ext uri="{BB962C8B-B14F-4D97-AF65-F5344CB8AC3E}">
+        <p14:creationId xmlns:p14="http://schemas.microsoft.com/office/powerpoint/2010/main" val="474972903"/>
+      </p:ext>
+    </p:extLst>
+  </p:cSld>
+  <p:clrMapOvr>
+    <a:masterClrMapping/>
+  </p:clrMapOvr>
+</p:sld>
+</file>
+
+<file path=ppt/slides/slide11.xml><?xml version="1.0" encoding="utf-8"?>
+<p:sld xmlns:a="http://schemas.openxmlformats.org/drawingml/2006/main" xmlns:r="http://schemas.openxmlformats.org/officeDocument/2006/relationships" xmlns:p="http://schemas.openxmlformats.org/presentationml/2006/main">
+  <p:cSld>
+    <p:spTree>
+      <p:nvGrpSpPr>
+        <p:cNvPr id="1" name=""/>
+        <p:cNvGrpSpPr/>
+        <p:nvPr/>
+      </p:nvGrpSpPr>
+      <p:grpSpPr>
+        <a:xfrm>
+          <a:off x="0" y="0"/>
+          <a:ext cx="0" cy="0"/>
+          <a:chOff x="0" y="0"/>
+          <a:chExt cx="0" cy="0"/>
+        </a:xfrm>
+      </p:grpSpPr>
+      <p:sp>
+        <p:nvSpPr>
+          <p:cNvPr id="2" name="标题 1"/>
+          <p:cNvSpPr>
+            <a:spLocks noGrp="1"/>
+          </p:cNvSpPr>
+          <p:nvPr>
+            <p:ph type="title"/>
+          </p:nvPr>
+        </p:nvSpPr>
+        <p:spPr/>
+        <p:txBody>
+          <a:bodyPr/>
+          <a:lstStyle/>
+          <a:p>
+            <a:r>
+              <a:rPr lang="en-US" altLang="zh-CN" dirty="0" smtClean="0"/>
+              <a:t>JDK9 Java Security</a:t>
+            </a:r>
+            <a:r>
+              <a:rPr lang="zh-CN" altLang="en-US" dirty="0" smtClean="0"/>
+              <a:t>新功能</a:t>
+            </a:r>
+            <a:endParaRPr lang="zh-CN" altLang="en-US" dirty="0"/>
+          </a:p>
+        </p:txBody>
+      </p:sp>
+      <p:sp>
+        <p:nvSpPr>
+          <p:cNvPr id="3" name="内容占位符 2"/>
+          <p:cNvSpPr>
+            <a:spLocks noGrp="1"/>
+          </p:cNvSpPr>
+          <p:nvPr>
+            <p:ph idx="1"/>
+          </p:nvPr>
+        </p:nvSpPr>
+        <p:spPr/>
+        <p:txBody>
+          <a:bodyPr/>
+          <a:lstStyle/>
+          <a:p>
+            <a:r>
+              <a:rPr lang="en-US" altLang="zh-CN" dirty="0" smtClean="0"/>
+              <a:t>JSSE </a:t>
+            </a:r>
+            <a:r>
+              <a:rPr lang="zh-CN" altLang="en-US" dirty="0" smtClean="0"/>
+              <a:t>及 </a:t>
+            </a:r>
+            <a:r>
+              <a:rPr lang="en-US" altLang="zh-CN" dirty="0" err="1" smtClean="0"/>
+              <a:t>SunJSSE</a:t>
+            </a:r>
+            <a:r>
+              <a:rPr lang="en-US" altLang="zh-CN" dirty="0" smtClean="0"/>
+              <a:t> provider</a:t>
+            </a:r>
+            <a:r>
+              <a:rPr lang="zh-CN" altLang="en-US" dirty="0" smtClean="0"/>
+              <a:t>支持</a:t>
+            </a:r>
+            <a:r>
+              <a:rPr lang="en-US" altLang="zh-CN" dirty="0" smtClean="0"/>
+              <a:t>TLS 1.0 &amp; 1.2</a:t>
+            </a:r>
+          </a:p>
+          <a:p>
+            <a:r>
+              <a:rPr lang="en-US" altLang="zh-CN" dirty="0">
+                <a:hlinkClick r:id="rId3"/>
+              </a:rPr>
+              <a:t>TLS Application-Layer Protocol Negotiation </a:t>
+            </a:r>
+            <a:r>
+              <a:rPr lang="en-US" altLang="zh-CN" dirty="0" smtClean="0">
+                <a:hlinkClick r:id="rId3"/>
+              </a:rPr>
+              <a:t>Extension</a:t>
+            </a:r>
+            <a:endParaRPr lang="en-US" altLang="zh-CN" dirty="0" smtClean="0"/>
+          </a:p>
+          <a:p>
+            <a:r>
+              <a:rPr lang="en-US" altLang="zh-CN" dirty="0">
+                <a:hlinkClick r:id="rId4"/>
+              </a:rPr>
+              <a:t>OCSP Stapling for </a:t>
+            </a:r>
+            <a:r>
+              <a:rPr lang="en-US" altLang="zh-CN" dirty="0" smtClean="0">
+                <a:hlinkClick r:id="rId4"/>
+              </a:rPr>
+              <a:t>TLS</a:t>
+            </a:r>
+            <a:endParaRPr lang="en-US" altLang="zh-CN" dirty="0" smtClean="0"/>
+          </a:p>
+          <a:p>
+            <a:r>
+              <a:rPr lang="zh-CN" altLang="en-US" dirty="0"/>
+              <a:t>优化</a:t>
+            </a:r>
+            <a:r>
+              <a:rPr lang="en-US" altLang="zh-CN" dirty="0"/>
+              <a:t>GHASH</a:t>
+            </a:r>
+            <a:r>
+              <a:rPr lang="zh-CN" altLang="en-US" dirty="0"/>
+              <a:t>和</a:t>
+            </a:r>
+            <a:r>
+              <a:rPr lang="en-US" altLang="zh-CN" dirty="0"/>
+              <a:t>RSA</a:t>
+            </a:r>
+            <a:r>
+              <a:rPr lang="zh-CN" altLang="en-US" dirty="0"/>
+              <a:t>的</a:t>
+            </a:r>
+            <a:r>
+              <a:rPr lang="en-US" altLang="zh-CN" dirty="0"/>
+              <a:t>CPU</a:t>
+            </a:r>
+            <a:r>
+              <a:rPr lang="zh-CN" altLang="en-US" dirty="0" smtClean="0"/>
+              <a:t>指令</a:t>
+            </a:r>
+            <a:endParaRPr lang="en-US" altLang="zh-CN" dirty="0" smtClean="0"/>
+          </a:p>
+          <a:p>
+            <a:r>
+              <a:rPr lang="zh-CN" altLang="en-US" dirty="0"/>
+              <a:t>提供</a:t>
+            </a:r>
+            <a:r>
+              <a:rPr lang="sv-SE" altLang="zh-CN" dirty="0"/>
+              <a:t>Deterministic Random Bit Generator (DRBG)</a:t>
+            </a:r>
+            <a:r>
+              <a:rPr lang="zh-CN" altLang="en-US" dirty="0"/>
+              <a:t>的</a:t>
+            </a:r>
+            <a:r>
+              <a:rPr lang="en-US" altLang="zh-CN" dirty="0" err="1"/>
+              <a:t>SecureRandom</a:t>
+            </a:r>
+            <a:r>
+              <a:rPr lang="zh-CN" altLang="en-US" dirty="0" smtClean="0"/>
+              <a:t>实现</a:t>
+            </a:r>
+            <a:endParaRPr lang="en-US" altLang="zh-CN" dirty="0" smtClean="0"/>
+          </a:p>
+          <a:p>
+            <a:r>
+              <a:rPr lang="zh-CN" altLang="en-US" dirty="0" smtClean="0"/>
+              <a:t>默认</a:t>
+            </a:r>
+            <a:r>
+              <a:rPr lang="en-US" altLang="zh-CN" dirty="0" err="1" smtClean="0"/>
+              <a:t>keystore</a:t>
+            </a:r>
+            <a:r>
+              <a:rPr lang="en-US" altLang="zh-CN" dirty="0" smtClean="0"/>
+              <a:t> </a:t>
+            </a:r>
+            <a:r>
+              <a:rPr lang="zh-CN" altLang="en-US" dirty="0" smtClean="0"/>
+              <a:t>类型从原来的</a:t>
+            </a:r>
+            <a:r>
+              <a:rPr lang="en-US" altLang="zh-CN" dirty="0" smtClean="0"/>
+              <a:t>JKS </a:t>
+            </a:r>
+            <a:r>
+              <a:rPr lang="zh-CN" altLang="en-US" dirty="0" smtClean="0"/>
+              <a:t>修改为</a:t>
+            </a:r>
+            <a:r>
+              <a:rPr lang="en-US" altLang="zh-CN" dirty="0" smtClean="0"/>
+              <a:t> PKCS#12</a:t>
+            </a:r>
+          </a:p>
+          <a:p>
+            <a:r>
+              <a:rPr lang="zh-CN" altLang="en-US" dirty="0" smtClean="0"/>
+              <a:t>废弃</a:t>
+            </a:r>
+            <a:r>
+              <a:rPr lang="en-US" altLang="zh-CN" dirty="0" smtClean="0"/>
+              <a:t>SHA-1</a:t>
+            </a:r>
+            <a:r>
+              <a:rPr lang="zh-CN" altLang="en-US" dirty="0" smtClean="0"/>
+              <a:t>证书签名</a:t>
+            </a:r>
+            <a:endParaRPr lang="en-US" altLang="zh-CN" dirty="0" smtClean="0"/>
+          </a:p>
+          <a:p>
+            <a:r>
+              <a:rPr lang="zh-CN" altLang="en-US" dirty="0" smtClean="0"/>
+              <a:t>支持</a:t>
+            </a:r>
+            <a:r>
+              <a:rPr lang="en-US" altLang="zh-CN" dirty="0" smtClean="0"/>
+              <a:t>SHA-3</a:t>
+            </a:r>
+          </a:p>
+        </p:txBody>
+      </p:sp>
+    </p:spTree>
+    <p:extLst>
+      <p:ext uri="{BB962C8B-B14F-4D97-AF65-F5344CB8AC3E}">
+        <p14:creationId xmlns:p14="http://schemas.microsoft.com/office/powerpoint/2010/main" val="1013853533"/>
+      </p:ext>
+    </p:extLst>
+  </p:cSld>
+  <p:clrMapOvr>
+    <a:masterClrMapping/>
+  </p:clrMapOvr>
+</p:sld>
+</file>
+
+<file path=ppt/slides/slide12.xml><?xml version="1.0" encoding="utf-8"?>
+<p:sld xmlns:a="http://schemas.openxmlformats.org/drawingml/2006/main" xmlns:r="http://schemas.openxmlformats.org/officeDocument/2006/relationships" xmlns:p="http://schemas.openxmlformats.org/presentationml/2006/main">
+  <p:cSld>
+    <p:spTree>
+      <p:nvGrpSpPr>
+        <p:cNvPr id="1" name=""/>
+        <p:cNvGrpSpPr/>
+        <p:nvPr/>
+      </p:nvGrpSpPr>
+      <p:grpSpPr>
+        <a:xfrm>
+          <a:off x="0" y="0"/>
+          <a:ext cx="0" cy="0"/>
+          <a:chOff x="0" y="0"/>
+          <a:chExt cx="0" cy="0"/>
+        </a:xfrm>
+      </p:grpSpPr>
+      <p:sp>
+        <p:nvSpPr>
+          <p:cNvPr id="2" name="标题 1"/>
+          <p:cNvSpPr>
+            <a:spLocks noGrp="1"/>
+          </p:cNvSpPr>
+          <p:nvPr>
+            <p:ph type="title"/>
+          </p:nvPr>
+        </p:nvSpPr>
+        <p:spPr/>
+        <p:txBody>
+          <a:bodyPr/>
+          <a:lstStyle/>
+          <a:p>
+            <a:r>
+              <a:rPr lang="en-US" altLang="zh-CN" dirty="0" smtClean="0"/>
               <a:t>Package-info.java</a:t>
             </a:r>
             <a:endParaRPr lang="zh-CN" altLang="en-US" dirty="0"/>
@@ -8508,7 +9185,7 @@
 </p:sld>
 </file>
 
-<file path=ppt/slides/slide11.xml><?xml version="1.0" encoding="utf-8"?>
+<file path=ppt/slides/slide13.xml><?xml version="1.0" encoding="utf-8"?>
 <p:sld xmlns:a="http://schemas.openxmlformats.org/drawingml/2006/main" xmlns:r="http://schemas.openxmlformats.org/officeDocument/2006/relationships" xmlns:p="http://schemas.openxmlformats.org/presentationml/2006/main">
   <p:cSld>
     <p:spTree>
@@ -8639,7 +9316,7 @@
 </p:sld>
 </file>
 
-<file path=ppt/slides/slide12.xml><?xml version="1.0" encoding="utf-8"?>
+<file path=ppt/slides/slide14.xml><?xml version="1.0" encoding="utf-8"?>
 <p:sld xmlns:a="http://schemas.openxmlformats.org/drawingml/2006/main" xmlns:r="http://schemas.openxmlformats.org/officeDocument/2006/relationships" xmlns:p="http://schemas.openxmlformats.org/presentationml/2006/main">
   <p:cSld>
     <p:spTree>
@@ -8731,7 +9408,7 @@
 </p:sld>
 </file>
 
-<file path=ppt/slides/slide13.xml><?xml version="1.0" encoding="utf-8"?>
+<file path=ppt/slides/slide15.xml><?xml version="1.0" encoding="utf-8"?>
 <p:sld xmlns:a="http://schemas.openxmlformats.org/drawingml/2006/main" xmlns:r="http://schemas.openxmlformats.org/officeDocument/2006/relationships" xmlns:p="http://schemas.openxmlformats.org/presentationml/2006/main">
   <p:cSld>
     <p:spTree>
@@ -8813,258 +9490,6 @@
 </p:sld>
 </file>
 
-<file path=ppt/slides/slide14.xml><?xml version="1.0" encoding="utf-8"?>
-<p:sld xmlns:a="http://schemas.openxmlformats.org/drawingml/2006/main" xmlns:r="http://schemas.openxmlformats.org/officeDocument/2006/relationships" xmlns:p="http://schemas.openxmlformats.org/presentationml/2006/main">
-  <p:cSld>
-    <p:spTree>
-      <p:nvGrpSpPr>
-        <p:cNvPr id="1" name=""/>
-        <p:cNvGrpSpPr/>
-        <p:nvPr/>
-      </p:nvGrpSpPr>
-      <p:grpSpPr>
-        <a:xfrm>
-          <a:off x="0" y="0"/>
-          <a:ext cx="0" cy="0"/>
-          <a:chOff x="0" y="0"/>
-          <a:chExt cx="0" cy="0"/>
-        </a:xfrm>
-      </p:grpSpPr>
-      <p:sp>
-        <p:nvSpPr>
-          <p:cNvPr id="2" name="标题 1"/>
-          <p:cNvSpPr>
-            <a:spLocks noGrp="1"/>
-          </p:cNvSpPr>
-          <p:nvPr>
-            <p:ph type="title"/>
-          </p:nvPr>
-        </p:nvSpPr>
-        <p:spPr/>
-        <p:txBody>
-          <a:bodyPr/>
-          <a:lstStyle/>
-          <a:p>
-            <a:r>
-              <a:rPr lang="zh-CN" altLang="en-US"/>
-              <a:t>模块声明文件</a:t>
-            </a:r>
-          </a:p>
-        </p:txBody>
-      </p:sp>
-      <p:sp>
-        <p:nvSpPr>
-          <p:cNvPr id="3" name="内容占位符 2"/>
-          <p:cNvSpPr>
-            <a:spLocks noGrp="1"/>
-          </p:cNvSpPr>
-          <p:nvPr>
-            <p:ph idx="1"/>
-          </p:nvPr>
-        </p:nvSpPr>
-        <p:spPr/>
-        <p:txBody>
-          <a:bodyPr/>
-          <a:lstStyle/>
-          <a:p>
-            <a:r>
-              <a:rPr lang="zh-CN" altLang="en-US"/>
-              <a:t>模块声明文件是一个模块的声明信息</a:t>
-            </a:r>
-          </a:p>
-          <a:p>
-            <a:r>
-              <a:rPr lang="en-US" altLang="zh-CN"/>
-              <a:t>module-info.java </a:t>
-            </a:r>
-          </a:p>
-          <a:p>
-            <a:r>
-              <a:rPr lang="zh-CN" altLang="en-US"/>
-              <a:t>位置在模块根上，编成为</a:t>
-            </a:r>
-            <a:r>
-              <a:rPr lang="en-US" altLang="zh-CN"/>
-              <a:t>module-java.class</a:t>
-            </a:r>
-          </a:p>
-          <a:p>
-            <a:r>
-              <a:rPr lang="zh-CN" altLang="en-US"/>
-              <a:t>新的</a:t>
-            </a:r>
-            <a:r>
-              <a:rPr lang="en-US" altLang="zh-CN"/>
-              <a:t>keyword: module</a:t>
-            </a:r>
-            <a:r>
-              <a:rPr lang="zh-CN" altLang="en-US"/>
-              <a:t>声明一个模块</a:t>
-            </a:r>
-          </a:p>
-          <a:p>
-            <a:r>
-              <a:rPr lang="zh-CN" altLang="en-US"/>
-              <a:t>模块名称的规则：与</a:t>
-            </a:r>
-            <a:r>
-              <a:rPr lang="en-US" altLang="zh-CN"/>
-              <a:t>java</a:t>
-            </a:r>
-            <a:r>
-              <a:rPr lang="zh-CN" altLang="en-US"/>
-              <a:t>包的命名规则相似</a:t>
-            </a:r>
-            <a:endParaRPr lang="en-US" altLang="zh-CN"/>
-          </a:p>
-          <a:p>
-            <a:endParaRPr lang="en-US" altLang="zh-CN"/>
-          </a:p>
-        </p:txBody>
-      </p:sp>
-    </p:spTree>
-    <p:custDataLst>
-      <p:tags r:id="rId1"/>
-    </p:custDataLst>
-  </p:cSld>
-  <p:clrMapOvr>
-    <a:masterClrMapping/>
-  </p:clrMapOvr>
-</p:sld>
-</file>
-
-<file path=ppt/slides/slide15.xml><?xml version="1.0" encoding="utf-8"?>
-<p:sld xmlns:a="http://schemas.openxmlformats.org/drawingml/2006/main" xmlns:r="http://schemas.openxmlformats.org/officeDocument/2006/relationships" xmlns:p="http://schemas.openxmlformats.org/presentationml/2006/main">
-  <p:cSld>
-    <p:spTree>
-      <p:nvGrpSpPr>
-        <p:cNvPr id="1" name=""/>
-        <p:cNvGrpSpPr/>
-        <p:nvPr/>
-      </p:nvGrpSpPr>
-      <p:grpSpPr>
-        <a:xfrm>
-          <a:off x="0" y="0"/>
-          <a:ext cx="0" cy="0"/>
-          <a:chOff x="0" y="0"/>
-          <a:chExt cx="0" cy="0"/>
-        </a:xfrm>
-      </p:grpSpPr>
-      <p:sp>
-        <p:nvSpPr>
-          <p:cNvPr id="2" name="标题 1"/>
-          <p:cNvSpPr>
-            <a:spLocks noGrp="1"/>
-          </p:cNvSpPr>
-          <p:nvPr>
-            <p:ph type="title"/>
-          </p:nvPr>
-        </p:nvSpPr>
-        <p:spPr/>
-        <p:txBody>
-          <a:bodyPr/>
-          <a:lstStyle/>
-          <a:p>
-            <a:r>
-              <a:rPr lang="zh-CN" altLang="en-US"/>
-              <a:t>模块化系统的好处（</a:t>
-            </a:r>
-            <a:r>
-              <a:rPr lang="zh-CN" altLang="en-US">
-                <a:solidFill>
-                  <a:srgbClr val="FF0000"/>
-                </a:solidFill>
-              </a:rPr>
-              <a:t>待重新理解</a:t>
-            </a:r>
-            <a:r>
-              <a:rPr lang="zh-CN" altLang="en-US"/>
-              <a:t>）</a:t>
-            </a:r>
-          </a:p>
-        </p:txBody>
-      </p:sp>
-      <p:sp>
-        <p:nvSpPr>
-          <p:cNvPr id="3" name="内容占位符 2"/>
-          <p:cNvSpPr>
-            <a:spLocks noGrp="1"/>
-          </p:cNvSpPr>
-          <p:nvPr>
-            <p:ph idx="1"/>
-          </p:nvPr>
-        </p:nvSpPr>
-        <p:spPr/>
-        <p:txBody>
-          <a:bodyPr/>
-          <a:lstStyle/>
-          <a:p>
-            <a:r>
-              <a:rPr lang="en-US" altLang="zh-CN" dirty="0"/>
-              <a:t>1 </a:t>
-            </a:r>
-            <a:r>
-              <a:rPr lang="zh-CN" altLang="en-US" dirty="0"/>
-              <a:t>可定制</a:t>
-            </a:r>
-            <a:r>
-              <a:rPr lang="en-US" altLang="zh-CN" dirty="0"/>
-              <a:t>JRE</a:t>
-            </a:r>
-            <a:r>
-              <a:rPr lang="zh-CN" altLang="en-US" dirty="0"/>
-              <a:t>： 更小的运行时镜像</a:t>
-            </a:r>
-          </a:p>
-          <a:p>
-            <a:r>
-              <a:rPr lang="en-US" altLang="zh-CN" dirty="0"/>
-              <a:t>2 </a:t>
-            </a:r>
-            <a:r>
-              <a:rPr lang="zh-CN" altLang="en-US" dirty="0"/>
-              <a:t>更确定的模块依赖关系，避免</a:t>
-            </a:r>
-            <a:r>
-              <a:rPr lang="en-US" altLang="zh-CN" dirty="0"/>
-              <a:t>JAR HELL</a:t>
-            </a:r>
-            <a:r>
-              <a:rPr lang="zh-CN" altLang="en-US" dirty="0"/>
-              <a:t>问题</a:t>
-            </a:r>
-          </a:p>
-          <a:p>
-            <a:r>
-              <a:rPr lang="en-US" altLang="zh-CN" dirty="0"/>
-              <a:t>3 </a:t>
-            </a:r>
-            <a:r>
-              <a:rPr lang="zh-CN" altLang="en-US" dirty="0"/>
-              <a:t>与</a:t>
-            </a:r>
-            <a:r>
-              <a:rPr lang="en-US" altLang="zh-CN" dirty="0" err="1"/>
-              <a:t>OSGi</a:t>
-            </a:r>
-            <a:r>
-              <a:rPr lang="zh-CN" altLang="en-US" dirty="0"/>
-              <a:t>的比较</a:t>
-            </a:r>
-          </a:p>
-        </p:txBody>
-      </p:sp>
-    </p:spTree>
-    <p:custDataLst>
-      <p:tags r:id="rId1"/>
-    </p:custDataLst>
-  </p:cSld>
-  <p:clrMapOvr>
-    <a:masterClrMapping/>
-  </p:clrMapOvr>
-</p:sld>
-</file>
-
 <file path=ppt/slides/slide16.xml><?xml version="1.0" encoding="utf-8"?>
 <p:sld xmlns:a="http://schemas.openxmlformats.org/drawingml/2006/main" xmlns:r="http://schemas.openxmlformats.org/officeDocument/2006/relationships" xmlns:p="http://schemas.openxmlformats.org/presentationml/2006/main">
   <p:cSld>
@@ -9097,6 +9522,258 @@
           <a:bodyPr/>
           <a:lstStyle/>
           <a:p>
+            <a:r>
+              <a:rPr lang="zh-CN" altLang="en-US"/>
+              <a:t>模块声明文件</a:t>
+            </a:r>
+          </a:p>
+        </p:txBody>
+      </p:sp>
+      <p:sp>
+        <p:nvSpPr>
+          <p:cNvPr id="3" name="内容占位符 2"/>
+          <p:cNvSpPr>
+            <a:spLocks noGrp="1"/>
+          </p:cNvSpPr>
+          <p:nvPr>
+            <p:ph idx="1"/>
+          </p:nvPr>
+        </p:nvSpPr>
+        <p:spPr/>
+        <p:txBody>
+          <a:bodyPr/>
+          <a:lstStyle/>
+          <a:p>
+            <a:r>
+              <a:rPr lang="zh-CN" altLang="en-US"/>
+              <a:t>模块声明文件是一个模块的声明信息</a:t>
+            </a:r>
+          </a:p>
+          <a:p>
+            <a:r>
+              <a:rPr lang="en-US" altLang="zh-CN"/>
+              <a:t>module-info.java </a:t>
+            </a:r>
+          </a:p>
+          <a:p>
+            <a:r>
+              <a:rPr lang="zh-CN" altLang="en-US"/>
+              <a:t>位置在模块根上，编成为</a:t>
+            </a:r>
+            <a:r>
+              <a:rPr lang="en-US" altLang="zh-CN"/>
+              <a:t>module-java.class</a:t>
+            </a:r>
+          </a:p>
+          <a:p>
+            <a:r>
+              <a:rPr lang="zh-CN" altLang="en-US"/>
+              <a:t>新的</a:t>
+            </a:r>
+            <a:r>
+              <a:rPr lang="en-US" altLang="zh-CN"/>
+              <a:t>keyword: module</a:t>
+            </a:r>
+            <a:r>
+              <a:rPr lang="zh-CN" altLang="en-US"/>
+              <a:t>声明一个模块</a:t>
+            </a:r>
+          </a:p>
+          <a:p>
+            <a:r>
+              <a:rPr lang="zh-CN" altLang="en-US"/>
+              <a:t>模块名称的规则：与</a:t>
+            </a:r>
+            <a:r>
+              <a:rPr lang="en-US" altLang="zh-CN"/>
+              <a:t>java</a:t>
+            </a:r>
+            <a:r>
+              <a:rPr lang="zh-CN" altLang="en-US"/>
+              <a:t>包的命名规则相似</a:t>
+            </a:r>
+            <a:endParaRPr lang="en-US" altLang="zh-CN"/>
+          </a:p>
+          <a:p>
+            <a:endParaRPr lang="en-US" altLang="zh-CN"/>
+          </a:p>
+        </p:txBody>
+      </p:sp>
+    </p:spTree>
+    <p:custDataLst>
+      <p:tags r:id="rId1"/>
+    </p:custDataLst>
+  </p:cSld>
+  <p:clrMapOvr>
+    <a:masterClrMapping/>
+  </p:clrMapOvr>
+</p:sld>
+</file>
+
+<file path=ppt/slides/slide17.xml><?xml version="1.0" encoding="utf-8"?>
+<p:sld xmlns:a="http://schemas.openxmlformats.org/drawingml/2006/main" xmlns:r="http://schemas.openxmlformats.org/officeDocument/2006/relationships" xmlns:p="http://schemas.openxmlformats.org/presentationml/2006/main">
+  <p:cSld>
+    <p:spTree>
+      <p:nvGrpSpPr>
+        <p:cNvPr id="1" name=""/>
+        <p:cNvGrpSpPr/>
+        <p:nvPr/>
+      </p:nvGrpSpPr>
+      <p:grpSpPr>
+        <a:xfrm>
+          <a:off x="0" y="0"/>
+          <a:ext cx="0" cy="0"/>
+          <a:chOff x="0" y="0"/>
+          <a:chExt cx="0" cy="0"/>
+        </a:xfrm>
+      </p:grpSpPr>
+      <p:sp>
+        <p:nvSpPr>
+          <p:cNvPr id="2" name="标题 1"/>
+          <p:cNvSpPr>
+            <a:spLocks noGrp="1"/>
+          </p:cNvSpPr>
+          <p:nvPr>
+            <p:ph type="title"/>
+          </p:nvPr>
+        </p:nvSpPr>
+        <p:spPr/>
+        <p:txBody>
+          <a:bodyPr/>
+          <a:lstStyle/>
+          <a:p>
+            <a:r>
+              <a:rPr lang="zh-CN" altLang="en-US"/>
+              <a:t>模块化系统的好处（</a:t>
+            </a:r>
+            <a:r>
+              <a:rPr lang="zh-CN" altLang="en-US">
+                <a:solidFill>
+                  <a:srgbClr val="FF0000"/>
+                </a:solidFill>
+              </a:rPr>
+              <a:t>待重新理解</a:t>
+            </a:r>
+            <a:r>
+              <a:rPr lang="zh-CN" altLang="en-US"/>
+              <a:t>）</a:t>
+            </a:r>
+          </a:p>
+        </p:txBody>
+      </p:sp>
+      <p:sp>
+        <p:nvSpPr>
+          <p:cNvPr id="3" name="内容占位符 2"/>
+          <p:cNvSpPr>
+            <a:spLocks noGrp="1"/>
+          </p:cNvSpPr>
+          <p:nvPr>
+            <p:ph idx="1"/>
+          </p:nvPr>
+        </p:nvSpPr>
+        <p:spPr/>
+        <p:txBody>
+          <a:bodyPr/>
+          <a:lstStyle/>
+          <a:p>
+            <a:r>
+              <a:rPr lang="en-US" altLang="zh-CN" dirty="0"/>
+              <a:t>1 </a:t>
+            </a:r>
+            <a:r>
+              <a:rPr lang="zh-CN" altLang="en-US" dirty="0"/>
+              <a:t>可定制</a:t>
+            </a:r>
+            <a:r>
+              <a:rPr lang="en-US" altLang="zh-CN" dirty="0"/>
+              <a:t>JRE</a:t>
+            </a:r>
+            <a:r>
+              <a:rPr lang="zh-CN" altLang="en-US" dirty="0"/>
+              <a:t>： 更小的运行时镜像</a:t>
+            </a:r>
+          </a:p>
+          <a:p>
+            <a:r>
+              <a:rPr lang="en-US" altLang="zh-CN" dirty="0"/>
+              <a:t>2 </a:t>
+            </a:r>
+            <a:r>
+              <a:rPr lang="zh-CN" altLang="en-US" dirty="0"/>
+              <a:t>更确定的模块依赖关系，避免</a:t>
+            </a:r>
+            <a:r>
+              <a:rPr lang="en-US" altLang="zh-CN" dirty="0"/>
+              <a:t>JAR HELL</a:t>
+            </a:r>
+            <a:r>
+              <a:rPr lang="zh-CN" altLang="en-US" dirty="0"/>
+              <a:t>问题</a:t>
+            </a:r>
+          </a:p>
+          <a:p>
+            <a:r>
+              <a:rPr lang="en-US" altLang="zh-CN" dirty="0"/>
+              <a:t>3 </a:t>
+            </a:r>
+            <a:r>
+              <a:rPr lang="zh-CN" altLang="en-US" dirty="0"/>
+              <a:t>与</a:t>
+            </a:r>
+            <a:r>
+              <a:rPr lang="en-US" altLang="zh-CN" dirty="0" err="1"/>
+              <a:t>OSGi</a:t>
+            </a:r>
+            <a:r>
+              <a:rPr lang="zh-CN" altLang="en-US" dirty="0"/>
+              <a:t>的比较</a:t>
+            </a:r>
+          </a:p>
+        </p:txBody>
+      </p:sp>
+    </p:spTree>
+    <p:custDataLst>
+      <p:tags r:id="rId1"/>
+    </p:custDataLst>
+  </p:cSld>
+  <p:clrMapOvr>
+    <a:masterClrMapping/>
+  </p:clrMapOvr>
+</p:sld>
+</file>
+
+<file path=ppt/slides/slide18.xml><?xml version="1.0" encoding="utf-8"?>
+<p:sld xmlns:a="http://schemas.openxmlformats.org/drawingml/2006/main" xmlns:r="http://schemas.openxmlformats.org/officeDocument/2006/relationships" xmlns:p="http://schemas.openxmlformats.org/presentationml/2006/main">
+  <p:cSld>
+    <p:spTree>
+      <p:nvGrpSpPr>
+        <p:cNvPr id="1" name=""/>
+        <p:cNvGrpSpPr/>
+        <p:nvPr/>
+      </p:nvGrpSpPr>
+      <p:grpSpPr>
+        <a:xfrm>
+          <a:off x="0" y="0"/>
+          <a:ext cx="0" cy="0"/>
+          <a:chOff x="0" y="0"/>
+          <a:chExt cx="0" cy="0"/>
+        </a:xfrm>
+      </p:grpSpPr>
+      <p:sp>
+        <p:nvSpPr>
+          <p:cNvPr id="2" name="标题 1"/>
+          <p:cNvSpPr>
+            <a:spLocks noGrp="1"/>
+          </p:cNvSpPr>
+          <p:nvPr>
+            <p:ph type="title"/>
+          </p:nvPr>
+        </p:nvSpPr>
+        <p:spPr/>
+        <p:txBody>
+          <a:bodyPr/>
+          <a:lstStyle/>
+          <a:p>
             <a:endParaRPr lang="zh-CN" altLang="en-US"/>
           </a:p>
         </p:txBody>
@@ -9133,7 +9810,7 @@
 </p:sld>
 </file>
 
-<file path=ppt/slides/slide17.xml><?xml version="1.0" encoding="utf-8"?>
+<file path=ppt/slides/slide19.xml><?xml version="1.0" encoding="utf-8"?>
 <p:sld xmlns:a="http://schemas.openxmlformats.org/drawingml/2006/main" xmlns:r="http://schemas.openxmlformats.org/officeDocument/2006/relationships" xmlns:p="http://schemas.openxmlformats.org/presentationml/2006/main">
   <p:cSld>
     <p:spTree>
@@ -9497,10 +10174,185 @@
   <p:clrMapOvr>
     <a:masterClrMapping/>
   </p:clrMapOvr>
+  <p:timing>
+    <p:tnLst>
+      <p:par>
+        <p:cTn id="1" dur="indefinite" restart="never" nodeType="tmRoot"/>
+      </p:par>
+    </p:tnLst>
+  </p:timing>
 </p:sld>
 </file>
 
 <file path=ppt/slides/slide3.xml><?xml version="1.0" encoding="utf-8"?>
+<p:sld xmlns:a="http://schemas.openxmlformats.org/drawingml/2006/main" xmlns:r="http://schemas.openxmlformats.org/officeDocument/2006/relationships" xmlns:p="http://schemas.openxmlformats.org/presentationml/2006/main">
+  <p:cSld>
+    <p:spTree>
+      <p:nvGrpSpPr>
+        <p:cNvPr id="1" name=""/>
+        <p:cNvGrpSpPr/>
+        <p:nvPr/>
+      </p:nvGrpSpPr>
+      <p:grpSpPr>
+        <a:xfrm>
+          <a:off x="0" y="0"/>
+          <a:ext cx="0" cy="0"/>
+          <a:chOff x="0" y="0"/>
+          <a:chExt cx="0" cy="0"/>
+        </a:xfrm>
+      </p:grpSpPr>
+      <p:sp>
+        <p:nvSpPr>
+          <p:cNvPr id="2" name="标题 1"/>
+          <p:cNvSpPr>
+            <a:spLocks noGrp="1"/>
+          </p:cNvSpPr>
+          <p:nvPr>
+            <p:ph type="title"/>
+          </p:nvPr>
+        </p:nvSpPr>
+        <p:spPr/>
+        <p:txBody>
+          <a:bodyPr/>
+          <a:lstStyle/>
+          <a:p>
+            <a:r>
+              <a:rPr lang="en-US" altLang="zh-CN" dirty="0" smtClean="0"/>
+              <a:t>Java8</a:t>
+            </a:r>
+            <a:endParaRPr lang="zh-CN" altLang="en-US" dirty="0"/>
+          </a:p>
+        </p:txBody>
+      </p:sp>
+      <p:pic>
+        <p:nvPicPr>
+          <p:cNvPr id="4" name="图片 3"/>
+          <p:cNvPicPr>
+            <a:picLocks noChangeAspect="1"/>
+          </p:cNvPicPr>
+          <p:nvPr/>
+        </p:nvPicPr>
+        <p:blipFill>
+          <a:blip r:embed="rId3"/>
+          <a:stretch>
+            <a:fillRect/>
+          </a:stretch>
+        </p:blipFill>
+        <p:spPr>
+          <a:xfrm>
+            <a:off x="566738" y="1881187"/>
+            <a:ext cx="10961014" cy="4476751"/>
+          </a:xfrm>
+          <a:prstGeom prst="rect">
+            <a:avLst/>
+          </a:prstGeom>
+        </p:spPr>
+      </p:pic>
+    </p:spTree>
+    <p:extLst>
+      <p:ext uri="{BB962C8B-B14F-4D97-AF65-F5344CB8AC3E}">
+        <p14:creationId xmlns:p14="http://schemas.microsoft.com/office/powerpoint/2010/main" val="2019974821"/>
+      </p:ext>
+    </p:extLst>
+  </p:cSld>
+  <p:clrMapOvr>
+    <a:masterClrMapping/>
+  </p:clrMapOvr>
+  <p:timing>
+    <p:tnLst>
+      <p:par>
+        <p:cTn id="1" dur="indefinite" restart="never" nodeType="tmRoot"/>
+      </p:par>
+    </p:tnLst>
+  </p:timing>
+</p:sld>
+</file>
+
+<file path=ppt/slides/slide4.xml><?xml version="1.0" encoding="utf-8"?>
+<p:sld xmlns:a="http://schemas.openxmlformats.org/drawingml/2006/main" xmlns:r="http://schemas.openxmlformats.org/officeDocument/2006/relationships" xmlns:p="http://schemas.openxmlformats.org/presentationml/2006/main">
+  <p:cSld>
+    <p:spTree>
+      <p:nvGrpSpPr>
+        <p:cNvPr id="1" name=""/>
+        <p:cNvGrpSpPr/>
+        <p:nvPr/>
+      </p:nvGrpSpPr>
+      <p:grpSpPr>
+        <a:xfrm>
+          <a:off x="0" y="0"/>
+          <a:ext cx="0" cy="0"/>
+          <a:chOff x="0" y="0"/>
+          <a:chExt cx="0" cy="0"/>
+        </a:xfrm>
+      </p:grpSpPr>
+      <p:sp>
+        <p:nvSpPr>
+          <p:cNvPr id="2" name="标题 1"/>
+          <p:cNvSpPr>
+            <a:spLocks noGrp="1"/>
+          </p:cNvSpPr>
+          <p:nvPr>
+            <p:ph type="title"/>
+          </p:nvPr>
+        </p:nvSpPr>
+        <p:spPr/>
+        <p:txBody>
+          <a:bodyPr/>
+          <a:lstStyle/>
+          <a:p>
+            <a:r>
+              <a:rPr lang="en-US" altLang="zh-CN" dirty="0" smtClean="0"/>
+              <a:t>Java 8</a:t>
+            </a:r>
+            <a:endParaRPr lang="zh-CN" altLang="en-US" dirty="0"/>
+          </a:p>
+        </p:txBody>
+      </p:sp>
+      <p:pic>
+        <p:nvPicPr>
+          <p:cNvPr id="4" name="图片 3"/>
+          <p:cNvPicPr>
+            <a:picLocks noChangeAspect="1"/>
+          </p:cNvPicPr>
+          <p:nvPr/>
+        </p:nvPicPr>
+        <p:blipFill>
+          <a:blip r:embed="rId3"/>
+          <a:stretch>
+            <a:fillRect/>
+          </a:stretch>
+        </p:blipFill>
+        <p:spPr>
+          <a:xfrm>
+            <a:off x="2557463" y="1298417"/>
+            <a:ext cx="6029325" cy="5332797"/>
+          </a:xfrm>
+          <a:prstGeom prst="rect">
+            <a:avLst/>
+          </a:prstGeom>
+        </p:spPr>
+      </p:pic>
+    </p:spTree>
+    <p:extLst>
+      <p:ext uri="{BB962C8B-B14F-4D97-AF65-F5344CB8AC3E}">
+        <p14:creationId xmlns:p14="http://schemas.microsoft.com/office/powerpoint/2010/main" val="1011956666"/>
+      </p:ext>
+    </p:extLst>
+  </p:cSld>
+  <p:clrMapOvr>
+    <a:masterClrMapping/>
+  </p:clrMapOvr>
+  <p:timing>
+    <p:tnLst>
+      <p:par>
+        <p:cTn id="1" dur="indefinite" restart="never" nodeType="tmRoot"/>
+      </p:par>
+    </p:tnLst>
+  </p:timing>
+</p:sld>
+</file>
+
+<file path=ppt/slides/slide5.xml><?xml version="1.0" encoding="utf-8"?>
 <p:sld xmlns:a="http://schemas.openxmlformats.org/drawingml/2006/main" xmlns:r="http://schemas.openxmlformats.org/officeDocument/2006/relationships" xmlns:p="http://schemas.openxmlformats.org/presentationml/2006/main">
   <p:cSld>
     <p:spTree>
@@ -9597,10 +10449,17 @@
   <p:clrMapOvr>
     <a:masterClrMapping/>
   </p:clrMapOvr>
+  <p:timing>
+    <p:tnLst>
+      <p:par>
+        <p:cTn id="1" dur="indefinite" restart="never" nodeType="tmRoot"/>
+      </p:par>
+    </p:tnLst>
+  </p:timing>
 </p:sld>
 </file>
 
-<file path=ppt/slides/slide4.xml><?xml version="1.0" encoding="utf-8"?>
+<file path=ppt/slides/slide6.xml><?xml version="1.0" encoding="utf-8"?>
 <p:sld xmlns:a="http://schemas.openxmlformats.org/drawingml/2006/main" xmlns:r="http://schemas.openxmlformats.org/officeDocument/2006/relationships" xmlns:p="http://schemas.openxmlformats.org/presentationml/2006/main">
   <p:cSld>
     <p:spTree>
@@ -9721,7 +10580,7 @@
 </p:sld>
 </file>
 
-<file path=ppt/slides/slide5.xml><?xml version="1.0" encoding="utf-8"?>
+<file path=ppt/slides/slide7.xml><?xml version="1.0" encoding="utf-8"?>
 <p:sld xmlns:a="http://schemas.openxmlformats.org/drawingml/2006/main" xmlns:r="http://schemas.openxmlformats.org/officeDocument/2006/relationships" xmlns:p="http://schemas.openxmlformats.org/presentationml/2006/main">
   <p:cSld>
     <p:spTree>
@@ -9842,201 +10701,6 @@
 </p:sld>
 </file>
 
-<file path=ppt/slides/slide6.xml><?xml version="1.0" encoding="utf-8"?>
-<p:sld xmlns:a="http://schemas.openxmlformats.org/drawingml/2006/main" xmlns:r="http://schemas.openxmlformats.org/officeDocument/2006/relationships" xmlns:p="http://schemas.openxmlformats.org/presentationml/2006/main">
-  <p:cSld>
-    <p:spTree>
-      <p:nvGrpSpPr>
-        <p:cNvPr id="1" name=""/>
-        <p:cNvGrpSpPr/>
-        <p:nvPr/>
-      </p:nvGrpSpPr>
-      <p:grpSpPr>
-        <a:xfrm>
-          <a:off x="0" y="0"/>
-          <a:ext cx="0" cy="0"/>
-          <a:chOff x="0" y="0"/>
-          <a:chExt cx="0" cy="0"/>
-        </a:xfrm>
-      </p:grpSpPr>
-      <p:sp>
-        <p:nvSpPr>
-          <p:cNvPr id="2" name="标题 1"/>
-          <p:cNvSpPr>
-            <a:spLocks noGrp="1"/>
-          </p:cNvSpPr>
-          <p:nvPr>
-            <p:ph type="title"/>
-          </p:nvPr>
-        </p:nvSpPr>
-        <p:spPr/>
-        <p:txBody>
-          <a:bodyPr/>
-          <a:lstStyle/>
-          <a:p>
-            <a:r>
-              <a:rPr lang="en-US" altLang="zh-CN" dirty="0" smtClean="0"/>
-              <a:t>Java 9 </a:t>
-            </a:r>
-            <a:r>
-              <a:rPr lang="zh-CN" altLang="en-US" dirty="0" smtClean="0"/>
-              <a:t>主要的两种新功能</a:t>
-            </a:r>
-            <a:endParaRPr lang="zh-CN" altLang="en-US" dirty="0"/>
-          </a:p>
-        </p:txBody>
-      </p:sp>
-      <p:graphicFrame>
-        <p:nvGraphicFramePr>
-          <p:cNvPr id="4" name="内容占位符 3"/>
-          <p:cNvGraphicFramePr>
-            <a:graphicFrameLocks noGrp="1"/>
-          </p:cNvGraphicFramePr>
-          <p:nvPr>
-            <p:ph idx="1"/>
-            <p:extLst>
-              <p:ext uri="{D42A27DB-BD31-4B8C-83A1-F6EECF244321}">
-                <p14:modId xmlns:p14="http://schemas.microsoft.com/office/powerpoint/2010/main" val="352806240"/>
-              </p:ext>
-            </p:extLst>
-          </p:nvPr>
-        </p:nvGraphicFramePr>
-        <p:xfrm>
-          <a:off x="876300" y="1852613"/>
-          <a:ext cx="10439400" cy="4319587"/>
-        </p:xfrm>
-        <a:graphic>
-          <a:graphicData uri="http://schemas.openxmlformats.org/drawingml/2006/diagram">
-            <dgm:relIds xmlns:dgm="http://schemas.openxmlformats.org/drawingml/2006/diagram" xmlns:r="http://schemas.openxmlformats.org/officeDocument/2006/relationships" r:dm="rId3" r:lo="rId4" r:qs="rId5" r:cs="rId6"/>
-          </a:graphicData>
-        </a:graphic>
-      </p:graphicFrame>
-    </p:spTree>
-    <p:extLst>
-      <p:ext uri="{BB962C8B-B14F-4D97-AF65-F5344CB8AC3E}">
-        <p14:creationId xmlns:p14="http://schemas.microsoft.com/office/powerpoint/2010/main" val="3554635994"/>
-      </p:ext>
-    </p:extLst>
-  </p:cSld>
-  <p:clrMapOvr>
-    <a:masterClrMapping/>
-  </p:clrMapOvr>
-</p:sld>
-</file>
-
-<file path=ppt/slides/slide7.xml><?xml version="1.0" encoding="utf-8"?>
-<p:sld xmlns:a="http://schemas.openxmlformats.org/drawingml/2006/main" xmlns:r="http://schemas.openxmlformats.org/officeDocument/2006/relationships" xmlns:p="http://schemas.openxmlformats.org/presentationml/2006/main">
-  <p:cSld>
-    <p:spTree>
-      <p:nvGrpSpPr>
-        <p:cNvPr id="1" name=""/>
-        <p:cNvGrpSpPr/>
-        <p:nvPr/>
-      </p:nvGrpSpPr>
-      <p:grpSpPr>
-        <a:xfrm>
-          <a:off x="0" y="0"/>
-          <a:ext cx="0" cy="0"/>
-          <a:chOff x="0" y="0"/>
-          <a:chExt cx="0" cy="0"/>
-        </a:xfrm>
-      </p:grpSpPr>
-      <p:sp>
-        <p:nvSpPr>
-          <p:cNvPr id="2" name="标题 1"/>
-          <p:cNvSpPr>
-            <a:spLocks noGrp="1"/>
-          </p:cNvSpPr>
-          <p:nvPr>
-            <p:ph type="title"/>
-          </p:nvPr>
-        </p:nvSpPr>
-        <p:spPr/>
-        <p:txBody>
-          <a:bodyPr/>
-          <a:lstStyle/>
-          <a:p>
-            <a:r>
-              <a:rPr lang="en-US" altLang="zh-CN" dirty="0" smtClean="0"/>
-              <a:t>Java 9 </a:t>
-            </a:r>
-            <a:r>
-              <a:rPr lang="zh-CN" altLang="en-US" dirty="0" smtClean="0"/>
-              <a:t>语言新功能</a:t>
-            </a:r>
-            <a:endParaRPr lang="zh-CN" altLang="en-US" dirty="0"/>
-          </a:p>
-        </p:txBody>
-      </p:sp>
-      <p:sp>
-        <p:nvSpPr>
-          <p:cNvPr id="3" name="内容占位符 2"/>
-          <p:cNvSpPr>
-            <a:spLocks noGrp="1"/>
-          </p:cNvSpPr>
-          <p:nvPr>
-            <p:ph idx="1"/>
-          </p:nvPr>
-        </p:nvSpPr>
-        <p:spPr/>
-        <p:txBody>
-          <a:bodyPr/>
-          <a:lstStyle/>
-          <a:p>
-            <a:r>
-              <a:rPr lang="zh-CN" altLang="en-US" dirty="0" smtClean="0"/>
-              <a:t>允许接口私有方法</a:t>
-            </a:r>
-            <a:endParaRPr lang="en-US" altLang="zh-CN" dirty="0" smtClean="0"/>
-          </a:p>
-          <a:p>
-            <a:r>
-              <a:rPr lang="zh-CN" altLang="en-US" dirty="0" smtClean="0"/>
-              <a:t>下划线不再是全法的命名字符</a:t>
-            </a:r>
-            <a:endParaRPr lang="en-US" altLang="zh-CN" dirty="0" smtClean="0"/>
-          </a:p>
-          <a:p>
-            <a:r>
-              <a:rPr lang="zh-CN" altLang="en-US" dirty="0" smtClean="0"/>
-              <a:t>钻石操作符（</a:t>
-            </a:r>
-            <a:r>
-              <a:rPr lang="en-US" altLang="zh-CN" dirty="0" smtClean="0"/>
-              <a:t>&lt;&gt;</a:t>
-            </a:r>
-            <a:r>
-              <a:rPr lang="zh-CN" altLang="en-US" dirty="0" smtClean="0"/>
-              <a:t>）支持匿名内部类</a:t>
-            </a:r>
-            <a:endParaRPr lang="en-US" altLang="zh-CN" dirty="0" smtClean="0"/>
-          </a:p>
-          <a:p>
-            <a:r>
-              <a:rPr lang="en-US" altLang="zh-CN" dirty="0" smtClean="0"/>
-              <a:t>@</a:t>
-            </a:r>
-            <a:r>
-              <a:rPr lang="en-US" altLang="zh-CN" dirty="0" err="1" smtClean="0"/>
-              <a:t>SafeVarargs</a:t>
-            </a:r>
-            <a:endParaRPr lang="zh-CN" altLang="en-US" dirty="0"/>
-          </a:p>
-        </p:txBody>
-      </p:sp>
-    </p:spTree>
-    <p:extLst>
-      <p:ext uri="{BB962C8B-B14F-4D97-AF65-F5344CB8AC3E}">
-        <p14:creationId xmlns:p14="http://schemas.microsoft.com/office/powerpoint/2010/main" val="2316763263"/>
-      </p:ext>
-    </p:extLst>
-  </p:cSld>
-  <p:clrMapOvr>
-    <a:masterClrMapping/>
-  </p:clrMapOvr>
-</p:sld>
-</file>
-
 <file path=ppt/slides/slide8.xml><?xml version="1.0" encoding="utf-8"?>
 <p:sld xmlns:a="http://schemas.openxmlformats.org/drawingml/2006/main" xmlns:r="http://schemas.openxmlformats.org/officeDocument/2006/relationships" xmlns:p="http://schemas.openxmlformats.org/presentationml/2006/main">
   <p:cSld>
@@ -10071,95 +10735,45 @@
           <a:p>
             <a:r>
               <a:rPr lang="en-US" altLang="zh-CN" dirty="0" smtClean="0"/>
-              <a:t>Java 10 </a:t>
+              <a:t>Java 9 </a:t>
             </a:r>
             <a:r>
               <a:rPr lang="zh-CN" altLang="en-US" dirty="0" smtClean="0"/>
-              <a:t>语言新功能</a:t>
+              <a:t>主要的两种新功能</a:t>
             </a:r>
             <a:endParaRPr lang="zh-CN" altLang="en-US" dirty="0"/>
           </a:p>
         </p:txBody>
       </p:sp>
-      <p:sp>
-        <p:nvSpPr>
-          <p:cNvPr id="3" name="内容占位符 2"/>
-          <p:cNvSpPr>
-            <a:spLocks noGrp="1"/>
-          </p:cNvSpPr>
+      <p:graphicFrame>
+        <p:nvGraphicFramePr>
+          <p:cNvPr id="4" name="内容占位符 3"/>
+          <p:cNvGraphicFramePr>
+            <a:graphicFrameLocks noGrp="1"/>
+          </p:cNvGraphicFramePr>
           <p:nvPr>
             <p:ph idx="1"/>
-          </p:nvPr>
-        </p:nvSpPr>
-        <p:spPr/>
-        <p:txBody>
-          <a:bodyPr/>
-          <a:lstStyle/>
-          <a:p>
-            <a:r>
-              <a:rPr lang="en-US" altLang="zh-CN" dirty="0" smtClean="0"/>
-              <a:t>1. </a:t>
-            </a:r>
-            <a:r>
-              <a:rPr lang="zh-CN" altLang="en-US" dirty="0" smtClean="0"/>
-              <a:t>本地变量推断</a:t>
-            </a:r>
-            <a:endParaRPr lang="en-US" altLang="zh-CN" dirty="0" smtClean="0"/>
-          </a:p>
-          <a:p>
-            <a:r>
-              <a:rPr lang="zh-CN" altLang="en-US" dirty="0" smtClean="0"/>
-              <a:t>不适用</a:t>
-            </a:r>
-            <a:r>
-              <a:rPr lang="en-US" altLang="zh-CN" dirty="0" smtClean="0"/>
-              <a:t>--</a:t>
-            </a:r>
-          </a:p>
-          <a:p>
-            <a:pPr lvl="1"/>
-            <a:r>
-              <a:rPr lang="zh-CN" altLang="en-US" dirty="0"/>
-              <a:t>方法的参数</a:t>
-            </a:r>
-          </a:p>
-          <a:p>
-            <a:pPr lvl="1"/>
-            <a:r>
-              <a:rPr lang="zh-CN" altLang="en-US" dirty="0"/>
-              <a:t>构造函数的参数</a:t>
-            </a:r>
-          </a:p>
-          <a:p>
-            <a:pPr lvl="1"/>
-            <a:r>
-              <a:rPr lang="zh-CN" altLang="en-US" dirty="0"/>
-              <a:t>方法的返回值类型</a:t>
-            </a:r>
-          </a:p>
-          <a:p>
-            <a:pPr lvl="1"/>
-            <a:r>
-              <a:rPr lang="zh-CN" altLang="en-US" dirty="0"/>
-              <a:t>对象的成员变量</a:t>
-            </a:r>
-          </a:p>
-          <a:p>
-            <a:pPr lvl="1"/>
-            <a:r>
-              <a:rPr lang="zh-CN" altLang="en-US" dirty="0"/>
-              <a:t>只是定义定义而不初始化</a:t>
-            </a:r>
-          </a:p>
-          <a:p>
-            <a:endParaRPr lang="zh-CN" altLang="en-US" dirty="0"/>
-          </a:p>
-        </p:txBody>
-      </p:sp>
+            <p:extLst>
+              <p:ext uri="{D42A27DB-BD31-4B8C-83A1-F6EECF244321}">
+                <p14:modId xmlns:p14="http://schemas.microsoft.com/office/powerpoint/2010/main" val="352806240"/>
+              </p:ext>
+            </p:extLst>
+          </p:nvPr>
+        </p:nvGraphicFramePr>
+        <p:xfrm>
+          <a:off x="876300" y="1852613"/>
+          <a:ext cx="10439400" cy="4319587"/>
+        </p:xfrm>
+        <a:graphic>
+          <a:graphicData uri="http://schemas.openxmlformats.org/drawingml/2006/diagram">
+            <dgm:relIds xmlns:dgm="http://schemas.openxmlformats.org/drawingml/2006/diagram" xmlns:r="http://schemas.openxmlformats.org/officeDocument/2006/relationships" r:dm="rId3" r:lo="rId4" r:qs="rId5" r:cs="rId6"/>
+          </a:graphicData>
+        </a:graphic>
+      </p:graphicFrame>
     </p:spTree>
     <p:extLst>
       <p:ext uri="{BB962C8B-B14F-4D97-AF65-F5344CB8AC3E}">
-        <p14:creationId xmlns:p14="http://schemas.microsoft.com/office/powerpoint/2010/main" val="474972903"/>
+        <p14:creationId xmlns:p14="http://schemas.microsoft.com/office/powerpoint/2010/main" val="3554635994"/>
       </p:ext>
     </p:extLst>
   </p:cSld>
@@ -10203,11 +10817,11 @@
           <a:p>
             <a:r>
               <a:rPr lang="en-US" altLang="zh-CN" dirty="0" smtClean="0"/>
-              <a:t>JDK9 Java Security</a:t>
+              <a:t>Java 9 </a:t>
             </a:r>
             <a:r>
               <a:rPr lang="zh-CN" altLang="en-US" dirty="0" smtClean="0"/>
-              <a:t>新功能</a:t>
+              <a:t>语言新功能</a:t>
             </a:r>
             <a:endParaRPr lang="zh-CN" altLang="en-US" dirty="0"/>
           </a:p>
@@ -10229,183 +10843,54 @@
           <a:lstStyle/>
           <a:p>
             <a:r>
+              <a:rPr lang="zh-CN" altLang="en-US" dirty="0" smtClean="0"/>
+              <a:t>允许接口私有方法</a:t>
+            </a:r>
+            <a:endParaRPr lang="en-US" altLang="zh-CN" dirty="0" smtClean="0"/>
+          </a:p>
+          <a:p>
+            <a:r>
+              <a:rPr lang="zh-CN" altLang="en-US" dirty="0" smtClean="0"/>
+              <a:t>单下划线</a:t>
+            </a:r>
+            <a:r>
+              <a:rPr lang="zh-CN" altLang="en-US" dirty="0" smtClean="0"/>
+              <a:t>不再是合法的命名字符</a:t>
+            </a:r>
+            <a:endParaRPr lang="en-US" altLang="zh-CN" dirty="0" smtClean="0"/>
+          </a:p>
+          <a:p>
+            <a:r>
+              <a:rPr lang="zh-CN" altLang="en-US" dirty="0" smtClean="0"/>
+              <a:t>钻石操作符（</a:t>
+            </a:r>
+            <a:r>
               <a:rPr lang="en-US" altLang="zh-CN" dirty="0" smtClean="0"/>
-              <a:t>JSSE </a:t>
+              <a:t>&lt;&gt;</a:t>
             </a:r>
             <a:r>
               <a:rPr lang="zh-CN" altLang="en-US" dirty="0" smtClean="0"/>
-              <a:t>及 </a:t>
+              <a:t>）支持匿名内部类</a:t>
+            </a:r>
+            <a:endParaRPr lang="en-US" altLang="zh-CN" dirty="0" smtClean="0"/>
+          </a:p>
+          <a:p>
+            <a:r>
+              <a:rPr lang="en-US" altLang="zh-CN" dirty="0" smtClean="0"/>
+              <a:t>@</a:t>
             </a:r>
             <a:r>
               <a:rPr lang="en-US" altLang="zh-CN" dirty="0" err="1" smtClean="0"/>
-              <a:t>SunJSSE</a:t>
-            </a:r>
-            <a:r>
-              <a:rPr lang="en-US" altLang="zh-CN" dirty="0" smtClean="0"/>
-              <a:t> provider</a:t>
-            </a:r>
-            <a:r>
-              <a:rPr lang="zh-CN" altLang="en-US" dirty="0" smtClean="0"/>
-              <a:t>支持</a:t>
-            </a:r>
-            <a:r>
-              <a:rPr lang="en-US" altLang="zh-CN" dirty="0" smtClean="0"/>
-              <a:t>TLS 1.0 &amp; </a:t>
-            </a:r>
-            <a:r>
-              <a:rPr lang="en-US" altLang="zh-CN" dirty="0" smtClean="0"/>
-              <a:t>1.2</a:t>
-            </a:r>
-          </a:p>
-          <a:p>
-            <a:r>
-              <a:rPr lang="en-US" altLang="zh-CN" dirty="0">
-                <a:hlinkClick r:id="rId3"/>
-              </a:rPr>
-              <a:t>TLS Application-Layer Protocol Negotiation </a:t>
-            </a:r>
-            <a:r>
-              <a:rPr lang="en-US" altLang="zh-CN" dirty="0" smtClean="0">
-                <a:hlinkClick r:id="rId3"/>
-              </a:rPr>
-              <a:t>Extension</a:t>
-            </a:r>
-            <a:endParaRPr lang="en-US" altLang="zh-CN" dirty="0" smtClean="0"/>
-          </a:p>
-          <a:p>
-            <a:r>
-              <a:rPr lang="en-US" altLang="zh-CN" dirty="0">
-                <a:hlinkClick r:id="rId4"/>
-              </a:rPr>
-              <a:t>OCSP Stapling for </a:t>
-            </a:r>
-            <a:r>
-              <a:rPr lang="en-US" altLang="zh-CN" dirty="0" smtClean="0">
-                <a:hlinkClick r:id="rId4"/>
-              </a:rPr>
-              <a:t>TLS</a:t>
-            </a:r>
-            <a:endParaRPr lang="en-US" altLang="zh-CN" dirty="0" smtClean="0"/>
-          </a:p>
-          <a:p>
-            <a:r>
-              <a:rPr lang="zh-CN" altLang="en-US" dirty="0"/>
-              <a:t>优化</a:t>
-            </a:r>
-            <a:r>
-              <a:rPr lang="en-US" altLang="zh-CN" dirty="0"/>
-              <a:t>GHASH</a:t>
-            </a:r>
-            <a:r>
-              <a:rPr lang="zh-CN" altLang="en-US" dirty="0"/>
-              <a:t>和</a:t>
-            </a:r>
-            <a:r>
-              <a:rPr lang="en-US" altLang="zh-CN" dirty="0"/>
-              <a:t>RSA</a:t>
-            </a:r>
-            <a:r>
-              <a:rPr lang="zh-CN" altLang="en-US" dirty="0"/>
-              <a:t>的</a:t>
-            </a:r>
-            <a:r>
-              <a:rPr lang="en-US" altLang="zh-CN" dirty="0"/>
-              <a:t>CPU</a:t>
-            </a:r>
-            <a:r>
-              <a:rPr lang="zh-CN" altLang="en-US" dirty="0" smtClean="0"/>
-              <a:t>指令</a:t>
-            </a:r>
-            <a:endParaRPr lang="en-US" altLang="zh-CN" dirty="0" smtClean="0"/>
-          </a:p>
-          <a:p>
-            <a:r>
-              <a:rPr lang="zh-CN" altLang="en-US" dirty="0"/>
-              <a:t>提供</a:t>
-            </a:r>
-            <a:r>
-              <a:rPr lang="sv-SE" altLang="zh-CN" dirty="0"/>
-              <a:t>Deterministic Random Bit Generator (DRBG)</a:t>
-            </a:r>
-            <a:r>
-              <a:rPr lang="zh-CN" altLang="en-US" dirty="0"/>
-              <a:t>的</a:t>
-            </a:r>
-            <a:r>
-              <a:rPr lang="en-US" altLang="zh-CN" dirty="0" err="1"/>
-              <a:t>SecureRandom</a:t>
-            </a:r>
-            <a:r>
-              <a:rPr lang="zh-CN" altLang="en-US" dirty="0" smtClean="0"/>
-              <a:t>实现</a:t>
-            </a:r>
-            <a:endParaRPr lang="en-US" altLang="zh-CN" dirty="0" smtClean="0"/>
-          </a:p>
-          <a:p>
-            <a:r>
-              <a:rPr lang="zh-CN" altLang="en-US" dirty="0" smtClean="0"/>
-              <a:t>默认</a:t>
-            </a:r>
-            <a:r>
-              <a:rPr lang="en-US" altLang="zh-CN" dirty="0" err="1" smtClean="0"/>
-              <a:t>keystore</a:t>
-            </a:r>
-            <a:r>
-              <a:rPr lang="en-US" altLang="zh-CN" dirty="0" smtClean="0"/>
-              <a:t> </a:t>
-            </a:r>
-            <a:r>
-              <a:rPr lang="zh-CN" altLang="en-US" dirty="0" smtClean="0"/>
-              <a:t>类型从原来的</a:t>
-            </a:r>
-            <a:r>
-              <a:rPr lang="en-US" altLang="zh-CN" dirty="0" smtClean="0"/>
-              <a:t>JKS </a:t>
-            </a:r>
-            <a:r>
-              <a:rPr lang="zh-CN" altLang="en-US" dirty="0" smtClean="0"/>
-              <a:t>修改为</a:t>
-            </a:r>
-            <a:r>
-              <a:rPr lang="en-US" altLang="zh-CN" dirty="0" smtClean="0"/>
-              <a:t> </a:t>
-            </a:r>
-            <a:r>
-              <a:rPr lang="en-US" altLang="zh-CN" dirty="0" smtClean="0"/>
-              <a:t>PKCS#12</a:t>
-            </a:r>
-          </a:p>
-          <a:p>
-            <a:r>
-              <a:rPr lang="zh-CN" altLang="en-US" dirty="0" smtClean="0"/>
-              <a:t>废弃</a:t>
-            </a:r>
-            <a:r>
-              <a:rPr lang="en-US" altLang="zh-CN" dirty="0" smtClean="0"/>
-              <a:t>SHA-1</a:t>
-            </a:r>
-            <a:r>
-              <a:rPr lang="zh-CN" altLang="en-US" dirty="0" smtClean="0"/>
-              <a:t>证书签名</a:t>
-            </a:r>
-            <a:endParaRPr lang="en-US" altLang="zh-CN" dirty="0" smtClean="0"/>
-          </a:p>
-          <a:p>
-            <a:r>
-              <a:rPr lang="zh-CN" altLang="en-US" dirty="0" smtClean="0"/>
-              <a:t>支持</a:t>
-            </a:r>
-            <a:r>
-              <a:rPr lang="en-US" altLang="zh-CN" dirty="0" smtClean="0"/>
-              <a:t>SHA-3</a:t>
-            </a:r>
+              <a:t>SafeVarargs</a:t>
+            </a:r>
+            <a:endParaRPr lang="zh-CN" altLang="en-US" dirty="0"/>
           </a:p>
         </p:txBody>
       </p:sp>
     </p:spTree>
     <p:extLst>
       <p:ext uri="{BB962C8B-B14F-4D97-AF65-F5344CB8AC3E}">
-        <p14:creationId xmlns:p14="http://schemas.microsoft.com/office/powerpoint/2010/main" val="1013853533"/>
+        <p14:creationId xmlns:p14="http://schemas.microsoft.com/office/powerpoint/2010/main" val="2316763263"/>
       </p:ext>
     </p:extLst>
   </p:cSld>
